--- a/04 - ВКРы/2022-2023 - Разр.библ.функций на языке Python автомат.построения GUI/rndhpc_vkr_pres_gui_2023_83_VasilyanA.pptx
+++ b/04 - ВКРы/2022-2023 - Разр.библ.функций на языке Python автомат.построения GUI/rndhpc_vkr_pres_gui_2023_83_VasilyanA.pptx
@@ -5,7 +5,7 @@
     <p:sldMasterId id="2147483648" r:id="rId1"/>
   </p:sldMasterIdLst>
   <p:notesMasterIdLst>
-    <p:notesMasterId r:id="rId16"/>
+    <p:notesMasterId r:id="rId18"/>
   </p:notesMasterIdLst>
   <p:sldIdLst>
     <p:sldId id="256" r:id="rId2"/>
@@ -14,14 +14,16 @@
     <p:sldId id="276" r:id="rId5"/>
     <p:sldId id="290" r:id="rId6"/>
     <p:sldId id="278" r:id="rId7"/>
-    <p:sldId id="279" r:id="rId8"/>
-    <p:sldId id="280" r:id="rId9"/>
-    <p:sldId id="281" r:id="rId10"/>
-    <p:sldId id="289" r:id="rId11"/>
-    <p:sldId id="293" r:id="rId12"/>
-    <p:sldId id="288" r:id="rId13"/>
-    <p:sldId id="292" r:id="rId14"/>
-    <p:sldId id="274" r:id="rId15"/>
+    <p:sldId id="295" r:id="rId8"/>
+    <p:sldId id="279" r:id="rId9"/>
+    <p:sldId id="298" r:id="rId10"/>
+    <p:sldId id="280" r:id="rId11"/>
+    <p:sldId id="281" r:id="rId12"/>
+    <p:sldId id="289" r:id="rId13"/>
+    <p:sldId id="293" r:id="rId14"/>
+    <p:sldId id="288" r:id="rId15"/>
+    <p:sldId id="292" r:id="rId16"/>
+    <p:sldId id="274" r:id="rId17"/>
   </p:sldIdLst>
   <p:sldSz cx="4610100" cy="3460750"/>
   <p:notesSz cx="4610100" cy="3460750"/>
@@ -221,7 +223,7 @@
           <a:p>
             <a:fld id="{9C547ADD-9021-4B56-9704-593FA2B92072}" type="datetimeFigureOut">
               <a:rPr lang="ru-RU" smtClean="0"/>
-              <a:t>10.06.2023</a:t>
+              <a:t>13.06.2023</a:t>
             </a:fld>
             <a:endParaRPr lang="ru-RU"/>
           </a:p>
@@ -553,7 +555,7 @@
           <a:p>
             <a:fld id="{8FD44BF8-F11D-4543-936C-9F5A87714993}" type="slidenum">
               <a:rPr lang="ru-RU" smtClean="0"/>
-              <a:t>2</a:t>
+              <a:t>1</a:t>
             </a:fld>
             <a:endParaRPr lang="ru-RU"/>
           </a:p>
@@ -562,7 +564,7 @@
     </p:spTree>
     <p:extLst>
       <p:ext uri="{BB962C8B-B14F-4D97-AF65-F5344CB8AC3E}">
-        <p14:creationId xmlns:p14="http://schemas.microsoft.com/office/powerpoint/2010/main" val="2598003240"/>
+        <p14:creationId xmlns:p14="http://schemas.microsoft.com/office/powerpoint/2010/main" val="3516886904"/>
       </p:ext>
     </p:extLst>
   </p:cSld>
@@ -637,7 +639,7 @@
           <a:p>
             <a:fld id="{8FD44BF8-F11D-4543-936C-9F5A87714993}" type="slidenum">
               <a:rPr lang="ru-RU" smtClean="0"/>
-              <a:t>11</a:t>
+              <a:t>10</a:t>
             </a:fld>
             <a:endParaRPr lang="ru-RU"/>
           </a:p>
@@ -646,7 +648,7 @@
     </p:spTree>
     <p:extLst>
       <p:ext uri="{BB962C8B-B14F-4D97-AF65-F5344CB8AC3E}">
-        <p14:creationId xmlns:p14="http://schemas.microsoft.com/office/powerpoint/2010/main" val="3039007358"/>
+        <p14:creationId xmlns:p14="http://schemas.microsoft.com/office/powerpoint/2010/main" val="685227986"/>
       </p:ext>
     </p:extLst>
   </p:cSld>
@@ -721,7 +723,7 @@
           <a:p>
             <a:fld id="{8FD44BF8-F11D-4543-936C-9F5A87714993}" type="slidenum">
               <a:rPr lang="ru-RU" smtClean="0"/>
-              <a:t>12</a:t>
+              <a:t>11</a:t>
             </a:fld>
             <a:endParaRPr lang="ru-RU"/>
           </a:p>
@@ -730,7 +732,7 @@
     </p:spTree>
     <p:extLst>
       <p:ext uri="{BB962C8B-B14F-4D97-AF65-F5344CB8AC3E}">
-        <p14:creationId xmlns:p14="http://schemas.microsoft.com/office/powerpoint/2010/main" val="3722007737"/>
+        <p14:creationId xmlns:p14="http://schemas.microsoft.com/office/powerpoint/2010/main" val="1556422026"/>
       </p:ext>
     </p:extLst>
   </p:cSld>
@@ -805,7 +807,259 @@
           <a:p>
             <a:fld id="{8FD44BF8-F11D-4543-936C-9F5A87714993}" type="slidenum">
               <a:rPr lang="ru-RU" smtClean="0"/>
+              <a:t>12</a:t>
+            </a:fld>
+            <a:endParaRPr lang="ru-RU"/>
+          </a:p>
+        </p:txBody>
+      </p:sp>
+    </p:spTree>
+    <p:extLst>
+      <p:ext uri="{BB962C8B-B14F-4D97-AF65-F5344CB8AC3E}">
+        <p14:creationId xmlns:p14="http://schemas.microsoft.com/office/powerpoint/2010/main" val="3231491056"/>
+      </p:ext>
+    </p:extLst>
+  </p:cSld>
+  <p:clrMapOvr>
+    <a:masterClrMapping/>
+  </p:clrMapOvr>
+</p:notes>
+</file>
+
+<file path=ppt/notesSlides/notesSlide13.xml><?xml version="1.0" encoding="utf-8"?>
+<p:notes xmlns:a="http://schemas.openxmlformats.org/drawingml/2006/main" xmlns:r="http://schemas.openxmlformats.org/officeDocument/2006/relationships" xmlns:p="http://schemas.openxmlformats.org/presentationml/2006/main">
+  <p:cSld>
+    <p:spTree>
+      <p:nvGrpSpPr>
+        <p:cNvPr id="1" name=""/>
+        <p:cNvGrpSpPr/>
+        <p:nvPr/>
+      </p:nvGrpSpPr>
+      <p:grpSpPr>
+        <a:xfrm>
+          <a:off x="0" y="0"/>
+          <a:ext cx="0" cy="0"/>
+          <a:chOff x="0" y="0"/>
+          <a:chExt cx="0" cy="0"/>
+        </a:xfrm>
+      </p:grpSpPr>
+      <p:sp>
+        <p:nvSpPr>
+          <p:cNvPr id="2" name="Образ слайда 1"/>
+          <p:cNvSpPr>
+            <a:spLocks noGrp="1" noRot="1" noChangeAspect="1"/>
+          </p:cNvSpPr>
+          <p:nvPr>
+            <p:ph type="sldImg"/>
+          </p:nvPr>
+        </p:nvSpPr>
+        <p:spPr/>
+      </p:sp>
+      <p:sp>
+        <p:nvSpPr>
+          <p:cNvPr id="3" name="Заметки 2"/>
+          <p:cNvSpPr>
+            <a:spLocks noGrp="1"/>
+          </p:cNvSpPr>
+          <p:nvPr>
+            <p:ph type="body" idx="1"/>
+          </p:nvPr>
+        </p:nvSpPr>
+        <p:spPr/>
+        <p:txBody>
+          <a:bodyPr/>
+          <a:lstStyle/>
+          <a:p>
+            <a:endParaRPr lang="ru-RU" dirty="0"/>
+          </a:p>
+        </p:txBody>
+      </p:sp>
+      <p:sp>
+        <p:nvSpPr>
+          <p:cNvPr id="4" name="Номер слайда 3"/>
+          <p:cNvSpPr>
+            <a:spLocks noGrp="1"/>
+          </p:cNvSpPr>
+          <p:nvPr>
+            <p:ph type="sldNum" sz="quarter" idx="5"/>
+          </p:nvPr>
+        </p:nvSpPr>
+        <p:spPr/>
+        <p:txBody>
+          <a:bodyPr/>
+          <a:lstStyle/>
+          <a:p>
+            <a:fld id="{8FD44BF8-F11D-4543-936C-9F5A87714993}" type="slidenum">
+              <a:rPr lang="ru-RU" smtClean="0"/>
               <a:t>13</a:t>
+            </a:fld>
+            <a:endParaRPr lang="ru-RU"/>
+          </a:p>
+        </p:txBody>
+      </p:sp>
+    </p:spTree>
+    <p:extLst>
+      <p:ext uri="{BB962C8B-B14F-4D97-AF65-F5344CB8AC3E}">
+        <p14:creationId xmlns:p14="http://schemas.microsoft.com/office/powerpoint/2010/main" val="3039007358"/>
+      </p:ext>
+    </p:extLst>
+  </p:cSld>
+  <p:clrMapOvr>
+    <a:masterClrMapping/>
+  </p:clrMapOvr>
+</p:notes>
+</file>
+
+<file path=ppt/notesSlides/notesSlide14.xml><?xml version="1.0" encoding="utf-8"?>
+<p:notes xmlns:a="http://schemas.openxmlformats.org/drawingml/2006/main" xmlns:r="http://schemas.openxmlformats.org/officeDocument/2006/relationships" xmlns:p="http://schemas.openxmlformats.org/presentationml/2006/main">
+  <p:cSld>
+    <p:spTree>
+      <p:nvGrpSpPr>
+        <p:cNvPr id="1" name=""/>
+        <p:cNvGrpSpPr/>
+        <p:nvPr/>
+      </p:nvGrpSpPr>
+      <p:grpSpPr>
+        <a:xfrm>
+          <a:off x="0" y="0"/>
+          <a:ext cx="0" cy="0"/>
+          <a:chOff x="0" y="0"/>
+          <a:chExt cx="0" cy="0"/>
+        </a:xfrm>
+      </p:grpSpPr>
+      <p:sp>
+        <p:nvSpPr>
+          <p:cNvPr id="2" name="Образ слайда 1"/>
+          <p:cNvSpPr>
+            <a:spLocks noGrp="1" noRot="1" noChangeAspect="1"/>
+          </p:cNvSpPr>
+          <p:nvPr>
+            <p:ph type="sldImg"/>
+          </p:nvPr>
+        </p:nvSpPr>
+        <p:spPr/>
+      </p:sp>
+      <p:sp>
+        <p:nvSpPr>
+          <p:cNvPr id="3" name="Заметки 2"/>
+          <p:cNvSpPr>
+            <a:spLocks noGrp="1"/>
+          </p:cNvSpPr>
+          <p:nvPr>
+            <p:ph type="body" idx="1"/>
+          </p:nvPr>
+        </p:nvSpPr>
+        <p:spPr/>
+        <p:txBody>
+          <a:bodyPr/>
+          <a:lstStyle/>
+          <a:p>
+            <a:endParaRPr lang="ru-RU" dirty="0"/>
+          </a:p>
+        </p:txBody>
+      </p:sp>
+      <p:sp>
+        <p:nvSpPr>
+          <p:cNvPr id="4" name="Номер слайда 3"/>
+          <p:cNvSpPr>
+            <a:spLocks noGrp="1"/>
+          </p:cNvSpPr>
+          <p:nvPr>
+            <p:ph type="sldNum" sz="quarter" idx="5"/>
+          </p:nvPr>
+        </p:nvSpPr>
+        <p:spPr/>
+        <p:txBody>
+          <a:bodyPr/>
+          <a:lstStyle/>
+          <a:p>
+            <a:fld id="{8FD44BF8-F11D-4543-936C-9F5A87714993}" type="slidenum">
+              <a:rPr lang="ru-RU" smtClean="0"/>
+              <a:t>14</a:t>
+            </a:fld>
+            <a:endParaRPr lang="ru-RU"/>
+          </a:p>
+        </p:txBody>
+      </p:sp>
+    </p:spTree>
+    <p:extLst>
+      <p:ext uri="{BB962C8B-B14F-4D97-AF65-F5344CB8AC3E}">
+        <p14:creationId xmlns:p14="http://schemas.microsoft.com/office/powerpoint/2010/main" val="3722007737"/>
+      </p:ext>
+    </p:extLst>
+  </p:cSld>
+  <p:clrMapOvr>
+    <a:masterClrMapping/>
+  </p:clrMapOvr>
+</p:notes>
+</file>
+
+<file path=ppt/notesSlides/notesSlide15.xml><?xml version="1.0" encoding="utf-8"?>
+<p:notes xmlns:a="http://schemas.openxmlformats.org/drawingml/2006/main" xmlns:r="http://schemas.openxmlformats.org/officeDocument/2006/relationships" xmlns:p="http://schemas.openxmlformats.org/presentationml/2006/main">
+  <p:cSld>
+    <p:spTree>
+      <p:nvGrpSpPr>
+        <p:cNvPr id="1" name=""/>
+        <p:cNvGrpSpPr/>
+        <p:nvPr/>
+      </p:nvGrpSpPr>
+      <p:grpSpPr>
+        <a:xfrm>
+          <a:off x="0" y="0"/>
+          <a:ext cx="0" cy="0"/>
+          <a:chOff x="0" y="0"/>
+          <a:chExt cx="0" cy="0"/>
+        </a:xfrm>
+      </p:grpSpPr>
+      <p:sp>
+        <p:nvSpPr>
+          <p:cNvPr id="2" name="Образ слайда 1"/>
+          <p:cNvSpPr>
+            <a:spLocks noGrp="1" noRot="1" noChangeAspect="1"/>
+          </p:cNvSpPr>
+          <p:nvPr>
+            <p:ph type="sldImg"/>
+          </p:nvPr>
+        </p:nvSpPr>
+        <p:spPr/>
+      </p:sp>
+      <p:sp>
+        <p:nvSpPr>
+          <p:cNvPr id="3" name="Заметки 2"/>
+          <p:cNvSpPr>
+            <a:spLocks noGrp="1"/>
+          </p:cNvSpPr>
+          <p:nvPr>
+            <p:ph type="body" idx="1"/>
+          </p:nvPr>
+        </p:nvSpPr>
+        <p:spPr/>
+        <p:txBody>
+          <a:bodyPr/>
+          <a:lstStyle/>
+          <a:p>
+            <a:endParaRPr lang="ru-RU" dirty="0"/>
+          </a:p>
+        </p:txBody>
+      </p:sp>
+      <p:sp>
+        <p:nvSpPr>
+          <p:cNvPr id="4" name="Номер слайда 3"/>
+          <p:cNvSpPr>
+            <a:spLocks noGrp="1"/>
+          </p:cNvSpPr>
+          <p:nvPr>
+            <p:ph type="sldNum" sz="quarter" idx="5"/>
+          </p:nvPr>
+        </p:nvSpPr>
+        <p:spPr/>
+        <p:txBody>
+          <a:bodyPr/>
+          <a:lstStyle/>
+          <a:p>
+            <a:fld id="{8FD44BF8-F11D-4543-936C-9F5A87714993}" type="slidenum">
+              <a:rPr lang="ru-RU" smtClean="0"/>
+              <a:t>15</a:t>
             </a:fld>
             <a:endParaRPr lang="ru-RU"/>
           </a:p>
@@ -889,7 +1143,7 @@
           <a:p>
             <a:fld id="{8FD44BF8-F11D-4543-936C-9F5A87714993}" type="slidenum">
               <a:rPr lang="ru-RU" smtClean="0"/>
-              <a:t>3</a:t>
+              <a:t>2</a:t>
             </a:fld>
             <a:endParaRPr lang="ru-RU"/>
           </a:p>
@@ -898,7 +1152,7 @@
     </p:spTree>
     <p:extLst>
       <p:ext uri="{BB962C8B-B14F-4D97-AF65-F5344CB8AC3E}">
-        <p14:creationId xmlns:p14="http://schemas.microsoft.com/office/powerpoint/2010/main" val="2221142230"/>
+        <p14:creationId xmlns:p14="http://schemas.microsoft.com/office/powerpoint/2010/main" val="2598003240"/>
       </p:ext>
     </p:extLst>
   </p:cSld>
@@ -973,7 +1227,7 @@
           <a:p>
             <a:fld id="{8FD44BF8-F11D-4543-936C-9F5A87714993}" type="slidenum">
               <a:rPr lang="ru-RU" smtClean="0"/>
-              <a:t>4</a:t>
+              <a:t>3</a:t>
             </a:fld>
             <a:endParaRPr lang="ru-RU"/>
           </a:p>
@@ -982,7 +1236,7 @@
     </p:spTree>
     <p:extLst>
       <p:ext uri="{BB962C8B-B14F-4D97-AF65-F5344CB8AC3E}">
-        <p14:creationId xmlns:p14="http://schemas.microsoft.com/office/powerpoint/2010/main" val="557164834"/>
+        <p14:creationId xmlns:p14="http://schemas.microsoft.com/office/powerpoint/2010/main" val="2221142230"/>
       </p:ext>
     </p:extLst>
   </p:cSld>
@@ -1057,7 +1311,7 @@
           <a:p>
             <a:fld id="{8FD44BF8-F11D-4543-936C-9F5A87714993}" type="slidenum">
               <a:rPr lang="ru-RU" smtClean="0"/>
-              <a:t>5</a:t>
+              <a:t>4</a:t>
             </a:fld>
             <a:endParaRPr lang="ru-RU"/>
           </a:p>
@@ -1066,7 +1320,7 @@
     </p:spTree>
     <p:extLst>
       <p:ext uri="{BB962C8B-B14F-4D97-AF65-F5344CB8AC3E}">
-        <p14:creationId xmlns:p14="http://schemas.microsoft.com/office/powerpoint/2010/main" val="3534559467"/>
+        <p14:creationId xmlns:p14="http://schemas.microsoft.com/office/powerpoint/2010/main" val="557164834"/>
       </p:ext>
     </p:extLst>
   </p:cSld>
@@ -1141,7 +1395,7 @@
           <a:p>
             <a:fld id="{8FD44BF8-F11D-4543-936C-9F5A87714993}" type="slidenum">
               <a:rPr lang="ru-RU" smtClean="0"/>
-              <a:t>6</a:t>
+              <a:t>5</a:t>
             </a:fld>
             <a:endParaRPr lang="ru-RU"/>
           </a:p>
@@ -1150,7 +1404,7 @@
     </p:spTree>
     <p:extLst>
       <p:ext uri="{BB962C8B-B14F-4D97-AF65-F5344CB8AC3E}">
-        <p14:creationId xmlns:p14="http://schemas.microsoft.com/office/powerpoint/2010/main" val="216417533"/>
+        <p14:creationId xmlns:p14="http://schemas.microsoft.com/office/powerpoint/2010/main" val="3534559467"/>
       </p:ext>
     </p:extLst>
   </p:cSld>
@@ -1225,7 +1479,7 @@
           <a:p>
             <a:fld id="{8FD44BF8-F11D-4543-936C-9F5A87714993}" type="slidenum">
               <a:rPr lang="ru-RU" smtClean="0"/>
-              <a:t>7</a:t>
+              <a:t>6</a:t>
             </a:fld>
             <a:endParaRPr lang="ru-RU"/>
           </a:p>
@@ -1234,7 +1488,7 @@
     </p:spTree>
     <p:extLst>
       <p:ext uri="{BB962C8B-B14F-4D97-AF65-F5344CB8AC3E}">
-        <p14:creationId xmlns:p14="http://schemas.microsoft.com/office/powerpoint/2010/main" val="1837944146"/>
+        <p14:creationId xmlns:p14="http://schemas.microsoft.com/office/powerpoint/2010/main" val="216417533"/>
       </p:ext>
     </p:extLst>
   </p:cSld>
@@ -1309,7 +1563,7 @@
           <a:p>
             <a:fld id="{8FD44BF8-F11D-4543-936C-9F5A87714993}" type="slidenum">
               <a:rPr lang="ru-RU" smtClean="0"/>
-              <a:t>8</a:t>
+              <a:t>7</a:t>
             </a:fld>
             <a:endParaRPr lang="ru-RU"/>
           </a:p>
@@ -1318,7 +1572,7 @@
     </p:spTree>
     <p:extLst>
       <p:ext uri="{BB962C8B-B14F-4D97-AF65-F5344CB8AC3E}">
-        <p14:creationId xmlns:p14="http://schemas.microsoft.com/office/powerpoint/2010/main" val="685227986"/>
+        <p14:creationId xmlns:p14="http://schemas.microsoft.com/office/powerpoint/2010/main" val="3973368084"/>
       </p:ext>
     </p:extLst>
   </p:cSld>
@@ -1393,7 +1647,7 @@
           <a:p>
             <a:fld id="{8FD44BF8-F11D-4543-936C-9F5A87714993}" type="slidenum">
               <a:rPr lang="ru-RU" smtClean="0"/>
-              <a:t>9</a:t>
+              <a:t>8</a:t>
             </a:fld>
             <a:endParaRPr lang="ru-RU"/>
           </a:p>
@@ -1402,7 +1656,7 @@
     </p:spTree>
     <p:extLst>
       <p:ext uri="{BB962C8B-B14F-4D97-AF65-F5344CB8AC3E}">
-        <p14:creationId xmlns:p14="http://schemas.microsoft.com/office/powerpoint/2010/main" val="1556422026"/>
+        <p14:creationId xmlns:p14="http://schemas.microsoft.com/office/powerpoint/2010/main" val="1837944146"/>
       </p:ext>
     </p:extLst>
   </p:cSld>
@@ -1477,7 +1731,7 @@
           <a:p>
             <a:fld id="{8FD44BF8-F11D-4543-936C-9F5A87714993}" type="slidenum">
               <a:rPr lang="ru-RU" smtClean="0"/>
-              <a:t>10</a:t>
+              <a:t>9</a:t>
             </a:fld>
             <a:endParaRPr lang="ru-RU"/>
           </a:p>
@@ -1486,7 +1740,7 @@
     </p:spTree>
     <p:extLst>
       <p:ext uri="{BB962C8B-B14F-4D97-AF65-F5344CB8AC3E}">
-        <p14:creationId xmlns:p14="http://schemas.microsoft.com/office/powerpoint/2010/main" val="3231491056"/>
+        <p14:creationId xmlns:p14="http://schemas.microsoft.com/office/powerpoint/2010/main" val="92679513"/>
       </p:ext>
     </p:extLst>
   </p:cSld>
@@ -1635,7 +1889,7 @@
           <a:p>
             <a:fld id="{A334AF77-F83F-4B7A-BC30-FB4C8B0C2E6D}" type="datetime1">
               <a:rPr lang="en-US" smtClean="0"/>
-              <a:t>6/10/2023</a:t>
+              <a:t>6/13/2023</a:t>
             </a:fld>
             <a:endParaRPr lang="en-US"/>
           </a:p>
@@ -1837,7 +2091,7 @@
           <a:p>
             <a:fld id="{10906F32-FF44-4D02-A0DA-740A7ACE4701}" type="datetime1">
               <a:rPr lang="en-US" smtClean="0"/>
-              <a:t>6/10/2023</a:t>
+              <a:t>6/13/2023</a:t>
             </a:fld>
             <a:endParaRPr lang="en-US" dirty="0"/>
           </a:p>
@@ -2076,7 +2330,7 @@
           <a:p>
             <a:fld id="{13771AAB-9748-4352-89BC-2D6829189A04}" type="datetime1">
               <a:rPr lang="en-US" smtClean="0"/>
-              <a:t>6/10/2023</a:t>
+              <a:t>6/13/2023</a:t>
             </a:fld>
             <a:endParaRPr lang="en-US" dirty="0"/>
           </a:p>
@@ -2246,7 +2500,7 @@
           <a:p>
             <a:fld id="{380C9450-8257-4AFA-AEDA-B66AA15BB2C9}" type="datetime1">
               <a:rPr lang="en-US" smtClean="0"/>
-              <a:t>6/10/2023</a:t>
+              <a:t>6/13/2023</a:t>
             </a:fld>
             <a:endParaRPr lang="en-US"/>
           </a:p>
@@ -2391,7 +2645,7 @@
           <a:p>
             <a:fld id="{395F9B47-F893-44A8-A979-42A19B9058C9}" type="datetime1">
               <a:rPr lang="en-US" smtClean="0"/>
-              <a:t>6/10/2023</a:t>
+              <a:t>6/13/2023</a:t>
             </a:fld>
             <a:endParaRPr lang="en-US"/>
           </a:p>
@@ -2664,7 +2918,7 @@
           <a:p>
             <a:fld id="{A6FEEA81-1057-47F2-BF74-B383739667C0}" type="datetime1">
               <a:rPr lang="en-US" smtClean="0"/>
-              <a:t>6/10/2023</a:t>
+              <a:t>6/13/2023</a:t>
             </a:fld>
             <a:endParaRPr lang="en-US" dirty="0"/>
           </a:p>
@@ -2932,7 +3186,7 @@
             <p:nvPr/>
           </p:nvPicPr>
           <p:blipFill>
-            <a:blip r:embed="rId2" cstate="print"/>
+            <a:blip r:embed="rId3" cstate="print"/>
             <a:stretch>
               <a:fillRect/>
             </a:stretch>
@@ -2960,7 +3214,7 @@
             <p:nvPr/>
           </p:nvPicPr>
           <p:blipFill>
-            <a:blip r:embed="rId3" cstate="print"/>
+            <a:blip r:embed="rId4" cstate="print"/>
             <a:stretch>
               <a:fillRect/>
             </a:stretch>
@@ -3172,7 +3426,7 @@
                 <a:latin typeface="Times New Roman" panose="02020603050405020304" pitchFamily="18" charset="0"/>
                 <a:cs typeface="Times New Roman" panose="02020603050405020304" pitchFamily="18" charset="0"/>
               </a:rPr>
-              <a:t>Студент:		Василян А.Р.</a:t>
+              <a:t>Студент:                                      Василян А.Р.</a:t>
             </a:r>
             <a:endParaRPr lang="en-US" sz="1000" dirty="0">
               <a:latin typeface="Times New Roman" panose="02020603050405020304" pitchFamily="18" charset="0"/>
@@ -3185,21 +3439,7 @@
                 <a:latin typeface="Times New Roman" panose="02020603050405020304" pitchFamily="18" charset="0"/>
                 <a:cs typeface="Times New Roman" panose="02020603050405020304" pitchFamily="18" charset="0"/>
               </a:rPr>
-              <a:t>Научный руководитель: </a:t>
-            </a:r>
-            <a:r>
-              <a:rPr lang="en-US" sz="1000" dirty="0">
-                <a:latin typeface="Times New Roman" panose="02020603050405020304" pitchFamily="18" charset="0"/>
-                <a:cs typeface="Times New Roman" panose="02020603050405020304" pitchFamily="18" charset="0"/>
-              </a:rPr>
-              <a:t>	</a:t>
-            </a:r>
-            <a:r>
-              <a:rPr lang="ru-RU" sz="1000" dirty="0">
-                <a:latin typeface="Times New Roman" panose="02020603050405020304" pitchFamily="18" charset="0"/>
-                <a:cs typeface="Times New Roman" panose="02020603050405020304" pitchFamily="18" charset="0"/>
-              </a:rPr>
-              <a:t>Соколов А.П.</a:t>
+              <a:t>Научный руководитель:            к.ф.-м.н. Соколов А.П.</a:t>
             </a:r>
           </a:p>
         </p:txBody>
@@ -3575,6 +3815,2252 @@
                 </a:spcBef>
               </a:pPr>
               <a:t>10</a:t>
+            </a:fld>
+            <a:endParaRPr lang="ru-RU" spc="-5" dirty="0">
+              <a:solidFill>
+                <a:srgbClr val="0070C0"/>
+              </a:solidFill>
+            </a:endParaRPr>
+          </a:p>
+        </p:txBody>
+      </p:sp>
+      <p:sp>
+        <p:nvSpPr>
+          <p:cNvPr id="6" name="TextBox 5">
+            <a:extLst>
+              <a:ext uri="{FF2B5EF4-FFF2-40B4-BE49-F238E27FC236}">
+                <a16:creationId xmlns:a16="http://schemas.microsoft.com/office/drawing/2014/main" id="{A82E618F-93E9-3FFE-2139-C7EC37B333B9}"/>
+              </a:ext>
+            </a:extLst>
+          </p:cNvPr>
+          <p:cNvSpPr txBox="1"/>
+          <p:nvPr/>
+        </p:nvSpPr>
+        <p:spPr>
+          <a:xfrm>
+            <a:off x="0" y="-2933"/>
+            <a:ext cx="4621079" cy="215444"/>
+          </a:xfrm>
+          <a:prstGeom prst="rect">
+            <a:avLst/>
+          </a:prstGeom>
+          <a:solidFill>
+            <a:schemeClr val="accent1">
+              <a:alpha val="20000"/>
+            </a:schemeClr>
+          </a:solidFill>
+        </p:spPr>
+        <p:txBody>
+          <a:bodyPr wrap="square" rtlCol="0">
+            <a:spAutoFit/>
+          </a:bodyPr>
+          <a:lstStyle/>
+          <a:p>
+            <a:pPr algn="just"/>
+            <a:r>
+              <a:rPr lang="ru-RU" sz="800" dirty="0">
+                <a:solidFill>
+                  <a:schemeClr val="bg1">
+                    <a:lumMod val="75000"/>
+                  </a:schemeClr>
+                </a:solidFill>
+                <a:latin typeface="Times New Roman" panose="02020603050405020304" pitchFamily="18" charset="0"/>
+                <a:cs typeface="Times New Roman" panose="02020603050405020304" pitchFamily="18" charset="0"/>
+              </a:rPr>
+              <a:t>Введение</a:t>
+            </a:r>
+            <a:r>
+              <a:rPr lang="ru-RU" sz="800" dirty="0">
+                <a:latin typeface="Times New Roman" panose="02020603050405020304" pitchFamily="18" charset="0"/>
+                <a:cs typeface="Times New Roman" panose="02020603050405020304" pitchFamily="18" charset="0"/>
+              </a:rPr>
+              <a:t> </a:t>
+            </a:r>
+            <a:r>
+              <a:rPr lang="en-US" sz="800" dirty="0">
+                <a:solidFill>
+                  <a:schemeClr val="bg1">
+                    <a:lumMod val="75000"/>
+                  </a:schemeClr>
+                </a:solidFill>
+                <a:latin typeface="Times New Roman" panose="02020603050405020304" pitchFamily="18" charset="0"/>
+                <a:cs typeface="Times New Roman" panose="02020603050405020304" pitchFamily="18" charset="0"/>
+              </a:rPr>
+              <a:t>| </a:t>
+            </a:r>
+            <a:r>
+              <a:rPr lang="ru-RU" sz="800" dirty="0">
+                <a:solidFill>
+                  <a:schemeClr val="bg1">
+                    <a:lumMod val="75000"/>
+                  </a:schemeClr>
+                </a:solidFill>
+                <a:latin typeface="Times New Roman" panose="02020603050405020304" pitchFamily="18" charset="0"/>
+                <a:cs typeface="Times New Roman" panose="02020603050405020304" pitchFamily="18" charset="0"/>
+              </a:rPr>
+              <a:t>Постановка задачи</a:t>
+            </a:r>
+            <a:r>
+              <a:rPr lang="en-US" sz="800" dirty="0">
+                <a:solidFill>
+                  <a:schemeClr val="bg1">
+                    <a:lumMod val="75000"/>
+                  </a:schemeClr>
+                </a:solidFill>
+                <a:latin typeface="Times New Roman" panose="02020603050405020304" pitchFamily="18" charset="0"/>
+                <a:cs typeface="Times New Roman" panose="02020603050405020304" pitchFamily="18" charset="0"/>
+              </a:rPr>
+              <a:t> | </a:t>
+            </a:r>
+            <a:r>
+              <a:rPr lang="ru-RU" sz="800" dirty="0">
+                <a:latin typeface="Times New Roman" panose="02020603050405020304" pitchFamily="18" charset="0"/>
+                <a:cs typeface="Times New Roman" panose="02020603050405020304" pitchFamily="18" charset="0"/>
+              </a:rPr>
+              <a:t>Программная реализация </a:t>
+            </a:r>
+            <a:r>
+              <a:rPr lang="en-US" sz="800" dirty="0">
+                <a:solidFill>
+                  <a:schemeClr val="bg1">
+                    <a:lumMod val="75000"/>
+                  </a:schemeClr>
+                </a:solidFill>
+                <a:latin typeface="Times New Roman" panose="02020603050405020304" pitchFamily="18" charset="0"/>
+                <a:cs typeface="Times New Roman" panose="02020603050405020304" pitchFamily="18" charset="0"/>
+              </a:rPr>
+              <a:t>|</a:t>
+            </a:r>
+            <a:r>
+              <a:rPr lang="ru-RU" sz="800" dirty="0">
+                <a:solidFill>
+                  <a:schemeClr val="bg1">
+                    <a:lumMod val="75000"/>
+                  </a:schemeClr>
+                </a:solidFill>
+                <a:latin typeface="Times New Roman" panose="02020603050405020304" pitchFamily="18" charset="0"/>
+                <a:cs typeface="Times New Roman" panose="02020603050405020304" pitchFamily="18" charset="0"/>
+              </a:rPr>
+              <a:t> Тестирование</a:t>
+            </a:r>
+            <a:r>
+              <a:rPr lang="en-US" sz="800" dirty="0">
+                <a:solidFill>
+                  <a:schemeClr val="bg1">
+                    <a:lumMod val="75000"/>
+                  </a:schemeClr>
+                </a:solidFill>
+                <a:latin typeface="Times New Roman" panose="02020603050405020304" pitchFamily="18" charset="0"/>
+                <a:cs typeface="Times New Roman" panose="02020603050405020304" pitchFamily="18" charset="0"/>
+              </a:rPr>
+              <a:t> |</a:t>
+            </a:r>
+            <a:r>
+              <a:rPr lang="ru-RU" sz="800" dirty="0">
+                <a:solidFill>
+                  <a:schemeClr val="bg1">
+                    <a:lumMod val="75000"/>
+                  </a:schemeClr>
+                </a:solidFill>
+                <a:latin typeface="Times New Roman" panose="02020603050405020304" pitchFamily="18" charset="0"/>
+                <a:cs typeface="Times New Roman" panose="02020603050405020304" pitchFamily="18" charset="0"/>
+              </a:rPr>
+              <a:t> Заключение</a:t>
+            </a:r>
+          </a:p>
+        </p:txBody>
+      </p:sp>
+      <p:sp>
+        <p:nvSpPr>
+          <p:cNvPr id="12" name="TextBox 11">
+            <a:extLst>
+              <a:ext uri="{FF2B5EF4-FFF2-40B4-BE49-F238E27FC236}">
+                <a16:creationId xmlns:a16="http://schemas.microsoft.com/office/drawing/2014/main" id="{4D3AB3BE-3404-2D88-6C65-5CE19A2952A6}"/>
+              </a:ext>
+            </a:extLst>
+          </p:cNvPr>
+          <p:cNvSpPr txBox="1"/>
+          <p:nvPr/>
+        </p:nvSpPr>
+        <p:spPr>
+          <a:xfrm>
+            <a:off x="191953" y="512260"/>
+            <a:ext cx="4216227" cy="1200329"/>
+          </a:xfrm>
+          <a:prstGeom prst="rect">
+            <a:avLst/>
+          </a:prstGeom>
+          <a:noFill/>
+        </p:spPr>
+        <p:txBody>
+          <a:bodyPr wrap="square" rtlCol="0">
+            <a:spAutoFit/>
+          </a:bodyPr>
+          <a:lstStyle/>
+          <a:p>
+            <a:pPr algn="just"/>
+            <a:r>
+              <a:rPr lang="ru-RU" sz="900" dirty="0">
+                <a:latin typeface="Times New Roman" panose="02020603050405020304" pitchFamily="18" charset="0"/>
+                <a:cs typeface="Times New Roman" panose="02020603050405020304" pitchFamily="18" charset="0"/>
+              </a:rPr>
+              <a:t>Разработано и  запущено на тестовом сервере </a:t>
+            </a:r>
+            <a:r>
+              <a:rPr lang="en-US" sz="900" dirty="0">
+                <a:latin typeface="Times New Roman" panose="02020603050405020304" pitchFamily="18" charset="0"/>
+                <a:cs typeface="Times New Roman" panose="02020603050405020304" pitchFamily="18" charset="0"/>
+              </a:rPr>
+              <a:t>web-</a:t>
+            </a:r>
+            <a:r>
+              <a:rPr lang="ru-RU" sz="900" dirty="0">
+                <a:latin typeface="Times New Roman" panose="02020603050405020304" pitchFamily="18" charset="0"/>
+                <a:cs typeface="Times New Roman" panose="02020603050405020304" pitchFamily="18" charset="0"/>
+              </a:rPr>
+              <a:t>приложение, которое будет использовать сгенерированный интерфейс для получения данных от пользователя.</a:t>
+            </a:r>
+          </a:p>
+          <a:p>
+            <a:pPr algn="just"/>
+            <a:endParaRPr lang="ru-RU" sz="900" dirty="0">
+              <a:latin typeface="Times New Roman" panose="02020603050405020304" pitchFamily="18" charset="0"/>
+              <a:cs typeface="Times New Roman" panose="02020603050405020304" pitchFamily="18" charset="0"/>
+            </a:endParaRPr>
+          </a:p>
+          <a:p>
+            <a:pPr algn="just"/>
+            <a:r>
+              <a:rPr lang="ru-RU" sz="900" dirty="0">
+                <a:latin typeface="Times New Roman" panose="02020603050405020304" pitchFamily="18" charset="0"/>
+                <a:cs typeface="Times New Roman" panose="02020603050405020304" pitchFamily="18" charset="0"/>
+              </a:rPr>
+              <a:t>Во время разработки использовались: </a:t>
+            </a:r>
+            <a:r>
+              <a:rPr lang="en-US" sz="900" dirty="0">
+                <a:latin typeface="Times New Roman" panose="02020603050405020304" pitchFamily="18" charset="0"/>
+                <a:cs typeface="Times New Roman" panose="02020603050405020304" pitchFamily="18" charset="0"/>
+              </a:rPr>
+              <a:t>Django</a:t>
+            </a:r>
+            <a:r>
+              <a:rPr lang="ru-RU" sz="900" baseline="30000" dirty="0">
+                <a:latin typeface="Times New Roman" panose="02020603050405020304" pitchFamily="18" charset="0"/>
+                <a:cs typeface="Times New Roman" panose="02020603050405020304" pitchFamily="18" charset="0"/>
+              </a:rPr>
+              <a:t>1</a:t>
+            </a:r>
+            <a:r>
+              <a:rPr lang="ru-RU" sz="900" dirty="0">
+                <a:latin typeface="Times New Roman" panose="02020603050405020304" pitchFamily="18" charset="0"/>
+                <a:cs typeface="Times New Roman" panose="02020603050405020304" pitchFamily="18" charset="0"/>
+              </a:rPr>
+              <a:t>, </a:t>
+            </a:r>
+            <a:r>
+              <a:rPr lang="en-US" sz="900" dirty="0">
+                <a:latin typeface="Times New Roman" panose="02020603050405020304" pitchFamily="18" charset="0"/>
+                <a:cs typeface="Times New Roman" panose="02020603050405020304" pitchFamily="18" charset="0"/>
+              </a:rPr>
+              <a:t>Docker</a:t>
+            </a:r>
+            <a:r>
+              <a:rPr lang="ru-RU" sz="900" baseline="30000" dirty="0">
+                <a:latin typeface="Times New Roman" panose="02020603050405020304" pitchFamily="18" charset="0"/>
+                <a:cs typeface="Times New Roman" panose="02020603050405020304" pitchFamily="18" charset="0"/>
+              </a:rPr>
+              <a:t>2</a:t>
+            </a:r>
+            <a:r>
+              <a:rPr lang="en-US" sz="900" dirty="0">
+                <a:latin typeface="Times New Roman" panose="02020603050405020304" pitchFamily="18" charset="0"/>
+                <a:cs typeface="Times New Roman" panose="02020603050405020304" pitchFamily="18" charset="0"/>
+              </a:rPr>
+              <a:t>, </a:t>
+            </a:r>
+            <a:r>
+              <a:rPr lang="en-US" sz="900" dirty="0">
+                <a:latin typeface="Times New Roman" panose="02020603050405020304" pitchFamily="18" charset="0"/>
+                <a:ea typeface="Calibri" panose="020F0502020204030204" pitchFamily="34" charset="0"/>
+              </a:rPr>
+              <a:t>Nginx</a:t>
+            </a:r>
+            <a:r>
+              <a:rPr lang="en-US" sz="900" baseline="30000" dirty="0">
+                <a:latin typeface="Times New Roman" panose="02020603050405020304" pitchFamily="18" charset="0"/>
+                <a:ea typeface="Calibri" panose="020F0502020204030204" pitchFamily="34" charset="0"/>
+              </a:rPr>
+              <a:t>3</a:t>
+            </a:r>
+            <a:r>
+              <a:rPr lang="ru-RU" sz="900" dirty="0">
+                <a:effectLst/>
+                <a:latin typeface="Times New Roman" panose="02020603050405020304" pitchFamily="18" charset="0"/>
+                <a:ea typeface="Calibri" panose="020F0502020204030204" pitchFamily="34" charset="0"/>
+              </a:rPr>
+              <a:t>.</a:t>
+            </a:r>
+            <a:r>
+              <a:rPr lang="ru-RU" sz="900" dirty="0">
+                <a:latin typeface="Times New Roman" panose="02020603050405020304" pitchFamily="18" charset="0"/>
+                <a:ea typeface="Calibri" panose="020F0502020204030204" pitchFamily="34" charset="0"/>
+              </a:rPr>
+              <a:t> </a:t>
+            </a:r>
+            <a:r>
+              <a:rPr lang="en-US" sz="900" dirty="0">
+                <a:effectLst/>
+                <a:latin typeface="Times New Roman" panose="02020603050405020304" pitchFamily="18" charset="0"/>
+                <a:ea typeface="Calibri" panose="020F0502020204030204" pitchFamily="34" charset="0"/>
+              </a:rPr>
+              <a:t>Django </a:t>
+            </a:r>
+            <a:r>
+              <a:rPr lang="ru-RU" sz="900" dirty="0">
+                <a:effectLst/>
+                <a:latin typeface="Times New Roman" panose="02020603050405020304" pitchFamily="18" charset="0"/>
+                <a:ea typeface="Calibri" panose="020F0502020204030204" pitchFamily="34" charset="0"/>
+              </a:rPr>
+              <a:t>был выбран ввиду его доступности, оперативности, переносимости (работает на многих платформах) и безопасности.</a:t>
+            </a:r>
+          </a:p>
+          <a:p>
+            <a:pPr algn="just"/>
+            <a:endParaRPr lang="ru-RU" sz="900" dirty="0">
+              <a:effectLst/>
+              <a:latin typeface="Times New Roman" panose="02020603050405020304" pitchFamily="18" charset="0"/>
+              <a:ea typeface="Calibri" panose="020F0502020204030204" pitchFamily="34" charset="0"/>
+            </a:endParaRPr>
+          </a:p>
+        </p:txBody>
+      </p:sp>
+      <p:sp>
+        <p:nvSpPr>
+          <p:cNvPr id="7" name="object 2">
+            <a:extLst>
+              <a:ext uri="{FF2B5EF4-FFF2-40B4-BE49-F238E27FC236}">
+                <a16:creationId xmlns:a16="http://schemas.microsoft.com/office/drawing/2014/main" id="{437C222A-87E8-7F33-F722-C04AA655E7EC}"/>
+              </a:ext>
+            </a:extLst>
+          </p:cNvPr>
+          <p:cNvSpPr txBox="1">
+            <a:spLocks/>
+          </p:cNvSpPr>
+          <p:nvPr/>
+        </p:nvSpPr>
+        <p:spPr>
+          <a:xfrm>
+            <a:off x="196936" y="236243"/>
+            <a:ext cx="4216226" cy="196208"/>
+          </a:xfrm>
+          <a:prstGeom prst="rect">
+            <a:avLst/>
+          </a:prstGeom>
+        </p:spPr>
+        <p:txBody>
+          <a:bodyPr vert="horz" wrap="square" lIns="0" tIns="11430" rIns="0" bIns="0" rtlCol="0">
+            <a:spAutoFit/>
+          </a:bodyPr>
+          <a:lstStyle>
+            <a:lvl1pPr>
+              <a:defRPr sz="1100" b="0" i="0">
+                <a:solidFill>
+                  <a:schemeClr val="tx1"/>
+                </a:solidFill>
+                <a:latin typeface="Tahoma"/>
+                <a:ea typeface="+mj-ea"/>
+                <a:cs typeface="Tahoma"/>
+              </a:defRPr>
+            </a:lvl1pPr>
+          </a:lstStyle>
+          <a:p>
+            <a:pPr marL="12700">
+              <a:spcBef>
+                <a:spcPts val="90"/>
+              </a:spcBef>
+            </a:pPr>
+            <a:r>
+              <a:rPr lang="ru-RU" sz="1200" spc="-40" dirty="0">
+                <a:latin typeface="Times New Roman" panose="02020603050405020304" pitchFamily="18" charset="0"/>
+                <a:cs typeface="Times New Roman" panose="02020603050405020304" pitchFamily="18" charset="0"/>
+              </a:rPr>
+              <a:t>Разработка тестового </a:t>
+            </a:r>
+            <a:r>
+              <a:rPr lang="en-US" sz="1200" spc="-40" dirty="0">
+                <a:latin typeface="Times New Roman" panose="02020603050405020304" pitchFamily="18" charset="0"/>
+                <a:cs typeface="Times New Roman" panose="02020603050405020304" pitchFamily="18" charset="0"/>
+              </a:rPr>
+              <a:t>web-</a:t>
+            </a:r>
+            <a:r>
+              <a:rPr lang="ru-RU" sz="1200" spc="-40" dirty="0">
+                <a:latin typeface="Times New Roman" panose="02020603050405020304" pitchFamily="18" charset="0"/>
+                <a:cs typeface="Times New Roman" panose="02020603050405020304" pitchFamily="18" charset="0"/>
+              </a:rPr>
+              <a:t>приложения</a:t>
+            </a:r>
+          </a:p>
+        </p:txBody>
+      </p:sp>
+      <p:cxnSp>
+        <p:nvCxnSpPr>
+          <p:cNvPr id="8" name="Прямая соединительная линия 7">
+            <a:extLst>
+              <a:ext uri="{FF2B5EF4-FFF2-40B4-BE49-F238E27FC236}">
+                <a16:creationId xmlns:a16="http://schemas.microsoft.com/office/drawing/2014/main" id="{5205C112-8034-ADAD-D16A-3AB510A7A0BB}"/>
+              </a:ext>
+            </a:extLst>
+          </p:cNvPr>
+          <p:cNvCxnSpPr>
+            <a:cxnSpLocks/>
+          </p:cNvCxnSpPr>
+          <p:nvPr/>
+        </p:nvCxnSpPr>
+        <p:spPr>
+          <a:xfrm>
+            <a:off x="196936" y="511175"/>
+            <a:ext cx="4216227" cy="0"/>
+          </a:xfrm>
+          <a:prstGeom prst="line">
+            <a:avLst/>
+          </a:prstGeom>
+          <a:ln>
+            <a:solidFill>
+              <a:srgbClr val="0070C0"/>
+            </a:solidFill>
+          </a:ln>
+        </p:spPr>
+        <p:style>
+          <a:lnRef idx="1">
+            <a:schemeClr val="accent1"/>
+          </a:lnRef>
+          <a:fillRef idx="0">
+            <a:schemeClr val="accent1"/>
+          </a:fillRef>
+          <a:effectRef idx="0">
+            <a:schemeClr val="accent1"/>
+          </a:effectRef>
+          <a:fontRef idx="minor">
+            <a:schemeClr val="tx1"/>
+          </a:fontRef>
+        </p:style>
+      </p:cxnSp>
+      <p:sp>
+        <p:nvSpPr>
+          <p:cNvPr id="15" name="TextBox 14">
+            <a:extLst>
+              <a:ext uri="{FF2B5EF4-FFF2-40B4-BE49-F238E27FC236}">
+                <a16:creationId xmlns:a16="http://schemas.microsoft.com/office/drawing/2014/main" id="{92A73F09-FB3C-2323-907D-989F48742901}"/>
+              </a:ext>
+            </a:extLst>
+          </p:cNvPr>
+          <p:cNvSpPr txBox="1"/>
+          <p:nvPr/>
+        </p:nvSpPr>
+        <p:spPr>
+          <a:xfrm>
+            <a:off x="-1" y="2919435"/>
+            <a:ext cx="4610101" cy="400110"/>
+          </a:xfrm>
+          <a:prstGeom prst="rect">
+            <a:avLst/>
+          </a:prstGeom>
+          <a:noFill/>
+        </p:spPr>
+        <p:txBody>
+          <a:bodyPr wrap="square">
+            <a:spAutoFit/>
+          </a:bodyPr>
+          <a:lstStyle/>
+          <a:p>
+            <a:pPr marL="0" indent="0" algn="just">
+              <a:buNone/>
+            </a:pPr>
+            <a:r>
+              <a:rPr lang="ru-RU" sz="500" dirty="0">
+                <a:effectLst/>
+                <a:latin typeface="Times New Roman" panose="02020603050405020304" pitchFamily="18" charset="0"/>
+                <a:ea typeface="Calibri" panose="020F0502020204030204" pitchFamily="34" charset="0"/>
+                <a:cs typeface="Times New Roman" panose="02020603050405020304" pitchFamily="18" charset="0"/>
+              </a:rPr>
+              <a:t>________________________________________________________________________________________</a:t>
+            </a:r>
+            <a:r>
+              <a:rPr lang="en-US" sz="500" dirty="0">
+                <a:effectLst/>
+                <a:latin typeface="Times New Roman" panose="02020603050405020304" pitchFamily="18" charset="0"/>
+                <a:ea typeface="Calibri" panose="020F0502020204030204" pitchFamily="34" charset="0"/>
+                <a:cs typeface="Times New Roman" panose="02020603050405020304" pitchFamily="18" charset="0"/>
+              </a:rPr>
+              <a:t>___________________________________________________</a:t>
+            </a:r>
+            <a:endParaRPr lang="ru-RU" sz="500" dirty="0">
+              <a:effectLst/>
+              <a:latin typeface="Times New Roman" panose="02020603050405020304" pitchFamily="18" charset="0"/>
+              <a:ea typeface="Calibri" panose="020F0502020204030204" pitchFamily="34" charset="0"/>
+              <a:cs typeface="Times New Roman" panose="02020603050405020304" pitchFamily="18" charset="0"/>
+            </a:endParaRPr>
+          </a:p>
+          <a:p>
+            <a:pPr algn="just"/>
+            <a:r>
+              <a:rPr lang="en-US" sz="500" dirty="0">
+                <a:effectLst/>
+                <a:latin typeface="Times New Roman" panose="02020603050405020304" pitchFamily="18" charset="0"/>
+                <a:ea typeface="Calibri" panose="020F0502020204030204" pitchFamily="34" charset="0"/>
+                <a:cs typeface="Times New Roman" panose="02020603050405020304" pitchFamily="18" charset="0"/>
+              </a:rPr>
+              <a:t>[1] </a:t>
+            </a:r>
+            <a:r>
+              <a:rPr lang="ru-RU" sz="500" dirty="0" err="1">
+                <a:effectLst/>
+                <a:latin typeface="Times New Roman" panose="02020603050405020304" pitchFamily="18" charset="0"/>
+                <a:ea typeface="Calibri" panose="020F0502020204030204" pitchFamily="34" charset="0"/>
+                <a:cs typeface="Times New Roman" panose="02020603050405020304" pitchFamily="18" charset="0"/>
+              </a:rPr>
+              <a:t>Django</a:t>
+            </a:r>
+            <a:r>
+              <a:rPr lang="ru-RU" sz="500" dirty="0">
+                <a:effectLst/>
+                <a:latin typeface="Times New Roman" panose="02020603050405020304" pitchFamily="18" charset="0"/>
+                <a:ea typeface="Calibri" panose="020F0502020204030204" pitchFamily="34" charset="0"/>
+                <a:cs typeface="Times New Roman" panose="02020603050405020304" pitchFamily="18" charset="0"/>
+              </a:rPr>
+              <a:t> — это Python </a:t>
+            </a:r>
+            <a:r>
+              <a:rPr lang="ru-RU" sz="500" dirty="0" err="1">
+                <a:effectLst/>
+                <a:latin typeface="Times New Roman" panose="02020603050405020304" pitchFamily="18" charset="0"/>
+                <a:ea typeface="Calibri" panose="020F0502020204030204" pitchFamily="34" charset="0"/>
+                <a:cs typeface="Times New Roman" panose="02020603050405020304" pitchFamily="18" charset="0"/>
+              </a:rPr>
+              <a:t>web</a:t>
+            </a:r>
+            <a:r>
+              <a:rPr lang="ru-RU" sz="500" dirty="0">
+                <a:effectLst/>
+                <a:latin typeface="Times New Roman" panose="02020603050405020304" pitchFamily="18" charset="0"/>
+                <a:ea typeface="Calibri" panose="020F0502020204030204" pitchFamily="34" charset="0"/>
+                <a:cs typeface="Times New Roman" panose="02020603050405020304" pitchFamily="18" charset="0"/>
+              </a:rPr>
+              <a:t>-фреймворк, с помощью которого можно вести разработку </a:t>
+            </a:r>
+            <a:r>
+              <a:rPr lang="ru-RU" sz="500" dirty="0" err="1">
+                <a:effectLst/>
+                <a:latin typeface="Times New Roman" panose="02020603050405020304" pitchFamily="18" charset="0"/>
+                <a:ea typeface="Calibri" panose="020F0502020204030204" pitchFamily="34" charset="0"/>
+                <a:cs typeface="Times New Roman" panose="02020603050405020304" pitchFamily="18" charset="0"/>
+              </a:rPr>
+              <a:t>web</a:t>
+            </a:r>
+            <a:r>
+              <a:rPr lang="ru-RU" sz="500" dirty="0">
+                <a:effectLst/>
+                <a:latin typeface="Times New Roman" panose="02020603050405020304" pitchFamily="18" charset="0"/>
+                <a:ea typeface="Calibri" panose="020F0502020204030204" pitchFamily="34" charset="0"/>
+                <a:cs typeface="Times New Roman" panose="02020603050405020304" pitchFamily="18" charset="0"/>
+              </a:rPr>
+              <a:t>-приложения.</a:t>
+            </a:r>
+            <a:endParaRPr lang="ru-RU" sz="500" dirty="0">
+              <a:latin typeface="Calibri" panose="020F0502020204030204" pitchFamily="34" charset="0"/>
+              <a:ea typeface="Calibri" panose="020F0502020204030204" pitchFamily="34" charset="0"/>
+              <a:cs typeface="Times New Roman" panose="02020603050405020304" pitchFamily="18" charset="0"/>
+            </a:endParaRPr>
+          </a:p>
+          <a:p>
+            <a:pPr algn="just"/>
+            <a:r>
+              <a:rPr lang="en-US" sz="500" dirty="0">
+                <a:effectLst/>
+                <a:latin typeface="Times New Roman" panose="02020603050405020304" pitchFamily="18" charset="0"/>
+                <a:ea typeface="Calibri" panose="020F0502020204030204" pitchFamily="34" charset="0"/>
+              </a:rPr>
+              <a:t>[2] </a:t>
+            </a:r>
+            <a:r>
+              <a:rPr lang="ru-RU" sz="500" dirty="0" err="1">
+                <a:effectLst/>
+                <a:latin typeface="Times New Roman" panose="02020603050405020304" pitchFamily="18" charset="0"/>
+                <a:ea typeface="Calibri" panose="020F0502020204030204" pitchFamily="34" charset="0"/>
+              </a:rPr>
+              <a:t>Docker</a:t>
+            </a:r>
+            <a:r>
+              <a:rPr lang="ru-RU" sz="500" dirty="0">
+                <a:effectLst/>
+                <a:latin typeface="Times New Roman" panose="02020603050405020304" pitchFamily="18" charset="0"/>
+                <a:ea typeface="Calibri" panose="020F0502020204030204" pitchFamily="34" charset="0"/>
+              </a:rPr>
+              <a:t> — программное обеспечение, применяемое для разработки </a:t>
+            </a:r>
+            <a:r>
+              <a:rPr lang="ru-RU" sz="500" dirty="0" err="1">
+                <a:effectLst/>
+                <a:latin typeface="Times New Roman" panose="02020603050405020304" pitchFamily="18" charset="0"/>
+                <a:ea typeface="Calibri" panose="020F0502020204030204" pitchFamily="34" charset="0"/>
+              </a:rPr>
+              <a:t>web</a:t>
+            </a:r>
+            <a:r>
+              <a:rPr lang="ru-RU" sz="500" dirty="0">
+                <a:effectLst/>
+                <a:latin typeface="Times New Roman" panose="02020603050405020304" pitchFamily="18" charset="0"/>
+                <a:ea typeface="Calibri" panose="020F0502020204030204" pitchFamily="34" charset="0"/>
+              </a:rPr>
+              <a:t>-приложений в средах с поддержкой контейнеризации.</a:t>
+            </a:r>
+            <a:endParaRPr lang="en-US" sz="500" dirty="0">
+              <a:effectLst/>
+              <a:latin typeface="Times New Roman" panose="02020603050405020304" pitchFamily="18" charset="0"/>
+              <a:ea typeface="Calibri" panose="020F0502020204030204" pitchFamily="34" charset="0"/>
+            </a:endParaRPr>
+          </a:p>
+          <a:p>
+            <a:pPr algn="just"/>
+            <a:r>
+              <a:rPr lang="en-US" sz="500" dirty="0">
+                <a:latin typeface="Times New Roman" panose="02020603050405020304" pitchFamily="18" charset="0"/>
+                <a:ea typeface="Calibri" panose="020F0502020204030204" pitchFamily="34" charset="0"/>
+              </a:rPr>
+              <a:t>[3] Nginx </a:t>
+            </a:r>
+            <a:r>
+              <a:rPr lang="ru-RU" sz="500" dirty="0">
+                <a:effectLst/>
+                <a:latin typeface="Times New Roman" panose="02020603050405020304" pitchFamily="18" charset="0"/>
+                <a:ea typeface="Calibri" panose="020F0502020204030204" pitchFamily="34" charset="0"/>
+              </a:rPr>
+              <a:t>— веб-сервер и почтовый прокси-сервер.</a:t>
+            </a:r>
+            <a:endParaRPr lang="en-US" sz="500" dirty="0">
+              <a:latin typeface="Times New Roman" panose="02020603050405020304" pitchFamily="18" charset="0"/>
+              <a:ea typeface="Calibri" panose="020F0502020204030204" pitchFamily="34" charset="0"/>
+            </a:endParaRPr>
+          </a:p>
+        </p:txBody>
+      </p:sp>
+      <p:pic>
+        <p:nvPicPr>
+          <p:cNvPr id="16" name="Объект 2">
+            <a:extLst>
+              <a:ext uri="{FF2B5EF4-FFF2-40B4-BE49-F238E27FC236}">
+                <a16:creationId xmlns:a16="http://schemas.microsoft.com/office/drawing/2014/main" id="{AF0E18EC-1F14-0741-38BF-C67B82BB35A6}"/>
+              </a:ext>
+            </a:extLst>
+          </p:cNvPr>
+          <p:cNvPicPr>
+            <a:picLocks noChangeAspect="1"/>
+          </p:cNvPicPr>
+          <p:nvPr/>
+        </p:nvPicPr>
+        <p:blipFill rotWithShape="1">
+          <a:blip r:embed="rId3" cstate="print">
+            <a:extLst>
+              <a:ext uri="{28A0092B-C50C-407E-A947-70E740481C1C}">
+                <a14:useLocalDpi xmlns:a14="http://schemas.microsoft.com/office/drawing/2010/main" val="0"/>
+              </a:ext>
+            </a:extLst>
+          </a:blip>
+          <a:srcRect r="33080"/>
+          <a:stretch/>
+        </p:blipFill>
+        <p:spPr>
+          <a:xfrm>
+            <a:off x="191953" y="1619727"/>
+            <a:ext cx="2224939" cy="1079768"/>
+          </a:xfrm>
+          <a:prstGeom prst="rect">
+            <a:avLst/>
+          </a:prstGeom>
+        </p:spPr>
+      </p:pic>
+      <p:sp>
+        <p:nvSpPr>
+          <p:cNvPr id="17" name="TextBox 16">
+            <a:extLst>
+              <a:ext uri="{FF2B5EF4-FFF2-40B4-BE49-F238E27FC236}">
+                <a16:creationId xmlns:a16="http://schemas.microsoft.com/office/drawing/2014/main" id="{E7EE87C7-947E-EB26-348A-C85C820526D6}"/>
+              </a:ext>
+            </a:extLst>
+          </p:cNvPr>
+          <p:cNvSpPr txBox="1"/>
+          <p:nvPr/>
+        </p:nvSpPr>
+        <p:spPr>
+          <a:xfrm>
+            <a:off x="196936" y="2699495"/>
+            <a:ext cx="2219956" cy="200055"/>
+          </a:xfrm>
+          <a:prstGeom prst="rect">
+            <a:avLst/>
+          </a:prstGeom>
+          <a:noFill/>
+        </p:spPr>
+        <p:txBody>
+          <a:bodyPr wrap="square">
+            <a:spAutoFit/>
+          </a:bodyPr>
+          <a:lstStyle/>
+          <a:p>
+            <a:pPr algn="ctr"/>
+            <a:r>
+              <a:rPr lang="ru-RU" sz="700" dirty="0">
+                <a:latin typeface="Times New Roman" panose="02020603050405020304" pitchFamily="18" charset="0"/>
+                <a:ea typeface="Calibri" panose="020F0502020204030204" pitchFamily="34" charset="0"/>
+              </a:rPr>
+              <a:t>Рис. </a:t>
+            </a:r>
+            <a:r>
+              <a:rPr lang="en-US" sz="700" dirty="0">
+                <a:latin typeface="Times New Roman" panose="02020603050405020304" pitchFamily="18" charset="0"/>
+                <a:ea typeface="Calibri" panose="020F0502020204030204" pitchFamily="34" charset="0"/>
+              </a:rPr>
+              <a:t>5. </a:t>
+            </a:r>
+            <a:r>
+              <a:rPr lang="ru-RU" sz="700" dirty="0">
+                <a:latin typeface="Times New Roman" panose="02020603050405020304" pitchFamily="18" charset="0"/>
+                <a:ea typeface="Calibri" panose="020F0502020204030204" pitchFamily="34" charset="0"/>
+              </a:rPr>
+              <a:t>Вход на сервер</a:t>
+            </a:r>
+            <a:endParaRPr lang="ru-RU" sz="700" dirty="0"/>
+          </a:p>
+        </p:txBody>
+      </p:sp>
+      <p:pic>
+        <p:nvPicPr>
+          <p:cNvPr id="18" name="Рисунок 17">
+            <a:extLst>
+              <a:ext uri="{FF2B5EF4-FFF2-40B4-BE49-F238E27FC236}">
+                <a16:creationId xmlns:a16="http://schemas.microsoft.com/office/drawing/2014/main" id="{2724C132-416E-FF93-8C9D-05A44D30E4E3}"/>
+              </a:ext>
+            </a:extLst>
+          </p:cNvPr>
+          <p:cNvPicPr>
+            <a:picLocks noChangeAspect="1"/>
+          </p:cNvPicPr>
+          <p:nvPr/>
+        </p:nvPicPr>
+        <p:blipFill>
+          <a:blip r:embed="rId4" cstate="print">
+            <a:extLst>
+              <a:ext uri="{28A0092B-C50C-407E-A947-70E740481C1C}">
+                <a14:useLocalDpi xmlns:a14="http://schemas.microsoft.com/office/drawing/2010/main" val="0"/>
+              </a:ext>
+            </a:extLst>
+          </a:blip>
+          <a:stretch>
+            <a:fillRect/>
+          </a:stretch>
+        </p:blipFill>
+        <p:spPr>
+          <a:xfrm>
+            <a:off x="2440292" y="1552997"/>
+            <a:ext cx="1967888" cy="1292773"/>
+          </a:xfrm>
+          <a:prstGeom prst="rect">
+            <a:avLst/>
+          </a:prstGeom>
+          <a:ln>
+            <a:solidFill>
+              <a:schemeClr val="tx1"/>
+            </a:solidFill>
+          </a:ln>
+        </p:spPr>
+      </p:pic>
+      <p:sp>
+        <p:nvSpPr>
+          <p:cNvPr id="19" name="TextBox 18">
+            <a:extLst>
+              <a:ext uri="{FF2B5EF4-FFF2-40B4-BE49-F238E27FC236}">
+                <a16:creationId xmlns:a16="http://schemas.microsoft.com/office/drawing/2014/main" id="{5E2E2513-558E-2DC3-BE86-5CC8B35586D3}"/>
+              </a:ext>
+            </a:extLst>
+          </p:cNvPr>
+          <p:cNvSpPr txBox="1"/>
+          <p:nvPr/>
+        </p:nvSpPr>
+        <p:spPr>
+          <a:xfrm>
+            <a:off x="2445054" y="2840961"/>
+            <a:ext cx="1967888" cy="200055"/>
+          </a:xfrm>
+          <a:prstGeom prst="rect">
+            <a:avLst/>
+          </a:prstGeom>
+          <a:noFill/>
+        </p:spPr>
+        <p:txBody>
+          <a:bodyPr wrap="square">
+            <a:spAutoFit/>
+          </a:bodyPr>
+          <a:lstStyle/>
+          <a:p>
+            <a:pPr algn="ctr"/>
+            <a:r>
+              <a:rPr lang="ru-RU" sz="700" dirty="0">
+                <a:latin typeface="Times New Roman" panose="02020603050405020304" pitchFamily="18" charset="0"/>
+                <a:ea typeface="Calibri" panose="020F0502020204030204" pitchFamily="34" charset="0"/>
+              </a:rPr>
+              <a:t>Рис. </a:t>
+            </a:r>
+            <a:r>
+              <a:rPr lang="en-US" sz="700" dirty="0">
+                <a:latin typeface="Times New Roman" panose="02020603050405020304" pitchFamily="18" charset="0"/>
+                <a:ea typeface="Calibri" panose="020F0502020204030204" pitchFamily="34" charset="0"/>
+              </a:rPr>
+              <a:t>6. </a:t>
+            </a:r>
+            <a:r>
+              <a:rPr lang="ru-RU" sz="700" dirty="0">
+                <a:latin typeface="Times New Roman" panose="02020603050405020304" pitchFamily="18" charset="0"/>
+                <a:ea typeface="Calibri" panose="020F0502020204030204" pitchFamily="34" charset="0"/>
+              </a:rPr>
+              <a:t>Приветственное окно </a:t>
+            </a:r>
+            <a:r>
+              <a:rPr lang="en-US" sz="700" dirty="0">
+                <a:latin typeface="Times New Roman" panose="02020603050405020304" pitchFamily="18" charset="0"/>
+                <a:ea typeface="Calibri" panose="020F0502020204030204" pitchFamily="34" charset="0"/>
+              </a:rPr>
+              <a:t>Django</a:t>
+            </a:r>
+            <a:endParaRPr lang="ru-RU" sz="700" dirty="0"/>
+          </a:p>
+        </p:txBody>
+      </p:sp>
+    </p:spTree>
+    <p:extLst>
+      <p:ext uri="{BB962C8B-B14F-4D97-AF65-F5344CB8AC3E}">
+        <p14:creationId xmlns:p14="http://schemas.microsoft.com/office/powerpoint/2010/main" val="3555587544"/>
+      </p:ext>
+    </p:extLst>
+  </p:cSld>
+  <p:clrMapOvr>
+    <a:masterClrMapping/>
+  </p:clrMapOvr>
+  <p:transition>
+    <p:cut/>
+  </p:transition>
+</p:sld>
+</file>
+
+<file path=ppt/slides/slide11.xml><?xml version="1.0" encoding="utf-8"?>
+<p:sld xmlns:a="http://schemas.openxmlformats.org/drawingml/2006/main" xmlns:r="http://schemas.openxmlformats.org/officeDocument/2006/relationships" xmlns:p="http://schemas.openxmlformats.org/presentationml/2006/main" showMasterSp="0">
+  <p:cSld>
+    <p:spTree>
+      <p:nvGrpSpPr>
+        <p:cNvPr id="1" name=""/>
+        <p:cNvGrpSpPr/>
+        <p:nvPr/>
+      </p:nvGrpSpPr>
+      <p:grpSpPr>
+        <a:xfrm>
+          <a:off x="0" y="0"/>
+          <a:ext cx="0" cy="0"/>
+          <a:chOff x="0" y="0"/>
+          <a:chExt cx="0" cy="0"/>
+        </a:xfrm>
+      </p:grpSpPr>
+      <p:sp>
+        <p:nvSpPr>
+          <p:cNvPr id="10" name="Прямоугольник 9">
+            <a:extLst>
+              <a:ext uri="{FF2B5EF4-FFF2-40B4-BE49-F238E27FC236}">
+                <a16:creationId xmlns:a16="http://schemas.microsoft.com/office/drawing/2014/main" id="{55EDAC1E-5709-C743-4E51-119E1839A191}"/>
+              </a:ext>
+            </a:extLst>
+          </p:cNvPr>
+          <p:cNvSpPr/>
+          <p:nvPr/>
+        </p:nvSpPr>
+        <p:spPr>
+          <a:xfrm>
+            <a:off x="-20944" y="3295813"/>
+            <a:ext cx="4642023" cy="184666"/>
+          </a:xfrm>
+          <a:prstGeom prst="rect">
+            <a:avLst/>
+          </a:prstGeom>
+          <a:solidFill>
+            <a:schemeClr val="accent1">
+              <a:alpha val="20000"/>
+            </a:schemeClr>
+          </a:solidFill>
+          <a:ln>
+            <a:noFill/>
+          </a:ln>
+        </p:spPr>
+        <p:style>
+          <a:lnRef idx="2">
+            <a:schemeClr val="accent1">
+              <a:shade val="15000"/>
+            </a:schemeClr>
+          </a:lnRef>
+          <a:fillRef idx="1">
+            <a:schemeClr val="accent1"/>
+          </a:fillRef>
+          <a:effectRef idx="0">
+            <a:schemeClr val="accent1"/>
+          </a:effectRef>
+          <a:fontRef idx="minor">
+            <a:schemeClr val="lt1"/>
+          </a:fontRef>
+        </p:style>
+        <p:txBody>
+          <a:bodyPr rtlCol="0" anchor="ctr"/>
+          <a:lstStyle/>
+          <a:p>
+            <a:pPr algn="r"/>
+            <a:r>
+              <a:rPr lang="ru-RU" sz="800" b="1" dirty="0">
+                <a:solidFill>
+                  <a:schemeClr val="bg1">
+                    <a:lumMod val="50000"/>
+                  </a:schemeClr>
+                </a:solidFill>
+                <a:latin typeface="Times New Roman" panose="02020603050405020304" pitchFamily="18" charset="0"/>
+                <a:cs typeface="Times New Roman" panose="02020603050405020304" pitchFamily="18" charset="0"/>
+              </a:rPr>
+              <a:t>Разработка </a:t>
+            </a:r>
+            <a:r>
+              <a:rPr lang="ru-RU" sz="800" b="1" dirty="0" err="1">
+                <a:solidFill>
+                  <a:schemeClr val="bg1">
+                    <a:lumMod val="50000"/>
+                  </a:schemeClr>
+                </a:solidFill>
+                <a:latin typeface="Times New Roman" panose="02020603050405020304" pitchFamily="18" charset="0"/>
+                <a:cs typeface="Times New Roman" panose="02020603050405020304" pitchFamily="18" charset="0"/>
+              </a:rPr>
+              <a:t>web</a:t>
+            </a:r>
+            <a:r>
+              <a:rPr lang="ru-RU" sz="800" b="1" dirty="0">
+                <a:solidFill>
+                  <a:schemeClr val="bg1">
+                    <a:lumMod val="50000"/>
+                  </a:schemeClr>
+                </a:solidFill>
+                <a:latin typeface="Times New Roman" panose="02020603050405020304" pitchFamily="18" charset="0"/>
+                <a:cs typeface="Times New Roman" panose="02020603050405020304" pitchFamily="18" charset="0"/>
+              </a:rPr>
+              <a:t>-ориентированного ПО, реализующего автоматизированное построение</a:t>
+            </a:r>
+            <a:r>
+              <a:rPr lang="en-US" sz="800" b="1" dirty="0">
+                <a:solidFill>
+                  <a:schemeClr val="bg1">
+                    <a:lumMod val="50000"/>
+                  </a:schemeClr>
+                </a:solidFill>
+                <a:latin typeface="Times New Roman" panose="02020603050405020304" pitchFamily="18" charset="0"/>
+                <a:cs typeface="Times New Roman" panose="02020603050405020304" pitchFamily="18" charset="0"/>
+              </a:rPr>
+              <a:t> GUI</a:t>
+            </a:r>
+            <a:endParaRPr lang="ru-RU" sz="800" dirty="0">
+              <a:solidFill>
+                <a:schemeClr val="bg1">
+                  <a:lumMod val="50000"/>
+                </a:schemeClr>
+              </a:solidFill>
+            </a:endParaRPr>
+          </a:p>
+        </p:txBody>
+      </p:sp>
+      <p:sp>
+        <p:nvSpPr>
+          <p:cNvPr id="121" name="Номер слайда 8">
+            <a:extLst>
+              <a:ext uri="{FF2B5EF4-FFF2-40B4-BE49-F238E27FC236}">
+                <a16:creationId xmlns:a16="http://schemas.microsoft.com/office/drawing/2014/main" id="{53F84418-E4D6-E2A5-3E0F-A9A56B4FC5BE}"/>
+              </a:ext>
+            </a:extLst>
+          </p:cNvPr>
+          <p:cNvSpPr txBox="1">
+            <a:spLocks/>
+          </p:cNvSpPr>
+          <p:nvPr/>
+        </p:nvSpPr>
+        <p:spPr>
+          <a:xfrm>
+            <a:off x="-20944" y="3319545"/>
+            <a:ext cx="527293" cy="137203"/>
+          </a:xfrm>
+          <a:prstGeom prst="rect">
+            <a:avLst/>
+          </a:prstGeom>
+        </p:spPr>
+        <p:txBody>
+          <a:bodyPr lIns="0" tIns="0" rIns="0" bIns="0"/>
+          <a:lstStyle>
+            <a:defPPr>
+              <a:defRPr lang="ru-RU"/>
+            </a:defPPr>
+            <a:lvl1pPr marL="0" algn="l" defTabSz="914400" rtl="0" eaLnBrk="1" latinLnBrk="0" hangingPunct="1">
+              <a:defRPr sz="800" b="0" i="0" kern="1200">
+                <a:solidFill>
+                  <a:srgbClr val="00B050"/>
+                </a:solidFill>
+                <a:latin typeface="Times New Roman" panose="02020603050405020304" pitchFamily="18" charset="0"/>
+                <a:ea typeface="+mn-ea"/>
+                <a:cs typeface="Times New Roman" panose="02020603050405020304" pitchFamily="18" charset="0"/>
+              </a:defRPr>
+            </a:lvl1pPr>
+            <a:lvl2pPr marL="457200" algn="l" defTabSz="914400" rtl="0" eaLnBrk="1" latinLnBrk="0" hangingPunct="1">
+              <a:defRPr sz="1800" kern="1200">
+                <a:solidFill>
+                  <a:schemeClr val="tx1"/>
+                </a:solidFill>
+                <a:latin typeface="+mn-lt"/>
+                <a:ea typeface="+mn-ea"/>
+                <a:cs typeface="+mn-cs"/>
+              </a:defRPr>
+            </a:lvl2pPr>
+            <a:lvl3pPr marL="914400" algn="l" defTabSz="914400" rtl="0" eaLnBrk="1" latinLnBrk="0" hangingPunct="1">
+              <a:defRPr sz="1800" kern="1200">
+                <a:solidFill>
+                  <a:schemeClr val="tx1"/>
+                </a:solidFill>
+                <a:latin typeface="+mn-lt"/>
+                <a:ea typeface="+mn-ea"/>
+                <a:cs typeface="+mn-cs"/>
+              </a:defRPr>
+            </a:lvl3pPr>
+            <a:lvl4pPr marL="1371600" algn="l" defTabSz="914400" rtl="0" eaLnBrk="1" latinLnBrk="0" hangingPunct="1">
+              <a:defRPr sz="1800" kern="1200">
+                <a:solidFill>
+                  <a:schemeClr val="tx1"/>
+                </a:solidFill>
+                <a:latin typeface="+mn-lt"/>
+                <a:ea typeface="+mn-ea"/>
+                <a:cs typeface="+mn-cs"/>
+              </a:defRPr>
+            </a:lvl4pPr>
+            <a:lvl5pPr marL="1828800" algn="l" defTabSz="914400" rtl="0" eaLnBrk="1" latinLnBrk="0" hangingPunct="1">
+              <a:defRPr sz="1800" kern="1200">
+                <a:solidFill>
+                  <a:schemeClr val="tx1"/>
+                </a:solidFill>
+                <a:latin typeface="+mn-lt"/>
+                <a:ea typeface="+mn-ea"/>
+                <a:cs typeface="+mn-cs"/>
+              </a:defRPr>
+            </a:lvl5pPr>
+            <a:lvl6pPr marL="2286000" algn="l" defTabSz="914400" rtl="0" eaLnBrk="1" latinLnBrk="0" hangingPunct="1">
+              <a:defRPr sz="1800" kern="1200">
+                <a:solidFill>
+                  <a:schemeClr val="tx1"/>
+                </a:solidFill>
+                <a:latin typeface="+mn-lt"/>
+                <a:ea typeface="+mn-ea"/>
+                <a:cs typeface="+mn-cs"/>
+              </a:defRPr>
+            </a:lvl6pPr>
+            <a:lvl7pPr marL="2743200" algn="l" defTabSz="914400" rtl="0" eaLnBrk="1" latinLnBrk="0" hangingPunct="1">
+              <a:defRPr sz="1800" kern="1200">
+                <a:solidFill>
+                  <a:schemeClr val="tx1"/>
+                </a:solidFill>
+                <a:latin typeface="+mn-lt"/>
+                <a:ea typeface="+mn-ea"/>
+                <a:cs typeface="+mn-cs"/>
+              </a:defRPr>
+            </a:lvl7pPr>
+            <a:lvl8pPr marL="3200400" algn="l" defTabSz="914400" rtl="0" eaLnBrk="1" latinLnBrk="0" hangingPunct="1">
+              <a:defRPr sz="1800" kern="1200">
+                <a:solidFill>
+                  <a:schemeClr val="tx1"/>
+                </a:solidFill>
+                <a:latin typeface="+mn-lt"/>
+                <a:ea typeface="+mn-ea"/>
+                <a:cs typeface="+mn-cs"/>
+              </a:defRPr>
+            </a:lvl8pPr>
+            <a:lvl9pPr marL="3657600" algn="l" defTabSz="914400" rtl="0" eaLnBrk="1" latinLnBrk="0" hangingPunct="1">
+              <a:defRPr sz="1800" kern="1200">
+                <a:solidFill>
+                  <a:schemeClr val="tx1"/>
+                </a:solidFill>
+                <a:latin typeface="+mn-lt"/>
+                <a:ea typeface="+mn-ea"/>
+                <a:cs typeface="+mn-cs"/>
+              </a:defRPr>
+            </a:lvl9pPr>
+          </a:lstStyle>
+          <a:p>
+            <a:pPr marL="38100">
+              <a:spcBef>
+                <a:spcPts val="95"/>
+              </a:spcBef>
+            </a:pPr>
+            <a:fld id="{81D60167-4931-47E6-BA6A-407CBD079E47}" type="slidenum">
+              <a:rPr lang="ru-RU" spc="-5" smtClean="0">
+                <a:solidFill>
+                  <a:srgbClr val="0070C0"/>
+                </a:solidFill>
+              </a:rPr>
+              <a:pPr marL="38100">
+                <a:spcBef>
+                  <a:spcPts val="95"/>
+                </a:spcBef>
+              </a:pPr>
+              <a:t>11</a:t>
+            </a:fld>
+            <a:endParaRPr lang="ru-RU" spc="-5" dirty="0">
+              <a:solidFill>
+                <a:srgbClr val="0070C0"/>
+              </a:solidFill>
+            </a:endParaRPr>
+          </a:p>
+        </p:txBody>
+      </p:sp>
+      <p:sp>
+        <p:nvSpPr>
+          <p:cNvPr id="6" name="TextBox 5">
+            <a:extLst>
+              <a:ext uri="{FF2B5EF4-FFF2-40B4-BE49-F238E27FC236}">
+                <a16:creationId xmlns:a16="http://schemas.microsoft.com/office/drawing/2014/main" id="{A82E618F-93E9-3FFE-2139-C7EC37B333B9}"/>
+              </a:ext>
+            </a:extLst>
+          </p:cNvPr>
+          <p:cNvSpPr txBox="1"/>
+          <p:nvPr/>
+        </p:nvSpPr>
+        <p:spPr>
+          <a:xfrm>
+            <a:off x="0" y="-2933"/>
+            <a:ext cx="4621079" cy="215444"/>
+          </a:xfrm>
+          <a:prstGeom prst="rect">
+            <a:avLst/>
+          </a:prstGeom>
+          <a:solidFill>
+            <a:schemeClr val="accent1">
+              <a:alpha val="20000"/>
+            </a:schemeClr>
+          </a:solidFill>
+        </p:spPr>
+        <p:txBody>
+          <a:bodyPr wrap="square" rtlCol="0">
+            <a:spAutoFit/>
+          </a:bodyPr>
+          <a:lstStyle/>
+          <a:p>
+            <a:pPr algn="just"/>
+            <a:r>
+              <a:rPr lang="ru-RU" sz="800" dirty="0">
+                <a:solidFill>
+                  <a:schemeClr val="bg1">
+                    <a:lumMod val="75000"/>
+                  </a:schemeClr>
+                </a:solidFill>
+                <a:latin typeface="Times New Roman" panose="02020603050405020304" pitchFamily="18" charset="0"/>
+                <a:cs typeface="Times New Roman" panose="02020603050405020304" pitchFamily="18" charset="0"/>
+              </a:rPr>
+              <a:t>Введение</a:t>
+            </a:r>
+            <a:r>
+              <a:rPr lang="ru-RU" sz="800" dirty="0">
+                <a:latin typeface="Times New Roman" panose="02020603050405020304" pitchFamily="18" charset="0"/>
+                <a:cs typeface="Times New Roman" panose="02020603050405020304" pitchFamily="18" charset="0"/>
+              </a:rPr>
+              <a:t> </a:t>
+            </a:r>
+            <a:r>
+              <a:rPr lang="en-US" sz="800" dirty="0">
+                <a:solidFill>
+                  <a:schemeClr val="bg1">
+                    <a:lumMod val="75000"/>
+                  </a:schemeClr>
+                </a:solidFill>
+                <a:latin typeface="Times New Roman" panose="02020603050405020304" pitchFamily="18" charset="0"/>
+                <a:cs typeface="Times New Roman" panose="02020603050405020304" pitchFamily="18" charset="0"/>
+              </a:rPr>
+              <a:t>| </a:t>
+            </a:r>
+            <a:r>
+              <a:rPr lang="ru-RU" sz="800" dirty="0">
+                <a:solidFill>
+                  <a:schemeClr val="bg1">
+                    <a:lumMod val="75000"/>
+                  </a:schemeClr>
+                </a:solidFill>
+                <a:latin typeface="Times New Roman" panose="02020603050405020304" pitchFamily="18" charset="0"/>
+                <a:cs typeface="Times New Roman" panose="02020603050405020304" pitchFamily="18" charset="0"/>
+              </a:rPr>
+              <a:t>Постановка задачи</a:t>
+            </a:r>
+            <a:r>
+              <a:rPr lang="en-US" sz="800" dirty="0">
+                <a:solidFill>
+                  <a:schemeClr val="bg1">
+                    <a:lumMod val="75000"/>
+                  </a:schemeClr>
+                </a:solidFill>
+                <a:latin typeface="Times New Roman" panose="02020603050405020304" pitchFamily="18" charset="0"/>
+                <a:cs typeface="Times New Roman" panose="02020603050405020304" pitchFamily="18" charset="0"/>
+              </a:rPr>
+              <a:t> | </a:t>
+            </a:r>
+            <a:r>
+              <a:rPr lang="ru-RU" sz="800" dirty="0">
+                <a:latin typeface="Times New Roman" panose="02020603050405020304" pitchFamily="18" charset="0"/>
+                <a:cs typeface="Times New Roman" panose="02020603050405020304" pitchFamily="18" charset="0"/>
+              </a:rPr>
+              <a:t>Программная реализация </a:t>
+            </a:r>
+            <a:r>
+              <a:rPr lang="en-US" sz="800" dirty="0">
+                <a:solidFill>
+                  <a:schemeClr val="bg1">
+                    <a:lumMod val="75000"/>
+                  </a:schemeClr>
+                </a:solidFill>
+                <a:latin typeface="Times New Roman" panose="02020603050405020304" pitchFamily="18" charset="0"/>
+                <a:cs typeface="Times New Roman" panose="02020603050405020304" pitchFamily="18" charset="0"/>
+              </a:rPr>
+              <a:t>|</a:t>
+            </a:r>
+            <a:r>
+              <a:rPr lang="ru-RU" sz="800" dirty="0">
+                <a:solidFill>
+                  <a:schemeClr val="bg1">
+                    <a:lumMod val="75000"/>
+                  </a:schemeClr>
+                </a:solidFill>
+                <a:latin typeface="Times New Roman" panose="02020603050405020304" pitchFamily="18" charset="0"/>
+                <a:cs typeface="Times New Roman" panose="02020603050405020304" pitchFamily="18" charset="0"/>
+              </a:rPr>
+              <a:t> Тестирование</a:t>
+            </a:r>
+            <a:r>
+              <a:rPr lang="en-US" sz="800" dirty="0">
+                <a:solidFill>
+                  <a:schemeClr val="bg1">
+                    <a:lumMod val="75000"/>
+                  </a:schemeClr>
+                </a:solidFill>
+                <a:latin typeface="Times New Roman" panose="02020603050405020304" pitchFamily="18" charset="0"/>
+                <a:cs typeface="Times New Roman" panose="02020603050405020304" pitchFamily="18" charset="0"/>
+              </a:rPr>
+              <a:t> |</a:t>
+            </a:r>
+            <a:r>
+              <a:rPr lang="ru-RU" sz="800" dirty="0">
+                <a:solidFill>
+                  <a:schemeClr val="bg1">
+                    <a:lumMod val="75000"/>
+                  </a:schemeClr>
+                </a:solidFill>
+                <a:latin typeface="Times New Roman" panose="02020603050405020304" pitchFamily="18" charset="0"/>
+                <a:cs typeface="Times New Roman" panose="02020603050405020304" pitchFamily="18" charset="0"/>
+              </a:rPr>
+              <a:t> Заключение</a:t>
+            </a:r>
+          </a:p>
+        </p:txBody>
+      </p:sp>
+      <p:sp>
+        <p:nvSpPr>
+          <p:cNvPr id="12" name="TextBox 11">
+            <a:extLst>
+              <a:ext uri="{FF2B5EF4-FFF2-40B4-BE49-F238E27FC236}">
+                <a16:creationId xmlns:a16="http://schemas.microsoft.com/office/drawing/2014/main" id="{4D3AB3BE-3404-2D88-6C65-5CE19A2952A6}"/>
+              </a:ext>
+            </a:extLst>
+          </p:cNvPr>
+          <p:cNvSpPr txBox="1"/>
+          <p:nvPr/>
+        </p:nvSpPr>
+        <p:spPr>
+          <a:xfrm>
+            <a:off x="202425" y="511175"/>
+            <a:ext cx="4216227" cy="784830"/>
+          </a:xfrm>
+          <a:prstGeom prst="rect">
+            <a:avLst/>
+          </a:prstGeom>
+          <a:noFill/>
+        </p:spPr>
+        <p:txBody>
+          <a:bodyPr wrap="square" rtlCol="0">
+            <a:spAutoFit/>
+          </a:bodyPr>
+          <a:lstStyle/>
+          <a:p>
+            <a:pPr lvl="0" algn="just"/>
+            <a:r>
+              <a:rPr lang="ru-RU" sz="900" dirty="0" err="1">
+                <a:solidFill>
+                  <a:schemeClr val="accent1"/>
+                </a:solidFill>
+                <a:latin typeface="Times New Roman" panose="02020603050405020304" pitchFamily="18" charset="0"/>
+                <a:cs typeface="Times New Roman" panose="02020603050405020304" pitchFamily="18" charset="0"/>
+              </a:rPr>
+              <a:t>urlpatterns</a:t>
+            </a:r>
+            <a:r>
+              <a:rPr lang="ru-RU" sz="900" dirty="0">
+                <a:solidFill>
+                  <a:schemeClr val="tx1"/>
+                </a:solidFill>
+                <a:latin typeface="Times New Roman" panose="02020603050405020304" pitchFamily="18" charset="0"/>
+                <a:cs typeface="Times New Roman" panose="02020603050405020304" pitchFamily="18" charset="0"/>
+              </a:rPr>
+              <a:t> (листинг 4) – список всех URL, которые обрабатываются </a:t>
+            </a:r>
+            <a:r>
+              <a:rPr lang="ru-RU" sz="900" dirty="0" err="1">
+                <a:solidFill>
+                  <a:schemeClr val="tx1"/>
+                </a:solidFill>
+                <a:latin typeface="Times New Roman" panose="02020603050405020304" pitchFamily="18" charset="0"/>
+                <a:cs typeface="Times New Roman" panose="02020603050405020304" pitchFamily="18" charset="0"/>
+              </a:rPr>
+              <a:t>web</a:t>
+            </a:r>
+            <a:r>
+              <a:rPr lang="ru-RU" sz="900" dirty="0">
+                <a:solidFill>
+                  <a:schemeClr val="tx1"/>
+                </a:solidFill>
+                <a:latin typeface="Times New Roman" panose="02020603050405020304" pitchFamily="18" charset="0"/>
+                <a:cs typeface="Times New Roman" panose="02020603050405020304" pitchFamily="18" charset="0"/>
+              </a:rPr>
+              <a:t>-приложением.</a:t>
+            </a:r>
+          </a:p>
+          <a:p>
+            <a:pPr lvl="0" algn="just"/>
+            <a:r>
+              <a:rPr lang="ru-RU" sz="900" dirty="0" err="1">
+                <a:solidFill>
+                  <a:schemeClr val="accent1"/>
+                </a:solidFill>
+                <a:latin typeface="Times New Roman" panose="02020603050405020304" pitchFamily="18" charset="0"/>
+                <a:cs typeface="Times New Roman" panose="02020603050405020304" pitchFamily="18" charset="0"/>
+              </a:rPr>
+              <a:t>menu</a:t>
+            </a:r>
+            <a:r>
+              <a:rPr lang="ru-RU" sz="900" dirty="0">
+                <a:solidFill>
+                  <a:schemeClr val="tx1"/>
+                </a:solidFill>
+                <a:latin typeface="Times New Roman" panose="02020603050405020304" pitchFamily="18" charset="0"/>
+                <a:cs typeface="Times New Roman" panose="02020603050405020304" pitchFamily="18" charset="0"/>
+              </a:rPr>
+              <a:t> (листинг 5) – функция-представления, которая сопоставлена с адресом URL с помощью функции </a:t>
+            </a:r>
+            <a:r>
+              <a:rPr lang="ru-RU" sz="900" dirty="0" err="1">
+                <a:solidFill>
+                  <a:schemeClr val="tx1"/>
+                </a:solidFill>
+                <a:latin typeface="Times New Roman" panose="02020603050405020304" pitchFamily="18" charset="0"/>
+                <a:cs typeface="Times New Roman" panose="02020603050405020304" pitchFamily="18" charset="0"/>
+              </a:rPr>
+              <a:t>path</a:t>
+            </a:r>
+            <a:r>
+              <a:rPr lang="ru-RU" sz="900" dirty="0">
+                <a:solidFill>
+                  <a:schemeClr val="tx1"/>
+                </a:solidFill>
+                <a:latin typeface="Times New Roman" panose="02020603050405020304" pitchFamily="18" charset="0"/>
+                <a:cs typeface="Times New Roman" panose="02020603050405020304" pitchFamily="18" charset="0"/>
+              </a:rPr>
+              <a:t>() и которая обрабатывает запрос по этому адресу.</a:t>
+            </a:r>
+          </a:p>
+          <a:p>
+            <a:pPr marL="0" lvl="0" indent="0" algn="just">
+              <a:buNone/>
+            </a:pPr>
+            <a:endParaRPr lang="el-GR" sz="900" dirty="0">
+              <a:solidFill>
+                <a:schemeClr val="tx1"/>
+              </a:solidFill>
+              <a:latin typeface="Times New Roman" panose="02020603050405020304" pitchFamily="18" charset="0"/>
+              <a:cs typeface="Times New Roman" panose="02020603050405020304" pitchFamily="18" charset="0"/>
+            </a:endParaRPr>
+          </a:p>
+        </p:txBody>
+      </p:sp>
+      <p:sp>
+        <p:nvSpPr>
+          <p:cNvPr id="3" name="object 2">
+            <a:extLst>
+              <a:ext uri="{FF2B5EF4-FFF2-40B4-BE49-F238E27FC236}">
+                <a16:creationId xmlns:a16="http://schemas.microsoft.com/office/drawing/2014/main" id="{A9487772-92DA-5864-6231-4E2F67A9840C}"/>
+              </a:ext>
+            </a:extLst>
+          </p:cNvPr>
+          <p:cNvSpPr txBox="1">
+            <a:spLocks/>
+          </p:cNvSpPr>
+          <p:nvPr/>
+        </p:nvSpPr>
+        <p:spPr>
+          <a:xfrm>
+            <a:off x="196936" y="236243"/>
+            <a:ext cx="4216226" cy="196208"/>
+          </a:xfrm>
+          <a:prstGeom prst="rect">
+            <a:avLst/>
+          </a:prstGeom>
+        </p:spPr>
+        <p:txBody>
+          <a:bodyPr vert="horz" wrap="square" lIns="0" tIns="11430" rIns="0" bIns="0" rtlCol="0">
+            <a:spAutoFit/>
+          </a:bodyPr>
+          <a:lstStyle>
+            <a:lvl1pPr>
+              <a:defRPr sz="1100" b="0" i="0">
+                <a:solidFill>
+                  <a:schemeClr val="tx1"/>
+                </a:solidFill>
+                <a:latin typeface="Tahoma"/>
+                <a:ea typeface="+mj-ea"/>
+                <a:cs typeface="Tahoma"/>
+              </a:defRPr>
+            </a:lvl1pPr>
+          </a:lstStyle>
+          <a:p>
+            <a:pPr marL="12700">
+              <a:spcBef>
+                <a:spcPts val="90"/>
+              </a:spcBef>
+            </a:pPr>
+            <a:r>
+              <a:rPr lang="ru-RU" sz="1200" spc="-40" dirty="0">
+                <a:latin typeface="Times New Roman" panose="02020603050405020304" pitchFamily="18" charset="0"/>
+                <a:cs typeface="Times New Roman" panose="02020603050405020304" pitchFamily="18" charset="0"/>
+              </a:rPr>
+              <a:t>Особенности генерации интерфейса с применением </a:t>
+            </a:r>
+            <a:r>
+              <a:rPr lang="ru-RU" sz="1200" spc="-40" dirty="0" err="1">
+                <a:latin typeface="Times New Roman" panose="02020603050405020304" pitchFamily="18" charset="0"/>
+                <a:cs typeface="Times New Roman" panose="02020603050405020304" pitchFamily="18" charset="0"/>
+              </a:rPr>
+              <a:t>Django</a:t>
+            </a:r>
+            <a:r>
+              <a:rPr lang="ru-RU" sz="1200" spc="-40" dirty="0">
+                <a:latin typeface="Times New Roman" panose="02020603050405020304" pitchFamily="18" charset="0"/>
+                <a:cs typeface="Times New Roman" panose="02020603050405020304" pitchFamily="18" charset="0"/>
+              </a:rPr>
+              <a:t> </a:t>
+            </a:r>
+          </a:p>
+        </p:txBody>
+      </p:sp>
+      <p:cxnSp>
+        <p:nvCxnSpPr>
+          <p:cNvPr id="5" name="Прямая соединительная линия 4">
+            <a:extLst>
+              <a:ext uri="{FF2B5EF4-FFF2-40B4-BE49-F238E27FC236}">
+                <a16:creationId xmlns:a16="http://schemas.microsoft.com/office/drawing/2014/main" id="{8FFB1304-084B-797B-59B1-5D3FDC82F748}"/>
+              </a:ext>
+            </a:extLst>
+          </p:cNvPr>
+          <p:cNvCxnSpPr>
+            <a:cxnSpLocks/>
+          </p:cNvCxnSpPr>
+          <p:nvPr/>
+        </p:nvCxnSpPr>
+        <p:spPr>
+          <a:xfrm>
+            <a:off x="196936" y="511175"/>
+            <a:ext cx="4216227" cy="0"/>
+          </a:xfrm>
+          <a:prstGeom prst="line">
+            <a:avLst/>
+          </a:prstGeom>
+          <a:ln>
+            <a:solidFill>
+              <a:srgbClr val="0070C0"/>
+            </a:solidFill>
+          </a:ln>
+        </p:spPr>
+        <p:style>
+          <a:lnRef idx="1">
+            <a:schemeClr val="accent1"/>
+          </a:lnRef>
+          <a:fillRef idx="0">
+            <a:schemeClr val="accent1"/>
+          </a:fillRef>
+          <a:effectRef idx="0">
+            <a:schemeClr val="accent1"/>
+          </a:effectRef>
+          <a:fontRef idx="minor">
+            <a:schemeClr val="tx1"/>
+          </a:fontRef>
+        </p:style>
+      </p:cxnSp>
+      <p:sp>
+        <p:nvSpPr>
+          <p:cNvPr id="11" name="TextBox 10">
+            <a:extLst>
+              <a:ext uri="{FF2B5EF4-FFF2-40B4-BE49-F238E27FC236}">
+                <a16:creationId xmlns:a16="http://schemas.microsoft.com/office/drawing/2014/main" id="{7AE90B04-9242-26C7-E0E2-48E6E01920DE}"/>
+              </a:ext>
+            </a:extLst>
+          </p:cNvPr>
+          <p:cNvSpPr txBox="1"/>
+          <p:nvPr/>
+        </p:nvSpPr>
+        <p:spPr>
+          <a:xfrm>
+            <a:off x="862620" y="1163401"/>
+            <a:ext cx="2874894" cy="954107"/>
+          </a:xfrm>
+          <a:prstGeom prst="rect">
+            <a:avLst/>
+          </a:prstGeom>
+          <a:noFill/>
+          <a:ln>
+            <a:solidFill>
+              <a:schemeClr val="tx1"/>
+            </a:solidFill>
+          </a:ln>
+        </p:spPr>
+        <p:txBody>
+          <a:bodyPr wrap="square">
+            <a:spAutoFit/>
+          </a:bodyPr>
+          <a:lstStyle/>
+          <a:p>
+            <a:r>
+              <a:rPr lang="en-US" sz="700" dirty="0">
+                <a:latin typeface="Consolas" panose="020B0609020204030204" pitchFamily="49" charset="0"/>
+              </a:rPr>
+              <a:t>…</a:t>
+            </a:r>
+          </a:p>
+          <a:p>
+            <a:r>
+              <a:rPr lang="en-US" sz="700" dirty="0" err="1">
+                <a:solidFill>
+                  <a:schemeClr val="accent1"/>
+                </a:solidFill>
+                <a:latin typeface="Consolas" panose="020B0609020204030204" pitchFamily="49" charset="0"/>
+              </a:rPr>
+              <a:t>urlpatterns</a:t>
+            </a:r>
+            <a:r>
+              <a:rPr lang="en-US" sz="700" dirty="0">
+                <a:latin typeface="Consolas" panose="020B0609020204030204" pitchFamily="49" charset="0"/>
+              </a:rPr>
+              <a:t> = [</a:t>
+            </a:r>
+          </a:p>
+          <a:p>
+            <a:r>
+              <a:rPr lang="en-US" sz="700" dirty="0">
+                <a:latin typeface="Consolas" panose="020B0609020204030204" pitchFamily="49" charset="0"/>
+              </a:rPr>
+              <a:t>	path("", </a:t>
+            </a:r>
+            <a:r>
+              <a:rPr lang="en-US" sz="700" dirty="0">
+                <a:solidFill>
+                  <a:schemeClr val="accent1"/>
+                </a:solidFill>
+                <a:latin typeface="Consolas" panose="020B0609020204030204" pitchFamily="49" charset="0"/>
+              </a:rPr>
+              <a:t>menu</a:t>
+            </a:r>
+            <a:r>
+              <a:rPr lang="en-US" sz="700" dirty="0">
+                <a:latin typeface="Consolas" panose="020B0609020204030204" pitchFamily="49" charset="0"/>
+              </a:rPr>
+              <a:t>, name="menu"),</a:t>
+            </a:r>
+          </a:p>
+          <a:p>
+            <a:r>
+              <a:rPr lang="en-US" sz="700" dirty="0">
+                <a:latin typeface="Consolas" panose="020B0609020204030204" pitchFamily="49" charset="0"/>
+              </a:rPr>
+              <a:t>	path("F1/", input1, name="input1"),</a:t>
+            </a:r>
+          </a:p>
+          <a:p>
+            <a:r>
+              <a:rPr lang="en-US" sz="700" dirty="0">
+                <a:latin typeface="Consolas" panose="020B0609020204030204" pitchFamily="49" charset="0"/>
+              </a:rPr>
+              <a:t>	path("F2/", input2, name="input2"),</a:t>
+            </a:r>
+          </a:p>
+          <a:p>
+            <a:r>
+              <a:rPr lang="en-US" sz="700" dirty="0">
+                <a:latin typeface="Consolas" panose="020B0609020204030204" pitchFamily="49" charset="0"/>
+              </a:rPr>
+              <a:t>	path("F3/", input3, name="input3")</a:t>
+            </a:r>
+            <a:endParaRPr lang="ru-RU" sz="700" dirty="0">
+              <a:latin typeface="Consolas" panose="020B0609020204030204" pitchFamily="49" charset="0"/>
+            </a:endParaRPr>
+          </a:p>
+          <a:p>
+            <a:r>
+              <a:rPr lang="en-US" sz="700" dirty="0">
+                <a:latin typeface="Consolas" panose="020B0609020204030204" pitchFamily="49" charset="0"/>
+              </a:rPr>
+              <a:t>]</a:t>
+            </a:r>
+          </a:p>
+          <a:p>
+            <a:r>
+              <a:rPr lang="en-US" sz="700" dirty="0">
+                <a:latin typeface="Consolas" panose="020B0609020204030204" pitchFamily="49" charset="0"/>
+              </a:rPr>
+              <a:t>…</a:t>
+            </a:r>
+            <a:endParaRPr lang="ru-RU" sz="700" dirty="0">
+              <a:latin typeface="Consolas" panose="020B0609020204030204" pitchFamily="49" charset="0"/>
+            </a:endParaRPr>
+          </a:p>
+        </p:txBody>
+      </p:sp>
+      <p:sp>
+        <p:nvSpPr>
+          <p:cNvPr id="13" name="TextBox 12">
+            <a:extLst>
+              <a:ext uri="{FF2B5EF4-FFF2-40B4-BE49-F238E27FC236}">
+                <a16:creationId xmlns:a16="http://schemas.microsoft.com/office/drawing/2014/main" id="{7D5FC50E-A9D4-9C2F-D21D-D562D58FBCDC}"/>
+              </a:ext>
+            </a:extLst>
+          </p:cNvPr>
+          <p:cNvSpPr txBox="1"/>
+          <p:nvPr/>
+        </p:nvSpPr>
+        <p:spPr>
+          <a:xfrm>
+            <a:off x="862620" y="2110287"/>
+            <a:ext cx="2874894" cy="200055"/>
+          </a:xfrm>
+          <a:prstGeom prst="rect">
+            <a:avLst/>
+          </a:prstGeom>
+          <a:noFill/>
+        </p:spPr>
+        <p:txBody>
+          <a:bodyPr wrap="square">
+            <a:spAutoFit/>
+          </a:bodyPr>
+          <a:lstStyle/>
+          <a:p>
+            <a:pPr algn="ctr"/>
+            <a:r>
+              <a:rPr lang="ru-RU" sz="700" dirty="0">
+                <a:latin typeface="Times New Roman" panose="02020603050405020304" pitchFamily="18" charset="0"/>
+                <a:ea typeface="Calibri" panose="020F0502020204030204" pitchFamily="34" charset="0"/>
+              </a:rPr>
+              <a:t>Листинг 4. Содержимое файла </a:t>
+            </a:r>
+            <a:r>
+              <a:rPr lang="en-US" sz="700" dirty="0">
+                <a:latin typeface="Times New Roman" panose="02020603050405020304" pitchFamily="18" charset="0"/>
+                <a:ea typeface="Calibri" panose="020F0502020204030204" pitchFamily="34" charset="0"/>
+              </a:rPr>
+              <a:t>urls.py </a:t>
+            </a:r>
+            <a:endParaRPr lang="ru-RU" sz="700" dirty="0"/>
+          </a:p>
+        </p:txBody>
+      </p:sp>
+      <p:sp>
+        <p:nvSpPr>
+          <p:cNvPr id="14" name="TextBox 13">
+            <a:extLst>
+              <a:ext uri="{FF2B5EF4-FFF2-40B4-BE49-F238E27FC236}">
+                <a16:creationId xmlns:a16="http://schemas.microsoft.com/office/drawing/2014/main" id="{F64A044A-1B45-FB20-5ED4-06D15F1FB860}"/>
+              </a:ext>
+            </a:extLst>
+          </p:cNvPr>
+          <p:cNvSpPr txBox="1"/>
+          <p:nvPr/>
+        </p:nvSpPr>
+        <p:spPr>
+          <a:xfrm>
+            <a:off x="882717" y="2738193"/>
+            <a:ext cx="2865163" cy="307777"/>
+          </a:xfrm>
+          <a:prstGeom prst="rect">
+            <a:avLst/>
+          </a:prstGeom>
+          <a:noFill/>
+          <a:ln>
+            <a:solidFill>
+              <a:schemeClr val="tx1"/>
+            </a:solidFill>
+          </a:ln>
+        </p:spPr>
+        <p:txBody>
+          <a:bodyPr wrap="square">
+            <a:spAutoFit/>
+          </a:bodyPr>
+          <a:lstStyle/>
+          <a:p>
+            <a:r>
+              <a:rPr lang="en-US" sz="700" dirty="0">
+                <a:latin typeface="Consolas" panose="020B0609020204030204" pitchFamily="49" charset="0"/>
+              </a:rPr>
+              <a:t>def </a:t>
+            </a:r>
+            <a:r>
+              <a:rPr lang="en-US" sz="700" dirty="0">
+                <a:solidFill>
+                  <a:schemeClr val="accent1"/>
+                </a:solidFill>
+                <a:latin typeface="Consolas" panose="020B0609020204030204" pitchFamily="49" charset="0"/>
+              </a:rPr>
+              <a:t>menu</a:t>
+            </a:r>
+            <a:r>
+              <a:rPr lang="en-US" sz="700" dirty="0">
+                <a:latin typeface="Consolas" panose="020B0609020204030204" pitchFamily="49" charset="0"/>
+              </a:rPr>
+              <a:t>(request):</a:t>
+            </a:r>
+          </a:p>
+          <a:p>
+            <a:r>
+              <a:rPr lang="en-US" sz="700" dirty="0">
+                <a:latin typeface="Consolas" panose="020B0609020204030204" pitchFamily="49" charset="0"/>
+              </a:rPr>
+              <a:t>	return render(request, "</a:t>
+            </a:r>
+            <a:r>
+              <a:rPr lang="en-US" sz="700" dirty="0">
+                <a:solidFill>
+                  <a:schemeClr val="accent1"/>
+                </a:solidFill>
+                <a:latin typeface="Consolas" panose="020B0609020204030204" pitchFamily="49" charset="0"/>
+              </a:rPr>
+              <a:t>menu.html</a:t>
+            </a:r>
+            <a:r>
+              <a:rPr lang="en-US" sz="700" dirty="0">
+                <a:latin typeface="Consolas" panose="020B0609020204030204" pitchFamily="49" charset="0"/>
+              </a:rPr>
+              <a:t>")</a:t>
+            </a:r>
+            <a:endParaRPr lang="ru-RU" sz="700" dirty="0">
+              <a:latin typeface="Consolas" panose="020B0609020204030204" pitchFamily="49" charset="0"/>
+            </a:endParaRPr>
+          </a:p>
+        </p:txBody>
+      </p:sp>
+      <p:sp>
+        <p:nvSpPr>
+          <p:cNvPr id="15" name="TextBox 14">
+            <a:extLst>
+              <a:ext uri="{FF2B5EF4-FFF2-40B4-BE49-F238E27FC236}">
+                <a16:creationId xmlns:a16="http://schemas.microsoft.com/office/drawing/2014/main" id="{C685E68F-E31F-9B07-4EA9-68FDA58180ED}"/>
+              </a:ext>
+            </a:extLst>
+          </p:cNvPr>
+          <p:cNvSpPr txBox="1"/>
+          <p:nvPr/>
+        </p:nvSpPr>
+        <p:spPr>
+          <a:xfrm>
+            <a:off x="882716" y="3025457"/>
+            <a:ext cx="2865163" cy="200055"/>
+          </a:xfrm>
+          <a:prstGeom prst="rect">
+            <a:avLst/>
+          </a:prstGeom>
+          <a:noFill/>
+        </p:spPr>
+        <p:txBody>
+          <a:bodyPr wrap="square">
+            <a:spAutoFit/>
+          </a:bodyPr>
+          <a:lstStyle/>
+          <a:p>
+            <a:pPr algn="ctr"/>
+            <a:r>
+              <a:rPr lang="ru-RU" sz="700" dirty="0">
+                <a:latin typeface="Times New Roman" panose="02020603050405020304" pitchFamily="18" charset="0"/>
+                <a:ea typeface="Calibri" panose="020F0502020204030204" pitchFamily="34" charset="0"/>
+              </a:rPr>
+              <a:t>Листинг 5. Функция-представления </a:t>
+            </a:r>
+            <a:r>
+              <a:rPr lang="en-US" sz="700" dirty="0" err="1">
+                <a:latin typeface="Times New Roman" panose="02020603050405020304" pitchFamily="18" charset="0"/>
+                <a:ea typeface="Calibri" panose="020F0502020204030204" pitchFamily="34" charset="0"/>
+              </a:rPr>
+              <a:t>gui</a:t>
+            </a:r>
+            <a:r>
+              <a:rPr lang="en-US" sz="700" dirty="0">
+                <a:latin typeface="Times New Roman" panose="02020603050405020304" pitchFamily="18" charset="0"/>
+                <a:ea typeface="Calibri" panose="020F0502020204030204" pitchFamily="34" charset="0"/>
+              </a:rPr>
+              <a:t> </a:t>
+            </a:r>
+            <a:r>
+              <a:rPr lang="ru-RU" sz="700" dirty="0">
+                <a:latin typeface="Times New Roman" panose="02020603050405020304" pitchFamily="18" charset="0"/>
+                <a:ea typeface="Calibri" panose="020F0502020204030204" pitchFamily="34" charset="0"/>
+              </a:rPr>
+              <a:t>в </a:t>
+            </a:r>
+            <a:r>
+              <a:rPr lang="en-US" sz="700" dirty="0">
+                <a:latin typeface="Times New Roman" panose="02020603050405020304" pitchFamily="18" charset="0"/>
+                <a:ea typeface="Calibri" panose="020F0502020204030204" pitchFamily="34" charset="0"/>
+              </a:rPr>
+              <a:t>views.py</a:t>
+            </a:r>
+            <a:endParaRPr lang="ru-RU" sz="700" dirty="0"/>
+          </a:p>
+        </p:txBody>
+      </p:sp>
+      <p:sp>
+        <p:nvSpPr>
+          <p:cNvPr id="21" name="TextBox 20">
+            <a:extLst>
+              <a:ext uri="{FF2B5EF4-FFF2-40B4-BE49-F238E27FC236}">
+                <a16:creationId xmlns:a16="http://schemas.microsoft.com/office/drawing/2014/main" id="{AD9B8552-3462-F744-C314-D5FBD1AFAA0A}"/>
+              </a:ext>
+            </a:extLst>
+          </p:cNvPr>
+          <p:cNvSpPr txBox="1"/>
+          <p:nvPr/>
+        </p:nvSpPr>
+        <p:spPr>
+          <a:xfrm>
+            <a:off x="196936" y="2362795"/>
+            <a:ext cx="4216226" cy="369332"/>
+          </a:xfrm>
+          <a:prstGeom prst="rect">
+            <a:avLst/>
+          </a:prstGeom>
+          <a:noFill/>
+        </p:spPr>
+        <p:txBody>
+          <a:bodyPr wrap="square">
+            <a:spAutoFit/>
+          </a:bodyPr>
+          <a:lstStyle/>
+          <a:p>
+            <a:pPr algn="just"/>
+            <a:r>
+              <a:rPr lang="ru-RU" sz="900" dirty="0">
+                <a:latin typeface="Times New Roman" panose="02020603050405020304" pitchFamily="18" charset="0"/>
+                <a:cs typeface="Times New Roman" panose="02020603050405020304" pitchFamily="18" charset="0"/>
+              </a:rPr>
+              <a:t>В функции </a:t>
+            </a:r>
+            <a:r>
+              <a:rPr lang="en-US" sz="900" dirty="0">
+                <a:solidFill>
+                  <a:schemeClr val="accent1"/>
+                </a:solidFill>
+                <a:latin typeface="Times New Roman" panose="02020603050405020304" pitchFamily="18" charset="0"/>
+                <a:cs typeface="Times New Roman" panose="02020603050405020304" pitchFamily="18" charset="0"/>
+              </a:rPr>
+              <a:t>menu</a:t>
+            </a:r>
+            <a:r>
+              <a:rPr lang="en-US" sz="900" dirty="0">
+                <a:solidFill>
+                  <a:srgbClr val="7030A0"/>
+                </a:solidFill>
+                <a:latin typeface="Times New Roman" panose="02020603050405020304" pitchFamily="18" charset="0"/>
+                <a:cs typeface="Times New Roman" panose="02020603050405020304" pitchFamily="18" charset="0"/>
+              </a:rPr>
+              <a:t> </a:t>
+            </a:r>
+            <a:r>
+              <a:rPr lang="ru-RU" sz="900" dirty="0">
+                <a:latin typeface="Times New Roman" panose="02020603050405020304" pitchFamily="18" charset="0"/>
+                <a:cs typeface="Times New Roman" panose="02020603050405020304" pitchFamily="18" charset="0"/>
+              </a:rPr>
+              <a:t>используется </a:t>
+            </a:r>
+            <a:r>
+              <a:rPr lang="en-US" sz="900" dirty="0">
+                <a:latin typeface="Times New Roman" panose="02020603050405020304" pitchFamily="18" charset="0"/>
+                <a:cs typeface="Times New Roman" panose="02020603050405020304" pitchFamily="18" charset="0"/>
+              </a:rPr>
+              <a:t>HTML </a:t>
+            </a:r>
+            <a:r>
+              <a:rPr lang="ru-RU" sz="900" dirty="0">
+                <a:latin typeface="Times New Roman" panose="02020603050405020304" pitchFamily="18" charset="0"/>
+                <a:cs typeface="Times New Roman" panose="02020603050405020304" pitchFamily="18" charset="0"/>
+              </a:rPr>
+              <a:t>файл (</a:t>
+            </a:r>
+            <a:r>
+              <a:rPr lang="en-US" sz="900" dirty="0">
+                <a:solidFill>
+                  <a:schemeClr val="accent1"/>
+                </a:solidFill>
+                <a:latin typeface="Times New Roman" panose="02020603050405020304" pitchFamily="18" charset="0"/>
+                <a:cs typeface="Times New Roman" panose="02020603050405020304" pitchFamily="18" charset="0"/>
+              </a:rPr>
+              <a:t>menu.html</a:t>
+            </a:r>
+            <a:r>
+              <a:rPr lang="ru-RU" sz="900" dirty="0">
+                <a:latin typeface="Times New Roman" panose="02020603050405020304" pitchFamily="18" charset="0"/>
+                <a:cs typeface="Times New Roman" panose="02020603050405020304" pitchFamily="18" charset="0"/>
+              </a:rPr>
+              <a:t>), который был сгенерирован</a:t>
+            </a:r>
+            <a:r>
+              <a:rPr lang="en-US" sz="900" dirty="0">
+                <a:latin typeface="Times New Roman" panose="02020603050405020304" pitchFamily="18" charset="0"/>
+                <a:cs typeface="Times New Roman" panose="02020603050405020304" pitchFamily="18" charset="0"/>
+              </a:rPr>
+              <a:t> c </a:t>
+            </a:r>
+            <a:r>
+              <a:rPr lang="ru-RU" sz="900" dirty="0">
+                <a:latin typeface="Times New Roman" panose="02020603050405020304" pitchFamily="18" charset="0"/>
+                <a:cs typeface="Times New Roman" panose="02020603050405020304" pitchFamily="18" charset="0"/>
+              </a:rPr>
+              <a:t>помощью преобразователя данных в формате </a:t>
+            </a:r>
+            <a:r>
+              <a:rPr lang="en-US" sz="900" dirty="0" err="1">
+                <a:latin typeface="Times New Roman" panose="02020603050405020304" pitchFamily="18" charset="0"/>
+                <a:cs typeface="Times New Roman" panose="02020603050405020304" pitchFamily="18" charset="0"/>
+              </a:rPr>
+              <a:t>aINI</a:t>
+            </a:r>
+            <a:r>
+              <a:rPr lang="en-US" sz="900" dirty="0">
+                <a:latin typeface="Times New Roman" panose="02020603050405020304" pitchFamily="18" charset="0"/>
+                <a:cs typeface="Times New Roman" panose="02020603050405020304" pitchFamily="18" charset="0"/>
+              </a:rPr>
+              <a:t> </a:t>
+            </a:r>
+            <a:r>
+              <a:rPr lang="ru-RU" sz="900" dirty="0">
+                <a:latin typeface="Times New Roman" panose="02020603050405020304" pitchFamily="18" charset="0"/>
+                <a:cs typeface="Times New Roman" panose="02020603050405020304" pitchFamily="18" charset="0"/>
+              </a:rPr>
+              <a:t>в </a:t>
+            </a:r>
+            <a:r>
+              <a:rPr lang="en-US" sz="900" dirty="0">
+                <a:latin typeface="Times New Roman" panose="02020603050405020304" pitchFamily="18" charset="0"/>
+                <a:cs typeface="Times New Roman" panose="02020603050405020304" pitchFamily="18" charset="0"/>
+              </a:rPr>
+              <a:t>HTML</a:t>
+            </a:r>
+            <a:r>
+              <a:rPr lang="ru-RU" sz="900" dirty="0">
+                <a:latin typeface="Times New Roman" panose="02020603050405020304" pitchFamily="18" charset="0"/>
+                <a:cs typeface="Times New Roman" panose="02020603050405020304" pitchFamily="18" charset="0"/>
+              </a:rPr>
+              <a:t>-код.</a:t>
+            </a:r>
+          </a:p>
+        </p:txBody>
+      </p:sp>
+    </p:spTree>
+    <p:extLst>
+      <p:ext uri="{BB962C8B-B14F-4D97-AF65-F5344CB8AC3E}">
+        <p14:creationId xmlns:p14="http://schemas.microsoft.com/office/powerpoint/2010/main" val="2021205838"/>
+      </p:ext>
+    </p:extLst>
+  </p:cSld>
+  <p:clrMapOvr>
+    <a:masterClrMapping/>
+  </p:clrMapOvr>
+  <p:transition>
+    <p:cut/>
+  </p:transition>
+</p:sld>
+</file>
+
+<file path=ppt/slides/slide12.xml><?xml version="1.0" encoding="utf-8"?>
+<p:sld xmlns:a="http://schemas.openxmlformats.org/drawingml/2006/main" xmlns:r="http://schemas.openxmlformats.org/officeDocument/2006/relationships" xmlns:p="http://schemas.openxmlformats.org/presentationml/2006/main" showMasterSp="0">
+  <p:cSld>
+    <p:spTree>
+      <p:nvGrpSpPr>
+        <p:cNvPr id="1" name=""/>
+        <p:cNvGrpSpPr/>
+        <p:nvPr/>
+      </p:nvGrpSpPr>
+      <p:grpSpPr>
+        <a:xfrm>
+          <a:off x="0" y="0"/>
+          <a:ext cx="0" cy="0"/>
+          <a:chOff x="0" y="0"/>
+          <a:chExt cx="0" cy="0"/>
+        </a:xfrm>
+      </p:grpSpPr>
+      <p:sp>
+        <p:nvSpPr>
+          <p:cNvPr id="10" name="Прямоугольник 9">
+            <a:extLst>
+              <a:ext uri="{FF2B5EF4-FFF2-40B4-BE49-F238E27FC236}">
+                <a16:creationId xmlns:a16="http://schemas.microsoft.com/office/drawing/2014/main" id="{55EDAC1E-5709-C743-4E51-119E1839A191}"/>
+              </a:ext>
+            </a:extLst>
+          </p:cNvPr>
+          <p:cNvSpPr/>
+          <p:nvPr/>
+        </p:nvSpPr>
+        <p:spPr>
+          <a:xfrm>
+            <a:off x="-20944" y="3295813"/>
+            <a:ext cx="4642023" cy="184666"/>
+          </a:xfrm>
+          <a:prstGeom prst="rect">
+            <a:avLst/>
+          </a:prstGeom>
+          <a:solidFill>
+            <a:schemeClr val="accent1">
+              <a:alpha val="20000"/>
+            </a:schemeClr>
+          </a:solidFill>
+          <a:ln>
+            <a:noFill/>
+          </a:ln>
+        </p:spPr>
+        <p:style>
+          <a:lnRef idx="2">
+            <a:schemeClr val="accent1">
+              <a:shade val="15000"/>
+            </a:schemeClr>
+          </a:lnRef>
+          <a:fillRef idx="1">
+            <a:schemeClr val="accent1"/>
+          </a:fillRef>
+          <a:effectRef idx="0">
+            <a:schemeClr val="accent1"/>
+          </a:effectRef>
+          <a:fontRef idx="minor">
+            <a:schemeClr val="lt1"/>
+          </a:fontRef>
+        </p:style>
+        <p:txBody>
+          <a:bodyPr rtlCol="0" anchor="ctr"/>
+          <a:lstStyle/>
+          <a:p>
+            <a:pPr algn="r"/>
+            <a:r>
+              <a:rPr lang="ru-RU" sz="800" b="1" dirty="0">
+                <a:solidFill>
+                  <a:schemeClr val="bg1">
+                    <a:lumMod val="50000"/>
+                  </a:schemeClr>
+                </a:solidFill>
+                <a:latin typeface="Times New Roman" panose="02020603050405020304" pitchFamily="18" charset="0"/>
+                <a:cs typeface="Times New Roman" panose="02020603050405020304" pitchFamily="18" charset="0"/>
+              </a:rPr>
+              <a:t>Разработка </a:t>
+            </a:r>
+            <a:r>
+              <a:rPr lang="ru-RU" sz="800" b="1" dirty="0" err="1">
+                <a:solidFill>
+                  <a:schemeClr val="bg1">
+                    <a:lumMod val="50000"/>
+                  </a:schemeClr>
+                </a:solidFill>
+                <a:latin typeface="Times New Roman" panose="02020603050405020304" pitchFamily="18" charset="0"/>
+                <a:cs typeface="Times New Roman" panose="02020603050405020304" pitchFamily="18" charset="0"/>
+              </a:rPr>
+              <a:t>web</a:t>
+            </a:r>
+            <a:r>
+              <a:rPr lang="ru-RU" sz="800" b="1" dirty="0">
+                <a:solidFill>
+                  <a:schemeClr val="bg1">
+                    <a:lumMod val="50000"/>
+                  </a:schemeClr>
+                </a:solidFill>
+                <a:latin typeface="Times New Roman" panose="02020603050405020304" pitchFamily="18" charset="0"/>
+                <a:cs typeface="Times New Roman" panose="02020603050405020304" pitchFamily="18" charset="0"/>
+              </a:rPr>
+              <a:t>-ориентированного ПО, реализующего автоматизированное построение</a:t>
+            </a:r>
+            <a:r>
+              <a:rPr lang="en-US" sz="800" b="1" dirty="0">
+                <a:solidFill>
+                  <a:schemeClr val="bg1">
+                    <a:lumMod val="50000"/>
+                  </a:schemeClr>
+                </a:solidFill>
+                <a:latin typeface="Times New Roman" panose="02020603050405020304" pitchFamily="18" charset="0"/>
+                <a:cs typeface="Times New Roman" panose="02020603050405020304" pitchFamily="18" charset="0"/>
+              </a:rPr>
+              <a:t> GUI</a:t>
+            </a:r>
+            <a:endParaRPr lang="ru-RU" sz="800" dirty="0">
+              <a:solidFill>
+                <a:schemeClr val="bg1">
+                  <a:lumMod val="50000"/>
+                </a:schemeClr>
+              </a:solidFill>
+            </a:endParaRPr>
+          </a:p>
+        </p:txBody>
+      </p:sp>
+      <p:sp>
+        <p:nvSpPr>
+          <p:cNvPr id="121" name="Номер слайда 8">
+            <a:extLst>
+              <a:ext uri="{FF2B5EF4-FFF2-40B4-BE49-F238E27FC236}">
+                <a16:creationId xmlns:a16="http://schemas.microsoft.com/office/drawing/2014/main" id="{53F84418-E4D6-E2A5-3E0F-A9A56B4FC5BE}"/>
+              </a:ext>
+            </a:extLst>
+          </p:cNvPr>
+          <p:cNvSpPr txBox="1">
+            <a:spLocks/>
+          </p:cNvSpPr>
+          <p:nvPr/>
+        </p:nvSpPr>
+        <p:spPr>
+          <a:xfrm>
+            <a:off x="-20944" y="3319545"/>
+            <a:ext cx="527293" cy="137203"/>
+          </a:xfrm>
+          <a:prstGeom prst="rect">
+            <a:avLst/>
+          </a:prstGeom>
+        </p:spPr>
+        <p:txBody>
+          <a:bodyPr lIns="0" tIns="0" rIns="0" bIns="0"/>
+          <a:lstStyle>
+            <a:defPPr>
+              <a:defRPr lang="ru-RU"/>
+            </a:defPPr>
+            <a:lvl1pPr marL="0" algn="l" defTabSz="914400" rtl="0" eaLnBrk="1" latinLnBrk="0" hangingPunct="1">
+              <a:defRPr sz="800" b="0" i="0" kern="1200">
+                <a:solidFill>
+                  <a:srgbClr val="00B050"/>
+                </a:solidFill>
+                <a:latin typeface="Times New Roman" panose="02020603050405020304" pitchFamily="18" charset="0"/>
+                <a:ea typeface="+mn-ea"/>
+                <a:cs typeface="Times New Roman" panose="02020603050405020304" pitchFamily="18" charset="0"/>
+              </a:defRPr>
+            </a:lvl1pPr>
+            <a:lvl2pPr marL="457200" algn="l" defTabSz="914400" rtl="0" eaLnBrk="1" latinLnBrk="0" hangingPunct="1">
+              <a:defRPr sz="1800" kern="1200">
+                <a:solidFill>
+                  <a:schemeClr val="tx1"/>
+                </a:solidFill>
+                <a:latin typeface="+mn-lt"/>
+                <a:ea typeface="+mn-ea"/>
+                <a:cs typeface="+mn-cs"/>
+              </a:defRPr>
+            </a:lvl2pPr>
+            <a:lvl3pPr marL="914400" algn="l" defTabSz="914400" rtl="0" eaLnBrk="1" latinLnBrk="0" hangingPunct="1">
+              <a:defRPr sz="1800" kern="1200">
+                <a:solidFill>
+                  <a:schemeClr val="tx1"/>
+                </a:solidFill>
+                <a:latin typeface="+mn-lt"/>
+                <a:ea typeface="+mn-ea"/>
+                <a:cs typeface="+mn-cs"/>
+              </a:defRPr>
+            </a:lvl3pPr>
+            <a:lvl4pPr marL="1371600" algn="l" defTabSz="914400" rtl="0" eaLnBrk="1" latinLnBrk="0" hangingPunct="1">
+              <a:defRPr sz="1800" kern="1200">
+                <a:solidFill>
+                  <a:schemeClr val="tx1"/>
+                </a:solidFill>
+                <a:latin typeface="+mn-lt"/>
+                <a:ea typeface="+mn-ea"/>
+                <a:cs typeface="+mn-cs"/>
+              </a:defRPr>
+            </a:lvl4pPr>
+            <a:lvl5pPr marL="1828800" algn="l" defTabSz="914400" rtl="0" eaLnBrk="1" latinLnBrk="0" hangingPunct="1">
+              <a:defRPr sz="1800" kern="1200">
+                <a:solidFill>
+                  <a:schemeClr val="tx1"/>
+                </a:solidFill>
+                <a:latin typeface="+mn-lt"/>
+                <a:ea typeface="+mn-ea"/>
+                <a:cs typeface="+mn-cs"/>
+              </a:defRPr>
+            </a:lvl5pPr>
+            <a:lvl6pPr marL="2286000" algn="l" defTabSz="914400" rtl="0" eaLnBrk="1" latinLnBrk="0" hangingPunct="1">
+              <a:defRPr sz="1800" kern="1200">
+                <a:solidFill>
+                  <a:schemeClr val="tx1"/>
+                </a:solidFill>
+                <a:latin typeface="+mn-lt"/>
+                <a:ea typeface="+mn-ea"/>
+                <a:cs typeface="+mn-cs"/>
+              </a:defRPr>
+            </a:lvl6pPr>
+            <a:lvl7pPr marL="2743200" algn="l" defTabSz="914400" rtl="0" eaLnBrk="1" latinLnBrk="0" hangingPunct="1">
+              <a:defRPr sz="1800" kern="1200">
+                <a:solidFill>
+                  <a:schemeClr val="tx1"/>
+                </a:solidFill>
+                <a:latin typeface="+mn-lt"/>
+                <a:ea typeface="+mn-ea"/>
+                <a:cs typeface="+mn-cs"/>
+              </a:defRPr>
+            </a:lvl7pPr>
+            <a:lvl8pPr marL="3200400" algn="l" defTabSz="914400" rtl="0" eaLnBrk="1" latinLnBrk="0" hangingPunct="1">
+              <a:defRPr sz="1800" kern="1200">
+                <a:solidFill>
+                  <a:schemeClr val="tx1"/>
+                </a:solidFill>
+                <a:latin typeface="+mn-lt"/>
+                <a:ea typeface="+mn-ea"/>
+                <a:cs typeface="+mn-cs"/>
+              </a:defRPr>
+            </a:lvl8pPr>
+            <a:lvl9pPr marL="3657600" algn="l" defTabSz="914400" rtl="0" eaLnBrk="1" latinLnBrk="0" hangingPunct="1">
+              <a:defRPr sz="1800" kern="1200">
+                <a:solidFill>
+                  <a:schemeClr val="tx1"/>
+                </a:solidFill>
+                <a:latin typeface="+mn-lt"/>
+                <a:ea typeface="+mn-ea"/>
+                <a:cs typeface="+mn-cs"/>
+              </a:defRPr>
+            </a:lvl9pPr>
+          </a:lstStyle>
+          <a:p>
+            <a:pPr marL="38100">
+              <a:spcBef>
+                <a:spcPts val="95"/>
+              </a:spcBef>
+            </a:pPr>
+            <a:fld id="{81D60167-4931-47E6-BA6A-407CBD079E47}" type="slidenum">
+              <a:rPr lang="ru-RU" spc="-5" smtClean="0">
+                <a:solidFill>
+                  <a:srgbClr val="0070C0"/>
+                </a:solidFill>
+              </a:rPr>
+              <a:pPr marL="38100">
+                <a:spcBef>
+                  <a:spcPts val="95"/>
+                </a:spcBef>
+              </a:pPr>
+              <a:t>12</a:t>
             </a:fld>
             <a:endParaRPr lang="ru-RU" spc="-5" dirty="0">
               <a:solidFill>
@@ -4053,14 +6539,14 @@
                 <a:latin typeface="Times New Roman" panose="02020603050405020304" pitchFamily="18" charset="0"/>
                 <a:ea typeface="Calibri" panose="020F0502020204030204" pitchFamily="34" charset="0"/>
               </a:rPr>
-              <a:t>Листинг </a:t>
+              <a:t>Листинг 6</a:t>
             </a:r>
             <a:r>
               <a:rPr lang="en-US" sz="600" dirty="0">
                 <a:latin typeface="Times New Roman" panose="02020603050405020304" pitchFamily="18" charset="0"/>
                 <a:ea typeface="Calibri" panose="020F0502020204030204" pitchFamily="34" charset="0"/>
               </a:rPr>
-              <a:t>4. config </a:t>
+              <a:t>. config </a:t>
             </a:r>
             <a:r>
               <a:rPr lang="ru-RU" sz="600" dirty="0">
@@ -4114,7 +6600,7 @@
                 <a:latin typeface="Times New Roman" panose="02020603050405020304" pitchFamily="18" charset="0"/>
                 <a:ea typeface="Calibri" panose="020F0502020204030204" pitchFamily="34" charset="0"/>
               </a:rPr>
-              <a:t>6. </a:t>
+              <a:t>7. </a:t>
             </a:r>
             <a:r>
               <a:rPr lang="ru-RU" sz="700" dirty="0">
@@ -4172,7 +6658,7 @@
 </p:sld>
 </file>
 
-<file path=ppt/slides/slide11.xml><?xml version="1.0" encoding="utf-8"?>
+<file path=ppt/slides/slide13.xml><?xml version="1.0" encoding="utf-8"?>
 <p:sld xmlns:a="http://schemas.openxmlformats.org/drawingml/2006/main" xmlns:r="http://schemas.openxmlformats.org/officeDocument/2006/relationships" xmlns:p="http://schemas.openxmlformats.org/presentationml/2006/main">
   <p:cSld>
     <p:spTree>
@@ -4434,7 +6920,7 @@
                   <a:spcPts val="95"/>
                 </a:spcBef>
               </a:pPr>
-              <a:t>11</a:t>
+              <a:t>13</a:t>
             </a:fld>
             <a:endParaRPr lang="ru-RU" spc="-5" dirty="0">
               <a:solidFill>
@@ -5032,7 +7518,7 @@
                 <a:latin typeface="Times New Roman" panose="02020603050405020304" pitchFamily="18" charset="0"/>
                 <a:ea typeface="Calibri" panose="020F0502020204030204" pitchFamily="34" charset="0"/>
               </a:rPr>
-              <a:t>Листинг. 5</a:t>
+              <a:t>Листинг. 7</a:t>
             </a:r>
             <a:r>
               <a:rPr lang="en-US" sz="700" dirty="0">
@@ -5153,14 +7639,14 @@
                 <a:latin typeface="Times New Roman" panose="02020603050405020304" pitchFamily="18" charset="0"/>
                 <a:ea typeface="Calibri" panose="020F0502020204030204" pitchFamily="34" charset="0"/>
               </a:rPr>
-              <a:t>Рис. 7</a:t>
+              <a:t>Рис. </a:t>
             </a:r>
             <a:r>
               <a:rPr lang="en-US" sz="700" dirty="0">
                 <a:latin typeface="Times New Roman" panose="02020603050405020304" pitchFamily="18" charset="0"/>
                 <a:ea typeface="Calibri" panose="020F0502020204030204" pitchFamily="34" charset="0"/>
               </a:rPr>
-              <a:t>. </a:t>
+              <a:t>8. </a:t>
             </a:r>
             <a:r>
               <a:rPr lang="ru-RU" sz="700" dirty="0">
@@ -5189,7 +7675,7 @@
 </p:sld>
 </file>
 
-<file path=ppt/slides/slide12.xml><?xml version="1.0" encoding="utf-8"?>
+<file path=ppt/slides/slide14.xml><?xml version="1.0" encoding="utf-8"?>
 <p:sld xmlns:a="http://schemas.openxmlformats.org/drawingml/2006/main" xmlns:r="http://schemas.openxmlformats.org/officeDocument/2006/relationships" xmlns:p="http://schemas.openxmlformats.org/presentationml/2006/main" showMasterSp="0">
   <p:cSld>
     <p:spTree>
@@ -5451,7 +7937,7 @@
                   <a:spcPts val="95"/>
                 </a:spcBef>
               </a:pPr>
-              <a:t>12</a:t>
+              <a:t>14</a:t>
             </a:fld>
             <a:endParaRPr lang="ru-RU" spc="-5" dirty="0">
               <a:solidFill>
@@ -5944,7 +8430,7 @@
 </p:sld>
 </file>
 
-<file path=ppt/slides/slide13.xml><?xml version="1.0" encoding="utf-8"?>
+<file path=ppt/slides/slide15.xml><?xml version="1.0" encoding="utf-8"?>
 <p:sld xmlns:a="http://schemas.openxmlformats.org/drawingml/2006/main" xmlns:r="http://schemas.openxmlformats.org/officeDocument/2006/relationships" xmlns:p="http://schemas.openxmlformats.org/presentationml/2006/main">
   <p:cSld>
     <p:spTree>
@@ -6206,7 +8692,7 @@
                   <a:spcPts val="95"/>
                 </a:spcBef>
               </a:pPr>
-              <a:t>13</a:t>
+              <a:t>15</a:t>
             </a:fld>
             <a:endParaRPr lang="ru-RU" spc="-5" dirty="0">
               <a:solidFill>
@@ -6298,6 +8784,12 @@
                 <a:latin typeface="Times" pitchFamily="2" charset="0"/>
               </a:rPr>
               <a:t>aINI</a:t>
+            </a:r>
+            <a:r>
+              <a:rPr lang="en-US" sz="900" dirty="0">
+                <a:latin typeface="Times" pitchFamily="2" charset="0"/>
+              </a:rPr>
+              <a:t>.</a:t>
             </a:r>
             <a:endParaRPr lang="ru-RU" sz="900" dirty="0">
               <a:solidFill>
@@ -6606,8 +9098,8 @@
 </p:sld>
 </file>
 
-<file path=ppt/slides/slide14.xml><?xml version="1.0" encoding="utf-8"?>
-<p:sld xmlns:a="http://schemas.openxmlformats.org/drawingml/2006/main" xmlns:r="http://schemas.openxmlformats.org/officeDocument/2006/relationships" xmlns:p="http://schemas.openxmlformats.org/presentationml/2006/main" show="0">
+<file path=ppt/slides/slide16.xml><?xml version="1.0" encoding="utf-8"?>
+<p:sld xmlns:a="http://schemas.openxmlformats.org/drawingml/2006/main" xmlns:r="http://schemas.openxmlformats.org/officeDocument/2006/relationships" xmlns:p="http://schemas.openxmlformats.org/presentationml/2006/main">
   <p:cSld>
     <p:spTree>
       <p:nvGrpSpPr>
@@ -11385,7 +13877,7 @@
 </file>
 
 <file path=ppt/slides/slide7.xml><?xml version="1.0" encoding="utf-8"?>
-<p:sld xmlns:a="http://schemas.openxmlformats.org/drawingml/2006/main" xmlns:r="http://schemas.openxmlformats.org/officeDocument/2006/relationships" xmlns:p="http://schemas.openxmlformats.org/presentationml/2006/main" showMasterSp="0">
+<p:sld xmlns:a="http://schemas.openxmlformats.org/drawingml/2006/main" xmlns:r="http://schemas.openxmlformats.org/officeDocument/2006/relationships" xmlns:p="http://schemas.openxmlformats.org/presentationml/2006/main">
   <p:cSld>
     <p:spTree>
       <p:nvGrpSpPr>
@@ -11406,7 +13898,7 @@
           <p:cNvPr id="10" name="Прямоугольник 9">
             <a:extLst>
               <a:ext uri="{FF2B5EF4-FFF2-40B4-BE49-F238E27FC236}">
-                <a16:creationId xmlns:a16="http://schemas.microsoft.com/office/drawing/2014/main" id="{55EDAC1E-5709-C743-4E51-119E1839A191}"/>
+                <a16:creationId xmlns:a16="http://schemas.microsoft.com/office/drawing/2014/main" id="{9CA003DD-4372-9F6B-C451-E17FE391EA36}"/>
               </a:ext>
             </a:extLst>
           </p:cNvPr>
@@ -11722,6 +14214,893 @@
             </a:r>
             <a:r>
               <a:rPr lang="ru-RU" sz="800" dirty="0">
+                <a:latin typeface="Times New Roman" panose="02020603050405020304" pitchFamily="18" charset="0"/>
+                <a:cs typeface="Times New Roman" panose="02020603050405020304" pitchFamily="18" charset="0"/>
+              </a:rPr>
+              <a:t>Постановка задачи</a:t>
+            </a:r>
+            <a:r>
+              <a:rPr lang="en-US" sz="800" dirty="0">
+                <a:latin typeface="Times New Roman" panose="02020603050405020304" pitchFamily="18" charset="0"/>
+                <a:cs typeface="Times New Roman" panose="02020603050405020304" pitchFamily="18" charset="0"/>
+              </a:rPr>
+              <a:t> </a:t>
+            </a:r>
+            <a:r>
+              <a:rPr lang="en-US" sz="800" dirty="0">
+                <a:solidFill>
+                  <a:schemeClr val="bg1">
+                    <a:lumMod val="75000"/>
+                  </a:schemeClr>
+                </a:solidFill>
+                <a:latin typeface="Times New Roman" panose="02020603050405020304" pitchFamily="18" charset="0"/>
+                <a:cs typeface="Times New Roman" panose="02020603050405020304" pitchFamily="18" charset="0"/>
+              </a:rPr>
+              <a:t>| </a:t>
+            </a:r>
+            <a:r>
+              <a:rPr lang="ru-RU" sz="800" dirty="0">
+                <a:solidFill>
+                  <a:schemeClr val="bg1">
+                    <a:lumMod val="75000"/>
+                  </a:schemeClr>
+                </a:solidFill>
+                <a:latin typeface="Times New Roman" panose="02020603050405020304" pitchFamily="18" charset="0"/>
+                <a:cs typeface="Times New Roman" panose="02020603050405020304" pitchFamily="18" charset="0"/>
+              </a:rPr>
+              <a:t>Программная реализация </a:t>
+            </a:r>
+            <a:r>
+              <a:rPr lang="en-US" sz="800" dirty="0">
+                <a:solidFill>
+                  <a:schemeClr val="bg1">
+                    <a:lumMod val="75000"/>
+                  </a:schemeClr>
+                </a:solidFill>
+                <a:latin typeface="Times New Roman" panose="02020603050405020304" pitchFamily="18" charset="0"/>
+                <a:cs typeface="Times New Roman" panose="02020603050405020304" pitchFamily="18" charset="0"/>
+              </a:rPr>
+              <a:t>|</a:t>
+            </a:r>
+            <a:r>
+              <a:rPr lang="ru-RU" sz="800" dirty="0">
+                <a:solidFill>
+                  <a:schemeClr val="bg1">
+                    <a:lumMod val="75000"/>
+                  </a:schemeClr>
+                </a:solidFill>
+                <a:latin typeface="Times New Roman" panose="02020603050405020304" pitchFamily="18" charset="0"/>
+                <a:cs typeface="Times New Roman" panose="02020603050405020304" pitchFamily="18" charset="0"/>
+              </a:rPr>
+              <a:t> Тестирование</a:t>
+            </a:r>
+            <a:r>
+              <a:rPr lang="en-US" sz="800" dirty="0">
+                <a:solidFill>
+                  <a:schemeClr val="bg1">
+                    <a:lumMod val="75000"/>
+                  </a:schemeClr>
+                </a:solidFill>
+                <a:latin typeface="Times New Roman" panose="02020603050405020304" pitchFamily="18" charset="0"/>
+                <a:cs typeface="Times New Roman" panose="02020603050405020304" pitchFamily="18" charset="0"/>
+              </a:rPr>
+              <a:t> |</a:t>
+            </a:r>
+            <a:r>
+              <a:rPr lang="ru-RU" sz="800" dirty="0">
+                <a:solidFill>
+                  <a:schemeClr val="bg1">
+                    <a:lumMod val="75000"/>
+                  </a:schemeClr>
+                </a:solidFill>
+                <a:latin typeface="Times New Roman" panose="02020603050405020304" pitchFamily="18" charset="0"/>
+                <a:cs typeface="Times New Roman" panose="02020603050405020304" pitchFamily="18" charset="0"/>
+              </a:rPr>
+              <a:t> Заключение</a:t>
+            </a:r>
+          </a:p>
+        </p:txBody>
+      </p:sp>
+      <p:sp>
+        <p:nvSpPr>
+          <p:cNvPr id="3" name="Объект 2">
+            <a:extLst>
+              <a:ext uri="{FF2B5EF4-FFF2-40B4-BE49-F238E27FC236}">
+                <a16:creationId xmlns:a16="http://schemas.microsoft.com/office/drawing/2014/main" id="{3DE9413C-7F6D-F9C0-A2B7-89BE3EBF7258}"/>
+              </a:ext>
+            </a:extLst>
+          </p:cNvPr>
+          <p:cNvSpPr txBox="1">
+            <a:spLocks/>
+          </p:cNvSpPr>
+          <p:nvPr/>
+        </p:nvSpPr>
+        <p:spPr>
+          <a:xfrm>
+            <a:off x="197332" y="509850"/>
+            <a:ext cx="4202170" cy="2286553"/>
+          </a:xfrm>
+          <a:prstGeom prst="rect">
+            <a:avLst/>
+          </a:prstGeom>
+        </p:spPr>
+        <p:txBody>
+          <a:bodyPr vert="horz" lIns="91440" tIns="45720" rIns="91440" bIns="45720" rtlCol="0">
+            <a:normAutofit/>
+          </a:bodyPr>
+          <a:lstStyle>
+            <a:lvl1pPr marL="228600" indent="-228600" algn="l" defTabSz="914400" rtl="0" eaLnBrk="1" latinLnBrk="0" hangingPunct="1">
+              <a:lnSpc>
+                <a:spcPct val="90000"/>
+              </a:lnSpc>
+              <a:spcBef>
+                <a:spcPts val="1000"/>
+              </a:spcBef>
+              <a:buFont typeface="Arial" panose="020B0604020202020204" pitchFamily="34" charset="0"/>
+              <a:buChar char="•"/>
+              <a:defRPr sz="2800" kern="1200">
+                <a:solidFill>
+                  <a:schemeClr val="tx1"/>
+                </a:solidFill>
+                <a:latin typeface="+mn-lt"/>
+                <a:ea typeface="+mn-ea"/>
+                <a:cs typeface="+mn-cs"/>
+              </a:defRPr>
+            </a:lvl1pPr>
+            <a:lvl2pPr marL="685800" indent="-228600" algn="l" defTabSz="914400" rtl="0" eaLnBrk="1" latinLnBrk="0" hangingPunct="1">
+              <a:lnSpc>
+                <a:spcPct val="90000"/>
+              </a:lnSpc>
+              <a:spcBef>
+                <a:spcPts val="500"/>
+              </a:spcBef>
+              <a:buFont typeface="Arial" panose="020B0604020202020204" pitchFamily="34" charset="0"/>
+              <a:buChar char="•"/>
+              <a:defRPr sz="2400" kern="1200">
+                <a:solidFill>
+                  <a:schemeClr val="tx1"/>
+                </a:solidFill>
+                <a:latin typeface="+mn-lt"/>
+                <a:ea typeface="+mn-ea"/>
+                <a:cs typeface="+mn-cs"/>
+              </a:defRPr>
+            </a:lvl2pPr>
+            <a:lvl3pPr marL="1143000" indent="-228600" algn="l" defTabSz="914400" rtl="0" eaLnBrk="1" latinLnBrk="0" hangingPunct="1">
+              <a:lnSpc>
+                <a:spcPct val="90000"/>
+              </a:lnSpc>
+              <a:spcBef>
+                <a:spcPts val="500"/>
+              </a:spcBef>
+              <a:buFont typeface="Arial" panose="020B0604020202020204" pitchFamily="34" charset="0"/>
+              <a:buChar char="•"/>
+              <a:defRPr sz="2000" kern="1200">
+                <a:solidFill>
+                  <a:schemeClr val="tx1"/>
+                </a:solidFill>
+                <a:latin typeface="+mn-lt"/>
+                <a:ea typeface="+mn-ea"/>
+                <a:cs typeface="+mn-cs"/>
+              </a:defRPr>
+            </a:lvl3pPr>
+            <a:lvl4pPr marL="1600200" indent="-228600" algn="l" defTabSz="914400" rtl="0" eaLnBrk="1" latinLnBrk="0" hangingPunct="1">
+              <a:lnSpc>
+                <a:spcPct val="90000"/>
+              </a:lnSpc>
+              <a:spcBef>
+                <a:spcPts val="500"/>
+              </a:spcBef>
+              <a:buFont typeface="Arial" panose="020B0604020202020204" pitchFamily="34" charset="0"/>
+              <a:buChar char="•"/>
+              <a:defRPr sz="1800" kern="1200">
+                <a:solidFill>
+                  <a:schemeClr val="tx1"/>
+                </a:solidFill>
+                <a:latin typeface="+mn-lt"/>
+                <a:ea typeface="+mn-ea"/>
+                <a:cs typeface="+mn-cs"/>
+              </a:defRPr>
+            </a:lvl4pPr>
+            <a:lvl5pPr marL="2057400" indent="-228600" algn="l" defTabSz="914400" rtl="0" eaLnBrk="1" latinLnBrk="0" hangingPunct="1">
+              <a:lnSpc>
+                <a:spcPct val="90000"/>
+              </a:lnSpc>
+              <a:spcBef>
+                <a:spcPts val="500"/>
+              </a:spcBef>
+              <a:buFont typeface="Arial" panose="020B0604020202020204" pitchFamily="34" charset="0"/>
+              <a:buChar char="•"/>
+              <a:defRPr sz="1800" kern="1200">
+                <a:solidFill>
+                  <a:schemeClr val="tx1"/>
+                </a:solidFill>
+                <a:latin typeface="+mn-lt"/>
+                <a:ea typeface="+mn-ea"/>
+                <a:cs typeface="+mn-cs"/>
+              </a:defRPr>
+            </a:lvl5pPr>
+            <a:lvl6pPr marL="2514600" indent="-228600" algn="l" defTabSz="914400" rtl="0" eaLnBrk="1" latinLnBrk="0" hangingPunct="1">
+              <a:lnSpc>
+                <a:spcPct val="90000"/>
+              </a:lnSpc>
+              <a:spcBef>
+                <a:spcPts val="500"/>
+              </a:spcBef>
+              <a:buFont typeface="Arial" panose="020B0604020202020204" pitchFamily="34" charset="0"/>
+              <a:buChar char="•"/>
+              <a:defRPr sz="1800" kern="1200">
+                <a:solidFill>
+                  <a:schemeClr val="tx1"/>
+                </a:solidFill>
+                <a:latin typeface="+mn-lt"/>
+                <a:ea typeface="+mn-ea"/>
+                <a:cs typeface="+mn-cs"/>
+              </a:defRPr>
+            </a:lvl6pPr>
+            <a:lvl7pPr marL="2971800" indent="-228600" algn="l" defTabSz="914400" rtl="0" eaLnBrk="1" latinLnBrk="0" hangingPunct="1">
+              <a:lnSpc>
+                <a:spcPct val="90000"/>
+              </a:lnSpc>
+              <a:spcBef>
+                <a:spcPts val="500"/>
+              </a:spcBef>
+              <a:buFont typeface="Arial" panose="020B0604020202020204" pitchFamily="34" charset="0"/>
+              <a:buChar char="•"/>
+              <a:defRPr sz="1800" kern="1200">
+                <a:solidFill>
+                  <a:schemeClr val="tx1"/>
+                </a:solidFill>
+                <a:latin typeface="+mn-lt"/>
+                <a:ea typeface="+mn-ea"/>
+                <a:cs typeface="+mn-cs"/>
+              </a:defRPr>
+            </a:lvl7pPr>
+            <a:lvl8pPr marL="3429000" indent="-228600" algn="l" defTabSz="914400" rtl="0" eaLnBrk="1" latinLnBrk="0" hangingPunct="1">
+              <a:lnSpc>
+                <a:spcPct val="90000"/>
+              </a:lnSpc>
+              <a:spcBef>
+                <a:spcPts val="500"/>
+              </a:spcBef>
+              <a:buFont typeface="Arial" panose="020B0604020202020204" pitchFamily="34" charset="0"/>
+              <a:buChar char="•"/>
+              <a:defRPr sz="1800" kern="1200">
+                <a:solidFill>
+                  <a:schemeClr val="tx1"/>
+                </a:solidFill>
+                <a:latin typeface="+mn-lt"/>
+                <a:ea typeface="+mn-ea"/>
+                <a:cs typeface="+mn-cs"/>
+              </a:defRPr>
+            </a:lvl8pPr>
+            <a:lvl9pPr marL="3886200" indent="-228600" algn="l" defTabSz="914400" rtl="0" eaLnBrk="1" latinLnBrk="0" hangingPunct="1">
+              <a:lnSpc>
+                <a:spcPct val="90000"/>
+              </a:lnSpc>
+              <a:spcBef>
+                <a:spcPts val="500"/>
+              </a:spcBef>
+              <a:buFont typeface="Arial" panose="020B0604020202020204" pitchFamily="34" charset="0"/>
+              <a:buChar char="•"/>
+              <a:defRPr sz="1800" kern="1200">
+                <a:solidFill>
+                  <a:schemeClr val="tx1"/>
+                </a:solidFill>
+                <a:latin typeface="+mn-lt"/>
+                <a:ea typeface="+mn-ea"/>
+                <a:cs typeface="+mn-cs"/>
+              </a:defRPr>
+            </a:lvl9pPr>
+          </a:lstStyle>
+          <a:p>
+            <a:pPr marL="0" indent="0" algn="just">
+              <a:buNone/>
+            </a:pPr>
+            <a:r>
+              <a:rPr lang="ru-RU" sz="900" dirty="0">
+                <a:latin typeface="Times New Roman" panose="02020603050405020304" pitchFamily="18" charset="0"/>
+                <a:cs typeface="Times New Roman" panose="02020603050405020304" pitchFamily="18" charset="0"/>
+              </a:rPr>
+              <a:t>Разрабатываемое программное обеспечение является основой для построения графических подсистем программных комплексов, то есть наборов функциональности, которые позволяют производить общение между аппаратурой ввода-вывода и пользователем посредством графического представления информации.</a:t>
+            </a:r>
+            <a:endParaRPr lang="en-US" sz="900" dirty="0">
+              <a:latin typeface="Times New Roman" panose="02020603050405020304" pitchFamily="18" charset="0"/>
+              <a:cs typeface="Times New Roman" panose="02020603050405020304" pitchFamily="18" charset="0"/>
+            </a:endParaRPr>
+          </a:p>
+          <a:p>
+            <a:pPr marL="0" indent="0" algn="just">
+              <a:buNone/>
+            </a:pPr>
+            <a:r>
+              <a:rPr lang="ru-RU" sz="900" dirty="0">
+                <a:latin typeface="Times New Roman" panose="02020603050405020304" pitchFamily="18" charset="0"/>
+                <a:cs typeface="Times New Roman" panose="02020603050405020304" pitchFamily="18" charset="0"/>
+              </a:rPr>
+              <a:t>Автоматизированные решения прикладных задач часто представляют собой программное обеспечение, включающее в свой состав графический пользовательский интерфейс</a:t>
+            </a:r>
+            <a:r>
+              <a:rPr lang="en-US" sz="900" dirty="0">
+                <a:latin typeface="Times New Roman" panose="02020603050405020304" pitchFamily="18" charset="0"/>
+                <a:cs typeface="Times New Roman" panose="02020603050405020304" pitchFamily="18" charset="0"/>
+              </a:rPr>
+              <a:t> (</a:t>
+            </a:r>
+            <a:r>
+              <a:rPr lang="ru-RU" sz="900" dirty="0">
+                <a:latin typeface="Times New Roman" panose="02020603050405020304" pitchFamily="18" charset="0"/>
+                <a:cs typeface="Times New Roman" panose="02020603050405020304" pitchFamily="18" charset="0"/>
+              </a:rPr>
+              <a:t>рис.3).</a:t>
+            </a:r>
+            <a:r>
+              <a:rPr lang="en-US" sz="900" dirty="0">
+                <a:latin typeface="Times New Roman" panose="02020603050405020304" pitchFamily="18" charset="0"/>
+                <a:cs typeface="Times New Roman" panose="02020603050405020304" pitchFamily="18" charset="0"/>
+              </a:rPr>
+              <a:t> </a:t>
+            </a:r>
+            <a:endParaRPr lang="ru-RU" sz="900" dirty="0">
+              <a:latin typeface="Times New Roman" panose="02020603050405020304" pitchFamily="18" charset="0"/>
+              <a:cs typeface="Times New Roman" panose="02020603050405020304" pitchFamily="18" charset="0"/>
+            </a:endParaRPr>
+          </a:p>
+        </p:txBody>
+      </p:sp>
+      <p:sp>
+        <p:nvSpPr>
+          <p:cNvPr id="16" name="object 2">
+            <a:extLst>
+              <a:ext uri="{FF2B5EF4-FFF2-40B4-BE49-F238E27FC236}">
+                <a16:creationId xmlns:a16="http://schemas.microsoft.com/office/drawing/2014/main" id="{914DCCA5-9214-6A49-975F-22B8DB9AEB29}"/>
+              </a:ext>
+            </a:extLst>
+          </p:cNvPr>
+          <p:cNvSpPr txBox="1">
+            <a:spLocks/>
+          </p:cNvSpPr>
+          <p:nvPr/>
+        </p:nvSpPr>
+        <p:spPr>
+          <a:xfrm>
+            <a:off x="196936" y="236243"/>
+            <a:ext cx="4216226" cy="196208"/>
+          </a:xfrm>
+          <a:prstGeom prst="rect">
+            <a:avLst/>
+          </a:prstGeom>
+        </p:spPr>
+        <p:txBody>
+          <a:bodyPr vert="horz" wrap="square" lIns="0" tIns="11430" rIns="0" bIns="0" rtlCol="0">
+            <a:spAutoFit/>
+          </a:bodyPr>
+          <a:lstStyle>
+            <a:lvl1pPr>
+              <a:defRPr sz="1100" b="0" i="0">
+                <a:solidFill>
+                  <a:schemeClr val="tx1"/>
+                </a:solidFill>
+                <a:latin typeface="Tahoma"/>
+                <a:ea typeface="+mj-ea"/>
+                <a:cs typeface="Tahoma"/>
+              </a:defRPr>
+            </a:lvl1pPr>
+          </a:lstStyle>
+          <a:p>
+            <a:pPr marL="12700">
+              <a:spcBef>
+                <a:spcPts val="90"/>
+              </a:spcBef>
+            </a:pPr>
+            <a:r>
+              <a:rPr lang="ru-RU" sz="1200" spc="-40" dirty="0">
+                <a:latin typeface="Times New Roman" panose="02020603050405020304" pitchFamily="18" charset="0"/>
+                <a:cs typeface="Times New Roman" panose="02020603050405020304" pitchFamily="18" charset="0"/>
+              </a:rPr>
+              <a:t>Назначение разрабатываемого ПО</a:t>
+            </a:r>
+            <a:endParaRPr lang="ru-RU" sz="1200" kern="0" spc="-40" dirty="0">
+              <a:latin typeface="Times New Roman" panose="02020603050405020304" pitchFamily="18" charset="0"/>
+              <a:cs typeface="Times New Roman" panose="02020603050405020304" pitchFamily="18" charset="0"/>
+            </a:endParaRPr>
+          </a:p>
+        </p:txBody>
+      </p:sp>
+      <p:cxnSp>
+        <p:nvCxnSpPr>
+          <p:cNvPr id="17" name="Прямая соединительная линия 16">
+            <a:extLst>
+              <a:ext uri="{FF2B5EF4-FFF2-40B4-BE49-F238E27FC236}">
+                <a16:creationId xmlns:a16="http://schemas.microsoft.com/office/drawing/2014/main" id="{6FB0FD1F-86B8-CEF1-F0FA-49CADC536FAB}"/>
+              </a:ext>
+            </a:extLst>
+          </p:cNvPr>
+          <p:cNvCxnSpPr>
+            <a:cxnSpLocks/>
+          </p:cNvCxnSpPr>
+          <p:nvPr/>
+        </p:nvCxnSpPr>
+        <p:spPr>
+          <a:xfrm>
+            <a:off x="196936" y="511175"/>
+            <a:ext cx="4216227" cy="0"/>
+          </a:xfrm>
+          <a:prstGeom prst="line">
+            <a:avLst/>
+          </a:prstGeom>
+          <a:ln>
+            <a:solidFill>
+              <a:srgbClr val="0070C0"/>
+            </a:solidFill>
+          </a:ln>
+        </p:spPr>
+        <p:style>
+          <a:lnRef idx="1">
+            <a:schemeClr val="accent1"/>
+          </a:lnRef>
+          <a:fillRef idx="0">
+            <a:schemeClr val="accent1"/>
+          </a:fillRef>
+          <a:effectRef idx="0">
+            <a:schemeClr val="accent1"/>
+          </a:effectRef>
+          <a:fontRef idx="minor">
+            <a:schemeClr val="tx1"/>
+          </a:fontRef>
+        </p:style>
+      </p:cxnSp>
+      <p:sp>
+        <p:nvSpPr>
+          <p:cNvPr id="7" name="TextBox 6">
+            <a:extLst>
+              <a:ext uri="{FF2B5EF4-FFF2-40B4-BE49-F238E27FC236}">
+                <a16:creationId xmlns:a16="http://schemas.microsoft.com/office/drawing/2014/main" id="{D7F7EC5B-29A2-1C49-BDEB-80FC956BF80E}"/>
+              </a:ext>
+            </a:extLst>
+          </p:cNvPr>
+          <p:cNvSpPr txBox="1"/>
+          <p:nvPr/>
+        </p:nvSpPr>
+        <p:spPr>
+          <a:xfrm>
+            <a:off x="1016481" y="2773774"/>
+            <a:ext cx="2590800" cy="200055"/>
+          </a:xfrm>
+          <a:prstGeom prst="rect">
+            <a:avLst/>
+          </a:prstGeom>
+          <a:noFill/>
+        </p:spPr>
+        <p:txBody>
+          <a:bodyPr wrap="square">
+            <a:spAutoFit/>
+          </a:bodyPr>
+          <a:lstStyle/>
+          <a:p>
+            <a:pPr algn="ctr"/>
+            <a:r>
+              <a:rPr lang="ru-RU" sz="700" dirty="0">
+                <a:latin typeface="Times New Roman" panose="02020603050405020304" pitchFamily="18" charset="0"/>
+                <a:ea typeface="Calibri" panose="020F0502020204030204" pitchFamily="34" charset="0"/>
+              </a:rPr>
+              <a:t>Рис. </a:t>
+            </a:r>
+            <a:r>
+              <a:rPr lang="en-US" sz="700" dirty="0">
+                <a:latin typeface="Times New Roman" panose="02020603050405020304" pitchFamily="18" charset="0"/>
+                <a:ea typeface="Calibri" panose="020F0502020204030204" pitchFamily="34" charset="0"/>
+              </a:rPr>
+              <a:t>3.</a:t>
+            </a:r>
+            <a:r>
+              <a:rPr lang="ru-RU" sz="700" dirty="0">
+                <a:latin typeface="Times New Roman" panose="02020603050405020304" pitchFamily="18" charset="0"/>
+                <a:ea typeface="Calibri" panose="020F0502020204030204" pitchFamily="34" charset="0"/>
+              </a:rPr>
+              <a:t> Пример </a:t>
+            </a:r>
+            <a:r>
+              <a:rPr lang="en-US" sz="700" dirty="0">
+                <a:latin typeface="Times New Roman" panose="02020603050405020304" pitchFamily="18" charset="0"/>
+                <a:ea typeface="Calibri" panose="020F0502020204030204" pitchFamily="34" charset="0"/>
+              </a:rPr>
+              <a:t>GUI</a:t>
+            </a:r>
+            <a:r>
+              <a:rPr lang="ru-RU" sz="700" dirty="0">
+                <a:latin typeface="Times New Roman" panose="02020603050405020304" pitchFamily="18" charset="0"/>
+                <a:ea typeface="Calibri" panose="020F0502020204030204" pitchFamily="34" charset="0"/>
+              </a:rPr>
+              <a:t> для определения входных данных</a:t>
+            </a:r>
+            <a:endParaRPr lang="ru-RU" sz="700" dirty="0"/>
+          </a:p>
+        </p:txBody>
+      </p:sp>
+      <p:pic>
+        <p:nvPicPr>
+          <p:cNvPr id="14" name="Рисунок 13">
+            <a:extLst>
+              <a:ext uri="{FF2B5EF4-FFF2-40B4-BE49-F238E27FC236}">
+                <a16:creationId xmlns:a16="http://schemas.microsoft.com/office/drawing/2014/main" id="{FF053F81-E67B-BEDD-746D-4D616B297564}"/>
+              </a:ext>
+            </a:extLst>
+          </p:cNvPr>
+          <p:cNvPicPr>
+            <a:picLocks noChangeAspect="1"/>
+          </p:cNvPicPr>
+          <p:nvPr/>
+        </p:nvPicPr>
+        <p:blipFill>
+          <a:blip r:embed="rId3"/>
+          <a:stretch>
+            <a:fillRect/>
+          </a:stretch>
+        </p:blipFill>
+        <p:spPr>
+          <a:xfrm>
+            <a:off x="1121502" y="1958616"/>
+            <a:ext cx="2353829" cy="815158"/>
+          </a:xfrm>
+          <a:prstGeom prst="rect">
+            <a:avLst/>
+          </a:prstGeom>
+        </p:spPr>
+      </p:pic>
+    </p:spTree>
+    <p:extLst>
+      <p:ext uri="{BB962C8B-B14F-4D97-AF65-F5344CB8AC3E}">
+        <p14:creationId xmlns:p14="http://schemas.microsoft.com/office/powerpoint/2010/main" val="4013135730"/>
+      </p:ext>
+    </p:extLst>
+  </p:cSld>
+  <p:clrMapOvr>
+    <a:masterClrMapping/>
+  </p:clrMapOvr>
+  <p:transition>
+    <p:cut/>
+  </p:transition>
+</p:sld>
+</file>
+
+<file path=ppt/slides/slide8.xml><?xml version="1.0" encoding="utf-8"?>
+<p:sld xmlns:a="http://schemas.openxmlformats.org/drawingml/2006/main" xmlns:r="http://schemas.openxmlformats.org/officeDocument/2006/relationships" xmlns:p="http://schemas.openxmlformats.org/presentationml/2006/main" showMasterSp="0">
+  <p:cSld>
+    <p:spTree>
+      <p:nvGrpSpPr>
+        <p:cNvPr id="1" name=""/>
+        <p:cNvGrpSpPr/>
+        <p:nvPr/>
+      </p:nvGrpSpPr>
+      <p:grpSpPr>
+        <a:xfrm>
+          <a:off x="0" y="0"/>
+          <a:ext cx="0" cy="0"/>
+          <a:chOff x="0" y="0"/>
+          <a:chExt cx="0" cy="0"/>
+        </a:xfrm>
+      </p:grpSpPr>
+      <p:sp>
+        <p:nvSpPr>
+          <p:cNvPr id="10" name="Прямоугольник 9">
+            <a:extLst>
+              <a:ext uri="{FF2B5EF4-FFF2-40B4-BE49-F238E27FC236}">
+                <a16:creationId xmlns:a16="http://schemas.microsoft.com/office/drawing/2014/main" id="{55EDAC1E-5709-C743-4E51-119E1839A191}"/>
+              </a:ext>
+            </a:extLst>
+          </p:cNvPr>
+          <p:cNvSpPr/>
+          <p:nvPr/>
+        </p:nvSpPr>
+        <p:spPr>
+          <a:xfrm>
+            <a:off x="-20944" y="3295813"/>
+            <a:ext cx="4642023" cy="184666"/>
+          </a:xfrm>
+          <a:prstGeom prst="rect">
+            <a:avLst/>
+          </a:prstGeom>
+          <a:solidFill>
+            <a:schemeClr val="accent1">
+              <a:alpha val="20000"/>
+            </a:schemeClr>
+          </a:solidFill>
+          <a:ln>
+            <a:noFill/>
+          </a:ln>
+        </p:spPr>
+        <p:style>
+          <a:lnRef idx="2">
+            <a:schemeClr val="accent1">
+              <a:shade val="15000"/>
+            </a:schemeClr>
+          </a:lnRef>
+          <a:fillRef idx="1">
+            <a:schemeClr val="accent1"/>
+          </a:fillRef>
+          <a:effectRef idx="0">
+            <a:schemeClr val="accent1"/>
+          </a:effectRef>
+          <a:fontRef idx="minor">
+            <a:schemeClr val="lt1"/>
+          </a:fontRef>
+        </p:style>
+        <p:txBody>
+          <a:bodyPr rtlCol="0" anchor="ctr"/>
+          <a:lstStyle/>
+          <a:p>
+            <a:pPr algn="r"/>
+            <a:r>
+              <a:rPr lang="ru-RU" sz="800" b="1" dirty="0">
+                <a:solidFill>
+                  <a:schemeClr val="bg1">
+                    <a:lumMod val="50000"/>
+                  </a:schemeClr>
+                </a:solidFill>
+                <a:latin typeface="Times New Roman" panose="02020603050405020304" pitchFamily="18" charset="0"/>
+                <a:cs typeface="Times New Roman" panose="02020603050405020304" pitchFamily="18" charset="0"/>
+              </a:rPr>
+              <a:t>Разработка </a:t>
+            </a:r>
+            <a:r>
+              <a:rPr lang="ru-RU" sz="800" b="1" dirty="0" err="1">
+                <a:solidFill>
+                  <a:schemeClr val="bg1">
+                    <a:lumMod val="50000"/>
+                  </a:schemeClr>
+                </a:solidFill>
+                <a:latin typeface="Times New Roman" panose="02020603050405020304" pitchFamily="18" charset="0"/>
+                <a:cs typeface="Times New Roman" panose="02020603050405020304" pitchFamily="18" charset="0"/>
+              </a:rPr>
+              <a:t>web</a:t>
+            </a:r>
+            <a:r>
+              <a:rPr lang="ru-RU" sz="800" b="1" dirty="0">
+                <a:solidFill>
+                  <a:schemeClr val="bg1">
+                    <a:lumMod val="50000"/>
+                  </a:schemeClr>
+                </a:solidFill>
+                <a:latin typeface="Times New Roman" panose="02020603050405020304" pitchFamily="18" charset="0"/>
+                <a:cs typeface="Times New Roman" panose="02020603050405020304" pitchFamily="18" charset="0"/>
+              </a:rPr>
+              <a:t>-ориентированного ПО, реализующего автоматизированное построение</a:t>
+            </a:r>
+            <a:r>
+              <a:rPr lang="en-US" sz="800" b="1" dirty="0">
+                <a:solidFill>
+                  <a:schemeClr val="bg1">
+                    <a:lumMod val="50000"/>
+                  </a:schemeClr>
+                </a:solidFill>
+                <a:latin typeface="Times New Roman" panose="02020603050405020304" pitchFamily="18" charset="0"/>
+                <a:cs typeface="Times New Roman" panose="02020603050405020304" pitchFamily="18" charset="0"/>
+              </a:rPr>
+              <a:t> GUI</a:t>
+            </a:r>
+            <a:endParaRPr lang="ru-RU" sz="800" dirty="0">
+              <a:solidFill>
+                <a:schemeClr val="bg1">
+                  <a:lumMod val="50000"/>
+                </a:schemeClr>
+              </a:solidFill>
+            </a:endParaRPr>
+          </a:p>
+        </p:txBody>
+      </p:sp>
+      <p:sp>
+        <p:nvSpPr>
+          <p:cNvPr id="121" name="Номер слайда 8">
+            <a:extLst>
+              <a:ext uri="{FF2B5EF4-FFF2-40B4-BE49-F238E27FC236}">
+                <a16:creationId xmlns:a16="http://schemas.microsoft.com/office/drawing/2014/main" id="{53F84418-E4D6-E2A5-3E0F-A9A56B4FC5BE}"/>
+              </a:ext>
+            </a:extLst>
+          </p:cNvPr>
+          <p:cNvSpPr txBox="1">
+            <a:spLocks/>
+          </p:cNvSpPr>
+          <p:nvPr/>
+        </p:nvSpPr>
+        <p:spPr>
+          <a:xfrm>
+            <a:off x="-20944" y="3319545"/>
+            <a:ext cx="527293" cy="137203"/>
+          </a:xfrm>
+          <a:prstGeom prst="rect">
+            <a:avLst/>
+          </a:prstGeom>
+        </p:spPr>
+        <p:txBody>
+          <a:bodyPr lIns="0" tIns="0" rIns="0" bIns="0"/>
+          <a:lstStyle>
+            <a:defPPr>
+              <a:defRPr lang="ru-RU"/>
+            </a:defPPr>
+            <a:lvl1pPr marL="0" algn="l" defTabSz="914400" rtl="0" eaLnBrk="1" latinLnBrk="0" hangingPunct="1">
+              <a:defRPr sz="800" b="0" i="0" kern="1200">
+                <a:solidFill>
+                  <a:srgbClr val="00B050"/>
+                </a:solidFill>
+                <a:latin typeface="Times New Roman" panose="02020603050405020304" pitchFamily="18" charset="0"/>
+                <a:ea typeface="+mn-ea"/>
+                <a:cs typeface="Times New Roman" panose="02020603050405020304" pitchFamily="18" charset="0"/>
+              </a:defRPr>
+            </a:lvl1pPr>
+            <a:lvl2pPr marL="457200" algn="l" defTabSz="914400" rtl="0" eaLnBrk="1" latinLnBrk="0" hangingPunct="1">
+              <a:defRPr sz="1800" kern="1200">
+                <a:solidFill>
+                  <a:schemeClr val="tx1"/>
+                </a:solidFill>
+                <a:latin typeface="+mn-lt"/>
+                <a:ea typeface="+mn-ea"/>
+                <a:cs typeface="+mn-cs"/>
+              </a:defRPr>
+            </a:lvl2pPr>
+            <a:lvl3pPr marL="914400" algn="l" defTabSz="914400" rtl="0" eaLnBrk="1" latinLnBrk="0" hangingPunct="1">
+              <a:defRPr sz="1800" kern="1200">
+                <a:solidFill>
+                  <a:schemeClr val="tx1"/>
+                </a:solidFill>
+                <a:latin typeface="+mn-lt"/>
+                <a:ea typeface="+mn-ea"/>
+                <a:cs typeface="+mn-cs"/>
+              </a:defRPr>
+            </a:lvl3pPr>
+            <a:lvl4pPr marL="1371600" algn="l" defTabSz="914400" rtl="0" eaLnBrk="1" latinLnBrk="0" hangingPunct="1">
+              <a:defRPr sz="1800" kern="1200">
+                <a:solidFill>
+                  <a:schemeClr val="tx1"/>
+                </a:solidFill>
+                <a:latin typeface="+mn-lt"/>
+                <a:ea typeface="+mn-ea"/>
+                <a:cs typeface="+mn-cs"/>
+              </a:defRPr>
+            </a:lvl4pPr>
+            <a:lvl5pPr marL="1828800" algn="l" defTabSz="914400" rtl="0" eaLnBrk="1" latinLnBrk="0" hangingPunct="1">
+              <a:defRPr sz="1800" kern="1200">
+                <a:solidFill>
+                  <a:schemeClr val="tx1"/>
+                </a:solidFill>
+                <a:latin typeface="+mn-lt"/>
+                <a:ea typeface="+mn-ea"/>
+                <a:cs typeface="+mn-cs"/>
+              </a:defRPr>
+            </a:lvl5pPr>
+            <a:lvl6pPr marL="2286000" algn="l" defTabSz="914400" rtl="0" eaLnBrk="1" latinLnBrk="0" hangingPunct="1">
+              <a:defRPr sz="1800" kern="1200">
+                <a:solidFill>
+                  <a:schemeClr val="tx1"/>
+                </a:solidFill>
+                <a:latin typeface="+mn-lt"/>
+                <a:ea typeface="+mn-ea"/>
+                <a:cs typeface="+mn-cs"/>
+              </a:defRPr>
+            </a:lvl6pPr>
+            <a:lvl7pPr marL="2743200" algn="l" defTabSz="914400" rtl="0" eaLnBrk="1" latinLnBrk="0" hangingPunct="1">
+              <a:defRPr sz="1800" kern="1200">
+                <a:solidFill>
+                  <a:schemeClr val="tx1"/>
+                </a:solidFill>
+                <a:latin typeface="+mn-lt"/>
+                <a:ea typeface="+mn-ea"/>
+                <a:cs typeface="+mn-cs"/>
+              </a:defRPr>
+            </a:lvl7pPr>
+            <a:lvl8pPr marL="3200400" algn="l" defTabSz="914400" rtl="0" eaLnBrk="1" latinLnBrk="0" hangingPunct="1">
+              <a:defRPr sz="1800" kern="1200">
+                <a:solidFill>
+                  <a:schemeClr val="tx1"/>
+                </a:solidFill>
+                <a:latin typeface="+mn-lt"/>
+                <a:ea typeface="+mn-ea"/>
+                <a:cs typeface="+mn-cs"/>
+              </a:defRPr>
+            </a:lvl8pPr>
+            <a:lvl9pPr marL="3657600" algn="l" defTabSz="914400" rtl="0" eaLnBrk="1" latinLnBrk="0" hangingPunct="1">
+              <a:defRPr sz="1800" kern="1200">
+                <a:solidFill>
+                  <a:schemeClr val="tx1"/>
+                </a:solidFill>
+                <a:latin typeface="+mn-lt"/>
+                <a:ea typeface="+mn-ea"/>
+                <a:cs typeface="+mn-cs"/>
+              </a:defRPr>
+            </a:lvl9pPr>
+          </a:lstStyle>
+          <a:p>
+            <a:pPr marL="38100">
+              <a:spcBef>
+                <a:spcPts val="95"/>
+              </a:spcBef>
+            </a:pPr>
+            <a:fld id="{81D60167-4931-47E6-BA6A-407CBD079E47}" type="slidenum">
+              <a:rPr lang="ru-RU" spc="-5" smtClean="0">
+                <a:solidFill>
+                  <a:srgbClr val="0070C0"/>
+                </a:solidFill>
+              </a:rPr>
+              <a:pPr marL="38100">
+                <a:spcBef>
+                  <a:spcPts val="95"/>
+                </a:spcBef>
+              </a:pPr>
+              <a:t>8</a:t>
+            </a:fld>
+            <a:endParaRPr lang="ru-RU" spc="-5" dirty="0">
+              <a:solidFill>
+                <a:srgbClr val="0070C0"/>
+              </a:solidFill>
+            </a:endParaRPr>
+          </a:p>
+        </p:txBody>
+      </p:sp>
+      <p:sp>
+        <p:nvSpPr>
+          <p:cNvPr id="6" name="TextBox 5">
+            <a:extLst>
+              <a:ext uri="{FF2B5EF4-FFF2-40B4-BE49-F238E27FC236}">
+                <a16:creationId xmlns:a16="http://schemas.microsoft.com/office/drawing/2014/main" id="{A82E618F-93E9-3FFE-2139-C7EC37B333B9}"/>
+              </a:ext>
+            </a:extLst>
+          </p:cNvPr>
+          <p:cNvSpPr txBox="1"/>
+          <p:nvPr/>
+        </p:nvSpPr>
+        <p:spPr>
+          <a:xfrm>
+            <a:off x="0" y="-2933"/>
+            <a:ext cx="4621079" cy="215444"/>
+          </a:xfrm>
+          <a:prstGeom prst="rect">
+            <a:avLst/>
+          </a:prstGeom>
+          <a:solidFill>
+            <a:schemeClr val="accent1">
+              <a:alpha val="20000"/>
+            </a:schemeClr>
+          </a:solidFill>
+        </p:spPr>
+        <p:txBody>
+          <a:bodyPr wrap="square" rtlCol="0">
+            <a:spAutoFit/>
+          </a:bodyPr>
+          <a:lstStyle/>
+          <a:p>
+            <a:pPr algn="just"/>
+            <a:r>
+              <a:rPr lang="ru-RU" sz="800" dirty="0">
+                <a:solidFill>
+                  <a:schemeClr val="bg1">
+                    <a:lumMod val="75000"/>
+                  </a:schemeClr>
+                </a:solidFill>
+                <a:latin typeface="Times New Roman" panose="02020603050405020304" pitchFamily="18" charset="0"/>
+                <a:cs typeface="Times New Roman" panose="02020603050405020304" pitchFamily="18" charset="0"/>
+              </a:rPr>
+              <a:t>Введение</a:t>
+            </a:r>
+            <a:r>
+              <a:rPr lang="ru-RU" sz="800" dirty="0">
+                <a:latin typeface="Times New Roman" panose="02020603050405020304" pitchFamily="18" charset="0"/>
+                <a:cs typeface="Times New Roman" panose="02020603050405020304" pitchFamily="18" charset="0"/>
+              </a:rPr>
+              <a:t> </a:t>
+            </a:r>
+            <a:r>
+              <a:rPr lang="en-US" sz="800" dirty="0">
+                <a:solidFill>
+                  <a:schemeClr val="bg1">
+                    <a:lumMod val="75000"/>
+                  </a:schemeClr>
+                </a:solidFill>
+                <a:latin typeface="Times New Roman" panose="02020603050405020304" pitchFamily="18" charset="0"/>
+                <a:cs typeface="Times New Roman" panose="02020603050405020304" pitchFamily="18" charset="0"/>
+              </a:rPr>
+              <a:t>| </a:t>
+            </a:r>
+            <a:r>
+              <a:rPr lang="ru-RU" sz="800" dirty="0">
                 <a:solidFill>
                   <a:schemeClr val="bg1">
                     <a:lumMod val="75000"/>
@@ -11817,7 +15196,7 @@
         <p:spPr>
           <a:xfrm>
             <a:off x="191953" y="511175"/>
-            <a:ext cx="4216227" cy="1892826"/>
+            <a:ext cx="4216227" cy="1754326"/>
           </a:xfrm>
           <a:prstGeom prst="rect">
             <a:avLst/>
@@ -11836,7 +15215,7 @@
                 <a:latin typeface="Times New Roman" panose="02020603050405020304" pitchFamily="18" charset="0"/>
                 <a:cs typeface="Times New Roman" panose="02020603050405020304" pitchFamily="18" charset="0"/>
               </a:rPr>
-              <a:t>В разработке программы для генерации HTML файла на основе </a:t>
+              <a:t>В разработке программы для генерации HTML-файла на основе </a:t>
             </a:r>
             <a:r>
               <a:rPr lang="ru-RU" sz="900" dirty="0" err="1">
@@ -11846,11 +15225,18 @@
               <a:t>aINI</a:t>
             </a:r>
             <a:r>
+              <a:rPr lang="en-US" sz="900" dirty="0">
+                <a:latin typeface="Times New Roman" panose="02020603050405020304" pitchFamily="18" charset="0"/>
+                <a:cs typeface="Times New Roman" panose="02020603050405020304" pitchFamily="18" charset="0"/>
+              </a:rPr>
+              <a:t>-</a:t>
+            </a:r>
+            <a:r>
               <a:rPr lang="ru-RU" sz="900" dirty="0">
                 <a:latin typeface="Times New Roman" panose="02020603050405020304" pitchFamily="18" charset="0"/>
                 <a:cs typeface="Times New Roman" panose="02020603050405020304" pitchFamily="18" charset="0"/>
               </a:rPr>
-              <a:t> использовалась библиотека </a:t>
+              <a:t>кода использовалась библиотека </a:t>
             </a:r>
             <a:r>
               <a:rPr lang="ru-RU" sz="900" dirty="0" err="1">
@@ -12073,7 +15459,7 @@
                 <a:latin typeface="Times New Roman" panose="02020603050405020304" pitchFamily="18" charset="0"/>
                 <a:cs typeface="Times New Roman" panose="02020603050405020304" pitchFamily="18" charset="0"/>
               </a:rPr>
-              <a:t>Пример строки, соответствующей этому шаблону, представлен на листинге 1, а элемент интерфейса, созданный на её основе, на рис. 3.</a:t>
+              <a:t>Пример строки, соответствующей этому шаблону, представлен на листинге 1.</a:t>
             </a:r>
           </a:p>
         </p:txBody>
@@ -12322,7 +15708,7 @@
         </p:nvSpPr>
         <p:spPr>
           <a:xfrm>
-            <a:off x="201550" y="2696864"/>
+            <a:off x="1555607" y="2700746"/>
             <a:ext cx="1488918" cy="307777"/>
           </a:xfrm>
           <a:prstGeom prst="rect">
@@ -12369,7 +15755,7 @@
         </p:nvSpPr>
         <p:spPr>
           <a:xfrm>
-            <a:off x="201550" y="2464956"/>
+            <a:off x="1555607" y="2469914"/>
             <a:ext cx="1488918" cy="230832"/>
           </a:xfrm>
           <a:prstGeom prst="rect">
@@ -12458,90 +15844,6 @@
           </a:p>
         </p:txBody>
       </p:sp>
-      <p:pic>
-        <p:nvPicPr>
-          <p:cNvPr id="15" name="Рисунок 14">
-            <a:extLst>
-              <a:ext uri="{FF2B5EF4-FFF2-40B4-BE49-F238E27FC236}">
-                <a16:creationId xmlns:a16="http://schemas.microsoft.com/office/drawing/2014/main" id="{0DAFBBC2-8D87-79A5-D827-2A046A586C11}"/>
-              </a:ext>
-            </a:extLst>
-          </p:cNvPr>
-          <p:cNvPicPr>
-            <a:picLocks noChangeAspect="1"/>
-          </p:cNvPicPr>
-          <p:nvPr/>
-        </p:nvPicPr>
-        <p:blipFill>
-          <a:blip r:embed="rId3"/>
-          <a:stretch>
-            <a:fillRect/>
-          </a:stretch>
-        </p:blipFill>
-        <p:spPr>
-          <a:xfrm>
-            <a:off x="3021434" y="2415867"/>
-            <a:ext cx="1386746" cy="403720"/>
-          </a:xfrm>
-          <a:prstGeom prst="rect">
-            <a:avLst/>
-          </a:prstGeom>
-        </p:spPr>
-      </p:pic>
-      <p:sp>
-        <p:nvSpPr>
-          <p:cNvPr id="16" name="TextBox 15">
-            <a:extLst>
-              <a:ext uri="{FF2B5EF4-FFF2-40B4-BE49-F238E27FC236}">
-                <a16:creationId xmlns:a16="http://schemas.microsoft.com/office/drawing/2014/main" id="{A73C2BF5-2C39-42D7-1429-D157CB36CBE9}"/>
-              </a:ext>
-            </a:extLst>
-          </p:cNvPr>
-          <p:cNvSpPr txBox="1"/>
-          <p:nvPr/>
-        </p:nvSpPr>
-        <p:spPr>
-          <a:xfrm>
-            <a:off x="3021435" y="2819032"/>
-            <a:ext cx="1386746" cy="307777"/>
-          </a:xfrm>
-          <a:prstGeom prst="rect">
-            <a:avLst/>
-          </a:prstGeom>
-          <a:noFill/>
-        </p:spPr>
-        <p:txBody>
-          <a:bodyPr wrap="square">
-            <a:spAutoFit/>
-          </a:bodyPr>
-          <a:lstStyle/>
-          <a:p>
-            <a:pPr algn="ctr"/>
-            <a:r>
-              <a:rPr lang="ru-RU" sz="700" dirty="0">
-                <a:latin typeface="Times New Roman" panose="02020603050405020304" pitchFamily="18" charset="0"/>
-                <a:ea typeface="Calibri" panose="020F0502020204030204" pitchFamily="34" charset="0"/>
-              </a:rPr>
-              <a:t>Рис. 3</a:t>
-            </a:r>
-            <a:r>
-              <a:rPr lang="en-US" sz="700" dirty="0">
-                <a:latin typeface="Times New Roman" panose="02020603050405020304" pitchFamily="18" charset="0"/>
-                <a:ea typeface="Calibri" panose="020F0502020204030204" pitchFamily="34" charset="0"/>
-              </a:rPr>
-              <a:t>. </a:t>
-            </a:r>
-            <a:r>
-              <a:rPr lang="ru-RU" sz="700" dirty="0">
-                <a:latin typeface="Times New Roman" panose="02020603050405020304" pitchFamily="18" charset="0"/>
-                <a:ea typeface="Calibri" panose="020F0502020204030204" pitchFamily="34" charset="0"/>
-              </a:rPr>
-              <a:t>Пример сгенерированного поля ввода</a:t>
-            </a:r>
-            <a:endParaRPr lang="ru-RU" sz="700" dirty="0"/>
-          </a:p>
-        </p:txBody>
-      </p:sp>
       <p:sp>
         <p:nvSpPr>
           <p:cNvPr id="2" name="Нижний колонтитул 2">
@@ -12712,8 +16014,8 @@
 </p:sld>
 </file>
 
-<file path=ppt/slides/slide8.xml><?xml version="1.0" encoding="utf-8"?>
-<p:sld xmlns:a="http://schemas.openxmlformats.org/drawingml/2006/main" xmlns:r="http://schemas.openxmlformats.org/officeDocument/2006/relationships" xmlns:p="http://schemas.openxmlformats.org/presentationml/2006/main" showMasterSp="0">
+<file path=ppt/slides/slide9.xml><?xml version="1.0" encoding="utf-8"?>
+<p:sld xmlns:a="http://schemas.openxmlformats.org/drawingml/2006/main" xmlns:r="http://schemas.openxmlformats.org/officeDocument/2006/relationships" xmlns:p="http://schemas.openxmlformats.org/presentationml/2006/main">
   <p:cSld>
     <p:spTree>
       <p:nvGrpSpPr>
@@ -12729,6 +16031,36 @@
           <a:chExt cx="0" cy="0"/>
         </a:xfrm>
       </p:grpSpPr>
+      <p:pic>
+        <p:nvPicPr>
+          <p:cNvPr id="20" name="Рисунок 19">
+            <a:extLst>
+              <a:ext uri="{FF2B5EF4-FFF2-40B4-BE49-F238E27FC236}">
+                <a16:creationId xmlns:a16="http://schemas.microsoft.com/office/drawing/2014/main" id="{DB225B04-0012-C570-B0A0-CBEC9431A485}"/>
+              </a:ext>
+            </a:extLst>
+          </p:cNvPr>
+          <p:cNvPicPr>
+            <a:picLocks noChangeAspect="1"/>
+          </p:cNvPicPr>
+          <p:nvPr/>
+        </p:nvPicPr>
+        <p:blipFill>
+          <a:blip r:embed="rId3"/>
+          <a:stretch>
+            <a:fillRect/>
+          </a:stretch>
+        </p:blipFill>
+        <p:spPr>
+          <a:xfrm>
+            <a:off x="3030298" y="2347113"/>
+            <a:ext cx="1386746" cy="403720"/>
+          </a:xfrm>
+          <a:prstGeom prst="rect">
+            <a:avLst/>
+          </a:prstGeom>
+        </p:spPr>
+      </p:pic>
       <p:sp>
         <p:nvSpPr>
           <p:cNvPr id="10" name="Прямоугольник 9">
@@ -12974,7 +16306,7 @@
                   <a:spcPts val="95"/>
                 </a:spcBef>
               </a:pPr>
-              <a:t>8</a:t>
+              <a:t>9</a:t>
             </a:fld>
             <a:endParaRPr lang="ru-RU" spc="-5" dirty="0">
               <a:solidFill>
@@ -13130,184 +16462,12 @@
           </a:p>
         </p:txBody>
       </p:sp>
-      <p:sp>
-        <p:nvSpPr>
-          <p:cNvPr id="12" name="TextBox 11">
-            <a:extLst>
-              <a:ext uri="{FF2B5EF4-FFF2-40B4-BE49-F238E27FC236}">
-                <a16:creationId xmlns:a16="http://schemas.microsoft.com/office/drawing/2014/main" id="{4D3AB3BE-3404-2D88-6C65-5CE19A2952A6}"/>
-              </a:ext>
-            </a:extLst>
-          </p:cNvPr>
-          <p:cNvSpPr txBox="1"/>
-          <p:nvPr/>
-        </p:nvSpPr>
-        <p:spPr>
-          <a:xfrm>
-            <a:off x="191953" y="512260"/>
-            <a:ext cx="4216227" cy="230832"/>
-          </a:xfrm>
-          <a:prstGeom prst="rect">
-            <a:avLst/>
-          </a:prstGeom>
-          <a:noFill/>
-        </p:spPr>
-        <p:txBody>
-          <a:bodyPr wrap="square" rtlCol="0">
-            <a:spAutoFit/>
-          </a:bodyPr>
-          <a:lstStyle/>
-          <a:p>
-            <a:pPr algn="just"/>
-            <a:r>
-              <a:rPr lang="ru-RU" sz="900" dirty="0">
-                <a:latin typeface="Times New Roman" panose="02020603050405020304" pitchFamily="18" charset="0"/>
-                <a:cs typeface="Times New Roman" panose="02020603050405020304" pitchFamily="18" charset="0"/>
-              </a:rPr>
-              <a:t>Во время разработки использовались: </a:t>
-            </a:r>
-            <a:r>
-              <a:rPr lang="en-US" sz="900" dirty="0">
-                <a:latin typeface="Times New Roman" panose="02020603050405020304" pitchFamily="18" charset="0"/>
-                <a:cs typeface="Times New Roman" panose="02020603050405020304" pitchFamily="18" charset="0"/>
-              </a:rPr>
-              <a:t>Django</a:t>
-            </a:r>
-            <a:r>
-              <a:rPr lang="ru-RU" sz="900" baseline="30000" dirty="0">
-                <a:latin typeface="Times New Roman" panose="02020603050405020304" pitchFamily="18" charset="0"/>
-                <a:cs typeface="Times New Roman" panose="02020603050405020304" pitchFamily="18" charset="0"/>
-              </a:rPr>
-              <a:t>1</a:t>
-            </a:r>
-            <a:r>
-              <a:rPr lang="ru-RU" sz="900" dirty="0">
-                <a:latin typeface="Times New Roman" panose="02020603050405020304" pitchFamily="18" charset="0"/>
-                <a:cs typeface="Times New Roman" panose="02020603050405020304" pitchFamily="18" charset="0"/>
-              </a:rPr>
-              <a:t>, </a:t>
-            </a:r>
-            <a:r>
-              <a:rPr lang="en-US" sz="900" dirty="0">
-                <a:latin typeface="Times New Roman" panose="02020603050405020304" pitchFamily="18" charset="0"/>
-                <a:cs typeface="Times New Roman" panose="02020603050405020304" pitchFamily="18" charset="0"/>
-              </a:rPr>
-              <a:t>Docker</a:t>
-            </a:r>
-            <a:r>
-              <a:rPr lang="ru-RU" sz="900" baseline="30000" dirty="0">
-                <a:latin typeface="Times New Roman" panose="02020603050405020304" pitchFamily="18" charset="0"/>
-                <a:cs typeface="Times New Roman" panose="02020603050405020304" pitchFamily="18" charset="0"/>
-              </a:rPr>
-              <a:t>2</a:t>
-            </a:r>
-            <a:r>
-              <a:rPr lang="en-US" sz="900" dirty="0">
-                <a:latin typeface="Times New Roman" panose="02020603050405020304" pitchFamily="18" charset="0"/>
-                <a:cs typeface="Times New Roman" panose="02020603050405020304" pitchFamily="18" charset="0"/>
-              </a:rPr>
-              <a:t>, </a:t>
-            </a:r>
-            <a:r>
-              <a:rPr lang="en-US" sz="900" dirty="0">
-                <a:latin typeface="Times New Roman" panose="02020603050405020304" pitchFamily="18" charset="0"/>
-                <a:ea typeface="Calibri" panose="020F0502020204030204" pitchFamily="34" charset="0"/>
-              </a:rPr>
-              <a:t>Nginx</a:t>
-            </a:r>
-            <a:r>
-              <a:rPr lang="en-US" sz="900" baseline="30000" dirty="0">
-                <a:latin typeface="Times New Roman" panose="02020603050405020304" pitchFamily="18" charset="0"/>
-                <a:ea typeface="Calibri" panose="020F0502020204030204" pitchFamily="34" charset="0"/>
-              </a:rPr>
-              <a:t>3</a:t>
-            </a:r>
-            <a:r>
-              <a:rPr lang="ru-RU" sz="900" dirty="0">
-                <a:effectLst/>
-                <a:latin typeface="Times New Roman" panose="02020603050405020304" pitchFamily="18" charset="0"/>
-                <a:ea typeface="Calibri" panose="020F0502020204030204" pitchFamily="34" charset="0"/>
-              </a:rPr>
-              <a:t>.</a:t>
-            </a:r>
-          </a:p>
-        </p:txBody>
-      </p:sp>
-      <p:sp>
-        <p:nvSpPr>
-          <p:cNvPr id="7" name="object 2">
-            <a:extLst>
-              <a:ext uri="{FF2B5EF4-FFF2-40B4-BE49-F238E27FC236}">
-                <a16:creationId xmlns:a16="http://schemas.microsoft.com/office/drawing/2014/main" id="{437C222A-87E8-7F33-F722-C04AA655E7EC}"/>
-              </a:ext>
-            </a:extLst>
-          </p:cNvPr>
-          <p:cNvSpPr txBox="1">
-            <a:spLocks/>
-          </p:cNvSpPr>
-          <p:nvPr/>
-        </p:nvSpPr>
-        <p:spPr>
-          <a:xfrm>
-            <a:off x="196936" y="236243"/>
-            <a:ext cx="4216226" cy="196208"/>
-          </a:xfrm>
-          <a:prstGeom prst="rect">
-            <a:avLst/>
-          </a:prstGeom>
-        </p:spPr>
-        <p:txBody>
-          <a:bodyPr vert="horz" wrap="square" lIns="0" tIns="11430" rIns="0" bIns="0" rtlCol="0">
-            <a:spAutoFit/>
-          </a:bodyPr>
-          <a:lstStyle>
-            <a:lvl1pPr>
-              <a:defRPr sz="1100" b="0" i="0">
-                <a:solidFill>
-                  <a:schemeClr val="tx1"/>
-                </a:solidFill>
-                <a:latin typeface="Tahoma"/>
-                <a:ea typeface="+mj-ea"/>
-                <a:cs typeface="Tahoma"/>
-              </a:defRPr>
-            </a:lvl1pPr>
-          </a:lstStyle>
-          <a:p>
-            <a:pPr marL="12700">
-              <a:spcBef>
-                <a:spcPts val="90"/>
-              </a:spcBef>
-            </a:pPr>
-            <a:r>
-              <a:rPr lang="ru-RU" sz="1200" spc="-40" dirty="0">
-                <a:latin typeface="Times New Roman" panose="02020603050405020304" pitchFamily="18" charset="0"/>
-                <a:cs typeface="Times New Roman" panose="02020603050405020304" pitchFamily="18" charset="0"/>
-              </a:rPr>
-              <a:t>Разработка тестового </a:t>
-            </a:r>
-            <a:r>
-              <a:rPr lang="en-US" sz="1200" spc="-40" dirty="0">
-                <a:latin typeface="Times New Roman" panose="02020603050405020304" pitchFamily="18" charset="0"/>
-                <a:cs typeface="Times New Roman" panose="02020603050405020304" pitchFamily="18" charset="0"/>
-              </a:rPr>
-              <a:t>web-</a:t>
-            </a:r>
-            <a:r>
-              <a:rPr lang="ru-RU" sz="1200" spc="-40" dirty="0">
-                <a:latin typeface="Times New Roman" panose="02020603050405020304" pitchFamily="18" charset="0"/>
-                <a:cs typeface="Times New Roman" panose="02020603050405020304" pitchFamily="18" charset="0"/>
-              </a:rPr>
-              <a:t>приложения</a:t>
-            </a:r>
-          </a:p>
-        </p:txBody>
-      </p:sp>
       <p:cxnSp>
         <p:nvCxnSpPr>
           <p:cNvPr id="8" name="Прямая соединительная линия 7">
             <a:extLst>
               <a:ext uri="{FF2B5EF4-FFF2-40B4-BE49-F238E27FC236}">
-                <a16:creationId xmlns:a16="http://schemas.microsoft.com/office/drawing/2014/main" id="{5205C112-8034-ADAD-D16A-3AB510A7A0BB}"/>
+                <a16:creationId xmlns:a16="http://schemas.microsoft.com/office/drawing/2014/main" id="{9340E07A-1BB8-B06B-21A9-F756DAB4CBD0}"/>
               </a:ext>
             </a:extLst>
           </p:cNvPr>
@@ -13347,10 +16507,10 @@
       </p:cxnSp>
       <p:sp>
         <p:nvSpPr>
-          <p:cNvPr id="15" name="TextBox 14">
+          <p:cNvPr id="11" name="TextBox 10">
             <a:extLst>
               <a:ext uri="{FF2B5EF4-FFF2-40B4-BE49-F238E27FC236}">
-                <a16:creationId xmlns:a16="http://schemas.microsoft.com/office/drawing/2014/main" id="{92A73F09-FB3C-2323-907D-989F48742901}"/>
+                <a16:creationId xmlns:a16="http://schemas.microsoft.com/office/drawing/2014/main" id="{83E62AD0-4065-8716-0696-260FE2498485}"/>
               </a:ext>
             </a:extLst>
           </p:cNvPr>
@@ -13359,8 +16519,186 @@
         </p:nvSpPr>
         <p:spPr>
           <a:xfrm>
-            <a:off x="-1" y="2919435"/>
-            <a:ext cx="4610101" cy="400110"/>
+            <a:off x="196936" y="2408608"/>
+            <a:ext cx="2641514" cy="338554"/>
+          </a:xfrm>
+          <a:prstGeom prst="rect">
+            <a:avLst/>
+          </a:prstGeom>
+          <a:ln w="9525"/>
+        </p:spPr>
+        <p:style>
+          <a:lnRef idx="2">
+            <a:schemeClr val="dk1"/>
+          </a:lnRef>
+          <a:fillRef idx="1">
+            <a:schemeClr val="lt1"/>
+          </a:fillRef>
+          <a:effectRef idx="0">
+            <a:schemeClr val="dk1"/>
+          </a:effectRef>
+          <a:fontRef idx="minor">
+            <a:schemeClr val="dk1"/>
+          </a:fontRef>
+        </p:style>
+        <p:txBody>
+          <a:bodyPr wrap="square">
+            <a:spAutoFit/>
+          </a:bodyPr>
+          <a:lstStyle/>
+          <a:p>
+            <a:pPr algn="just"/>
+            <a:r>
+              <a:rPr lang="en-US" sz="800" dirty="0">
+                <a:solidFill>
+                  <a:schemeClr val="tx1"/>
+                </a:solidFill>
+                <a:latin typeface="Consolas" panose="020B0609020204030204" pitchFamily="49" charset="0"/>
+                <a:cs typeface="Courier New" panose="02070309020205020404" pitchFamily="49" charset="0"/>
+              </a:rPr>
+              <a:t>&lt;p&gt;&lt;b&gt;</a:t>
+            </a:r>
+            <a:r>
+              <a:rPr lang="ru-RU" sz="800" dirty="0">
+                <a:solidFill>
+                  <a:schemeClr val="accent1"/>
+                </a:solidFill>
+                <a:latin typeface="Consolas" panose="020B0609020204030204" pitchFamily="49" charset="0"/>
+                <a:cs typeface="Courier New" panose="02070309020205020404" pitchFamily="49" charset="0"/>
+              </a:rPr>
+              <a:t>Параметр </a:t>
+            </a:r>
+            <a:r>
+              <a:rPr lang="en-US" sz="800" dirty="0">
+                <a:solidFill>
+                  <a:schemeClr val="accent1"/>
+                </a:solidFill>
+                <a:latin typeface="Consolas" panose="020B0609020204030204" pitchFamily="49" charset="0"/>
+                <a:cs typeface="Courier New" panose="02070309020205020404" pitchFamily="49" charset="0"/>
+              </a:rPr>
+              <a:t>X</a:t>
+            </a:r>
+            <a:r>
+              <a:rPr lang="en-US" sz="800" dirty="0">
+                <a:solidFill>
+                  <a:schemeClr val="tx1"/>
+                </a:solidFill>
+                <a:latin typeface="Consolas" panose="020B0609020204030204" pitchFamily="49" charset="0"/>
+                <a:cs typeface="Courier New" panose="02070309020205020404" pitchFamily="49" charset="0"/>
+              </a:rPr>
+              <a:t>&lt;/b&gt;&lt;</a:t>
+            </a:r>
+            <a:r>
+              <a:rPr lang="en-US" sz="800" dirty="0" err="1">
+                <a:solidFill>
+                  <a:schemeClr val="tx1"/>
+                </a:solidFill>
+                <a:latin typeface="Consolas" panose="020B0609020204030204" pitchFamily="49" charset="0"/>
+                <a:cs typeface="Courier New" panose="02070309020205020404" pitchFamily="49" charset="0"/>
+              </a:rPr>
+              <a:t>br</a:t>
+            </a:r>
+            <a:r>
+              <a:rPr lang="en-US" sz="800" dirty="0">
+                <a:solidFill>
+                  <a:schemeClr val="tx1"/>
+                </a:solidFill>
+                <a:latin typeface="Consolas" panose="020B0609020204030204" pitchFamily="49" charset="0"/>
+                <a:cs typeface="Courier New" panose="02070309020205020404" pitchFamily="49" charset="0"/>
+              </a:rPr>
+              <a:t>&gt;</a:t>
+            </a:r>
+          </a:p>
+          <a:p>
+            <a:r>
+              <a:rPr lang="en-US" sz="800" dirty="0">
+                <a:solidFill>
+                  <a:schemeClr val="tx1"/>
+                </a:solidFill>
+                <a:latin typeface="Consolas" panose="020B0609020204030204" pitchFamily="49" charset="0"/>
+                <a:cs typeface="Courier New" panose="02070309020205020404" pitchFamily="49" charset="0"/>
+              </a:rPr>
+              <a:t>&lt;input type="text" name="</a:t>
+            </a:r>
+            <a:r>
+              <a:rPr lang="en-US" sz="800" dirty="0">
+                <a:solidFill>
+                  <a:schemeClr val="accent1"/>
+                </a:solidFill>
+                <a:latin typeface="Consolas" panose="020B0609020204030204" pitchFamily="49" charset="0"/>
+                <a:cs typeface="Courier New" panose="02070309020205020404" pitchFamily="49" charset="0"/>
+              </a:rPr>
+              <a:t>x</a:t>
+            </a:r>
+            <a:r>
+              <a:rPr lang="en-US" sz="800" dirty="0">
+                <a:solidFill>
+                  <a:schemeClr val="tx1"/>
+                </a:solidFill>
+                <a:latin typeface="Consolas" panose="020B0609020204030204" pitchFamily="49" charset="0"/>
+                <a:cs typeface="Courier New" panose="02070309020205020404" pitchFamily="49" charset="0"/>
+              </a:rPr>
+              <a:t>"</a:t>
+            </a:r>
+            <a:r>
+              <a:rPr lang="ru-RU" sz="800" dirty="0">
+                <a:solidFill>
+                  <a:schemeClr val="tx1"/>
+                </a:solidFill>
+                <a:latin typeface="Consolas" panose="020B0609020204030204" pitchFamily="49" charset="0"/>
+                <a:cs typeface="Courier New" panose="02070309020205020404" pitchFamily="49" charset="0"/>
+              </a:rPr>
+              <a:t> </a:t>
+            </a:r>
+            <a:r>
+              <a:rPr lang="en-US" sz="800" dirty="0">
+                <a:solidFill>
+                  <a:schemeClr val="tx1"/>
+                </a:solidFill>
+                <a:latin typeface="Consolas" panose="020B0609020204030204" pitchFamily="49" charset="0"/>
+                <a:cs typeface="Courier New" panose="02070309020205020404" pitchFamily="49" charset="0"/>
+              </a:rPr>
+              <a:t>value="</a:t>
+            </a:r>
+            <a:r>
+              <a:rPr lang="en-US" sz="800" dirty="0">
+                <a:solidFill>
+                  <a:schemeClr val="accent1"/>
+                </a:solidFill>
+                <a:latin typeface="Consolas" panose="020B0609020204030204" pitchFamily="49" charset="0"/>
+                <a:cs typeface="Courier New" panose="02070309020205020404" pitchFamily="49" charset="0"/>
+              </a:rPr>
+              <a:t>25</a:t>
+            </a:r>
+            <a:r>
+              <a:rPr lang="en-US" sz="800" dirty="0">
+                <a:solidFill>
+                  <a:schemeClr val="tx1"/>
+                </a:solidFill>
+                <a:latin typeface="Consolas" panose="020B0609020204030204" pitchFamily="49" charset="0"/>
+                <a:cs typeface="Courier New" panose="02070309020205020404" pitchFamily="49" charset="0"/>
+              </a:rPr>
+              <a:t>"&gt;&lt;/p&gt;</a:t>
+            </a:r>
+          </a:p>
+        </p:txBody>
+      </p:sp>
+      <p:sp>
+        <p:nvSpPr>
+          <p:cNvPr id="16" name="TextBox 15">
+            <a:extLst>
+              <a:ext uri="{FF2B5EF4-FFF2-40B4-BE49-F238E27FC236}">
+                <a16:creationId xmlns:a16="http://schemas.microsoft.com/office/drawing/2014/main" id="{8B1B0506-F3AE-8567-DCC3-278298CAB316}"/>
+              </a:ext>
+            </a:extLst>
+          </p:cNvPr>
+          <p:cNvSpPr txBox="1"/>
+          <p:nvPr/>
+        </p:nvSpPr>
+        <p:spPr>
+          <a:xfrm>
+            <a:off x="196936" y="513636"/>
+            <a:ext cx="4216226" cy="923330"/>
           </a:xfrm>
           <a:prstGeom prst="rect">
             <a:avLst/>
@@ -13373,218 +16711,71 @@
           </a:bodyPr>
           <a:lstStyle/>
           <a:p>
-            <a:pPr marL="0" indent="0" algn="just">
-              <a:buNone/>
-            </a:pPr>
-            <a:r>
-              <a:rPr lang="ru-RU" sz="500" dirty="0">
-                <a:effectLst/>
-                <a:latin typeface="Times New Roman" panose="02020603050405020304" pitchFamily="18" charset="0"/>
-                <a:ea typeface="Calibri" panose="020F0502020204030204" pitchFamily="34" charset="0"/>
-                <a:cs typeface="Times New Roman" panose="02020603050405020304" pitchFamily="18" charset="0"/>
-              </a:rPr>
-              <a:t>________________________________________________________________________________________</a:t>
-            </a:r>
-            <a:r>
-              <a:rPr lang="en-US" sz="500" dirty="0">
-                <a:effectLst/>
-                <a:latin typeface="Times New Roman" panose="02020603050405020304" pitchFamily="18" charset="0"/>
-                <a:ea typeface="Calibri" panose="020F0502020204030204" pitchFamily="34" charset="0"/>
-                <a:cs typeface="Times New Roman" panose="02020603050405020304" pitchFamily="18" charset="0"/>
-              </a:rPr>
-              <a:t>___________________________________________________</a:t>
-            </a:r>
-            <a:endParaRPr lang="ru-RU" sz="500" dirty="0">
-              <a:effectLst/>
+            <a:pPr algn="just"/>
+            <a:r>
+              <a:rPr lang="ru-RU" sz="900" dirty="0">
+                <a:latin typeface="Times New Roman" panose="02020603050405020304" pitchFamily="18" charset="0"/>
+                <a:cs typeface="Times New Roman" panose="02020603050405020304" pitchFamily="18" charset="0"/>
+              </a:rPr>
+              <a:t>В зависимости от того, какая строка распознана, вызывается соответствующая функция, генерирующая HTML-код элемента интерфейса.</a:t>
+            </a:r>
+          </a:p>
+          <a:p>
+            <a:pPr algn="just"/>
+            <a:endParaRPr lang="ru-RU" sz="900" dirty="0">
               <a:latin typeface="Times New Roman" panose="02020603050405020304" pitchFamily="18" charset="0"/>
-              <a:ea typeface="Calibri" panose="020F0502020204030204" pitchFamily="34" charset="0"/>
               <a:cs typeface="Times New Roman" panose="02020603050405020304" pitchFamily="18" charset="0"/>
             </a:endParaRPr>
           </a:p>
           <a:p>
             <a:pPr algn="just"/>
             <a:r>
-              <a:rPr lang="en-US" sz="500" dirty="0">
-                <a:effectLst/>
-                <a:latin typeface="Times New Roman" panose="02020603050405020304" pitchFamily="18" charset="0"/>
-                <a:ea typeface="Calibri" panose="020F0502020204030204" pitchFamily="34" charset="0"/>
-                <a:cs typeface="Times New Roman" panose="02020603050405020304" pitchFamily="18" charset="0"/>
-              </a:rPr>
-              <a:t>[1] </a:t>
-            </a:r>
-            <a:r>
-              <a:rPr lang="ru-RU" sz="500" dirty="0" err="1">
-                <a:effectLst/>
-                <a:latin typeface="Times New Roman" panose="02020603050405020304" pitchFamily="18" charset="0"/>
-                <a:ea typeface="Calibri" panose="020F0502020204030204" pitchFamily="34" charset="0"/>
-                <a:cs typeface="Times New Roman" panose="02020603050405020304" pitchFamily="18" charset="0"/>
-              </a:rPr>
-              <a:t>Django</a:t>
-            </a:r>
-            <a:r>
-              <a:rPr lang="ru-RU" sz="500" dirty="0">
-                <a:effectLst/>
-                <a:latin typeface="Times New Roman" panose="02020603050405020304" pitchFamily="18" charset="0"/>
-                <a:ea typeface="Calibri" panose="020F0502020204030204" pitchFamily="34" charset="0"/>
-                <a:cs typeface="Times New Roman" panose="02020603050405020304" pitchFamily="18" charset="0"/>
-              </a:rPr>
-              <a:t> — это Python </a:t>
-            </a:r>
-            <a:r>
-              <a:rPr lang="ru-RU" sz="500" dirty="0" err="1">
-                <a:effectLst/>
-                <a:latin typeface="Times New Roman" panose="02020603050405020304" pitchFamily="18" charset="0"/>
-                <a:ea typeface="Calibri" panose="020F0502020204030204" pitchFamily="34" charset="0"/>
-                <a:cs typeface="Times New Roman" panose="02020603050405020304" pitchFamily="18" charset="0"/>
-              </a:rPr>
-              <a:t>web</a:t>
-            </a:r>
-            <a:r>
-              <a:rPr lang="ru-RU" sz="500" dirty="0">
-                <a:effectLst/>
-                <a:latin typeface="Times New Roman" panose="02020603050405020304" pitchFamily="18" charset="0"/>
-                <a:ea typeface="Calibri" panose="020F0502020204030204" pitchFamily="34" charset="0"/>
-                <a:cs typeface="Times New Roman" panose="02020603050405020304" pitchFamily="18" charset="0"/>
-              </a:rPr>
-              <a:t>-фреймворк, с помощью которого можно вести разработку </a:t>
-            </a:r>
-            <a:r>
-              <a:rPr lang="ru-RU" sz="500" dirty="0" err="1">
-                <a:effectLst/>
-                <a:latin typeface="Times New Roman" panose="02020603050405020304" pitchFamily="18" charset="0"/>
-                <a:ea typeface="Calibri" panose="020F0502020204030204" pitchFamily="34" charset="0"/>
-                <a:cs typeface="Times New Roman" panose="02020603050405020304" pitchFamily="18" charset="0"/>
-              </a:rPr>
-              <a:t>web</a:t>
-            </a:r>
-            <a:r>
-              <a:rPr lang="ru-RU" sz="500" dirty="0">
-                <a:effectLst/>
-                <a:latin typeface="Times New Roman" panose="02020603050405020304" pitchFamily="18" charset="0"/>
-                <a:ea typeface="Calibri" panose="020F0502020204030204" pitchFamily="34" charset="0"/>
-                <a:cs typeface="Times New Roman" panose="02020603050405020304" pitchFamily="18" charset="0"/>
-              </a:rPr>
-              <a:t>-приложения.</a:t>
-            </a:r>
-            <a:endParaRPr lang="ru-RU" sz="500" dirty="0">
-              <a:latin typeface="Calibri" panose="020F0502020204030204" pitchFamily="34" charset="0"/>
-              <a:ea typeface="Calibri" panose="020F0502020204030204" pitchFamily="34" charset="0"/>
-              <a:cs typeface="Times New Roman" panose="02020603050405020304" pitchFamily="18" charset="0"/>
-            </a:endParaRPr>
-          </a:p>
-          <a:p>
-            <a:pPr algn="just"/>
-            <a:r>
-              <a:rPr lang="en-US" sz="500" dirty="0">
-                <a:effectLst/>
-                <a:latin typeface="Times New Roman" panose="02020603050405020304" pitchFamily="18" charset="0"/>
-                <a:ea typeface="Calibri" panose="020F0502020204030204" pitchFamily="34" charset="0"/>
-              </a:rPr>
-              <a:t>[2] </a:t>
-            </a:r>
-            <a:r>
-              <a:rPr lang="ru-RU" sz="500" dirty="0" err="1">
-                <a:effectLst/>
-                <a:latin typeface="Times New Roman" panose="02020603050405020304" pitchFamily="18" charset="0"/>
-                <a:ea typeface="Calibri" panose="020F0502020204030204" pitchFamily="34" charset="0"/>
-              </a:rPr>
-              <a:t>Docker</a:t>
-            </a:r>
-            <a:r>
-              <a:rPr lang="ru-RU" sz="500" dirty="0">
-                <a:effectLst/>
-                <a:latin typeface="Times New Roman" panose="02020603050405020304" pitchFamily="18" charset="0"/>
-                <a:ea typeface="Calibri" panose="020F0502020204030204" pitchFamily="34" charset="0"/>
-              </a:rPr>
-              <a:t> — программное обеспечение, применяемое для разработки </a:t>
-            </a:r>
-            <a:r>
-              <a:rPr lang="ru-RU" sz="500" dirty="0" err="1">
-                <a:effectLst/>
-                <a:latin typeface="Times New Roman" panose="02020603050405020304" pitchFamily="18" charset="0"/>
-                <a:ea typeface="Calibri" panose="020F0502020204030204" pitchFamily="34" charset="0"/>
-              </a:rPr>
-              <a:t>web</a:t>
-            </a:r>
-            <a:r>
-              <a:rPr lang="ru-RU" sz="500" dirty="0">
-                <a:effectLst/>
-                <a:latin typeface="Times New Roman" panose="02020603050405020304" pitchFamily="18" charset="0"/>
-                <a:ea typeface="Calibri" panose="020F0502020204030204" pitchFamily="34" charset="0"/>
-              </a:rPr>
-              <a:t>-приложений в средах с поддержкой контейнеризации.</a:t>
-            </a:r>
-            <a:endParaRPr lang="en-US" sz="500" dirty="0">
-              <a:effectLst/>
-              <a:latin typeface="Times New Roman" panose="02020603050405020304" pitchFamily="18" charset="0"/>
-              <a:ea typeface="Calibri" panose="020F0502020204030204" pitchFamily="34" charset="0"/>
-            </a:endParaRPr>
-          </a:p>
-          <a:p>
-            <a:pPr algn="just"/>
-            <a:r>
-              <a:rPr lang="en-US" sz="500" dirty="0">
-                <a:latin typeface="Times New Roman" panose="02020603050405020304" pitchFamily="18" charset="0"/>
-                <a:ea typeface="Calibri" panose="020F0502020204030204" pitchFamily="34" charset="0"/>
-              </a:rPr>
-              <a:t>[3] Nginx </a:t>
-            </a:r>
-            <a:r>
-              <a:rPr lang="ru-RU" sz="500" dirty="0">
-                <a:effectLst/>
-                <a:latin typeface="Times New Roman" panose="02020603050405020304" pitchFamily="18" charset="0"/>
-                <a:ea typeface="Calibri" panose="020F0502020204030204" pitchFamily="34" charset="0"/>
-              </a:rPr>
-              <a:t>— веб-сервер и почтовый прокси-сервер.</a:t>
-            </a:r>
-            <a:endParaRPr lang="en-US" sz="500" dirty="0">
-              <a:latin typeface="Times New Roman" panose="02020603050405020304" pitchFamily="18" charset="0"/>
-              <a:ea typeface="Calibri" panose="020F0502020204030204" pitchFamily="34" charset="0"/>
-            </a:endParaRPr>
+              <a:rPr lang="ru-RU" sz="900" dirty="0">
+                <a:latin typeface="Times New Roman" panose="02020603050405020304" pitchFamily="18" charset="0"/>
+                <a:cs typeface="Times New Roman" panose="02020603050405020304" pitchFamily="18" charset="0"/>
+              </a:rPr>
+              <a:t>На основе выделенных </a:t>
+            </a:r>
+            <a:r>
+              <a:rPr lang="ru-RU" sz="900" dirty="0">
+                <a:solidFill>
+                  <a:schemeClr val="accent1"/>
+                </a:solidFill>
+                <a:latin typeface="Times New Roman" panose="02020603050405020304" pitchFamily="18" charset="0"/>
+                <a:cs typeface="Times New Roman" panose="02020603050405020304" pitchFamily="18" charset="0"/>
+              </a:rPr>
+              <a:t>синим</a:t>
+            </a:r>
+            <a:r>
+              <a:rPr lang="ru-RU" sz="900" dirty="0">
+                <a:latin typeface="Times New Roman" panose="02020603050405020304" pitchFamily="18" charset="0"/>
+                <a:cs typeface="Times New Roman" panose="02020603050405020304" pitchFamily="18" charset="0"/>
+              </a:rPr>
+              <a:t> цветом данных из представленного </a:t>
+            </a:r>
+            <a:r>
+              <a:rPr lang="ru-RU" sz="900" dirty="0" err="1">
+                <a:latin typeface="Times New Roman" panose="02020603050405020304" pitchFamily="18" charset="0"/>
+                <a:cs typeface="Times New Roman" panose="02020603050405020304" pitchFamily="18" charset="0"/>
+              </a:rPr>
+              <a:t>aINI</a:t>
+            </a:r>
+            <a:r>
+              <a:rPr lang="ru-RU" sz="900" dirty="0">
+                <a:latin typeface="Times New Roman" panose="02020603050405020304" pitchFamily="18" charset="0"/>
+                <a:cs typeface="Times New Roman" panose="02020603050405020304" pitchFamily="18" charset="0"/>
+              </a:rPr>
+              <a:t>-кода (листинг 2) будет записан HTML-код элемента поля ввода (листинг 3), а на рисунке 4 представлено это поле ввода на странице.  </a:t>
+            </a:r>
           </a:p>
         </p:txBody>
       </p:sp>
-      <p:pic>
-        <p:nvPicPr>
-          <p:cNvPr id="16" name="Объект 2">
+      <p:sp>
+        <p:nvSpPr>
+          <p:cNvPr id="19" name="TextBox 18">
             <a:extLst>
               <a:ext uri="{FF2B5EF4-FFF2-40B4-BE49-F238E27FC236}">
-                <a16:creationId xmlns:a16="http://schemas.microsoft.com/office/drawing/2014/main" id="{AF0E18EC-1F14-0741-38BF-C67B82BB35A6}"/>
-              </a:ext>
-            </a:extLst>
-          </p:cNvPr>
-          <p:cNvPicPr>
-            <a:picLocks noChangeAspect="1"/>
-          </p:cNvPicPr>
-          <p:nvPr/>
-        </p:nvPicPr>
-        <p:blipFill rotWithShape="1">
-          <a:blip r:embed="rId3" cstate="print">
-            <a:extLst>
-              <a:ext uri="{28A0092B-C50C-407E-A947-70E740481C1C}">
-                <a14:useLocalDpi xmlns:a14="http://schemas.microsoft.com/office/drawing/2010/main" val="0"/>
-              </a:ext>
-            </a:extLst>
-          </a:blip>
-          <a:srcRect r="33080"/>
-          <a:stretch/>
-        </p:blipFill>
-        <p:spPr>
-          <a:xfrm>
-            <a:off x="191953" y="1187505"/>
-            <a:ext cx="2224939" cy="1079768"/>
-          </a:xfrm>
-          <a:prstGeom prst="rect">
-            <a:avLst/>
-          </a:prstGeom>
-        </p:spPr>
-      </p:pic>
-      <p:sp>
-        <p:nvSpPr>
-          <p:cNvPr id="17" name="TextBox 16">
-            <a:extLst>
-              <a:ext uri="{FF2B5EF4-FFF2-40B4-BE49-F238E27FC236}">
-                <a16:creationId xmlns:a16="http://schemas.microsoft.com/office/drawing/2014/main" id="{E7EE87C7-947E-EB26-348A-C85C820526D6}"/>
+                <a16:creationId xmlns:a16="http://schemas.microsoft.com/office/drawing/2014/main" id="{5AA035EE-9173-92B7-CE60-9094CABE10F6}"/>
               </a:ext>
             </a:extLst>
           </p:cNvPr>
@@ -13593,8 +16784,8 @@
         </p:nvSpPr>
         <p:spPr>
           <a:xfrm>
-            <a:off x="196936" y="2267273"/>
-            <a:ext cx="2219956" cy="200055"/>
+            <a:off x="196936" y="2744953"/>
+            <a:ext cx="2641514" cy="200055"/>
           </a:xfrm>
           <a:prstGeom prst="rect">
             <a:avLst/>
@@ -13607,79 +16798,38 @@
           </a:bodyPr>
           <a:lstStyle/>
           <a:p>
-            <a:pPr algn="ctr"/>
+            <a:pPr algn="just"/>
             <a:r>
               <a:rPr lang="ru-RU" sz="700" dirty="0">
                 <a:latin typeface="Times New Roman" panose="02020603050405020304" pitchFamily="18" charset="0"/>
                 <a:ea typeface="Calibri" panose="020F0502020204030204" pitchFamily="34" charset="0"/>
               </a:rPr>
-              <a:t>Рис. 4</a:t>
+              <a:t>Листинг 3. Сгенерированный </a:t>
             </a:r>
             <a:r>
               <a:rPr lang="en-US" sz="700" dirty="0">
                 <a:latin typeface="Times New Roman" panose="02020603050405020304" pitchFamily="18" charset="0"/>
                 <a:ea typeface="Calibri" panose="020F0502020204030204" pitchFamily="34" charset="0"/>
               </a:rPr>
-              <a:t>. </a:t>
+              <a:t>HTML-</a:t>
             </a:r>
             <a:r>
               <a:rPr lang="ru-RU" sz="700" dirty="0">
                 <a:latin typeface="Times New Roman" panose="02020603050405020304" pitchFamily="18" charset="0"/>
                 <a:ea typeface="Calibri" panose="020F0502020204030204" pitchFamily="34" charset="0"/>
               </a:rPr>
-              <a:t>Вход на сервер</a:t>
+              <a:t>код элемента интерфейса  </a:t>
             </a:r>
             <a:endParaRPr lang="ru-RU" sz="700" dirty="0"/>
           </a:p>
         </p:txBody>
       </p:sp>
-      <p:pic>
-        <p:nvPicPr>
-          <p:cNvPr id="18" name="Рисунок 17">
+      <p:sp>
+        <p:nvSpPr>
+          <p:cNvPr id="21" name="TextBox 20">
             <a:extLst>
               <a:ext uri="{FF2B5EF4-FFF2-40B4-BE49-F238E27FC236}">
-                <a16:creationId xmlns:a16="http://schemas.microsoft.com/office/drawing/2014/main" id="{2724C132-416E-FF93-8C9D-05A44D30E4E3}"/>
-              </a:ext>
-            </a:extLst>
-          </p:cNvPr>
-          <p:cNvPicPr>
-            <a:picLocks noChangeAspect="1"/>
-          </p:cNvPicPr>
-          <p:nvPr/>
-        </p:nvPicPr>
-        <p:blipFill>
-          <a:blip r:embed="rId4" cstate="print">
-            <a:extLst>
-              <a:ext uri="{28A0092B-C50C-407E-A947-70E740481C1C}">
-                <a14:useLocalDpi xmlns:a14="http://schemas.microsoft.com/office/drawing/2010/main" val="0"/>
-              </a:ext>
-            </a:extLst>
-          </a:blip>
-          <a:stretch>
-            <a:fillRect/>
-          </a:stretch>
-        </p:blipFill>
-        <p:spPr>
-          <a:xfrm>
-            <a:off x="2440292" y="1120775"/>
-            <a:ext cx="1967888" cy="1292773"/>
-          </a:xfrm>
-          <a:prstGeom prst="rect">
-            <a:avLst/>
-          </a:prstGeom>
-          <a:ln>
-            <a:solidFill>
-              <a:schemeClr val="tx1"/>
-            </a:solidFill>
-          </a:ln>
-        </p:spPr>
-      </p:pic>
-      <p:sp>
-        <p:nvSpPr>
-          <p:cNvPr id="19" name="TextBox 18">
-            <a:extLst>
-              <a:ext uri="{FF2B5EF4-FFF2-40B4-BE49-F238E27FC236}">
-                <a16:creationId xmlns:a16="http://schemas.microsoft.com/office/drawing/2014/main" id="{5E2E2513-558E-2DC3-BE86-5CC8B35586D3}"/>
+                <a16:creationId xmlns:a16="http://schemas.microsoft.com/office/drawing/2014/main" id="{B874B816-3142-1B56-2269-48ADE80FF78D}"/>
               </a:ext>
             </a:extLst>
           </p:cNvPr>
@@ -13688,8 +16838,8 @@
         </p:nvSpPr>
         <p:spPr>
           <a:xfrm>
-            <a:off x="2445054" y="2408739"/>
-            <a:ext cx="1967888" cy="200055"/>
+            <a:off x="3030298" y="2744953"/>
+            <a:ext cx="1386746" cy="307777"/>
           </a:xfrm>
           <a:prstGeom prst="rect">
             <a:avLst/>
@@ -13708,7 +16858,7 @@
                 <a:latin typeface="Times New Roman" panose="02020603050405020304" pitchFamily="18" charset="0"/>
                 <a:ea typeface="Calibri" panose="020F0502020204030204" pitchFamily="34" charset="0"/>
               </a:rPr>
-              <a:t>Рис. 5</a:t>
+              <a:t>Рис. 4</a:t>
             </a:r>
             <a:r>
               <a:rPr lang="en-US" sz="700" dirty="0">
@@ -13722,313 +16872,18 @@
                 <a:latin typeface="Times New Roman" panose="02020603050405020304" pitchFamily="18" charset="0"/>
                 <a:ea typeface="Calibri" panose="020F0502020204030204" pitchFamily="34" charset="0"/>
               </a:rPr>
-              <a:t>Приветственное окно </a:t>
-            </a:r>
-            <a:r>
-              <a:rPr lang="en-US" sz="700" dirty="0">
-                <a:latin typeface="Times New Roman" panose="02020603050405020304" pitchFamily="18" charset="0"/>
-                <a:ea typeface="Calibri" panose="020F0502020204030204" pitchFamily="34" charset="0"/>
-              </a:rPr>
-              <a:t>Django</a:t>
+              <a:t>Пример сгенерированного поля ввода</a:t>
             </a:r>
             <a:endParaRPr lang="ru-RU" sz="700" dirty="0"/>
           </a:p>
         </p:txBody>
       </p:sp>
-    </p:spTree>
-    <p:extLst>
-      <p:ext uri="{BB962C8B-B14F-4D97-AF65-F5344CB8AC3E}">
-        <p14:creationId xmlns:p14="http://schemas.microsoft.com/office/powerpoint/2010/main" val="3555587544"/>
-      </p:ext>
-    </p:extLst>
-  </p:cSld>
-  <p:clrMapOvr>
-    <a:masterClrMapping/>
-  </p:clrMapOvr>
-  <p:transition>
-    <p:cut/>
-  </p:transition>
-</p:sld>
-</file>
-
-<file path=ppt/slides/slide9.xml><?xml version="1.0" encoding="utf-8"?>
-<p:sld xmlns:a="http://schemas.openxmlformats.org/drawingml/2006/main" xmlns:r="http://schemas.openxmlformats.org/officeDocument/2006/relationships" xmlns:p="http://schemas.openxmlformats.org/presentationml/2006/main" showMasterSp="0">
-  <p:cSld>
-    <p:spTree>
-      <p:nvGrpSpPr>
-        <p:cNvPr id="1" name=""/>
-        <p:cNvGrpSpPr/>
-        <p:nvPr/>
-      </p:nvGrpSpPr>
-      <p:grpSpPr>
-        <a:xfrm>
-          <a:off x="0" y="0"/>
-          <a:ext cx="0" cy="0"/>
-          <a:chOff x="0" y="0"/>
-          <a:chExt cx="0" cy="0"/>
-        </a:xfrm>
-      </p:grpSpPr>
-      <p:sp>
-        <p:nvSpPr>
-          <p:cNvPr id="10" name="Прямоугольник 9">
+      <p:sp>
+        <p:nvSpPr>
+          <p:cNvPr id="22" name="TextBox 21">
             <a:extLst>
               <a:ext uri="{FF2B5EF4-FFF2-40B4-BE49-F238E27FC236}">
-                <a16:creationId xmlns:a16="http://schemas.microsoft.com/office/drawing/2014/main" id="{55EDAC1E-5709-C743-4E51-119E1839A191}"/>
-              </a:ext>
-            </a:extLst>
-          </p:cNvPr>
-          <p:cNvSpPr/>
-          <p:nvPr/>
-        </p:nvSpPr>
-        <p:spPr>
-          <a:xfrm>
-            <a:off x="-20944" y="3295813"/>
-            <a:ext cx="4642023" cy="184666"/>
-          </a:xfrm>
-          <a:prstGeom prst="rect">
-            <a:avLst/>
-          </a:prstGeom>
-          <a:solidFill>
-            <a:schemeClr val="accent1">
-              <a:alpha val="20000"/>
-            </a:schemeClr>
-          </a:solidFill>
-          <a:ln>
-            <a:noFill/>
-          </a:ln>
-        </p:spPr>
-        <p:style>
-          <a:lnRef idx="2">
-            <a:schemeClr val="accent1">
-              <a:shade val="15000"/>
-            </a:schemeClr>
-          </a:lnRef>
-          <a:fillRef idx="1">
-            <a:schemeClr val="accent1"/>
-          </a:fillRef>
-          <a:effectRef idx="0">
-            <a:schemeClr val="accent1"/>
-          </a:effectRef>
-          <a:fontRef idx="minor">
-            <a:schemeClr val="lt1"/>
-          </a:fontRef>
-        </p:style>
-        <p:txBody>
-          <a:bodyPr rtlCol="0" anchor="ctr"/>
-          <a:lstStyle/>
-          <a:p>
-            <a:pPr algn="r"/>
-            <a:r>
-              <a:rPr lang="ru-RU" sz="800" b="1" dirty="0">
-                <a:solidFill>
-                  <a:schemeClr val="bg1">
-                    <a:lumMod val="50000"/>
-                  </a:schemeClr>
-                </a:solidFill>
-                <a:latin typeface="Times New Roman" panose="02020603050405020304" pitchFamily="18" charset="0"/>
-                <a:cs typeface="Times New Roman" panose="02020603050405020304" pitchFamily="18" charset="0"/>
-              </a:rPr>
-              <a:t>Разработка </a:t>
-            </a:r>
-            <a:r>
-              <a:rPr lang="ru-RU" sz="800" b="1" dirty="0" err="1">
-                <a:solidFill>
-                  <a:schemeClr val="bg1">
-                    <a:lumMod val="50000"/>
-                  </a:schemeClr>
-                </a:solidFill>
-                <a:latin typeface="Times New Roman" panose="02020603050405020304" pitchFamily="18" charset="0"/>
-                <a:cs typeface="Times New Roman" panose="02020603050405020304" pitchFamily="18" charset="0"/>
-              </a:rPr>
-              <a:t>web</a:t>
-            </a:r>
-            <a:r>
-              <a:rPr lang="ru-RU" sz="800" b="1" dirty="0">
-                <a:solidFill>
-                  <a:schemeClr val="bg1">
-                    <a:lumMod val="50000"/>
-                  </a:schemeClr>
-                </a:solidFill>
-                <a:latin typeface="Times New Roman" panose="02020603050405020304" pitchFamily="18" charset="0"/>
-                <a:cs typeface="Times New Roman" panose="02020603050405020304" pitchFamily="18" charset="0"/>
-              </a:rPr>
-              <a:t>-ориентированного ПО, реализующего автоматизированное построение</a:t>
-            </a:r>
-            <a:r>
-              <a:rPr lang="en-US" sz="800" b="1" dirty="0">
-                <a:solidFill>
-                  <a:schemeClr val="bg1">
-                    <a:lumMod val="50000"/>
-                  </a:schemeClr>
-                </a:solidFill>
-                <a:latin typeface="Times New Roman" panose="02020603050405020304" pitchFamily="18" charset="0"/>
-                <a:cs typeface="Times New Roman" panose="02020603050405020304" pitchFamily="18" charset="0"/>
-              </a:rPr>
-              <a:t> GUI</a:t>
-            </a:r>
-            <a:endParaRPr lang="ru-RU" sz="800" dirty="0">
-              <a:solidFill>
-                <a:schemeClr val="bg1">
-                  <a:lumMod val="50000"/>
-                </a:schemeClr>
-              </a:solidFill>
-            </a:endParaRPr>
-          </a:p>
-        </p:txBody>
-      </p:sp>
-      <p:sp>
-        <p:nvSpPr>
-          <p:cNvPr id="121" name="Номер слайда 8">
-            <a:extLst>
-              <a:ext uri="{FF2B5EF4-FFF2-40B4-BE49-F238E27FC236}">
-                <a16:creationId xmlns:a16="http://schemas.microsoft.com/office/drawing/2014/main" id="{53F84418-E4D6-E2A5-3E0F-A9A56B4FC5BE}"/>
-              </a:ext>
-            </a:extLst>
-          </p:cNvPr>
-          <p:cNvSpPr txBox="1">
-            <a:spLocks/>
-          </p:cNvSpPr>
-          <p:nvPr/>
-        </p:nvSpPr>
-        <p:spPr>
-          <a:xfrm>
-            <a:off x="-20944" y="3319545"/>
-            <a:ext cx="527293" cy="137203"/>
-          </a:xfrm>
-          <a:prstGeom prst="rect">
-            <a:avLst/>
-          </a:prstGeom>
-        </p:spPr>
-        <p:txBody>
-          <a:bodyPr lIns="0" tIns="0" rIns="0" bIns="0"/>
-          <a:lstStyle>
-            <a:defPPr>
-              <a:defRPr lang="ru-RU"/>
-            </a:defPPr>
-            <a:lvl1pPr marL="0" algn="l" defTabSz="914400" rtl="0" eaLnBrk="1" latinLnBrk="0" hangingPunct="1">
-              <a:defRPr sz="800" b="0" i="0" kern="1200">
-                <a:solidFill>
-                  <a:srgbClr val="00B050"/>
-                </a:solidFill>
-                <a:latin typeface="Times New Roman" panose="02020603050405020304" pitchFamily="18" charset="0"/>
-                <a:ea typeface="+mn-ea"/>
-                <a:cs typeface="Times New Roman" panose="02020603050405020304" pitchFamily="18" charset="0"/>
-              </a:defRPr>
-            </a:lvl1pPr>
-            <a:lvl2pPr marL="457200" algn="l" defTabSz="914400" rtl="0" eaLnBrk="1" latinLnBrk="0" hangingPunct="1">
-              <a:defRPr sz="1800" kern="1200">
-                <a:solidFill>
-                  <a:schemeClr val="tx1"/>
-                </a:solidFill>
-                <a:latin typeface="+mn-lt"/>
-                <a:ea typeface="+mn-ea"/>
-                <a:cs typeface="+mn-cs"/>
-              </a:defRPr>
-            </a:lvl2pPr>
-            <a:lvl3pPr marL="914400" algn="l" defTabSz="914400" rtl="0" eaLnBrk="1" latinLnBrk="0" hangingPunct="1">
-              <a:defRPr sz="1800" kern="1200">
-                <a:solidFill>
-                  <a:schemeClr val="tx1"/>
-                </a:solidFill>
-                <a:latin typeface="+mn-lt"/>
-                <a:ea typeface="+mn-ea"/>
-                <a:cs typeface="+mn-cs"/>
-              </a:defRPr>
-            </a:lvl3pPr>
-            <a:lvl4pPr marL="1371600" algn="l" defTabSz="914400" rtl="0" eaLnBrk="1" latinLnBrk="0" hangingPunct="1">
-              <a:defRPr sz="1800" kern="1200">
-                <a:solidFill>
-                  <a:schemeClr val="tx1"/>
-                </a:solidFill>
-                <a:latin typeface="+mn-lt"/>
-                <a:ea typeface="+mn-ea"/>
-                <a:cs typeface="+mn-cs"/>
-              </a:defRPr>
-            </a:lvl4pPr>
-            <a:lvl5pPr marL="1828800" algn="l" defTabSz="914400" rtl="0" eaLnBrk="1" latinLnBrk="0" hangingPunct="1">
-              <a:defRPr sz="1800" kern="1200">
-                <a:solidFill>
-                  <a:schemeClr val="tx1"/>
-                </a:solidFill>
-                <a:latin typeface="+mn-lt"/>
-                <a:ea typeface="+mn-ea"/>
-                <a:cs typeface="+mn-cs"/>
-              </a:defRPr>
-            </a:lvl5pPr>
-            <a:lvl6pPr marL="2286000" algn="l" defTabSz="914400" rtl="0" eaLnBrk="1" latinLnBrk="0" hangingPunct="1">
-              <a:defRPr sz="1800" kern="1200">
-                <a:solidFill>
-                  <a:schemeClr val="tx1"/>
-                </a:solidFill>
-                <a:latin typeface="+mn-lt"/>
-                <a:ea typeface="+mn-ea"/>
-                <a:cs typeface="+mn-cs"/>
-              </a:defRPr>
-            </a:lvl6pPr>
-            <a:lvl7pPr marL="2743200" algn="l" defTabSz="914400" rtl="0" eaLnBrk="1" latinLnBrk="0" hangingPunct="1">
-              <a:defRPr sz="1800" kern="1200">
-                <a:solidFill>
-                  <a:schemeClr val="tx1"/>
-                </a:solidFill>
-                <a:latin typeface="+mn-lt"/>
-                <a:ea typeface="+mn-ea"/>
-                <a:cs typeface="+mn-cs"/>
-              </a:defRPr>
-            </a:lvl7pPr>
-            <a:lvl8pPr marL="3200400" algn="l" defTabSz="914400" rtl="0" eaLnBrk="1" latinLnBrk="0" hangingPunct="1">
-              <a:defRPr sz="1800" kern="1200">
-                <a:solidFill>
-                  <a:schemeClr val="tx1"/>
-                </a:solidFill>
-                <a:latin typeface="+mn-lt"/>
-                <a:ea typeface="+mn-ea"/>
-                <a:cs typeface="+mn-cs"/>
-              </a:defRPr>
-            </a:lvl8pPr>
-            <a:lvl9pPr marL="3657600" algn="l" defTabSz="914400" rtl="0" eaLnBrk="1" latinLnBrk="0" hangingPunct="1">
-              <a:defRPr sz="1800" kern="1200">
-                <a:solidFill>
-                  <a:schemeClr val="tx1"/>
-                </a:solidFill>
-                <a:latin typeface="+mn-lt"/>
-                <a:ea typeface="+mn-ea"/>
-                <a:cs typeface="+mn-cs"/>
-              </a:defRPr>
-            </a:lvl9pPr>
-          </a:lstStyle>
-          <a:p>
-            <a:pPr marL="38100">
-              <a:spcBef>
-                <a:spcPts val="95"/>
-              </a:spcBef>
-            </a:pPr>
-            <a:fld id="{81D60167-4931-47E6-BA6A-407CBD079E47}" type="slidenum">
-              <a:rPr lang="ru-RU" spc="-5" smtClean="0">
-                <a:solidFill>
-                  <a:srgbClr val="0070C0"/>
-                </a:solidFill>
-              </a:rPr>
-              <a:pPr marL="38100">
-                <a:spcBef>
-                  <a:spcPts val="95"/>
-                </a:spcBef>
-              </a:pPr>
-              <a:t>9</a:t>
-            </a:fld>
-            <a:endParaRPr lang="ru-RU" spc="-5" dirty="0">
-              <a:solidFill>
-                <a:srgbClr val="0070C0"/>
-              </a:solidFill>
-            </a:endParaRPr>
-          </a:p>
-        </p:txBody>
-      </p:sp>
-      <p:sp>
-        <p:nvSpPr>
-          <p:cNvPr id="6" name="TextBox 5">
-            <a:extLst>
-              <a:ext uri="{FF2B5EF4-FFF2-40B4-BE49-F238E27FC236}">
-                <a16:creationId xmlns:a16="http://schemas.microsoft.com/office/drawing/2014/main" id="{A82E618F-93E9-3FFE-2139-C7EC37B333B9}"/>
+                <a16:creationId xmlns:a16="http://schemas.microsoft.com/office/drawing/2014/main" id="{9DA2649C-DD0C-C545-7D05-EC80C3D8C898}"/>
               </a:ext>
             </a:extLst>
           </p:cNvPr>
@@ -14037,154 +16892,8 @@
         </p:nvSpPr>
         <p:spPr>
           <a:xfrm>
-            <a:off x="0" y="-2933"/>
-            <a:ext cx="4621079" cy="215444"/>
-          </a:xfrm>
-          <a:prstGeom prst="rect">
-            <a:avLst/>
-          </a:prstGeom>
-          <a:solidFill>
-            <a:schemeClr val="accent1">
-              <a:alpha val="20000"/>
-            </a:schemeClr>
-          </a:solidFill>
-        </p:spPr>
-        <p:txBody>
-          <a:bodyPr wrap="square" rtlCol="0">
-            <a:spAutoFit/>
-          </a:bodyPr>
-          <a:lstStyle/>
-          <a:p>
-            <a:pPr algn="just"/>
-            <a:r>
-              <a:rPr lang="ru-RU" sz="800" dirty="0">
-                <a:solidFill>
-                  <a:schemeClr val="bg1">
-                    <a:lumMod val="75000"/>
-                  </a:schemeClr>
-                </a:solidFill>
-                <a:latin typeface="Times New Roman" panose="02020603050405020304" pitchFamily="18" charset="0"/>
-                <a:cs typeface="Times New Roman" panose="02020603050405020304" pitchFamily="18" charset="0"/>
-              </a:rPr>
-              <a:t>Введение</a:t>
-            </a:r>
-            <a:r>
-              <a:rPr lang="ru-RU" sz="800" dirty="0">
-                <a:latin typeface="Times New Roman" panose="02020603050405020304" pitchFamily="18" charset="0"/>
-                <a:cs typeface="Times New Roman" panose="02020603050405020304" pitchFamily="18" charset="0"/>
-              </a:rPr>
-              <a:t> </a:t>
-            </a:r>
-            <a:r>
-              <a:rPr lang="en-US" sz="800" dirty="0">
-                <a:solidFill>
-                  <a:schemeClr val="bg1">
-                    <a:lumMod val="75000"/>
-                  </a:schemeClr>
-                </a:solidFill>
-                <a:latin typeface="Times New Roman" panose="02020603050405020304" pitchFamily="18" charset="0"/>
-                <a:cs typeface="Times New Roman" panose="02020603050405020304" pitchFamily="18" charset="0"/>
-              </a:rPr>
-              <a:t>| </a:t>
-            </a:r>
-            <a:r>
-              <a:rPr lang="ru-RU" sz="800" dirty="0">
-                <a:solidFill>
-                  <a:schemeClr val="bg1">
-                    <a:lumMod val="75000"/>
-                  </a:schemeClr>
-                </a:solidFill>
-                <a:latin typeface="Times New Roman" panose="02020603050405020304" pitchFamily="18" charset="0"/>
-                <a:cs typeface="Times New Roman" panose="02020603050405020304" pitchFamily="18" charset="0"/>
-              </a:rPr>
-              <a:t>Постановка задачи</a:t>
-            </a:r>
-            <a:r>
-              <a:rPr lang="en-US" sz="800" dirty="0">
-                <a:solidFill>
-                  <a:schemeClr val="bg1">
-                    <a:lumMod val="75000"/>
-                  </a:schemeClr>
-                </a:solidFill>
-                <a:latin typeface="Times New Roman" panose="02020603050405020304" pitchFamily="18" charset="0"/>
-                <a:cs typeface="Times New Roman" panose="02020603050405020304" pitchFamily="18" charset="0"/>
-              </a:rPr>
-              <a:t> | </a:t>
-            </a:r>
-            <a:r>
-              <a:rPr lang="ru-RU" sz="800" dirty="0">
-                <a:latin typeface="Times New Roman" panose="02020603050405020304" pitchFamily="18" charset="0"/>
-                <a:cs typeface="Times New Roman" panose="02020603050405020304" pitchFamily="18" charset="0"/>
-              </a:rPr>
-              <a:t>Программная реализация </a:t>
-            </a:r>
-            <a:r>
-              <a:rPr lang="en-US" sz="800" dirty="0">
-                <a:solidFill>
-                  <a:schemeClr val="bg1">
-                    <a:lumMod val="75000"/>
-                  </a:schemeClr>
-                </a:solidFill>
-                <a:latin typeface="Times New Roman" panose="02020603050405020304" pitchFamily="18" charset="0"/>
-                <a:cs typeface="Times New Roman" panose="02020603050405020304" pitchFamily="18" charset="0"/>
-              </a:rPr>
-              <a:t>|</a:t>
-            </a:r>
-            <a:r>
-              <a:rPr lang="ru-RU" sz="800" dirty="0">
-                <a:solidFill>
-                  <a:schemeClr val="bg1">
-                    <a:lumMod val="75000"/>
-                  </a:schemeClr>
-                </a:solidFill>
-                <a:latin typeface="Times New Roman" panose="02020603050405020304" pitchFamily="18" charset="0"/>
-                <a:cs typeface="Times New Roman" panose="02020603050405020304" pitchFamily="18" charset="0"/>
-              </a:rPr>
-              <a:t> Тестирование</a:t>
-            </a:r>
-            <a:r>
-              <a:rPr lang="en-US" sz="800" dirty="0">
-                <a:solidFill>
-                  <a:schemeClr val="bg1">
-                    <a:lumMod val="75000"/>
-                  </a:schemeClr>
-                </a:solidFill>
-                <a:latin typeface="Times New Roman" panose="02020603050405020304" pitchFamily="18" charset="0"/>
-                <a:cs typeface="Times New Roman" panose="02020603050405020304" pitchFamily="18" charset="0"/>
-              </a:rPr>
-              <a:t> |</a:t>
-            </a:r>
-            <a:r>
-              <a:rPr lang="ru-RU" sz="800" dirty="0">
-                <a:solidFill>
-                  <a:schemeClr val="bg1">
-                    <a:lumMod val="75000"/>
-                  </a:schemeClr>
-                </a:solidFill>
-                <a:latin typeface="Times New Roman" panose="02020603050405020304" pitchFamily="18" charset="0"/>
-                <a:cs typeface="Times New Roman" panose="02020603050405020304" pitchFamily="18" charset="0"/>
-              </a:rPr>
-              <a:t> Заключение</a:t>
-            </a:r>
-          </a:p>
-        </p:txBody>
-      </p:sp>
-      <p:sp>
-        <p:nvSpPr>
-          <p:cNvPr id="12" name="TextBox 11">
-            <a:extLst>
-              <a:ext uri="{FF2B5EF4-FFF2-40B4-BE49-F238E27FC236}">
-                <a16:creationId xmlns:a16="http://schemas.microsoft.com/office/drawing/2014/main" id="{4D3AB3BE-3404-2D88-6C65-5CE19A2952A6}"/>
-              </a:ext>
-            </a:extLst>
-          </p:cNvPr>
-          <p:cNvSpPr txBox="1"/>
-          <p:nvPr/>
-        </p:nvSpPr>
-        <p:spPr>
-          <a:xfrm>
-            <a:off x="202425" y="511175"/>
-            <a:ext cx="4216227" cy="784830"/>
+            <a:off x="196936" y="1769276"/>
+            <a:ext cx="1488918" cy="307777"/>
           </a:xfrm>
           <a:prstGeom prst="rect">
             <a:avLst/>
@@ -14192,116 +16901,139 @@
           <a:noFill/>
         </p:spPr>
         <p:txBody>
-          <a:bodyPr wrap="square" rtlCol="0">
+          <a:bodyPr wrap="square">
             <a:spAutoFit/>
           </a:bodyPr>
           <a:lstStyle/>
           <a:p>
-            <a:pPr lvl="0" algn="just"/>
-            <a:r>
-              <a:rPr lang="ru-RU" sz="900" dirty="0" err="1">
-                <a:solidFill>
-                  <a:schemeClr val="accent1"/>
-                </a:solidFill>
-                <a:latin typeface="Times New Roman" panose="02020603050405020304" pitchFamily="18" charset="0"/>
-                <a:cs typeface="Times New Roman" panose="02020603050405020304" pitchFamily="18" charset="0"/>
-              </a:rPr>
-              <a:t>urlpatterns</a:t>
-            </a:r>
-            <a:r>
-              <a:rPr lang="ru-RU" sz="900" dirty="0">
-                <a:solidFill>
-                  <a:schemeClr val="tx1"/>
-                </a:solidFill>
-                <a:latin typeface="Times New Roman" panose="02020603050405020304" pitchFamily="18" charset="0"/>
-                <a:cs typeface="Times New Roman" panose="02020603050405020304" pitchFamily="18" charset="0"/>
-              </a:rPr>
-              <a:t> (листинг 1) – список всех URL, которые обрабатываются </a:t>
-            </a:r>
-            <a:r>
-              <a:rPr lang="ru-RU" sz="900" dirty="0" err="1">
-                <a:solidFill>
-                  <a:schemeClr val="tx1"/>
-                </a:solidFill>
-                <a:latin typeface="Times New Roman" panose="02020603050405020304" pitchFamily="18" charset="0"/>
-                <a:cs typeface="Times New Roman" panose="02020603050405020304" pitchFamily="18" charset="0"/>
-              </a:rPr>
-              <a:t>web</a:t>
-            </a:r>
-            <a:r>
-              <a:rPr lang="ru-RU" sz="900" dirty="0">
-                <a:solidFill>
-                  <a:schemeClr val="tx1"/>
-                </a:solidFill>
-                <a:latin typeface="Times New Roman" panose="02020603050405020304" pitchFamily="18" charset="0"/>
-                <a:cs typeface="Times New Roman" panose="02020603050405020304" pitchFamily="18" charset="0"/>
-              </a:rPr>
-              <a:t>-приложением.</a:t>
-            </a:r>
-          </a:p>
-          <a:p>
-            <a:pPr lvl="0" algn="just"/>
-            <a:r>
-              <a:rPr lang="ru-RU" sz="900" dirty="0" err="1">
-                <a:solidFill>
-                  <a:schemeClr val="accent1"/>
-                </a:solidFill>
-                <a:latin typeface="Times New Roman" panose="02020603050405020304" pitchFamily="18" charset="0"/>
-                <a:cs typeface="Times New Roman" panose="02020603050405020304" pitchFamily="18" charset="0"/>
-              </a:rPr>
-              <a:t>menu</a:t>
-            </a:r>
-            <a:r>
-              <a:rPr lang="ru-RU" sz="900" dirty="0">
-                <a:solidFill>
-                  <a:schemeClr val="tx1"/>
-                </a:solidFill>
-                <a:latin typeface="Times New Roman" panose="02020603050405020304" pitchFamily="18" charset="0"/>
-                <a:cs typeface="Times New Roman" panose="02020603050405020304" pitchFamily="18" charset="0"/>
-              </a:rPr>
-              <a:t> (листинг 2) – функция-представления, которая сопоставлена с адресом URL с помощью функции </a:t>
-            </a:r>
-            <a:r>
-              <a:rPr lang="ru-RU" sz="900" dirty="0" err="1">
-                <a:solidFill>
-                  <a:schemeClr val="tx1"/>
-                </a:solidFill>
-                <a:latin typeface="Times New Roman" panose="02020603050405020304" pitchFamily="18" charset="0"/>
-                <a:cs typeface="Times New Roman" panose="02020603050405020304" pitchFamily="18" charset="0"/>
-              </a:rPr>
-              <a:t>path</a:t>
-            </a:r>
-            <a:r>
-              <a:rPr lang="ru-RU" sz="900" dirty="0">
-                <a:solidFill>
-                  <a:schemeClr val="tx1"/>
-                </a:solidFill>
-                <a:latin typeface="Times New Roman" panose="02020603050405020304" pitchFamily="18" charset="0"/>
-                <a:cs typeface="Times New Roman" panose="02020603050405020304" pitchFamily="18" charset="0"/>
-              </a:rPr>
-              <a:t>() и которая обрабатывает запрос по этому адресу.</a:t>
-            </a:r>
-          </a:p>
-          <a:p>
-            <a:pPr marL="0" lvl="0" indent="0" algn="just">
-              <a:buNone/>
-            </a:pPr>
-            <a:endParaRPr lang="el-GR" sz="900" dirty="0">
-              <a:solidFill>
-                <a:schemeClr val="tx1"/>
-              </a:solidFill>
-              <a:latin typeface="Times New Roman" panose="02020603050405020304" pitchFamily="18" charset="0"/>
-              <a:cs typeface="Times New Roman" panose="02020603050405020304" pitchFamily="18" charset="0"/>
-            </a:endParaRPr>
+            <a:pPr algn="just"/>
+            <a:r>
+              <a:rPr lang="ru-RU" sz="700" dirty="0">
+                <a:latin typeface="Times New Roman" panose="02020603050405020304" pitchFamily="18" charset="0"/>
+                <a:ea typeface="Calibri" panose="020F0502020204030204" pitchFamily="34" charset="0"/>
+              </a:rPr>
+              <a:t>Листинг 2. Пример описания поля ввода в формате </a:t>
+            </a:r>
+            <a:r>
+              <a:rPr lang="en-US" sz="700" dirty="0" err="1">
+                <a:latin typeface="Times New Roman" panose="02020603050405020304" pitchFamily="18" charset="0"/>
+                <a:ea typeface="Calibri" panose="020F0502020204030204" pitchFamily="34" charset="0"/>
+              </a:rPr>
+              <a:t>aINI</a:t>
+            </a:r>
+            <a:endParaRPr lang="ru-RU" sz="700" dirty="0"/>
           </a:p>
         </p:txBody>
       </p:sp>
       <p:sp>
         <p:nvSpPr>
-          <p:cNvPr id="3" name="object 2">
+          <p:cNvPr id="23" name="TextBox 22">
             <a:extLst>
               <a:ext uri="{FF2B5EF4-FFF2-40B4-BE49-F238E27FC236}">
-                <a16:creationId xmlns:a16="http://schemas.microsoft.com/office/drawing/2014/main" id="{A9487772-92DA-5864-6231-4E2F67A9840C}"/>
+                <a16:creationId xmlns:a16="http://schemas.microsoft.com/office/drawing/2014/main" id="{F8D5A86F-38E8-EA1D-E87B-D386D42C7A54}"/>
+              </a:ext>
+            </a:extLst>
+          </p:cNvPr>
+          <p:cNvSpPr txBox="1"/>
+          <p:nvPr/>
+        </p:nvSpPr>
+        <p:spPr>
+          <a:xfrm>
+            <a:off x="196936" y="1541549"/>
+            <a:ext cx="1488918" cy="230832"/>
+          </a:xfrm>
+          <a:prstGeom prst="rect">
+            <a:avLst/>
+          </a:prstGeom>
+          <a:ln w="9525"/>
+        </p:spPr>
+        <p:style>
+          <a:lnRef idx="2">
+            <a:schemeClr val="dk1"/>
+          </a:lnRef>
+          <a:fillRef idx="1">
+            <a:schemeClr val="lt1"/>
+          </a:fillRef>
+          <a:effectRef idx="0">
+            <a:schemeClr val="dk1"/>
+          </a:effectRef>
+          <a:fontRef idx="minor">
+            <a:schemeClr val="dk1"/>
+          </a:fontRef>
+        </p:style>
+        <p:txBody>
+          <a:bodyPr wrap="square">
+            <a:spAutoFit/>
+          </a:bodyPr>
+          <a:lstStyle/>
+          <a:p>
+            <a:pPr algn="ctr"/>
+            <a:r>
+              <a:rPr lang="en-US" sz="900" dirty="0">
+                <a:solidFill>
+                  <a:schemeClr val="accent1"/>
+                </a:solidFill>
+                <a:latin typeface="Consolas" panose="020B0609020204030204" pitchFamily="49" charset="0"/>
+                <a:cs typeface="Courier New" panose="02070309020205020404" pitchFamily="49" charset="0"/>
+              </a:rPr>
+              <a:t>x</a:t>
+            </a:r>
+            <a:r>
+              <a:rPr lang="en-US" sz="900" dirty="0">
+                <a:solidFill>
+                  <a:schemeClr val="tx1"/>
+                </a:solidFill>
+                <a:latin typeface="Consolas" panose="020B0609020204030204" pitchFamily="49" charset="0"/>
+                <a:cs typeface="Courier New" panose="02070309020205020404" pitchFamily="49" charset="0"/>
+              </a:rPr>
+              <a:t>=</a:t>
+            </a:r>
+            <a:r>
+              <a:rPr lang="en-US" sz="900" dirty="0">
+                <a:solidFill>
+                  <a:schemeClr val="accent1"/>
+                </a:solidFill>
+                <a:latin typeface="Consolas" panose="020B0609020204030204" pitchFamily="49" charset="0"/>
+                <a:cs typeface="Courier New" panose="02070309020205020404" pitchFamily="49" charset="0"/>
+              </a:rPr>
+              <a:t>12</a:t>
+            </a:r>
+            <a:r>
+              <a:rPr lang="en-US" sz="900" dirty="0">
+                <a:latin typeface="Consolas" panose="020B0609020204030204" pitchFamily="49" charset="0"/>
+                <a:cs typeface="Courier New" panose="02070309020205020404" pitchFamily="49" charset="0"/>
+              </a:rPr>
+              <a:t>//</a:t>
+            </a:r>
+            <a:r>
+              <a:rPr lang="ru-RU" sz="900" dirty="0">
+                <a:solidFill>
+                  <a:schemeClr val="accent1"/>
+                </a:solidFill>
+                <a:latin typeface="Consolas" panose="020B0609020204030204" pitchFamily="49" charset="0"/>
+                <a:cs typeface="Courier New" panose="02070309020205020404" pitchFamily="49" charset="0"/>
+              </a:rPr>
+              <a:t>Параметр </a:t>
+            </a:r>
+            <a:r>
+              <a:rPr lang="en-US" sz="900" dirty="0">
+                <a:solidFill>
+                  <a:schemeClr val="accent1"/>
+                </a:solidFill>
+                <a:latin typeface="Consolas" panose="020B0609020204030204" pitchFamily="49" charset="0"/>
+                <a:cs typeface="Courier New" panose="02070309020205020404" pitchFamily="49" charset="0"/>
+              </a:rPr>
+              <a:t>X</a:t>
+            </a:r>
+          </a:p>
+        </p:txBody>
+      </p:sp>
+      <p:sp>
+        <p:nvSpPr>
+          <p:cNvPr id="24" name="object 2">
+            <a:extLst>
+              <a:ext uri="{FF2B5EF4-FFF2-40B4-BE49-F238E27FC236}">
+                <a16:creationId xmlns:a16="http://schemas.microsoft.com/office/drawing/2014/main" id="{107DCECB-3BE5-3F16-68C0-C3B269054EF8}"/>
               </a:ext>
             </a:extLst>
           </p:cNvPr>
@@ -14346,14 +17078,14 @@
                 <a:latin typeface="Times New Roman" panose="02020603050405020304" pitchFamily="18" charset="0"/>
                 <a:cs typeface="Times New Roman" panose="02020603050405020304" pitchFamily="18" charset="0"/>
               </a:rPr>
-              <a:t>Особенности генерации интерфейса с применением </a:t>
+              <a:t>Особенности генерации GUI на основе </a:t>
             </a:r>
             <a:r>
               <a:rPr lang="ru-RU" sz="1200" spc="-40" dirty="0" err="1">
                 <a:latin typeface="Times New Roman" panose="02020603050405020304" pitchFamily="18" charset="0"/>
                 <a:cs typeface="Times New Roman" panose="02020603050405020304" pitchFamily="18" charset="0"/>
               </a:rPr>
-              <a:t>Django</a:t>
+              <a:t>aINI</a:t>
             </a:r>
             <a:r>
               <a:rPr lang="ru-RU" sz="1200" spc="-40" dirty="0">
@@ -14361,521 +17093,6 @@
                 <a:cs typeface="Times New Roman" panose="02020603050405020304" pitchFamily="18" charset="0"/>
               </a:rPr>
               <a:t> </a:t>
-            </a:r>
-          </a:p>
-        </p:txBody>
-      </p:sp>
-      <p:cxnSp>
-        <p:nvCxnSpPr>
-          <p:cNvPr id="5" name="Прямая соединительная линия 4">
-            <a:extLst>
-              <a:ext uri="{FF2B5EF4-FFF2-40B4-BE49-F238E27FC236}">
-                <a16:creationId xmlns:a16="http://schemas.microsoft.com/office/drawing/2014/main" id="{8FFB1304-084B-797B-59B1-5D3FDC82F748}"/>
-              </a:ext>
-            </a:extLst>
-          </p:cNvPr>
-          <p:cNvCxnSpPr>
-            <a:cxnSpLocks/>
-          </p:cNvCxnSpPr>
-          <p:nvPr/>
-        </p:nvCxnSpPr>
-        <p:spPr>
-          <a:xfrm>
-            <a:off x="196936" y="511175"/>
-            <a:ext cx="4216227" cy="0"/>
-          </a:xfrm>
-          <a:prstGeom prst="line">
-            <a:avLst/>
-          </a:prstGeom>
-          <a:ln>
-            <a:solidFill>
-              <a:srgbClr val="0070C0"/>
-            </a:solidFill>
-          </a:ln>
-        </p:spPr>
-        <p:style>
-          <a:lnRef idx="1">
-            <a:schemeClr val="accent1"/>
-          </a:lnRef>
-          <a:fillRef idx="0">
-            <a:schemeClr val="accent1"/>
-          </a:fillRef>
-          <a:effectRef idx="0">
-            <a:schemeClr val="accent1"/>
-          </a:effectRef>
-          <a:fontRef idx="minor">
-            <a:schemeClr val="tx1"/>
-          </a:fontRef>
-        </p:style>
-      </p:cxnSp>
-      <p:sp>
-        <p:nvSpPr>
-          <p:cNvPr id="11" name="TextBox 10">
-            <a:extLst>
-              <a:ext uri="{FF2B5EF4-FFF2-40B4-BE49-F238E27FC236}">
-                <a16:creationId xmlns:a16="http://schemas.microsoft.com/office/drawing/2014/main" id="{7AE90B04-9242-26C7-E0E2-48E6E01920DE}"/>
-              </a:ext>
-            </a:extLst>
-          </p:cNvPr>
-          <p:cNvSpPr txBox="1"/>
-          <p:nvPr/>
-        </p:nvSpPr>
-        <p:spPr>
-          <a:xfrm>
-            <a:off x="862620" y="1163401"/>
-            <a:ext cx="2874894" cy="954107"/>
-          </a:xfrm>
-          <a:prstGeom prst="rect">
-            <a:avLst/>
-          </a:prstGeom>
-          <a:noFill/>
-          <a:ln>
-            <a:solidFill>
-              <a:schemeClr val="tx1"/>
-            </a:solidFill>
-          </a:ln>
-        </p:spPr>
-        <p:txBody>
-          <a:bodyPr wrap="square">
-            <a:spAutoFit/>
-          </a:bodyPr>
-          <a:lstStyle/>
-          <a:p>
-            <a:r>
-              <a:rPr lang="en-US" sz="700" dirty="0">
-                <a:latin typeface="Consolas" panose="020B0609020204030204" pitchFamily="49" charset="0"/>
-              </a:rPr>
-              <a:t>…</a:t>
-            </a:r>
-          </a:p>
-          <a:p>
-            <a:r>
-              <a:rPr lang="en-US" sz="700" dirty="0" err="1">
-                <a:solidFill>
-                  <a:schemeClr val="accent1"/>
-                </a:solidFill>
-                <a:latin typeface="Consolas" panose="020B0609020204030204" pitchFamily="49" charset="0"/>
-              </a:rPr>
-              <a:t>urlpatterns</a:t>
-            </a:r>
-            <a:r>
-              <a:rPr lang="en-US" sz="700" dirty="0">
-                <a:latin typeface="Consolas" panose="020B0609020204030204" pitchFamily="49" charset="0"/>
-              </a:rPr>
-              <a:t> = [</a:t>
-            </a:r>
-          </a:p>
-          <a:p>
-            <a:r>
-              <a:rPr lang="en-US" sz="700" dirty="0">
-                <a:latin typeface="Consolas" panose="020B0609020204030204" pitchFamily="49" charset="0"/>
-              </a:rPr>
-              <a:t>	path("", </a:t>
-            </a:r>
-            <a:r>
-              <a:rPr lang="en-US" sz="700" dirty="0">
-                <a:solidFill>
-                  <a:schemeClr val="accent1"/>
-                </a:solidFill>
-                <a:latin typeface="Consolas" panose="020B0609020204030204" pitchFamily="49" charset="0"/>
-              </a:rPr>
-              <a:t>menu</a:t>
-            </a:r>
-            <a:r>
-              <a:rPr lang="en-US" sz="700" dirty="0">
-                <a:latin typeface="Consolas" panose="020B0609020204030204" pitchFamily="49" charset="0"/>
-              </a:rPr>
-              <a:t>, name="menu"),</a:t>
-            </a:r>
-          </a:p>
-          <a:p>
-            <a:r>
-              <a:rPr lang="en-US" sz="700" dirty="0">
-                <a:latin typeface="Consolas" panose="020B0609020204030204" pitchFamily="49" charset="0"/>
-              </a:rPr>
-              <a:t>	path("F1/", input1, name="input1"),</a:t>
-            </a:r>
-          </a:p>
-          <a:p>
-            <a:r>
-              <a:rPr lang="en-US" sz="700" dirty="0">
-                <a:latin typeface="Consolas" panose="020B0609020204030204" pitchFamily="49" charset="0"/>
-              </a:rPr>
-              <a:t>	path("F2/", input2, name="input2"),</a:t>
-            </a:r>
-          </a:p>
-          <a:p>
-            <a:r>
-              <a:rPr lang="en-US" sz="700" dirty="0">
-                <a:latin typeface="Consolas" panose="020B0609020204030204" pitchFamily="49" charset="0"/>
-              </a:rPr>
-              <a:t>	path("F3/", input3, name="input3")</a:t>
-            </a:r>
-            <a:endParaRPr lang="ru-RU" sz="700" dirty="0">
-              <a:latin typeface="Consolas" panose="020B0609020204030204" pitchFamily="49" charset="0"/>
-            </a:endParaRPr>
-          </a:p>
-          <a:p>
-            <a:r>
-              <a:rPr lang="en-US" sz="700" dirty="0">
-                <a:latin typeface="Consolas" panose="020B0609020204030204" pitchFamily="49" charset="0"/>
-              </a:rPr>
-              <a:t>]</a:t>
-            </a:r>
-          </a:p>
-          <a:p>
-            <a:r>
-              <a:rPr lang="en-US" sz="700" dirty="0">
-                <a:latin typeface="Consolas" panose="020B0609020204030204" pitchFamily="49" charset="0"/>
-              </a:rPr>
-              <a:t>…</a:t>
-            </a:r>
-            <a:endParaRPr lang="ru-RU" sz="700" dirty="0">
-              <a:latin typeface="Consolas" panose="020B0609020204030204" pitchFamily="49" charset="0"/>
-            </a:endParaRPr>
-          </a:p>
-        </p:txBody>
-      </p:sp>
-      <p:sp>
-        <p:nvSpPr>
-          <p:cNvPr id="13" name="TextBox 12">
-            <a:extLst>
-              <a:ext uri="{FF2B5EF4-FFF2-40B4-BE49-F238E27FC236}">
-                <a16:creationId xmlns:a16="http://schemas.microsoft.com/office/drawing/2014/main" id="{7D5FC50E-A9D4-9C2F-D21D-D562D58FBCDC}"/>
-              </a:ext>
-            </a:extLst>
-          </p:cNvPr>
-          <p:cNvSpPr txBox="1"/>
-          <p:nvPr/>
-        </p:nvSpPr>
-        <p:spPr>
-          <a:xfrm>
-            <a:off x="862620" y="2110287"/>
-            <a:ext cx="2874894" cy="200055"/>
-          </a:xfrm>
-          <a:prstGeom prst="rect">
-            <a:avLst/>
-          </a:prstGeom>
-          <a:noFill/>
-        </p:spPr>
-        <p:txBody>
-          <a:bodyPr wrap="square">
-            <a:spAutoFit/>
-          </a:bodyPr>
-          <a:lstStyle/>
-          <a:p>
-            <a:pPr algn="ctr"/>
-            <a:r>
-              <a:rPr lang="ru-RU" sz="700" dirty="0">
-                <a:latin typeface="Times New Roman" panose="02020603050405020304" pitchFamily="18" charset="0"/>
-                <a:ea typeface="Calibri" panose="020F0502020204030204" pitchFamily="34" charset="0"/>
-              </a:rPr>
-              <a:t>Листинг 2. Содержимое файла </a:t>
-            </a:r>
-            <a:r>
-              <a:rPr lang="en-US" sz="700" dirty="0">
-                <a:latin typeface="Times New Roman" panose="02020603050405020304" pitchFamily="18" charset="0"/>
-                <a:ea typeface="Calibri" panose="020F0502020204030204" pitchFamily="34" charset="0"/>
-              </a:rPr>
-              <a:t>urls.py </a:t>
-            </a:r>
-            <a:endParaRPr lang="ru-RU" sz="700" dirty="0"/>
-          </a:p>
-        </p:txBody>
-      </p:sp>
-      <p:sp>
-        <p:nvSpPr>
-          <p:cNvPr id="14" name="TextBox 13">
-            <a:extLst>
-              <a:ext uri="{FF2B5EF4-FFF2-40B4-BE49-F238E27FC236}">
-                <a16:creationId xmlns:a16="http://schemas.microsoft.com/office/drawing/2014/main" id="{F64A044A-1B45-FB20-5ED4-06D15F1FB860}"/>
-              </a:ext>
-            </a:extLst>
-          </p:cNvPr>
-          <p:cNvSpPr txBox="1"/>
-          <p:nvPr/>
-        </p:nvSpPr>
-        <p:spPr>
-          <a:xfrm>
-            <a:off x="882717" y="2738193"/>
-            <a:ext cx="2865163" cy="307777"/>
-          </a:xfrm>
-          <a:prstGeom prst="rect">
-            <a:avLst/>
-          </a:prstGeom>
-          <a:noFill/>
-          <a:ln>
-            <a:solidFill>
-              <a:schemeClr val="tx1"/>
-            </a:solidFill>
-          </a:ln>
-        </p:spPr>
-        <p:txBody>
-          <a:bodyPr wrap="square">
-            <a:spAutoFit/>
-          </a:bodyPr>
-          <a:lstStyle/>
-          <a:p>
-            <a:r>
-              <a:rPr lang="en-US" sz="700" dirty="0">
-                <a:latin typeface="Consolas" panose="020B0609020204030204" pitchFamily="49" charset="0"/>
-              </a:rPr>
-              <a:t>def </a:t>
-            </a:r>
-            <a:r>
-              <a:rPr lang="en-US" sz="700" dirty="0">
-                <a:solidFill>
-                  <a:schemeClr val="accent1"/>
-                </a:solidFill>
-                <a:latin typeface="Consolas" panose="020B0609020204030204" pitchFamily="49" charset="0"/>
-              </a:rPr>
-              <a:t>menu</a:t>
-            </a:r>
-            <a:r>
-              <a:rPr lang="en-US" sz="700" dirty="0">
-                <a:latin typeface="Consolas" panose="020B0609020204030204" pitchFamily="49" charset="0"/>
-              </a:rPr>
-              <a:t>(request):</a:t>
-            </a:r>
-          </a:p>
-          <a:p>
-            <a:r>
-              <a:rPr lang="en-US" sz="700" dirty="0">
-                <a:latin typeface="Consolas" panose="020B0609020204030204" pitchFamily="49" charset="0"/>
-              </a:rPr>
-              <a:t>	return render(request, "</a:t>
-            </a:r>
-            <a:r>
-              <a:rPr lang="en-US" sz="700" dirty="0">
-                <a:solidFill>
-                  <a:schemeClr val="accent1"/>
-                </a:solidFill>
-                <a:latin typeface="Consolas" panose="020B0609020204030204" pitchFamily="49" charset="0"/>
-              </a:rPr>
-              <a:t>menu.html</a:t>
-            </a:r>
-            <a:r>
-              <a:rPr lang="en-US" sz="700" dirty="0">
-                <a:latin typeface="Consolas" panose="020B0609020204030204" pitchFamily="49" charset="0"/>
-              </a:rPr>
-              <a:t>")</a:t>
-            </a:r>
-            <a:endParaRPr lang="ru-RU" sz="700" dirty="0">
-              <a:latin typeface="Consolas" panose="020B0609020204030204" pitchFamily="49" charset="0"/>
-            </a:endParaRPr>
-          </a:p>
-        </p:txBody>
-      </p:sp>
-      <p:sp>
-        <p:nvSpPr>
-          <p:cNvPr id="15" name="TextBox 14">
-            <a:extLst>
-              <a:ext uri="{FF2B5EF4-FFF2-40B4-BE49-F238E27FC236}">
-                <a16:creationId xmlns:a16="http://schemas.microsoft.com/office/drawing/2014/main" id="{C685E68F-E31F-9B07-4EA9-68FDA58180ED}"/>
-              </a:ext>
-            </a:extLst>
-          </p:cNvPr>
-          <p:cNvSpPr txBox="1"/>
-          <p:nvPr/>
-        </p:nvSpPr>
-        <p:spPr>
-          <a:xfrm>
-            <a:off x="882716" y="3025457"/>
-            <a:ext cx="2865163" cy="200055"/>
-          </a:xfrm>
-          <a:prstGeom prst="rect">
-            <a:avLst/>
-          </a:prstGeom>
-          <a:noFill/>
-        </p:spPr>
-        <p:txBody>
-          <a:bodyPr wrap="square">
-            <a:spAutoFit/>
-          </a:bodyPr>
-          <a:lstStyle/>
-          <a:p>
-            <a:pPr algn="ctr"/>
-            <a:r>
-              <a:rPr lang="ru-RU" sz="700" dirty="0">
-                <a:latin typeface="Times New Roman" panose="02020603050405020304" pitchFamily="18" charset="0"/>
-                <a:ea typeface="Calibri" panose="020F0502020204030204" pitchFamily="34" charset="0"/>
-              </a:rPr>
-              <a:t>Листинг 3. Функция-представления </a:t>
-            </a:r>
-            <a:r>
-              <a:rPr lang="en-US" sz="700" dirty="0" err="1">
-                <a:latin typeface="Times New Roman" panose="02020603050405020304" pitchFamily="18" charset="0"/>
-                <a:ea typeface="Calibri" panose="020F0502020204030204" pitchFamily="34" charset="0"/>
-              </a:rPr>
-              <a:t>gui</a:t>
-            </a:r>
-            <a:r>
-              <a:rPr lang="en-US" sz="700" dirty="0">
-                <a:latin typeface="Times New Roman" panose="02020603050405020304" pitchFamily="18" charset="0"/>
-                <a:ea typeface="Calibri" panose="020F0502020204030204" pitchFamily="34" charset="0"/>
-              </a:rPr>
-              <a:t> </a:t>
-            </a:r>
-            <a:r>
-              <a:rPr lang="ru-RU" sz="700" dirty="0">
-                <a:latin typeface="Times New Roman" panose="02020603050405020304" pitchFamily="18" charset="0"/>
-                <a:ea typeface="Calibri" panose="020F0502020204030204" pitchFamily="34" charset="0"/>
-              </a:rPr>
-              <a:t>в </a:t>
-            </a:r>
-            <a:r>
-              <a:rPr lang="en-US" sz="700" dirty="0">
-                <a:latin typeface="Times New Roman" panose="02020603050405020304" pitchFamily="18" charset="0"/>
-                <a:ea typeface="Calibri" panose="020F0502020204030204" pitchFamily="34" charset="0"/>
-              </a:rPr>
-              <a:t>views.py</a:t>
-            </a:r>
-            <a:endParaRPr lang="ru-RU" sz="700" dirty="0"/>
-          </a:p>
-        </p:txBody>
-      </p:sp>
-      <p:sp>
-        <p:nvSpPr>
-          <p:cNvPr id="21" name="TextBox 20">
-            <a:extLst>
-              <a:ext uri="{FF2B5EF4-FFF2-40B4-BE49-F238E27FC236}">
-                <a16:creationId xmlns:a16="http://schemas.microsoft.com/office/drawing/2014/main" id="{AD9B8552-3462-F744-C314-D5FBD1AFAA0A}"/>
-              </a:ext>
-            </a:extLst>
-          </p:cNvPr>
-          <p:cNvSpPr txBox="1"/>
-          <p:nvPr/>
-        </p:nvSpPr>
-        <p:spPr>
-          <a:xfrm>
-            <a:off x="196936" y="2362795"/>
-            <a:ext cx="4216226" cy="369332"/>
-          </a:xfrm>
-          <a:prstGeom prst="rect">
-            <a:avLst/>
-          </a:prstGeom>
-          <a:noFill/>
-        </p:spPr>
-        <p:txBody>
-          <a:bodyPr wrap="square">
-            <a:spAutoFit/>
-          </a:bodyPr>
-          <a:lstStyle/>
-          <a:p>
-            <a:pPr algn="just"/>
-            <a:r>
-              <a:rPr lang="ru-RU" sz="900" dirty="0">
-                <a:latin typeface="Times New Roman" panose="02020603050405020304" pitchFamily="18" charset="0"/>
-                <a:cs typeface="Times New Roman" panose="02020603050405020304" pitchFamily="18" charset="0"/>
-              </a:rPr>
-              <a:t>В функции </a:t>
-            </a:r>
-            <a:r>
-              <a:rPr lang="en-US" sz="900" dirty="0">
-                <a:solidFill>
-                  <a:schemeClr val="accent1"/>
-                </a:solidFill>
-                <a:latin typeface="Times New Roman" panose="02020603050405020304" pitchFamily="18" charset="0"/>
-                <a:cs typeface="Times New Roman" panose="02020603050405020304" pitchFamily="18" charset="0"/>
-              </a:rPr>
-              <a:t>menu</a:t>
-            </a:r>
-            <a:r>
-              <a:rPr lang="en-US" sz="900" dirty="0">
-                <a:solidFill>
-                  <a:srgbClr val="7030A0"/>
-                </a:solidFill>
-                <a:latin typeface="Times New Roman" panose="02020603050405020304" pitchFamily="18" charset="0"/>
-                <a:cs typeface="Times New Roman" panose="02020603050405020304" pitchFamily="18" charset="0"/>
-              </a:rPr>
-              <a:t> </a:t>
-            </a:r>
-            <a:r>
-              <a:rPr lang="ru-RU" sz="900" dirty="0">
-                <a:latin typeface="Times New Roman" panose="02020603050405020304" pitchFamily="18" charset="0"/>
-                <a:cs typeface="Times New Roman" panose="02020603050405020304" pitchFamily="18" charset="0"/>
-              </a:rPr>
-              <a:t>используется </a:t>
-            </a:r>
-            <a:r>
-              <a:rPr lang="en-US" sz="900" dirty="0">
-                <a:latin typeface="Times New Roman" panose="02020603050405020304" pitchFamily="18" charset="0"/>
-                <a:cs typeface="Times New Roman" panose="02020603050405020304" pitchFamily="18" charset="0"/>
-              </a:rPr>
-              <a:t>HTML </a:t>
-            </a:r>
-            <a:r>
-              <a:rPr lang="ru-RU" sz="900" dirty="0">
-                <a:latin typeface="Times New Roman" panose="02020603050405020304" pitchFamily="18" charset="0"/>
-                <a:cs typeface="Times New Roman" panose="02020603050405020304" pitchFamily="18" charset="0"/>
-              </a:rPr>
-              <a:t>файл (</a:t>
-            </a:r>
-            <a:r>
-              <a:rPr lang="en-US" sz="900" dirty="0">
-                <a:solidFill>
-                  <a:schemeClr val="accent1"/>
-                </a:solidFill>
-                <a:latin typeface="Times New Roman" panose="02020603050405020304" pitchFamily="18" charset="0"/>
-                <a:cs typeface="Times New Roman" panose="02020603050405020304" pitchFamily="18" charset="0"/>
-              </a:rPr>
-              <a:t>menu.html</a:t>
-            </a:r>
-            <a:r>
-              <a:rPr lang="ru-RU" sz="900" dirty="0">
-                <a:latin typeface="Times New Roman" panose="02020603050405020304" pitchFamily="18" charset="0"/>
-                <a:cs typeface="Times New Roman" panose="02020603050405020304" pitchFamily="18" charset="0"/>
-              </a:rPr>
-              <a:t>), который был сгенерирован</a:t>
-            </a:r>
-            <a:r>
-              <a:rPr lang="en-US" sz="900" dirty="0">
-                <a:latin typeface="Times New Roman" panose="02020603050405020304" pitchFamily="18" charset="0"/>
-                <a:cs typeface="Times New Roman" panose="02020603050405020304" pitchFamily="18" charset="0"/>
-              </a:rPr>
-              <a:t> c </a:t>
-            </a:r>
-            <a:r>
-              <a:rPr lang="ru-RU" sz="900" dirty="0">
-                <a:latin typeface="Times New Roman" panose="02020603050405020304" pitchFamily="18" charset="0"/>
-                <a:cs typeface="Times New Roman" panose="02020603050405020304" pitchFamily="18" charset="0"/>
-              </a:rPr>
-              <a:t>помощью преобразователя данных в формате </a:t>
-            </a:r>
-            <a:r>
-              <a:rPr lang="en-US" sz="900" dirty="0" err="1">
-                <a:latin typeface="Times New Roman" panose="02020603050405020304" pitchFamily="18" charset="0"/>
-                <a:cs typeface="Times New Roman" panose="02020603050405020304" pitchFamily="18" charset="0"/>
-              </a:rPr>
-              <a:t>aINI</a:t>
-            </a:r>
-            <a:r>
-              <a:rPr lang="en-US" sz="900" dirty="0">
-                <a:latin typeface="Times New Roman" panose="02020603050405020304" pitchFamily="18" charset="0"/>
-                <a:cs typeface="Times New Roman" panose="02020603050405020304" pitchFamily="18" charset="0"/>
-              </a:rPr>
-              <a:t> </a:t>
-            </a:r>
-            <a:r>
-              <a:rPr lang="ru-RU" sz="900" dirty="0">
-                <a:latin typeface="Times New Roman" panose="02020603050405020304" pitchFamily="18" charset="0"/>
-                <a:cs typeface="Times New Roman" panose="02020603050405020304" pitchFamily="18" charset="0"/>
-              </a:rPr>
-              <a:t>в </a:t>
-            </a:r>
-            <a:r>
-              <a:rPr lang="en-US" sz="900" dirty="0">
-                <a:latin typeface="Times New Roman" panose="02020603050405020304" pitchFamily="18" charset="0"/>
-                <a:cs typeface="Times New Roman" panose="02020603050405020304" pitchFamily="18" charset="0"/>
-              </a:rPr>
-              <a:t>HTML</a:t>
-            </a:r>
-            <a:r>
-              <a:rPr lang="ru-RU" sz="900" dirty="0">
-                <a:latin typeface="Times New Roman" panose="02020603050405020304" pitchFamily="18" charset="0"/>
-                <a:cs typeface="Times New Roman" panose="02020603050405020304" pitchFamily="18" charset="0"/>
-              </a:rPr>
-              <a:t>-код.</a:t>
             </a:r>
           </a:p>
         </p:txBody>
@@ -14883,7 +17100,7 @@
     </p:spTree>
     <p:extLst>
       <p:ext uri="{BB962C8B-B14F-4D97-AF65-F5344CB8AC3E}">
-        <p14:creationId xmlns:p14="http://schemas.microsoft.com/office/powerpoint/2010/main" val="2021205838"/>
+        <p14:creationId xmlns:p14="http://schemas.microsoft.com/office/powerpoint/2010/main" val="1259577742"/>
       </p:ext>
     </p:extLst>
   </p:cSld>

--- a/04 - ВКРы/2022-2023 - Разр.библ.функций на языке Python автомат.построения GUI/rndhpc_vkr_pres_gui_2023_83_VasilyanA.pptx
+++ b/04 - ВКРы/2022-2023 - Разр.библ.функций на языке Python автомат.построения GUI/rndhpc_vkr_pres_gui_2023_83_VasilyanA.pptx
@@ -4437,7 +4437,22 @@
                 <a:latin typeface="Times New Roman" panose="02020603050405020304" pitchFamily="18" charset="0"/>
                 <a:ea typeface="Calibri" panose="020F0502020204030204" pitchFamily="34" charset="0"/>
               </a:rPr>
-              <a:t>— веб-сервер и почтовый прокси-сервер.</a:t>
+              <a:t>— </a:t>
+            </a:r>
+            <a:r>
+              <a:rPr lang="en-US" sz="500" dirty="0">
+                <a:latin typeface="Times New Roman" panose="02020603050405020304" pitchFamily="18" charset="0"/>
+                <a:ea typeface="Calibri" panose="020F0502020204030204" pitchFamily="34" charset="0"/>
+              </a:rPr>
+              <a:t>web</a:t>
+            </a:r>
+            <a:r>
+              <a:rPr lang="ru-RU" sz="500" dirty="0">
+                <a:effectLst/>
+                <a:latin typeface="Times New Roman" panose="02020603050405020304" pitchFamily="18" charset="0"/>
+                <a:ea typeface="Calibri" panose="020F0502020204030204" pitchFamily="34" charset="0"/>
+              </a:rPr>
+              <a:t>-сервер и почтовый прокси-сервер.</a:t>
             </a:r>
             <a:endParaRPr lang="en-US" sz="500" dirty="0">
               <a:latin typeface="Times New Roman" panose="02020603050405020304" pitchFamily="18" charset="0"/>

--- a/04 - ВКРы/2022-2023 - Разр.библ.функций на языке Python автомат.построения GUI/rndhpc_vkr_pres_gui_2023_83_VasilyanA.pptx
+++ b/04 - ВКРы/2022-2023 - Разр.библ.функций на языке Python автомат.построения GUI/rndhpc_vkr_pres_gui_2023_83_VasilyanA.pptx
@@ -5,7 +5,7 @@
     <p:sldMasterId id="2147483648" r:id="rId1"/>
   </p:sldMasterIdLst>
   <p:notesMasterIdLst>
-    <p:notesMasterId r:id="rId18"/>
+    <p:notesMasterId r:id="rId19"/>
   </p:notesMasterIdLst>
   <p:sldIdLst>
     <p:sldId id="256" r:id="rId2"/>
@@ -13,17 +13,18 @@
     <p:sldId id="277" r:id="rId4"/>
     <p:sldId id="276" r:id="rId5"/>
     <p:sldId id="290" r:id="rId6"/>
-    <p:sldId id="278" r:id="rId7"/>
-    <p:sldId id="295" r:id="rId8"/>
-    <p:sldId id="279" r:id="rId9"/>
-    <p:sldId id="298" r:id="rId10"/>
-    <p:sldId id="280" r:id="rId11"/>
-    <p:sldId id="281" r:id="rId12"/>
-    <p:sldId id="289" r:id="rId13"/>
-    <p:sldId id="293" r:id="rId14"/>
-    <p:sldId id="288" r:id="rId15"/>
-    <p:sldId id="292" r:id="rId16"/>
-    <p:sldId id="274" r:id="rId17"/>
+    <p:sldId id="300" r:id="rId7"/>
+    <p:sldId id="278" r:id="rId8"/>
+    <p:sldId id="295" r:id="rId9"/>
+    <p:sldId id="279" r:id="rId10"/>
+    <p:sldId id="298" r:id="rId11"/>
+    <p:sldId id="280" r:id="rId12"/>
+    <p:sldId id="281" r:id="rId13"/>
+    <p:sldId id="289" r:id="rId14"/>
+    <p:sldId id="293" r:id="rId15"/>
+    <p:sldId id="288" r:id="rId16"/>
+    <p:sldId id="292" r:id="rId17"/>
+    <p:sldId id="274" r:id="rId18"/>
   </p:sldIdLst>
   <p:sldSz cx="4610100" cy="3460750"/>
   <p:notesSz cx="4610100" cy="3460750"/>
@@ -223,7 +224,7 @@
           <a:p>
             <a:fld id="{9C547ADD-9021-4B56-9704-593FA2B92072}" type="datetimeFigureOut">
               <a:rPr lang="ru-RU" smtClean="0"/>
-              <a:t>13.06.2023</a:t>
+              <a:t>14.06.2023</a:t>
             </a:fld>
             <a:endParaRPr lang="ru-RU"/>
           </a:p>
@@ -648,7 +649,7 @@
     </p:spTree>
     <p:extLst>
       <p:ext uri="{BB962C8B-B14F-4D97-AF65-F5344CB8AC3E}">
-        <p14:creationId xmlns:p14="http://schemas.microsoft.com/office/powerpoint/2010/main" val="685227986"/>
+        <p14:creationId xmlns:p14="http://schemas.microsoft.com/office/powerpoint/2010/main" val="92679513"/>
       </p:ext>
     </p:extLst>
   </p:cSld>
@@ -732,7 +733,7 @@
     </p:spTree>
     <p:extLst>
       <p:ext uri="{BB962C8B-B14F-4D97-AF65-F5344CB8AC3E}">
-        <p14:creationId xmlns:p14="http://schemas.microsoft.com/office/powerpoint/2010/main" val="1556422026"/>
+        <p14:creationId xmlns:p14="http://schemas.microsoft.com/office/powerpoint/2010/main" val="685227986"/>
       </p:ext>
     </p:extLst>
   </p:cSld>
@@ -816,7 +817,7 @@
     </p:spTree>
     <p:extLst>
       <p:ext uri="{BB962C8B-B14F-4D97-AF65-F5344CB8AC3E}">
-        <p14:creationId xmlns:p14="http://schemas.microsoft.com/office/powerpoint/2010/main" val="3231491056"/>
+        <p14:creationId xmlns:p14="http://schemas.microsoft.com/office/powerpoint/2010/main" val="1556422026"/>
       </p:ext>
     </p:extLst>
   </p:cSld>
@@ -900,7 +901,7 @@
     </p:spTree>
     <p:extLst>
       <p:ext uri="{BB962C8B-B14F-4D97-AF65-F5344CB8AC3E}">
-        <p14:creationId xmlns:p14="http://schemas.microsoft.com/office/powerpoint/2010/main" val="3039007358"/>
+        <p14:creationId xmlns:p14="http://schemas.microsoft.com/office/powerpoint/2010/main" val="3231491056"/>
       </p:ext>
     </p:extLst>
   </p:cSld>
@@ -984,7 +985,7 @@
     </p:spTree>
     <p:extLst>
       <p:ext uri="{BB962C8B-B14F-4D97-AF65-F5344CB8AC3E}">
-        <p14:creationId xmlns:p14="http://schemas.microsoft.com/office/powerpoint/2010/main" val="3722007737"/>
+        <p14:creationId xmlns:p14="http://schemas.microsoft.com/office/powerpoint/2010/main" val="3039007358"/>
       </p:ext>
     </p:extLst>
   </p:cSld>
@@ -1060,6 +1061,90 @@
             <a:fld id="{8FD44BF8-F11D-4543-936C-9F5A87714993}" type="slidenum">
               <a:rPr lang="ru-RU" smtClean="0"/>
               <a:t>15</a:t>
+            </a:fld>
+            <a:endParaRPr lang="ru-RU"/>
+          </a:p>
+        </p:txBody>
+      </p:sp>
+    </p:spTree>
+    <p:extLst>
+      <p:ext uri="{BB962C8B-B14F-4D97-AF65-F5344CB8AC3E}">
+        <p14:creationId xmlns:p14="http://schemas.microsoft.com/office/powerpoint/2010/main" val="3722007737"/>
+      </p:ext>
+    </p:extLst>
+  </p:cSld>
+  <p:clrMapOvr>
+    <a:masterClrMapping/>
+  </p:clrMapOvr>
+</p:notes>
+</file>
+
+<file path=ppt/notesSlides/notesSlide16.xml><?xml version="1.0" encoding="utf-8"?>
+<p:notes xmlns:a="http://schemas.openxmlformats.org/drawingml/2006/main" xmlns:r="http://schemas.openxmlformats.org/officeDocument/2006/relationships" xmlns:p="http://schemas.openxmlformats.org/presentationml/2006/main">
+  <p:cSld>
+    <p:spTree>
+      <p:nvGrpSpPr>
+        <p:cNvPr id="1" name=""/>
+        <p:cNvGrpSpPr/>
+        <p:nvPr/>
+      </p:nvGrpSpPr>
+      <p:grpSpPr>
+        <a:xfrm>
+          <a:off x="0" y="0"/>
+          <a:ext cx="0" cy="0"/>
+          <a:chOff x="0" y="0"/>
+          <a:chExt cx="0" cy="0"/>
+        </a:xfrm>
+      </p:grpSpPr>
+      <p:sp>
+        <p:nvSpPr>
+          <p:cNvPr id="2" name="Образ слайда 1"/>
+          <p:cNvSpPr>
+            <a:spLocks noGrp="1" noRot="1" noChangeAspect="1"/>
+          </p:cNvSpPr>
+          <p:nvPr>
+            <p:ph type="sldImg"/>
+          </p:nvPr>
+        </p:nvSpPr>
+        <p:spPr/>
+      </p:sp>
+      <p:sp>
+        <p:nvSpPr>
+          <p:cNvPr id="3" name="Заметки 2"/>
+          <p:cNvSpPr>
+            <a:spLocks noGrp="1"/>
+          </p:cNvSpPr>
+          <p:nvPr>
+            <p:ph type="body" idx="1"/>
+          </p:nvPr>
+        </p:nvSpPr>
+        <p:spPr/>
+        <p:txBody>
+          <a:bodyPr/>
+          <a:lstStyle/>
+          <a:p>
+            <a:endParaRPr lang="ru-RU" dirty="0"/>
+          </a:p>
+        </p:txBody>
+      </p:sp>
+      <p:sp>
+        <p:nvSpPr>
+          <p:cNvPr id="4" name="Номер слайда 3"/>
+          <p:cNvSpPr>
+            <a:spLocks noGrp="1"/>
+          </p:cNvSpPr>
+          <p:nvPr>
+            <p:ph type="sldNum" sz="quarter" idx="5"/>
+          </p:nvPr>
+        </p:nvSpPr>
+        <p:spPr/>
+        <p:txBody>
+          <a:bodyPr/>
+          <a:lstStyle/>
+          <a:p>
+            <a:fld id="{8FD44BF8-F11D-4543-936C-9F5A87714993}" type="slidenum">
+              <a:rPr lang="ru-RU" smtClean="0"/>
+              <a:t>16</a:t>
             </a:fld>
             <a:endParaRPr lang="ru-RU"/>
           </a:p>
@@ -1488,7 +1573,7 @@
     </p:spTree>
     <p:extLst>
       <p:ext uri="{BB962C8B-B14F-4D97-AF65-F5344CB8AC3E}">
-        <p14:creationId xmlns:p14="http://schemas.microsoft.com/office/powerpoint/2010/main" val="216417533"/>
+        <p14:creationId xmlns:p14="http://schemas.microsoft.com/office/powerpoint/2010/main" val="4099904507"/>
       </p:ext>
     </p:extLst>
   </p:cSld>
@@ -1572,7 +1657,7 @@
     </p:spTree>
     <p:extLst>
       <p:ext uri="{BB962C8B-B14F-4D97-AF65-F5344CB8AC3E}">
-        <p14:creationId xmlns:p14="http://schemas.microsoft.com/office/powerpoint/2010/main" val="3973368084"/>
+        <p14:creationId xmlns:p14="http://schemas.microsoft.com/office/powerpoint/2010/main" val="216417533"/>
       </p:ext>
     </p:extLst>
   </p:cSld>
@@ -1656,7 +1741,7 @@
     </p:spTree>
     <p:extLst>
       <p:ext uri="{BB962C8B-B14F-4D97-AF65-F5344CB8AC3E}">
-        <p14:creationId xmlns:p14="http://schemas.microsoft.com/office/powerpoint/2010/main" val="1837944146"/>
+        <p14:creationId xmlns:p14="http://schemas.microsoft.com/office/powerpoint/2010/main" val="3973368084"/>
       </p:ext>
     </p:extLst>
   </p:cSld>
@@ -1740,7 +1825,7 @@
     </p:spTree>
     <p:extLst>
       <p:ext uri="{BB962C8B-B14F-4D97-AF65-F5344CB8AC3E}">
-        <p14:creationId xmlns:p14="http://schemas.microsoft.com/office/powerpoint/2010/main" val="92679513"/>
+        <p14:creationId xmlns:p14="http://schemas.microsoft.com/office/powerpoint/2010/main" val="1837944146"/>
       </p:ext>
     </p:extLst>
   </p:cSld>
@@ -1889,7 +1974,7 @@
           <a:p>
             <a:fld id="{A334AF77-F83F-4B7A-BC30-FB4C8B0C2E6D}" type="datetime1">
               <a:rPr lang="en-US" smtClean="0"/>
-              <a:t>6/13/2023</a:t>
+              <a:t>6/14/2023</a:t>
             </a:fld>
             <a:endParaRPr lang="en-US"/>
           </a:p>
@@ -2091,7 +2176,7 @@
           <a:p>
             <a:fld id="{10906F32-FF44-4D02-A0DA-740A7ACE4701}" type="datetime1">
               <a:rPr lang="en-US" smtClean="0"/>
-              <a:t>6/13/2023</a:t>
+              <a:t>6/14/2023</a:t>
             </a:fld>
             <a:endParaRPr lang="en-US" dirty="0"/>
           </a:p>
@@ -2330,7 +2415,7 @@
           <a:p>
             <a:fld id="{13771AAB-9748-4352-89BC-2D6829189A04}" type="datetime1">
               <a:rPr lang="en-US" smtClean="0"/>
-              <a:t>6/13/2023</a:t>
+              <a:t>6/14/2023</a:t>
             </a:fld>
             <a:endParaRPr lang="en-US" dirty="0"/>
           </a:p>
@@ -2500,7 +2585,7 @@
           <a:p>
             <a:fld id="{380C9450-8257-4AFA-AEDA-B66AA15BB2C9}" type="datetime1">
               <a:rPr lang="en-US" smtClean="0"/>
-              <a:t>6/13/2023</a:t>
+              <a:t>6/14/2023</a:t>
             </a:fld>
             <a:endParaRPr lang="en-US"/>
           </a:p>
@@ -2645,7 +2730,7 @@
           <a:p>
             <a:fld id="{395F9B47-F893-44A8-A979-42A19B9058C9}" type="datetime1">
               <a:rPr lang="en-US" smtClean="0"/>
-              <a:t>6/13/2023</a:t>
+              <a:t>6/14/2023</a:t>
             </a:fld>
             <a:endParaRPr lang="en-US"/>
           </a:p>
@@ -2918,7 +3003,7 @@
           <a:p>
             <a:fld id="{A6FEEA81-1057-47F2-BF74-B383739667C0}" type="datetime1">
               <a:rPr lang="en-US" smtClean="0"/>
-              <a:t>6/13/2023</a:t>
+              <a:t>6/14/2023</a:t>
             </a:fld>
             <a:endParaRPr lang="en-US" dirty="0"/>
           </a:p>
@@ -3553,7 +3638,7 @@
 </file>
 
 <file path=ppt/slides/slide10.xml><?xml version="1.0" encoding="utf-8"?>
-<p:sld xmlns:a="http://schemas.openxmlformats.org/drawingml/2006/main" xmlns:r="http://schemas.openxmlformats.org/officeDocument/2006/relationships" xmlns:p="http://schemas.openxmlformats.org/presentationml/2006/main" showMasterSp="0">
+<p:sld xmlns:a="http://schemas.openxmlformats.org/drawingml/2006/main" xmlns:r="http://schemas.openxmlformats.org/officeDocument/2006/relationships" xmlns:p="http://schemas.openxmlformats.org/presentationml/2006/main">
   <p:cSld>
     <p:spTree>
       <p:nvGrpSpPr>
@@ -3569,6 +3654,36 @@
           <a:chExt cx="0" cy="0"/>
         </a:xfrm>
       </p:grpSpPr>
+      <p:pic>
+        <p:nvPicPr>
+          <p:cNvPr id="20" name="Рисунок 19">
+            <a:extLst>
+              <a:ext uri="{FF2B5EF4-FFF2-40B4-BE49-F238E27FC236}">
+                <a16:creationId xmlns:a16="http://schemas.microsoft.com/office/drawing/2014/main" id="{DB225B04-0012-C570-B0A0-CBEC9431A485}"/>
+              </a:ext>
+            </a:extLst>
+          </p:cNvPr>
+          <p:cNvPicPr>
+            <a:picLocks noChangeAspect="1"/>
+          </p:cNvPicPr>
+          <p:nvPr/>
+        </p:nvPicPr>
+        <p:blipFill>
+          <a:blip r:embed="rId3"/>
+          <a:stretch>
+            <a:fillRect/>
+          </a:stretch>
+        </p:blipFill>
+        <p:spPr>
+          <a:xfrm>
+            <a:off x="3030298" y="2347113"/>
+            <a:ext cx="1386746" cy="403720"/>
+          </a:xfrm>
+          <a:prstGeom prst="rect">
+            <a:avLst/>
+          </a:prstGeom>
+        </p:spPr>
+      </p:pic>
       <p:sp>
         <p:nvSpPr>
           <p:cNvPr id="10" name="Прямоугольник 9">
@@ -3970,6 +4085,1089 @@
           </a:p>
         </p:txBody>
       </p:sp>
+      <p:cxnSp>
+        <p:nvCxnSpPr>
+          <p:cNvPr id="8" name="Прямая соединительная линия 7">
+            <a:extLst>
+              <a:ext uri="{FF2B5EF4-FFF2-40B4-BE49-F238E27FC236}">
+                <a16:creationId xmlns:a16="http://schemas.microsoft.com/office/drawing/2014/main" id="{9340E07A-1BB8-B06B-21A9-F756DAB4CBD0}"/>
+              </a:ext>
+            </a:extLst>
+          </p:cNvPr>
+          <p:cNvCxnSpPr>
+            <a:cxnSpLocks/>
+          </p:cNvCxnSpPr>
+          <p:nvPr/>
+        </p:nvCxnSpPr>
+        <p:spPr>
+          <a:xfrm>
+            <a:off x="196936" y="511175"/>
+            <a:ext cx="4216227" cy="0"/>
+          </a:xfrm>
+          <a:prstGeom prst="line">
+            <a:avLst/>
+          </a:prstGeom>
+          <a:ln>
+            <a:solidFill>
+              <a:srgbClr val="0070C0"/>
+            </a:solidFill>
+          </a:ln>
+        </p:spPr>
+        <p:style>
+          <a:lnRef idx="1">
+            <a:schemeClr val="accent1"/>
+          </a:lnRef>
+          <a:fillRef idx="0">
+            <a:schemeClr val="accent1"/>
+          </a:fillRef>
+          <a:effectRef idx="0">
+            <a:schemeClr val="accent1"/>
+          </a:effectRef>
+          <a:fontRef idx="minor">
+            <a:schemeClr val="tx1"/>
+          </a:fontRef>
+        </p:style>
+      </p:cxnSp>
+      <p:sp>
+        <p:nvSpPr>
+          <p:cNvPr id="11" name="TextBox 10">
+            <a:extLst>
+              <a:ext uri="{FF2B5EF4-FFF2-40B4-BE49-F238E27FC236}">
+                <a16:creationId xmlns:a16="http://schemas.microsoft.com/office/drawing/2014/main" id="{83E62AD0-4065-8716-0696-260FE2498485}"/>
+              </a:ext>
+            </a:extLst>
+          </p:cNvPr>
+          <p:cNvSpPr txBox="1"/>
+          <p:nvPr/>
+        </p:nvSpPr>
+        <p:spPr>
+          <a:xfrm>
+            <a:off x="196936" y="2408608"/>
+            <a:ext cx="2641514" cy="338554"/>
+          </a:xfrm>
+          <a:prstGeom prst="rect">
+            <a:avLst/>
+          </a:prstGeom>
+          <a:ln w="9525"/>
+        </p:spPr>
+        <p:style>
+          <a:lnRef idx="2">
+            <a:schemeClr val="dk1"/>
+          </a:lnRef>
+          <a:fillRef idx="1">
+            <a:schemeClr val="lt1"/>
+          </a:fillRef>
+          <a:effectRef idx="0">
+            <a:schemeClr val="dk1"/>
+          </a:effectRef>
+          <a:fontRef idx="minor">
+            <a:schemeClr val="dk1"/>
+          </a:fontRef>
+        </p:style>
+        <p:txBody>
+          <a:bodyPr wrap="square">
+            <a:spAutoFit/>
+          </a:bodyPr>
+          <a:lstStyle/>
+          <a:p>
+            <a:pPr algn="just"/>
+            <a:r>
+              <a:rPr lang="en-US" sz="800" dirty="0">
+                <a:solidFill>
+                  <a:schemeClr val="tx1"/>
+                </a:solidFill>
+                <a:latin typeface="Consolas" panose="020B0609020204030204" pitchFamily="49" charset="0"/>
+                <a:cs typeface="Courier New" panose="02070309020205020404" pitchFamily="49" charset="0"/>
+              </a:rPr>
+              <a:t>&lt;p&gt;&lt;b&gt;</a:t>
+            </a:r>
+            <a:r>
+              <a:rPr lang="ru-RU" sz="800" dirty="0">
+                <a:solidFill>
+                  <a:schemeClr val="accent1"/>
+                </a:solidFill>
+                <a:latin typeface="Consolas" panose="020B0609020204030204" pitchFamily="49" charset="0"/>
+                <a:cs typeface="Courier New" panose="02070309020205020404" pitchFamily="49" charset="0"/>
+              </a:rPr>
+              <a:t>Параметр </a:t>
+            </a:r>
+            <a:r>
+              <a:rPr lang="en-US" sz="800" dirty="0">
+                <a:solidFill>
+                  <a:schemeClr val="accent1"/>
+                </a:solidFill>
+                <a:latin typeface="Consolas" panose="020B0609020204030204" pitchFamily="49" charset="0"/>
+                <a:cs typeface="Courier New" panose="02070309020205020404" pitchFamily="49" charset="0"/>
+              </a:rPr>
+              <a:t>X</a:t>
+            </a:r>
+            <a:r>
+              <a:rPr lang="en-US" sz="800" dirty="0">
+                <a:solidFill>
+                  <a:schemeClr val="tx1"/>
+                </a:solidFill>
+                <a:latin typeface="Consolas" panose="020B0609020204030204" pitchFamily="49" charset="0"/>
+                <a:cs typeface="Courier New" panose="02070309020205020404" pitchFamily="49" charset="0"/>
+              </a:rPr>
+              <a:t>&lt;/b&gt;&lt;</a:t>
+            </a:r>
+            <a:r>
+              <a:rPr lang="en-US" sz="800" dirty="0" err="1">
+                <a:solidFill>
+                  <a:schemeClr val="tx1"/>
+                </a:solidFill>
+                <a:latin typeface="Consolas" panose="020B0609020204030204" pitchFamily="49" charset="0"/>
+                <a:cs typeface="Courier New" panose="02070309020205020404" pitchFamily="49" charset="0"/>
+              </a:rPr>
+              <a:t>br</a:t>
+            </a:r>
+            <a:r>
+              <a:rPr lang="en-US" sz="800" dirty="0">
+                <a:solidFill>
+                  <a:schemeClr val="tx1"/>
+                </a:solidFill>
+                <a:latin typeface="Consolas" panose="020B0609020204030204" pitchFamily="49" charset="0"/>
+                <a:cs typeface="Courier New" panose="02070309020205020404" pitchFamily="49" charset="0"/>
+              </a:rPr>
+              <a:t>&gt;</a:t>
+            </a:r>
+          </a:p>
+          <a:p>
+            <a:r>
+              <a:rPr lang="en-US" sz="800" dirty="0">
+                <a:solidFill>
+                  <a:schemeClr val="tx1"/>
+                </a:solidFill>
+                <a:latin typeface="Consolas" panose="020B0609020204030204" pitchFamily="49" charset="0"/>
+                <a:cs typeface="Courier New" panose="02070309020205020404" pitchFamily="49" charset="0"/>
+              </a:rPr>
+              <a:t>&lt;input type="text" name="</a:t>
+            </a:r>
+            <a:r>
+              <a:rPr lang="en-US" sz="800" dirty="0">
+                <a:solidFill>
+                  <a:schemeClr val="accent1"/>
+                </a:solidFill>
+                <a:latin typeface="Consolas" panose="020B0609020204030204" pitchFamily="49" charset="0"/>
+                <a:cs typeface="Courier New" panose="02070309020205020404" pitchFamily="49" charset="0"/>
+              </a:rPr>
+              <a:t>x</a:t>
+            </a:r>
+            <a:r>
+              <a:rPr lang="en-US" sz="800" dirty="0">
+                <a:solidFill>
+                  <a:schemeClr val="tx1"/>
+                </a:solidFill>
+                <a:latin typeface="Consolas" panose="020B0609020204030204" pitchFamily="49" charset="0"/>
+                <a:cs typeface="Courier New" panose="02070309020205020404" pitchFamily="49" charset="0"/>
+              </a:rPr>
+              <a:t>"</a:t>
+            </a:r>
+            <a:r>
+              <a:rPr lang="ru-RU" sz="800" dirty="0">
+                <a:solidFill>
+                  <a:schemeClr val="tx1"/>
+                </a:solidFill>
+                <a:latin typeface="Consolas" panose="020B0609020204030204" pitchFamily="49" charset="0"/>
+                <a:cs typeface="Courier New" panose="02070309020205020404" pitchFamily="49" charset="0"/>
+              </a:rPr>
+              <a:t> </a:t>
+            </a:r>
+            <a:r>
+              <a:rPr lang="en-US" sz="800" dirty="0">
+                <a:solidFill>
+                  <a:schemeClr val="tx1"/>
+                </a:solidFill>
+                <a:latin typeface="Consolas" panose="020B0609020204030204" pitchFamily="49" charset="0"/>
+                <a:cs typeface="Courier New" panose="02070309020205020404" pitchFamily="49" charset="0"/>
+              </a:rPr>
+              <a:t>value="</a:t>
+            </a:r>
+            <a:r>
+              <a:rPr lang="en-US" sz="800" dirty="0">
+                <a:solidFill>
+                  <a:schemeClr val="accent1"/>
+                </a:solidFill>
+                <a:latin typeface="Consolas" panose="020B0609020204030204" pitchFamily="49" charset="0"/>
+                <a:cs typeface="Courier New" panose="02070309020205020404" pitchFamily="49" charset="0"/>
+              </a:rPr>
+              <a:t>25</a:t>
+            </a:r>
+            <a:r>
+              <a:rPr lang="en-US" sz="800" dirty="0">
+                <a:solidFill>
+                  <a:schemeClr val="tx1"/>
+                </a:solidFill>
+                <a:latin typeface="Consolas" panose="020B0609020204030204" pitchFamily="49" charset="0"/>
+                <a:cs typeface="Courier New" panose="02070309020205020404" pitchFamily="49" charset="0"/>
+              </a:rPr>
+              <a:t>"&gt;&lt;/p&gt;</a:t>
+            </a:r>
+          </a:p>
+        </p:txBody>
+      </p:sp>
+      <p:sp>
+        <p:nvSpPr>
+          <p:cNvPr id="16" name="TextBox 15">
+            <a:extLst>
+              <a:ext uri="{FF2B5EF4-FFF2-40B4-BE49-F238E27FC236}">
+                <a16:creationId xmlns:a16="http://schemas.microsoft.com/office/drawing/2014/main" id="{8B1B0506-F3AE-8567-DCC3-278298CAB316}"/>
+              </a:ext>
+            </a:extLst>
+          </p:cNvPr>
+          <p:cNvSpPr txBox="1"/>
+          <p:nvPr/>
+        </p:nvSpPr>
+        <p:spPr>
+          <a:xfrm>
+            <a:off x="196936" y="513636"/>
+            <a:ext cx="4216226" cy="923330"/>
+          </a:xfrm>
+          <a:prstGeom prst="rect">
+            <a:avLst/>
+          </a:prstGeom>
+          <a:noFill/>
+        </p:spPr>
+        <p:txBody>
+          <a:bodyPr wrap="square">
+            <a:spAutoFit/>
+          </a:bodyPr>
+          <a:lstStyle/>
+          <a:p>
+            <a:pPr algn="just"/>
+            <a:r>
+              <a:rPr lang="ru-RU" sz="900" dirty="0">
+                <a:latin typeface="Times New Roman" panose="02020603050405020304" pitchFamily="18" charset="0"/>
+                <a:cs typeface="Times New Roman" panose="02020603050405020304" pitchFamily="18" charset="0"/>
+              </a:rPr>
+              <a:t>В зависимости от того, какая строка распознана, вызывается соответствующая функция,</a:t>
+            </a:r>
+            <a:r>
+              <a:rPr lang="en-US" sz="900" dirty="0">
+                <a:latin typeface="Times New Roman" panose="02020603050405020304" pitchFamily="18" charset="0"/>
+                <a:cs typeface="Times New Roman" panose="02020603050405020304" pitchFamily="18" charset="0"/>
+              </a:rPr>
+              <a:t> </a:t>
+            </a:r>
+            <a:r>
+              <a:rPr lang="ru-RU" sz="900" dirty="0">
+                <a:latin typeface="Times New Roman" panose="02020603050405020304" pitchFamily="18" charset="0"/>
+                <a:cs typeface="Times New Roman" panose="02020603050405020304" pitchFamily="18" charset="0"/>
+              </a:rPr>
+              <a:t>генерирующая HTML-код элемента интерфейса.</a:t>
+            </a:r>
+          </a:p>
+          <a:p>
+            <a:pPr algn="just"/>
+            <a:endParaRPr lang="ru-RU" sz="900" dirty="0">
+              <a:latin typeface="Times New Roman" panose="02020603050405020304" pitchFamily="18" charset="0"/>
+              <a:cs typeface="Times New Roman" panose="02020603050405020304" pitchFamily="18" charset="0"/>
+            </a:endParaRPr>
+          </a:p>
+          <a:p>
+            <a:pPr algn="just"/>
+            <a:r>
+              <a:rPr lang="ru-RU" sz="900" dirty="0">
+                <a:latin typeface="Times New Roman" panose="02020603050405020304" pitchFamily="18" charset="0"/>
+                <a:cs typeface="Times New Roman" panose="02020603050405020304" pitchFamily="18" charset="0"/>
+              </a:rPr>
+              <a:t>На основе выделенных </a:t>
+            </a:r>
+            <a:r>
+              <a:rPr lang="ru-RU" sz="900" dirty="0">
+                <a:solidFill>
+                  <a:schemeClr val="accent1"/>
+                </a:solidFill>
+                <a:latin typeface="Times New Roman" panose="02020603050405020304" pitchFamily="18" charset="0"/>
+                <a:cs typeface="Times New Roman" panose="02020603050405020304" pitchFamily="18" charset="0"/>
+              </a:rPr>
+              <a:t>синим</a:t>
+            </a:r>
+            <a:r>
+              <a:rPr lang="ru-RU" sz="900" dirty="0">
+                <a:latin typeface="Times New Roman" panose="02020603050405020304" pitchFamily="18" charset="0"/>
+                <a:cs typeface="Times New Roman" panose="02020603050405020304" pitchFamily="18" charset="0"/>
+              </a:rPr>
+              <a:t> цветом данных из представленного </a:t>
+            </a:r>
+            <a:r>
+              <a:rPr lang="ru-RU" sz="900" dirty="0" err="1">
+                <a:latin typeface="Times New Roman" panose="02020603050405020304" pitchFamily="18" charset="0"/>
+                <a:cs typeface="Times New Roman" panose="02020603050405020304" pitchFamily="18" charset="0"/>
+              </a:rPr>
+              <a:t>aINI</a:t>
+            </a:r>
+            <a:r>
+              <a:rPr lang="ru-RU" sz="900" dirty="0">
+                <a:latin typeface="Times New Roman" panose="02020603050405020304" pitchFamily="18" charset="0"/>
+                <a:cs typeface="Times New Roman" panose="02020603050405020304" pitchFamily="18" charset="0"/>
+              </a:rPr>
+              <a:t>-кода (листинг 2) будет записан HTML-код элемента поля ввода (листинг 3), а на рисунке 5 представлено это поле ввода на странице.  </a:t>
+            </a:r>
+          </a:p>
+        </p:txBody>
+      </p:sp>
+      <p:sp>
+        <p:nvSpPr>
+          <p:cNvPr id="19" name="TextBox 18">
+            <a:extLst>
+              <a:ext uri="{FF2B5EF4-FFF2-40B4-BE49-F238E27FC236}">
+                <a16:creationId xmlns:a16="http://schemas.microsoft.com/office/drawing/2014/main" id="{5AA035EE-9173-92B7-CE60-9094CABE10F6}"/>
+              </a:ext>
+            </a:extLst>
+          </p:cNvPr>
+          <p:cNvSpPr txBox="1"/>
+          <p:nvPr/>
+        </p:nvSpPr>
+        <p:spPr>
+          <a:xfrm>
+            <a:off x="196936" y="2744953"/>
+            <a:ext cx="2641514" cy="200055"/>
+          </a:xfrm>
+          <a:prstGeom prst="rect">
+            <a:avLst/>
+          </a:prstGeom>
+          <a:noFill/>
+        </p:spPr>
+        <p:txBody>
+          <a:bodyPr wrap="square">
+            <a:spAutoFit/>
+          </a:bodyPr>
+          <a:lstStyle/>
+          <a:p>
+            <a:pPr algn="just"/>
+            <a:r>
+              <a:rPr lang="ru-RU" sz="700" dirty="0">
+                <a:latin typeface="Times New Roman" panose="02020603050405020304" pitchFamily="18" charset="0"/>
+                <a:ea typeface="Calibri" panose="020F0502020204030204" pitchFamily="34" charset="0"/>
+              </a:rPr>
+              <a:t>Листинг 3. Сгенерированный </a:t>
+            </a:r>
+            <a:r>
+              <a:rPr lang="en-US" sz="700" dirty="0">
+                <a:latin typeface="Times New Roman" panose="02020603050405020304" pitchFamily="18" charset="0"/>
+                <a:ea typeface="Calibri" panose="020F0502020204030204" pitchFamily="34" charset="0"/>
+              </a:rPr>
+              <a:t>HTML-</a:t>
+            </a:r>
+            <a:r>
+              <a:rPr lang="ru-RU" sz="700" dirty="0">
+                <a:latin typeface="Times New Roman" panose="02020603050405020304" pitchFamily="18" charset="0"/>
+                <a:ea typeface="Calibri" panose="020F0502020204030204" pitchFamily="34" charset="0"/>
+              </a:rPr>
+              <a:t>код элемента интерфейса  </a:t>
+            </a:r>
+            <a:endParaRPr lang="ru-RU" sz="700" dirty="0"/>
+          </a:p>
+        </p:txBody>
+      </p:sp>
+      <p:sp>
+        <p:nvSpPr>
+          <p:cNvPr id="21" name="TextBox 20">
+            <a:extLst>
+              <a:ext uri="{FF2B5EF4-FFF2-40B4-BE49-F238E27FC236}">
+                <a16:creationId xmlns:a16="http://schemas.microsoft.com/office/drawing/2014/main" id="{B874B816-3142-1B56-2269-48ADE80FF78D}"/>
+              </a:ext>
+            </a:extLst>
+          </p:cNvPr>
+          <p:cNvSpPr txBox="1"/>
+          <p:nvPr/>
+        </p:nvSpPr>
+        <p:spPr>
+          <a:xfrm>
+            <a:off x="3030298" y="2744953"/>
+            <a:ext cx="1386746" cy="307777"/>
+          </a:xfrm>
+          <a:prstGeom prst="rect">
+            <a:avLst/>
+          </a:prstGeom>
+          <a:noFill/>
+        </p:spPr>
+        <p:txBody>
+          <a:bodyPr wrap="square">
+            <a:spAutoFit/>
+          </a:bodyPr>
+          <a:lstStyle/>
+          <a:p>
+            <a:pPr algn="ctr"/>
+            <a:r>
+              <a:rPr lang="ru-RU" sz="700" dirty="0">
+                <a:latin typeface="Times New Roman" panose="02020603050405020304" pitchFamily="18" charset="0"/>
+                <a:ea typeface="Calibri" panose="020F0502020204030204" pitchFamily="34" charset="0"/>
+              </a:rPr>
+              <a:t>Рис. 5</a:t>
+            </a:r>
+            <a:r>
+              <a:rPr lang="en-US" sz="700" dirty="0">
+                <a:latin typeface="Times New Roman" panose="02020603050405020304" pitchFamily="18" charset="0"/>
+                <a:ea typeface="Calibri" panose="020F0502020204030204" pitchFamily="34" charset="0"/>
+              </a:rPr>
+              <a:t>. </a:t>
+            </a:r>
+            <a:r>
+              <a:rPr lang="ru-RU" sz="700" dirty="0">
+                <a:latin typeface="Times New Roman" panose="02020603050405020304" pitchFamily="18" charset="0"/>
+                <a:ea typeface="Calibri" panose="020F0502020204030204" pitchFamily="34" charset="0"/>
+              </a:rPr>
+              <a:t>Пример сгенерированного поля ввода</a:t>
+            </a:r>
+            <a:endParaRPr lang="ru-RU" sz="700" dirty="0"/>
+          </a:p>
+        </p:txBody>
+      </p:sp>
+      <p:sp>
+        <p:nvSpPr>
+          <p:cNvPr id="22" name="TextBox 21">
+            <a:extLst>
+              <a:ext uri="{FF2B5EF4-FFF2-40B4-BE49-F238E27FC236}">
+                <a16:creationId xmlns:a16="http://schemas.microsoft.com/office/drawing/2014/main" id="{9DA2649C-DD0C-C545-7D05-EC80C3D8C898}"/>
+              </a:ext>
+            </a:extLst>
+          </p:cNvPr>
+          <p:cNvSpPr txBox="1"/>
+          <p:nvPr/>
+        </p:nvSpPr>
+        <p:spPr>
+          <a:xfrm>
+            <a:off x="196936" y="1769276"/>
+            <a:ext cx="1488918" cy="307777"/>
+          </a:xfrm>
+          <a:prstGeom prst="rect">
+            <a:avLst/>
+          </a:prstGeom>
+          <a:noFill/>
+        </p:spPr>
+        <p:txBody>
+          <a:bodyPr wrap="square">
+            <a:spAutoFit/>
+          </a:bodyPr>
+          <a:lstStyle/>
+          <a:p>
+            <a:pPr algn="just"/>
+            <a:r>
+              <a:rPr lang="ru-RU" sz="700" dirty="0">
+                <a:latin typeface="Times New Roman" panose="02020603050405020304" pitchFamily="18" charset="0"/>
+                <a:ea typeface="Calibri" panose="020F0502020204030204" pitchFamily="34" charset="0"/>
+              </a:rPr>
+              <a:t>Листинг 2. Пример описания поля ввода в формате </a:t>
+            </a:r>
+            <a:r>
+              <a:rPr lang="en-US" sz="700" dirty="0" err="1">
+                <a:latin typeface="Times New Roman" panose="02020603050405020304" pitchFamily="18" charset="0"/>
+                <a:ea typeface="Calibri" panose="020F0502020204030204" pitchFamily="34" charset="0"/>
+              </a:rPr>
+              <a:t>aINI</a:t>
+            </a:r>
+            <a:endParaRPr lang="ru-RU" sz="700" dirty="0"/>
+          </a:p>
+        </p:txBody>
+      </p:sp>
+      <p:sp>
+        <p:nvSpPr>
+          <p:cNvPr id="23" name="TextBox 22">
+            <a:extLst>
+              <a:ext uri="{FF2B5EF4-FFF2-40B4-BE49-F238E27FC236}">
+                <a16:creationId xmlns:a16="http://schemas.microsoft.com/office/drawing/2014/main" id="{F8D5A86F-38E8-EA1D-E87B-D386D42C7A54}"/>
+              </a:ext>
+            </a:extLst>
+          </p:cNvPr>
+          <p:cNvSpPr txBox="1"/>
+          <p:nvPr/>
+        </p:nvSpPr>
+        <p:spPr>
+          <a:xfrm>
+            <a:off x="196936" y="1541549"/>
+            <a:ext cx="1488918" cy="230832"/>
+          </a:xfrm>
+          <a:prstGeom prst="rect">
+            <a:avLst/>
+          </a:prstGeom>
+          <a:ln w="9525"/>
+        </p:spPr>
+        <p:style>
+          <a:lnRef idx="2">
+            <a:schemeClr val="dk1"/>
+          </a:lnRef>
+          <a:fillRef idx="1">
+            <a:schemeClr val="lt1"/>
+          </a:fillRef>
+          <a:effectRef idx="0">
+            <a:schemeClr val="dk1"/>
+          </a:effectRef>
+          <a:fontRef idx="minor">
+            <a:schemeClr val="dk1"/>
+          </a:fontRef>
+        </p:style>
+        <p:txBody>
+          <a:bodyPr wrap="square">
+            <a:spAutoFit/>
+          </a:bodyPr>
+          <a:lstStyle/>
+          <a:p>
+            <a:pPr algn="ctr"/>
+            <a:r>
+              <a:rPr lang="en-US" sz="900" dirty="0">
+                <a:solidFill>
+                  <a:schemeClr val="accent1"/>
+                </a:solidFill>
+                <a:latin typeface="Consolas" panose="020B0609020204030204" pitchFamily="49" charset="0"/>
+                <a:cs typeface="Courier New" panose="02070309020205020404" pitchFamily="49" charset="0"/>
+              </a:rPr>
+              <a:t>x</a:t>
+            </a:r>
+            <a:r>
+              <a:rPr lang="en-US" sz="900" dirty="0">
+                <a:solidFill>
+                  <a:schemeClr val="tx1"/>
+                </a:solidFill>
+                <a:latin typeface="Consolas" panose="020B0609020204030204" pitchFamily="49" charset="0"/>
+                <a:cs typeface="Courier New" panose="02070309020205020404" pitchFamily="49" charset="0"/>
+              </a:rPr>
+              <a:t>=</a:t>
+            </a:r>
+            <a:r>
+              <a:rPr lang="en-US" sz="900" dirty="0">
+                <a:solidFill>
+                  <a:schemeClr val="accent1"/>
+                </a:solidFill>
+                <a:latin typeface="Consolas" panose="020B0609020204030204" pitchFamily="49" charset="0"/>
+                <a:cs typeface="Courier New" panose="02070309020205020404" pitchFamily="49" charset="0"/>
+              </a:rPr>
+              <a:t>12</a:t>
+            </a:r>
+            <a:r>
+              <a:rPr lang="en-US" sz="900" dirty="0">
+                <a:latin typeface="Consolas" panose="020B0609020204030204" pitchFamily="49" charset="0"/>
+                <a:cs typeface="Courier New" panose="02070309020205020404" pitchFamily="49" charset="0"/>
+              </a:rPr>
+              <a:t>//</a:t>
+            </a:r>
+            <a:r>
+              <a:rPr lang="ru-RU" sz="900" dirty="0">
+                <a:solidFill>
+                  <a:schemeClr val="accent1"/>
+                </a:solidFill>
+                <a:latin typeface="Consolas" panose="020B0609020204030204" pitchFamily="49" charset="0"/>
+                <a:cs typeface="Courier New" panose="02070309020205020404" pitchFamily="49" charset="0"/>
+              </a:rPr>
+              <a:t>Параметр </a:t>
+            </a:r>
+            <a:r>
+              <a:rPr lang="en-US" sz="900" dirty="0">
+                <a:solidFill>
+                  <a:schemeClr val="accent1"/>
+                </a:solidFill>
+                <a:latin typeface="Consolas" panose="020B0609020204030204" pitchFamily="49" charset="0"/>
+                <a:cs typeface="Courier New" panose="02070309020205020404" pitchFamily="49" charset="0"/>
+              </a:rPr>
+              <a:t>X</a:t>
+            </a:r>
+          </a:p>
+        </p:txBody>
+      </p:sp>
+      <p:sp>
+        <p:nvSpPr>
+          <p:cNvPr id="24" name="object 2">
+            <a:extLst>
+              <a:ext uri="{FF2B5EF4-FFF2-40B4-BE49-F238E27FC236}">
+                <a16:creationId xmlns:a16="http://schemas.microsoft.com/office/drawing/2014/main" id="{107DCECB-3BE5-3F16-68C0-C3B269054EF8}"/>
+              </a:ext>
+            </a:extLst>
+          </p:cNvPr>
+          <p:cNvSpPr txBox="1">
+            <a:spLocks/>
+          </p:cNvSpPr>
+          <p:nvPr/>
+        </p:nvSpPr>
+        <p:spPr>
+          <a:xfrm>
+            <a:off x="196936" y="236243"/>
+            <a:ext cx="4216226" cy="196208"/>
+          </a:xfrm>
+          <a:prstGeom prst="rect">
+            <a:avLst/>
+          </a:prstGeom>
+        </p:spPr>
+        <p:txBody>
+          <a:bodyPr vert="horz" wrap="square" lIns="0" tIns="11430" rIns="0" bIns="0" rtlCol="0">
+            <a:spAutoFit/>
+          </a:bodyPr>
+          <a:lstStyle>
+            <a:lvl1pPr>
+              <a:defRPr sz="1100" b="0" i="0">
+                <a:solidFill>
+                  <a:schemeClr val="tx1"/>
+                </a:solidFill>
+                <a:latin typeface="Tahoma"/>
+                <a:ea typeface="+mj-ea"/>
+                <a:cs typeface="Tahoma"/>
+              </a:defRPr>
+            </a:lvl1pPr>
+          </a:lstStyle>
+          <a:p>
+            <a:pPr marL="12700">
+              <a:spcBef>
+                <a:spcPts val="90"/>
+              </a:spcBef>
+            </a:pPr>
+            <a:r>
+              <a:rPr lang="ru-RU" sz="1200" spc="-40" dirty="0">
+                <a:latin typeface="Times New Roman" panose="02020603050405020304" pitchFamily="18" charset="0"/>
+                <a:cs typeface="Times New Roman" panose="02020603050405020304" pitchFamily="18" charset="0"/>
+              </a:rPr>
+              <a:t>Особенности генерации GUI на основе </a:t>
+            </a:r>
+            <a:r>
+              <a:rPr lang="ru-RU" sz="1200" spc="-40" dirty="0" err="1">
+                <a:latin typeface="Times New Roman" panose="02020603050405020304" pitchFamily="18" charset="0"/>
+                <a:cs typeface="Times New Roman" panose="02020603050405020304" pitchFamily="18" charset="0"/>
+              </a:rPr>
+              <a:t>aINI</a:t>
+            </a:r>
+            <a:r>
+              <a:rPr lang="ru-RU" sz="1200" spc="-40" dirty="0">
+                <a:latin typeface="Times New Roman" panose="02020603050405020304" pitchFamily="18" charset="0"/>
+                <a:cs typeface="Times New Roman" panose="02020603050405020304" pitchFamily="18" charset="0"/>
+              </a:rPr>
+              <a:t> </a:t>
+            </a:r>
+          </a:p>
+        </p:txBody>
+      </p:sp>
+    </p:spTree>
+    <p:extLst>
+      <p:ext uri="{BB962C8B-B14F-4D97-AF65-F5344CB8AC3E}">
+        <p14:creationId xmlns:p14="http://schemas.microsoft.com/office/powerpoint/2010/main" val="1259577742"/>
+      </p:ext>
+    </p:extLst>
+  </p:cSld>
+  <p:clrMapOvr>
+    <a:masterClrMapping/>
+  </p:clrMapOvr>
+  <p:transition>
+    <p:cut/>
+  </p:transition>
+</p:sld>
+</file>
+
+<file path=ppt/slides/slide11.xml><?xml version="1.0" encoding="utf-8"?>
+<p:sld xmlns:a="http://schemas.openxmlformats.org/drawingml/2006/main" xmlns:r="http://schemas.openxmlformats.org/officeDocument/2006/relationships" xmlns:p="http://schemas.openxmlformats.org/presentationml/2006/main" showMasterSp="0">
+  <p:cSld>
+    <p:spTree>
+      <p:nvGrpSpPr>
+        <p:cNvPr id="1" name=""/>
+        <p:cNvGrpSpPr/>
+        <p:nvPr/>
+      </p:nvGrpSpPr>
+      <p:grpSpPr>
+        <a:xfrm>
+          <a:off x="0" y="0"/>
+          <a:ext cx="0" cy="0"/>
+          <a:chOff x="0" y="0"/>
+          <a:chExt cx="0" cy="0"/>
+        </a:xfrm>
+      </p:grpSpPr>
+      <p:sp>
+        <p:nvSpPr>
+          <p:cNvPr id="10" name="Прямоугольник 9">
+            <a:extLst>
+              <a:ext uri="{FF2B5EF4-FFF2-40B4-BE49-F238E27FC236}">
+                <a16:creationId xmlns:a16="http://schemas.microsoft.com/office/drawing/2014/main" id="{55EDAC1E-5709-C743-4E51-119E1839A191}"/>
+              </a:ext>
+            </a:extLst>
+          </p:cNvPr>
+          <p:cNvSpPr/>
+          <p:nvPr/>
+        </p:nvSpPr>
+        <p:spPr>
+          <a:xfrm>
+            <a:off x="-20944" y="3295813"/>
+            <a:ext cx="4642023" cy="184666"/>
+          </a:xfrm>
+          <a:prstGeom prst="rect">
+            <a:avLst/>
+          </a:prstGeom>
+          <a:solidFill>
+            <a:schemeClr val="accent1">
+              <a:alpha val="20000"/>
+            </a:schemeClr>
+          </a:solidFill>
+          <a:ln>
+            <a:noFill/>
+          </a:ln>
+        </p:spPr>
+        <p:style>
+          <a:lnRef idx="2">
+            <a:schemeClr val="accent1">
+              <a:shade val="15000"/>
+            </a:schemeClr>
+          </a:lnRef>
+          <a:fillRef idx="1">
+            <a:schemeClr val="accent1"/>
+          </a:fillRef>
+          <a:effectRef idx="0">
+            <a:schemeClr val="accent1"/>
+          </a:effectRef>
+          <a:fontRef idx="minor">
+            <a:schemeClr val="lt1"/>
+          </a:fontRef>
+        </p:style>
+        <p:txBody>
+          <a:bodyPr rtlCol="0" anchor="ctr"/>
+          <a:lstStyle/>
+          <a:p>
+            <a:pPr algn="r"/>
+            <a:r>
+              <a:rPr lang="ru-RU" sz="800" b="1" dirty="0">
+                <a:solidFill>
+                  <a:schemeClr val="bg1">
+                    <a:lumMod val="50000"/>
+                  </a:schemeClr>
+                </a:solidFill>
+                <a:latin typeface="Times New Roman" panose="02020603050405020304" pitchFamily="18" charset="0"/>
+                <a:cs typeface="Times New Roman" panose="02020603050405020304" pitchFamily="18" charset="0"/>
+              </a:rPr>
+              <a:t>Разработка </a:t>
+            </a:r>
+            <a:r>
+              <a:rPr lang="ru-RU" sz="800" b="1" dirty="0" err="1">
+                <a:solidFill>
+                  <a:schemeClr val="bg1">
+                    <a:lumMod val="50000"/>
+                  </a:schemeClr>
+                </a:solidFill>
+                <a:latin typeface="Times New Roman" panose="02020603050405020304" pitchFamily="18" charset="0"/>
+                <a:cs typeface="Times New Roman" panose="02020603050405020304" pitchFamily="18" charset="0"/>
+              </a:rPr>
+              <a:t>web</a:t>
+            </a:r>
+            <a:r>
+              <a:rPr lang="ru-RU" sz="800" b="1" dirty="0">
+                <a:solidFill>
+                  <a:schemeClr val="bg1">
+                    <a:lumMod val="50000"/>
+                  </a:schemeClr>
+                </a:solidFill>
+                <a:latin typeface="Times New Roman" panose="02020603050405020304" pitchFamily="18" charset="0"/>
+                <a:cs typeface="Times New Roman" panose="02020603050405020304" pitchFamily="18" charset="0"/>
+              </a:rPr>
+              <a:t>-ориентированного ПО, реализующего автоматизированное построение</a:t>
+            </a:r>
+            <a:r>
+              <a:rPr lang="en-US" sz="800" b="1" dirty="0">
+                <a:solidFill>
+                  <a:schemeClr val="bg1">
+                    <a:lumMod val="50000"/>
+                  </a:schemeClr>
+                </a:solidFill>
+                <a:latin typeface="Times New Roman" panose="02020603050405020304" pitchFamily="18" charset="0"/>
+                <a:cs typeface="Times New Roman" panose="02020603050405020304" pitchFamily="18" charset="0"/>
+              </a:rPr>
+              <a:t> GUI</a:t>
+            </a:r>
+            <a:endParaRPr lang="ru-RU" sz="800" dirty="0">
+              <a:solidFill>
+                <a:schemeClr val="bg1">
+                  <a:lumMod val="50000"/>
+                </a:schemeClr>
+              </a:solidFill>
+            </a:endParaRPr>
+          </a:p>
+        </p:txBody>
+      </p:sp>
+      <p:sp>
+        <p:nvSpPr>
+          <p:cNvPr id="121" name="Номер слайда 8">
+            <a:extLst>
+              <a:ext uri="{FF2B5EF4-FFF2-40B4-BE49-F238E27FC236}">
+                <a16:creationId xmlns:a16="http://schemas.microsoft.com/office/drawing/2014/main" id="{53F84418-E4D6-E2A5-3E0F-A9A56B4FC5BE}"/>
+              </a:ext>
+            </a:extLst>
+          </p:cNvPr>
+          <p:cNvSpPr txBox="1">
+            <a:spLocks/>
+          </p:cNvSpPr>
+          <p:nvPr/>
+        </p:nvSpPr>
+        <p:spPr>
+          <a:xfrm>
+            <a:off x="-20944" y="3319545"/>
+            <a:ext cx="527293" cy="137203"/>
+          </a:xfrm>
+          <a:prstGeom prst="rect">
+            <a:avLst/>
+          </a:prstGeom>
+        </p:spPr>
+        <p:txBody>
+          <a:bodyPr lIns="0" tIns="0" rIns="0" bIns="0"/>
+          <a:lstStyle>
+            <a:defPPr>
+              <a:defRPr lang="ru-RU"/>
+            </a:defPPr>
+            <a:lvl1pPr marL="0" algn="l" defTabSz="914400" rtl="0" eaLnBrk="1" latinLnBrk="0" hangingPunct="1">
+              <a:defRPr sz="800" b="0" i="0" kern="1200">
+                <a:solidFill>
+                  <a:srgbClr val="00B050"/>
+                </a:solidFill>
+                <a:latin typeface="Times New Roman" panose="02020603050405020304" pitchFamily="18" charset="0"/>
+                <a:ea typeface="+mn-ea"/>
+                <a:cs typeface="Times New Roman" panose="02020603050405020304" pitchFamily="18" charset="0"/>
+              </a:defRPr>
+            </a:lvl1pPr>
+            <a:lvl2pPr marL="457200" algn="l" defTabSz="914400" rtl="0" eaLnBrk="1" latinLnBrk="0" hangingPunct="1">
+              <a:defRPr sz="1800" kern="1200">
+                <a:solidFill>
+                  <a:schemeClr val="tx1"/>
+                </a:solidFill>
+                <a:latin typeface="+mn-lt"/>
+                <a:ea typeface="+mn-ea"/>
+                <a:cs typeface="+mn-cs"/>
+              </a:defRPr>
+            </a:lvl2pPr>
+            <a:lvl3pPr marL="914400" algn="l" defTabSz="914400" rtl="0" eaLnBrk="1" latinLnBrk="0" hangingPunct="1">
+              <a:defRPr sz="1800" kern="1200">
+                <a:solidFill>
+                  <a:schemeClr val="tx1"/>
+                </a:solidFill>
+                <a:latin typeface="+mn-lt"/>
+                <a:ea typeface="+mn-ea"/>
+                <a:cs typeface="+mn-cs"/>
+              </a:defRPr>
+            </a:lvl3pPr>
+            <a:lvl4pPr marL="1371600" algn="l" defTabSz="914400" rtl="0" eaLnBrk="1" latinLnBrk="0" hangingPunct="1">
+              <a:defRPr sz="1800" kern="1200">
+                <a:solidFill>
+                  <a:schemeClr val="tx1"/>
+                </a:solidFill>
+                <a:latin typeface="+mn-lt"/>
+                <a:ea typeface="+mn-ea"/>
+                <a:cs typeface="+mn-cs"/>
+              </a:defRPr>
+            </a:lvl4pPr>
+            <a:lvl5pPr marL="1828800" algn="l" defTabSz="914400" rtl="0" eaLnBrk="1" latinLnBrk="0" hangingPunct="1">
+              <a:defRPr sz="1800" kern="1200">
+                <a:solidFill>
+                  <a:schemeClr val="tx1"/>
+                </a:solidFill>
+                <a:latin typeface="+mn-lt"/>
+                <a:ea typeface="+mn-ea"/>
+                <a:cs typeface="+mn-cs"/>
+              </a:defRPr>
+            </a:lvl5pPr>
+            <a:lvl6pPr marL="2286000" algn="l" defTabSz="914400" rtl="0" eaLnBrk="1" latinLnBrk="0" hangingPunct="1">
+              <a:defRPr sz="1800" kern="1200">
+                <a:solidFill>
+                  <a:schemeClr val="tx1"/>
+                </a:solidFill>
+                <a:latin typeface="+mn-lt"/>
+                <a:ea typeface="+mn-ea"/>
+                <a:cs typeface="+mn-cs"/>
+              </a:defRPr>
+            </a:lvl6pPr>
+            <a:lvl7pPr marL="2743200" algn="l" defTabSz="914400" rtl="0" eaLnBrk="1" latinLnBrk="0" hangingPunct="1">
+              <a:defRPr sz="1800" kern="1200">
+                <a:solidFill>
+                  <a:schemeClr val="tx1"/>
+                </a:solidFill>
+                <a:latin typeface="+mn-lt"/>
+                <a:ea typeface="+mn-ea"/>
+                <a:cs typeface="+mn-cs"/>
+              </a:defRPr>
+            </a:lvl7pPr>
+            <a:lvl8pPr marL="3200400" algn="l" defTabSz="914400" rtl="0" eaLnBrk="1" latinLnBrk="0" hangingPunct="1">
+              <a:defRPr sz="1800" kern="1200">
+                <a:solidFill>
+                  <a:schemeClr val="tx1"/>
+                </a:solidFill>
+                <a:latin typeface="+mn-lt"/>
+                <a:ea typeface="+mn-ea"/>
+                <a:cs typeface="+mn-cs"/>
+              </a:defRPr>
+            </a:lvl8pPr>
+            <a:lvl9pPr marL="3657600" algn="l" defTabSz="914400" rtl="0" eaLnBrk="1" latinLnBrk="0" hangingPunct="1">
+              <a:defRPr sz="1800" kern="1200">
+                <a:solidFill>
+                  <a:schemeClr val="tx1"/>
+                </a:solidFill>
+                <a:latin typeface="+mn-lt"/>
+                <a:ea typeface="+mn-ea"/>
+                <a:cs typeface="+mn-cs"/>
+              </a:defRPr>
+            </a:lvl9pPr>
+          </a:lstStyle>
+          <a:p>
+            <a:pPr marL="38100">
+              <a:spcBef>
+                <a:spcPts val="95"/>
+              </a:spcBef>
+            </a:pPr>
+            <a:fld id="{81D60167-4931-47E6-BA6A-407CBD079E47}" type="slidenum">
+              <a:rPr lang="ru-RU" spc="-5" smtClean="0">
+                <a:solidFill>
+                  <a:srgbClr val="0070C0"/>
+                </a:solidFill>
+              </a:rPr>
+              <a:pPr marL="38100">
+                <a:spcBef>
+                  <a:spcPts val="95"/>
+                </a:spcBef>
+              </a:pPr>
+              <a:t>11</a:t>
+            </a:fld>
+            <a:endParaRPr lang="ru-RU" spc="-5" dirty="0">
+              <a:solidFill>
+                <a:srgbClr val="0070C0"/>
+              </a:solidFill>
+            </a:endParaRPr>
+          </a:p>
+        </p:txBody>
+      </p:sp>
+      <p:sp>
+        <p:nvSpPr>
+          <p:cNvPr id="6" name="TextBox 5">
+            <a:extLst>
+              <a:ext uri="{FF2B5EF4-FFF2-40B4-BE49-F238E27FC236}">
+                <a16:creationId xmlns:a16="http://schemas.microsoft.com/office/drawing/2014/main" id="{A82E618F-93E9-3FFE-2139-C7EC37B333B9}"/>
+              </a:ext>
+            </a:extLst>
+          </p:cNvPr>
+          <p:cNvSpPr txBox="1"/>
+          <p:nvPr/>
+        </p:nvSpPr>
+        <p:spPr>
+          <a:xfrm>
+            <a:off x="0" y="-2933"/>
+            <a:ext cx="4621079" cy="215444"/>
+          </a:xfrm>
+          <a:prstGeom prst="rect">
+            <a:avLst/>
+          </a:prstGeom>
+          <a:solidFill>
+            <a:schemeClr val="accent1">
+              <a:alpha val="20000"/>
+            </a:schemeClr>
+          </a:solidFill>
+        </p:spPr>
+        <p:txBody>
+          <a:bodyPr wrap="square" rtlCol="0">
+            <a:spAutoFit/>
+          </a:bodyPr>
+          <a:lstStyle/>
+          <a:p>
+            <a:pPr algn="just"/>
+            <a:r>
+              <a:rPr lang="ru-RU" sz="800" dirty="0">
+                <a:solidFill>
+                  <a:schemeClr val="bg1">
+                    <a:lumMod val="75000"/>
+                  </a:schemeClr>
+                </a:solidFill>
+                <a:latin typeface="Times New Roman" panose="02020603050405020304" pitchFamily="18" charset="0"/>
+                <a:cs typeface="Times New Roman" panose="02020603050405020304" pitchFamily="18" charset="0"/>
+              </a:rPr>
+              <a:t>Введение</a:t>
+            </a:r>
+            <a:r>
+              <a:rPr lang="ru-RU" sz="800" dirty="0">
+                <a:latin typeface="Times New Roman" panose="02020603050405020304" pitchFamily="18" charset="0"/>
+                <a:cs typeface="Times New Roman" panose="02020603050405020304" pitchFamily="18" charset="0"/>
+              </a:rPr>
+              <a:t> </a:t>
+            </a:r>
+            <a:r>
+              <a:rPr lang="en-US" sz="800" dirty="0">
+                <a:solidFill>
+                  <a:schemeClr val="bg1">
+                    <a:lumMod val="75000"/>
+                  </a:schemeClr>
+                </a:solidFill>
+                <a:latin typeface="Times New Roman" panose="02020603050405020304" pitchFamily="18" charset="0"/>
+                <a:cs typeface="Times New Roman" panose="02020603050405020304" pitchFamily="18" charset="0"/>
+              </a:rPr>
+              <a:t>| </a:t>
+            </a:r>
+            <a:r>
+              <a:rPr lang="ru-RU" sz="800" dirty="0">
+                <a:solidFill>
+                  <a:schemeClr val="bg1">
+                    <a:lumMod val="75000"/>
+                  </a:schemeClr>
+                </a:solidFill>
+                <a:latin typeface="Times New Roman" panose="02020603050405020304" pitchFamily="18" charset="0"/>
+                <a:cs typeface="Times New Roman" panose="02020603050405020304" pitchFamily="18" charset="0"/>
+              </a:rPr>
+              <a:t>Постановка задачи</a:t>
+            </a:r>
+            <a:r>
+              <a:rPr lang="en-US" sz="800" dirty="0">
+                <a:solidFill>
+                  <a:schemeClr val="bg1">
+                    <a:lumMod val="75000"/>
+                  </a:schemeClr>
+                </a:solidFill>
+                <a:latin typeface="Times New Roman" panose="02020603050405020304" pitchFamily="18" charset="0"/>
+                <a:cs typeface="Times New Roman" panose="02020603050405020304" pitchFamily="18" charset="0"/>
+              </a:rPr>
+              <a:t> | </a:t>
+            </a:r>
+            <a:r>
+              <a:rPr lang="ru-RU" sz="800" dirty="0">
+                <a:latin typeface="Times New Roman" panose="02020603050405020304" pitchFamily="18" charset="0"/>
+                <a:cs typeface="Times New Roman" panose="02020603050405020304" pitchFamily="18" charset="0"/>
+              </a:rPr>
+              <a:t>Программная реализация </a:t>
+            </a:r>
+            <a:r>
+              <a:rPr lang="en-US" sz="800" dirty="0">
+                <a:solidFill>
+                  <a:schemeClr val="bg1">
+                    <a:lumMod val="75000"/>
+                  </a:schemeClr>
+                </a:solidFill>
+                <a:latin typeface="Times New Roman" panose="02020603050405020304" pitchFamily="18" charset="0"/>
+                <a:cs typeface="Times New Roman" panose="02020603050405020304" pitchFamily="18" charset="0"/>
+              </a:rPr>
+              <a:t>|</a:t>
+            </a:r>
+            <a:r>
+              <a:rPr lang="ru-RU" sz="800" dirty="0">
+                <a:solidFill>
+                  <a:schemeClr val="bg1">
+                    <a:lumMod val="75000"/>
+                  </a:schemeClr>
+                </a:solidFill>
+                <a:latin typeface="Times New Roman" panose="02020603050405020304" pitchFamily="18" charset="0"/>
+                <a:cs typeface="Times New Roman" panose="02020603050405020304" pitchFamily="18" charset="0"/>
+              </a:rPr>
+              <a:t> Тестирование</a:t>
+            </a:r>
+            <a:r>
+              <a:rPr lang="en-US" sz="800" dirty="0">
+                <a:solidFill>
+                  <a:schemeClr val="bg1">
+                    <a:lumMod val="75000"/>
+                  </a:schemeClr>
+                </a:solidFill>
+                <a:latin typeface="Times New Roman" panose="02020603050405020304" pitchFamily="18" charset="0"/>
+                <a:cs typeface="Times New Roman" panose="02020603050405020304" pitchFamily="18" charset="0"/>
+              </a:rPr>
+              <a:t> |</a:t>
+            </a:r>
+            <a:r>
+              <a:rPr lang="ru-RU" sz="800" dirty="0">
+                <a:solidFill>
+                  <a:schemeClr val="bg1">
+                    <a:lumMod val="75000"/>
+                  </a:schemeClr>
+                </a:solidFill>
+                <a:latin typeface="Times New Roman" panose="02020603050405020304" pitchFamily="18" charset="0"/>
+                <a:cs typeface="Times New Roman" panose="02020603050405020304" pitchFamily="18" charset="0"/>
+              </a:rPr>
+              <a:t> Заключение</a:t>
+            </a:r>
+          </a:p>
+        </p:txBody>
+      </p:sp>
       <p:sp>
         <p:nvSpPr>
           <p:cNvPr id="12" name="TextBox 11">
@@ -4004,7 +5202,7 @@
                 <a:latin typeface="Times New Roman" panose="02020603050405020304" pitchFamily="18" charset="0"/>
                 <a:cs typeface="Times New Roman" panose="02020603050405020304" pitchFamily="18" charset="0"/>
               </a:rPr>
-              <a:t>Разработано и  запущено на тестовом сервере </a:t>
+              <a:t>Разработано и  запущено на тестовом сервере МГТУ </a:t>
             </a:r>
             <a:r>
               <a:rPr lang="en-US" sz="900" dirty="0">
@@ -4530,14 +5728,14 @@
                 <a:latin typeface="Times New Roman" panose="02020603050405020304" pitchFamily="18" charset="0"/>
                 <a:ea typeface="Calibri" panose="020F0502020204030204" pitchFamily="34" charset="0"/>
               </a:rPr>
-              <a:t>Рис. </a:t>
+              <a:t>Рис. 6</a:t>
             </a:r>
             <a:r>
               <a:rPr lang="en-US" sz="700" dirty="0">
                 <a:latin typeface="Times New Roman" panose="02020603050405020304" pitchFamily="18" charset="0"/>
                 <a:ea typeface="Calibri" panose="020F0502020204030204" pitchFamily="34" charset="0"/>
               </a:rPr>
-              <a:t>5. </a:t>
+              <a:t>. </a:t>
             </a:r>
             <a:r>
               <a:rPr lang="ru-RU" sz="700" dirty="0">
@@ -4625,14 +5823,14 @@
                 <a:latin typeface="Times New Roman" panose="02020603050405020304" pitchFamily="18" charset="0"/>
                 <a:ea typeface="Calibri" panose="020F0502020204030204" pitchFamily="34" charset="0"/>
               </a:rPr>
-              <a:t>Рис. </a:t>
+              <a:t>Рис. 7</a:t>
             </a:r>
             <a:r>
               <a:rPr lang="en-US" sz="700" dirty="0">
                 <a:latin typeface="Times New Roman" panose="02020603050405020304" pitchFamily="18" charset="0"/>
                 <a:ea typeface="Calibri" panose="020F0502020204030204" pitchFamily="34" charset="0"/>
               </a:rPr>
-              <a:t>6. </a:t>
+              <a:t>. </a:t>
             </a:r>
             <a:r>
               <a:rPr lang="ru-RU" sz="700" dirty="0">
@@ -4668,7 +5866,7 @@
 </p:sld>
 </file>
 
-<file path=ppt/slides/slide11.xml><?xml version="1.0" encoding="utf-8"?>
+<file path=ppt/slides/slide12.xml><?xml version="1.0" encoding="utf-8"?>
 <p:sld xmlns:a="http://schemas.openxmlformats.org/drawingml/2006/main" xmlns:r="http://schemas.openxmlformats.org/officeDocument/2006/relationships" xmlns:p="http://schemas.openxmlformats.org/presentationml/2006/main" showMasterSp="0">
   <p:cSld>
     <p:spTree>
@@ -4930,7 +6128,7 @@
                   <a:spcPts val="95"/>
                 </a:spcBef>
               </a:pPr>
-              <a:t>11</a:t>
+              <a:t>12</a:t>
             </a:fld>
             <a:endParaRPr lang="ru-RU" spc="-5" dirty="0">
               <a:solidFill>
@@ -5813,7 +7011,7 @@
 </p:sld>
 </file>
 
-<file path=ppt/slides/slide12.xml><?xml version="1.0" encoding="utf-8"?>
+<file path=ppt/slides/slide13.xml><?xml version="1.0" encoding="utf-8"?>
 <p:sld xmlns:a="http://schemas.openxmlformats.org/drawingml/2006/main" xmlns:r="http://schemas.openxmlformats.org/officeDocument/2006/relationships" xmlns:p="http://schemas.openxmlformats.org/presentationml/2006/main" showMasterSp="0">
   <p:cSld>
     <p:spTree>
@@ -6075,7 +7273,7 @@
                   <a:spcPts val="95"/>
                 </a:spcBef>
               </a:pPr>
-              <a:t>12</a:t>
+              <a:t>13</a:t>
             </a:fld>
             <a:endParaRPr lang="ru-RU" spc="-5" dirty="0">
               <a:solidFill>
@@ -6608,14 +7806,14 @@
                 <a:latin typeface="Times New Roman" panose="02020603050405020304" pitchFamily="18" charset="0"/>
                 <a:ea typeface="Calibri" panose="020F0502020204030204" pitchFamily="34" charset="0"/>
               </a:rPr>
-              <a:t>Рис. </a:t>
+              <a:t>Рис. 8</a:t>
             </a:r>
             <a:r>
               <a:rPr lang="en-US" sz="700" dirty="0">
                 <a:latin typeface="Times New Roman" panose="02020603050405020304" pitchFamily="18" charset="0"/>
                 <a:ea typeface="Calibri" panose="020F0502020204030204" pitchFamily="34" charset="0"/>
               </a:rPr>
-              <a:t>7. </a:t>
+              <a:t>. </a:t>
             </a:r>
             <a:r>
               <a:rPr lang="ru-RU" sz="700" dirty="0">
@@ -6673,7 +7871,7 @@
 </p:sld>
 </file>
 
-<file path=ppt/slides/slide13.xml><?xml version="1.0" encoding="utf-8"?>
+<file path=ppt/slides/slide14.xml><?xml version="1.0" encoding="utf-8"?>
 <p:sld xmlns:a="http://schemas.openxmlformats.org/drawingml/2006/main" xmlns:r="http://schemas.openxmlformats.org/officeDocument/2006/relationships" xmlns:p="http://schemas.openxmlformats.org/presentationml/2006/main">
   <p:cSld>
     <p:spTree>
@@ -6935,7 +8133,7 @@
                   <a:spcPts val="95"/>
                 </a:spcBef>
               </a:pPr>
-              <a:t>13</a:t>
+              <a:t>14</a:t>
             </a:fld>
             <a:endParaRPr lang="ru-RU" spc="-5" dirty="0">
               <a:solidFill>
@@ -7654,14 +8852,14 @@
                 <a:latin typeface="Times New Roman" panose="02020603050405020304" pitchFamily="18" charset="0"/>
                 <a:ea typeface="Calibri" panose="020F0502020204030204" pitchFamily="34" charset="0"/>
               </a:rPr>
-              <a:t>Рис. </a:t>
+              <a:t>Рис. 9</a:t>
             </a:r>
             <a:r>
               <a:rPr lang="en-US" sz="700" dirty="0">
                 <a:latin typeface="Times New Roman" panose="02020603050405020304" pitchFamily="18" charset="0"/>
                 <a:ea typeface="Calibri" panose="020F0502020204030204" pitchFamily="34" charset="0"/>
               </a:rPr>
-              <a:t>8. </a:t>
+              <a:t>. </a:t>
             </a:r>
             <a:r>
               <a:rPr lang="ru-RU" sz="700" dirty="0">
@@ -7690,7 +8888,7 @@
 </p:sld>
 </file>
 
-<file path=ppt/slides/slide14.xml><?xml version="1.0" encoding="utf-8"?>
+<file path=ppt/slides/slide15.xml><?xml version="1.0" encoding="utf-8"?>
 <p:sld xmlns:a="http://schemas.openxmlformats.org/drawingml/2006/main" xmlns:r="http://schemas.openxmlformats.org/officeDocument/2006/relationships" xmlns:p="http://schemas.openxmlformats.org/presentationml/2006/main" showMasterSp="0">
   <p:cSld>
     <p:spTree>
@@ -7952,7 +9150,7 @@
                   <a:spcPts val="95"/>
                 </a:spcBef>
               </a:pPr>
-              <a:t>14</a:t>
+              <a:t>15</a:t>
             </a:fld>
             <a:endParaRPr lang="ru-RU" spc="-5" dirty="0">
               <a:solidFill>
@@ -8445,7 +9643,7 @@
 </p:sld>
 </file>
 
-<file path=ppt/slides/slide15.xml><?xml version="1.0" encoding="utf-8"?>
+<file path=ppt/slides/slide16.xml><?xml version="1.0" encoding="utf-8"?>
 <p:sld xmlns:a="http://schemas.openxmlformats.org/drawingml/2006/main" xmlns:r="http://schemas.openxmlformats.org/officeDocument/2006/relationships" xmlns:p="http://schemas.openxmlformats.org/presentationml/2006/main">
   <p:cSld>
     <p:spTree>
@@ -8707,7 +9905,7 @@
                   <a:spcPts val="95"/>
                 </a:spcBef>
               </a:pPr>
-              <a:t>15</a:t>
+              <a:t>16</a:t>
             </a:fld>
             <a:endParaRPr lang="ru-RU" spc="-5" dirty="0">
               <a:solidFill>
@@ -9113,7 +10311,7 @@
 </p:sld>
 </file>
 
-<file path=ppt/slides/slide16.xml><?xml version="1.0" encoding="utf-8"?>
+<file path=ppt/slides/slide17.xml><?xml version="1.0" encoding="utf-8"?>
 <p:sld xmlns:a="http://schemas.openxmlformats.org/drawingml/2006/main" xmlns:r="http://schemas.openxmlformats.org/officeDocument/2006/relationships" xmlns:p="http://schemas.openxmlformats.org/presentationml/2006/main">
   <p:cSld>
     <p:spTree>
@@ -12680,7 +13878,7 @@
                 <a:latin typeface="Times New Roman" panose="02020603050405020304" pitchFamily="18" charset="0"/>
                 <a:cs typeface="Times New Roman" panose="02020603050405020304" pitchFamily="18" charset="0"/>
               </a:rPr>
-              <a:t>Подходы к разработке пользовательского интерфейса</a:t>
+              <a:t>Подходы к разработке пользовательских интерфейсов</a:t>
             </a:r>
           </a:p>
         </p:txBody>
@@ -12988,7 +14186,7 @@
 </file>
 
 <file path=ppt/slides/slide6.xml><?xml version="1.0" encoding="utf-8"?>
-<p:sld xmlns:a="http://schemas.openxmlformats.org/drawingml/2006/main" xmlns:r="http://schemas.openxmlformats.org/officeDocument/2006/relationships" xmlns:p="http://schemas.openxmlformats.org/presentationml/2006/main" showMasterSp="0">
+<p:sld xmlns:a="http://schemas.openxmlformats.org/drawingml/2006/main" xmlns:r="http://schemas.openxmlformats.org/officeDocument/2006/relationships" xmlns:p="http://schemas.openxmlformats.org/presentationml/2006/main">
   <p:cSld>
     <p:spTree>
       <p:nvGrpSpPr>
@@ -13006,10 +14204,10 @@
       </p:grpSpPr>
       <p:sp>
         <p:nvSpPr>
-          <p:cNvPr id="10" name="Прямоугольник 9">
+          <p:cNvPr id="3" name="Прямоугольник 2">
             <a:extLst>
               <a:ext uri="{FF2B5EF4-FFF2-40B4-BE49-F238E27FC236}">
-                <a16:creationId xmlns:a16="http://schemas.microsoft.com/office/drawing/2014/main" id="{9CA003DD-4372-9F6B-C451-E17FE391EA36}"/>
+                <a16:creationId xmlns:a16="http://schemas.microsoft.com/office/drawing/2014/main" id="{1FC8B4EE-0F97-787B-9A29-7A1C0BC05929}"/>
               </a:ext>
             </a:extLst>
           </p:cNvPr>
@@ -13294,6 +14492,723 @@
             <a:pPr algn="just"/>
             <a:r>
               <a:rPr lang="ru-RU" sz="800" dirty="0">
+                <a:latin typeface="Times New Roman" panose="02020603050405020304" pitchFamily="18" charset="0"/>
+                <a:cs typeface="Times New Roman" panose="02020603050405020304" pitchFamily="18" charset="0"/>
+              </a:rPr>
+              <a:t>Введение </a:t>
+            </a:r>
+            <a:r>
+              <a:rPr lang="en-US" sz="800" dirty="0">
+                <a:solidFill>
+                  <a:schemeClr val="bg1">
+                    <a:lumMod val="75000"/>
+                  </a:schemeClr>
+                </a:solidFill>
+                <a:latin typeface="Times New Roman" panose="02020603050405020304" pitchFamily="18" charset="0"/>
+                <a:cs typeface="Times New Roman" panose="02020603050405020304" pitchFamily="18" charset="0"/>
+              </a:rPr>
+              <a:t>| </a:t>
+            </a:r>
+            <a:r>
+              <a:rPr lang="ru-RU" sz="800" dirty="0">
+                <a:solidFill>
+                  <a:schemeClr val="bg1">
+                    <a:lumMod val="75000"/>
+                  </a:schemeClr>
+                </a:solidFill>
+                <a:latin typeface="Times New Roman" panose="02020603050405020304" pitchFamily="18" charset="0"/>
+                <a:cs typeface="Times New Roman" panose="02020603050405020304" pitchFamily="18" charset="0"/>
+              </a:rPr>
+              <a:t>Постановка задачи</a:t>
+            </a:r>
+            <a:r>
+              <a:rPr lang="en-US" sz="800" dirty="0">
+                <a:solidFill>
+                  <a:schemeClr val="bg1">
+                    <a:lumMod val="75000"/>
+                  </a:schemeClr>
+                </a:solidFill>
+                <a:latin typeface="Times New Roman" panose="02020603050405020304" pitchFamily="18" charset="0"/>
+                <a:cs typeface="Times New Roman" panose="02020603050405020304" pitchFamily="18" charset="0"/>
+              </a:rPr>
+              <a:t> | </a:t>
+            </a:r>
+            <a:r>
+              <a:rPr lang="ru-RU" sz="800" dirty="0">
+                <a:solidFill>
+                  <a:schemeClr val="bg1">
+                    <a:lumMod val="75000"/>
+                  </a:schemeClr>
+                </a:solidFill>
+                <a:latin typeface="Times New Roman" panose="02020603050405020304" pitchFamily="18" charset="0"/>
+                <a:cs typeface="Times New Roman" panose="02020603050405020304" pitchFamily="18" charset="0"/>
+              </a:rPr>
+              <a:t>Программная реализация </a:t>
+            </a:r>
+            <a:r>
+              <a:rPr lang="en-US" sz="800" dirty="0">
+                <a:solidFill>
+                  <a:schemeClr val="bg1">
+                    <a:lumMod val="75000"/>
+                  </a:schemeClr>
+                </a:solidFill>
+                <a:latin typeface="Times New Roman" panose="02020603050405020304" pitchFamily="18" charset="0"/>
+                <a:cs typeface="Times New Roman" panose="02020603050405020304" pitchFamily="18" charset="0"/>
+              </a:rPr>
+              <a:t>|</a:t>
+            </a:r>
+            <a:r>
+              <a:rPr lang="ru-RU" sz="800" dirty="0">
+                <a:solidFill>
+                  <a:schemeClr val="bg1">
+                    <a:lumMod val="75000"/>
+                  </a:schemeClr>
+                </a:solidFill>
+                <a:latin typeface="Times New Roman" panose="02020603050405020304" pitchFamily="18" charset="0"/>
+                <a:cs typeface="Times New Roman" panose="02020603050405020304" pitchFamily="18" charset="0"/>
+              </a:rPr>
+              <a:t> Тестирование</a:t>
+            </a:r>
+            <a:r>
+              <a:rPr lang="en-US" sz="800" dirty="0">
+                <a:solidFill>
+                  <a:schemeClr val="bg1">
+                    <a:lumMod val="75000"/>
+                  </a:schemeClr>
+                </a:solidFill>
+                <a:latin typeface="Times New Roman" panose="02020603050405020304" pitchFamily="18" charset="0"/>
+                <a:cs typeface="Times New Roman" panose="02020603050405020304" pitchFamily="18" charset="0"/>
+              </a:rPr>
+              <a:t> |</a:t>
+            </a:r>
+            <a:r>
+              <a:rPr lang="ru-RU" sz="800" dirty="0">
+                <a:solidFill>
+                  <a:schemeClr val="bg1">
+                    <a:lumMod val="75000"/>
+                  </a:schemeClr>
+                </a:solidFill>
+                <a:latin typeface="Times New Roman" panose="02020603050405020304" pitchFamily="18" charset="0"/>
+                <a:cs typeface="Times New Roman" panose="02020603050405020304" pitchFamily="18" charset="0"/>
+              </a:rPr>
+              <a:t> Заключение</a:t>
+            </a:r>
+          </a:p>
+        </p:txBody>
+      </p:sp>
+      <p:sp>
+        <p:nvSpPr>
+          <p:cNvPr id="8" name="object 2">
+            <a:extLst>
+              <a:ext uri="{FF2B5EF4-FFF2-40B4-BE49-F238E27FC236}">
+                <a16:creationId xmlns:a16="http://schemas.microsoft.com/office/drawing/2014/main" id="{91D94F7A-BBE8-AF92-D069-9F2B26694CDF}"/>
+              </a:ext>
+            </a:extLst>
+          </p:cNvPr>
+          <p:cNvSpPr txBox="1">
+            <a:spLocks/>
+          </p:cNvSpPr>
+          <p:nvPr/>
+        </p:nvSpPr>
+        <p:spPr>
+          <a:xfrm>
+            <a:off x="196936" y="236243"/>
+            <a:ext cx="4216226" cy="196208"/>
+          </a:xfrm>
+          <a:prstGeom prst="rect">
+            <a:avLst/>
+          </a:prstGeom>
+        </p:spPr>
+        <p:txBody>
+          <a:bodyPr vert="horz" wrap="square" lIns="0" tIns="11430" rIns="0" bIns="0" rtlCol="0">
+            <a:spAutoFit/>
+          </a:bodyPr>
+          <a:lstStyle>
+            <a:lvl1pPr>
+              <a:defRPr sz="1100" b="0" i="0">
+                <a:solidFill>
+                  <a:schemeClr val="tx1"/>
+                </a:solidFill>
+                <a:latin typeface="Tahoma"/>
+                <a:ea typeface="+mj-ea"/>
+                <a:cs typeface="Tahoma"/>
+              </a:defRPr>
+            </a:lvl1pPr>
+          </a:lstStyle>
+          <a:p>
+            <a:r>
+              <a:rPr lang="ru-RU" sz="1200" dirty="0">
+                <a:solidFill>
+                  <a:schemeClr val="tx1"/>
+                </a:solidFill>
+                <a:latin typeface="Times New Roman" panose="02020603050405020304" pitchFamily="18" charset="0"/>
+                <a:cs typeface="Times New Roman" panose="02020603050405020304" pitchFamily="18" charset="0"/>
+              </a:rPr>
+              <a:t>Подходы к разработке пользовательских интерфейсов</a:t>
+            </a:r>
+          </a:p>
+        </p:txBody>
+      </p:sp>
+      <p:cxnSp>
+        <p:nvCxnSpPr>
+          <p:cNvPr id="10" name="Прямая соединительная линия 9">
+            <a:extLst>
+              <a:ext uri="{FF2B5EF4-FFF2-40B4-BE49-F238E27FC236}">
+                <a16:creationId xmlns:a16="http://schemas.microsoft.com/office/drawing/2014/main" id="{C3155367-69C3-86A9-B55C-503E11EFFC8B}"/>
+              </a:ext>
+            </a:extLst>
+          </p:cNvPr>
+          <p:cNvCxnSpPr>
+            <a:cxnSpLocks/>
+          </p:cNvCxnSpPr>
+          <p:nvPr/>
+        </p:nvCxnSpPr>
+        <p:spPr>
+          <a:xfrm>
+            <a:off x="196936" y="511175"/>
+            <a:ext cx="4216227" cy="0"/>
+          </a:xfrm>
+          <a:prstGeom prst="line">
+            <a:avLst/>
+          </a:prstGeom>
+          <a:ln>
+            <a:solidFill>
+              <a:srgbClr val="0070C0"/>
+            </a:solidFill>
+          </a:ln>
+        </p:spPr>
+        <p:style>
+          <a:lnRef idx="1">
+            <a:schemeClr val="accent1"/>
+          </a:lnRef>
+          <a:fillRef idx="0">
+            <a:schemeClr val="accent1"/>
+          </a:fillRef>
+          <a:effectRef idx="0">
+            <a:schemeClr val="accent1"/>
+          </a:effectRef>
+          <a:fontRef idx="minor">
+            <a:schemeClr val="tx1"/>
+          </a:fontRef>
+        </p:style>
+      </p:cxnSp>
+      <p:sp>
+        <p:nvSpPr>
+          <p:cNvPr id="9" name="TextBox 8">
+            <a:extLst>
+              <a:ext uri="{FF2B5EF4-FFF2-40B4-BE49-F238E27FC236}">
+                <a16:creationId xmlns:a16="http://schemas.microsoft.com/office/drawing/2014/main" id="{675592E3-722B-2D22-81DD-946F1495F778}"/>
+              </a:ext>
+            </a:extLst>
+          </p:cNvPr>
+          <p:cNvSpPr txBox="1"/>
+          <p:nvPr/>
+        </p:nvSpPr>
+        <p:spPr>
+          <a:xfrm>
+            <a:off x="196936" y="773185"/>
+            <a:ext cx="2067728" cy="261610"/>
+          </a:xfrm>
+          <a:prstGeom prst="rect">
+            <a:avLst/>
+          </a:prstGeom>
+          <a:noFill/>
+        </p:spPr>
+        <p:txBody>
+          <a:bodyPr wrap="square">
+            <a:spAutoFit/>
+          </a:bodyPr>
+          <a:lstStyle/>
+          <a:p>
+            <a:pPr algn="ctr"/>
+            <a:r>
+              <a:rPr lang="ru-RU" sz="1100" dirty="0">
+                <a:latin typeface="Times New Roman" panose="02020603050405020304" pitchFamily="18" charset="0"/>
+                <a:cs typeface="Times New Roman" panose="02020603050405020304" pitchFamily="18" charset="0"/>
+              </a:rPr>
+              <a:t>Ограничительный</a:t>
+            </a:r>
+            <a:endParaRPr lang="ru-RU" dirty="0"/>
+          </a:p>
+        </p:txBody>
+      </p:sp>
+      <p:sp>
+        <p:nvSpPr>
+          <p:cNvPr id="14" name="TextBox 13">
+            <a:extLst>
+              <a:ext uri="{FF2B5EF4-FFF2-40B4-BE49-F238E27FC236}">
+                <a16:creationId xmlns:a16="http://schemas.microsoft.com/office/drawing/2014/main" id="{0B27C314-41A7-D713-D086-B3D203B02E72}"/>
+              </a:ext>
+            </a:extLst>
+          </p:cNvPr>
+          <p:cNvSpPr txBox="1"/>
+          <p:nvPr/>
+        </p:nvSpPr>
+        <p:spPr>
+          <a:xfrm>
+            <a:off x="2339947" y="773185"/>
+            <a:ext cx="2067728" cy="261610"/>
+          </a:xfrm>
+          <a:prstGeom prst="rect">
+            <a:avLst/>
+          </a:prstGeom>
+          <a:noFill/>
+        </p:spPr>
+        <p:txBody>
+          <a:bodyPr wrap="square">
+            <a:spAutoFit/>
+          </a:bodyPr>
+          <a:lstStyle/>
+          <a:p>
+            <a:pPr algn="ctr"/>
+            <a:r>
+              <a:rPr lang="ru-RU" sz="1100" dirty="0">
+                <a:latin typeface="Times New Roman" panose="02020603050405020304" pitchFamily="18" charset="0"/>
+                <a:cs typeface="Times New Roman" panose="02020603050405020304" pitchFamily="18" charset="0"/>
+              </a:rPr>
+              <a:t>Направляющий</a:t>
+            </a:r>
+            <a:endParaRPr lang="ru-RU" dirty="0"/>
+          </a:p>
+        </p:txBody>
+      </p:sp>
+      <p:sp>
+        <p:nvSpPr>
+          <p:cNvPr id="15" name="TextBox 14">
+            <a:extLst>
+              <a:ext uri="{FF2B5EF4-FFF2-40B4-BE49-F238E27FC236}">
+                <a16:creationId xmlns:a16="http://schemas.microsoft.com/office/drawing/2014/main" id="{D7101B3A-F053-7131-1798-E041EAA0F345}"/>
+              </a:ext>
+            </a:extLst>
+          </p:cNvPr>
+          <p:cNvSpPr txBox="1"/>
+          <p:nvPr/>
+        </p:nvSpPr>
+        <p:spPr>
+          <a:xfrm>
+            <a:off x="196936" y="2425955"/>
+            <a:ext cx="4210739" cy="200055"/>
+          </a:xfrm>
+          <a:prstGeom prst="rect">
+            <a:avLst/>
+          </a:prstGeom>
+          <a:noFill/>
+        </p:spPr>
+        <p:txBody>
+          <a:bodyPr wrap="square">
+            <a:spAutoFit/>
+          </a:bodyPr>
+          <a:lstStyle/>
+          <a:p>
+            <a:pPr algn="ctr"/>
+            <a:r>
+              <a:rPr lang="ru-RU" sz="700" dirty="0">
+                <a:latin typeface="Times New Roman" panose="02020603050405020304" pitchFamily="18" charset="0"/>
+                <a:ea typeface="Calibri" panose="020F0502020204030204" pitchFamily="34" charset="0"/>
+              </a:rPr>
+              <a:t>Рис. 2</a:t>
+            </a:r>
+            <a:r>
+              <a:rPr lang="en-US" sz="700" dirty="0">
+                <a:latin typeface="Times New Roman" panose="02020603050405020304" pitchFamily="18" charset="0"/>
+                <a:ea typeface="Calibri" panose="020F0502020204030204" pitchFamily="34" charset="0"/>
+              </a:rPr>
+              <a:t>.</a:t>
+            </a:r>
+            <a:r>
+              <a:rPr lang="ru-RU" sz="700" dirty="0">
+                <a:latin typeface="Times New Roman" panose="02020603050405020304" pitchFamily="18" charset="0"/>
+                <a:ea typeface="Calibri" panose="020F0502020204030204" pitchFamily="34" charset="0"/>
+              </a:rPr>
+              <a:t> Примеры ограничительного и направляющего метода </a:t>
+            </a:r>
+            <a:endParaRPr lang="ru-RU" sz="700" dirty="0"/>
+          </a:p>
+        </p:txBody>
+      </p:sp>
+      <p:pic>
+        <p:nvPicPr>
+          <p:cNvPr id="19" name="Рисунок 18">
+            <a:extLst>
+              <a:ext uri="{FF2B5EF4-FFF2-40B4-BE49-F238E27FC236}">
+                <a16:creationId xmlns:a16="http://schemas.microsoft.com/office/drawing/2014/main" id="{24FC61A2-0D9F-1CE9-8A0C-F494674DFF98}"/>
+              </a:ext>
+            </a:extLst>
+          </p:cNvPr>
+          <p:cNvPicPr>
+            <a:picLocks noChangeAspect="1"/>
+          </p:cNvPicPr>
+          <p:nvPr/>
+        </p:nvPicPr>
+        <p:blipFill>
+          <a:blip r:embed="rId3"/>
+          <a:stretch>
+            <a:fillRect/>
+          </a:stretch>
+        </p:blipFill>
+        <p:spPr>
+          <a:xfrm>
+            <a:off x="2337550" y="1036746"/>
+            <a:ext cx="2079566" cy="1387258"/>
+          </a:xfrm>
+          <a:prstGeom prst="rect">
+            <a:avLst/>
+          </a:prstGeom>
+        </p:spPr>
+      </p:pic>
+      <p:pic>
+        <p:nvPicPr>
+          <p:cNvPr id="21" name="Рисунок 20">
+            <a:extLst>
+              <a:ext uri="{FF2B5EF4-FFF2-40B4-BE49-F238E27FC236}">
+                <a16:creationId xmlns:a16="http://schemas.microsoft.com/office/drawing/2014/main" id="{D72AEF48-85E9-C4B2-C0E6-6342EDC709FE}"/>
+              </a:ext>
+            </a:extLst>
+          </p:cNvPr>
+          <p:cNvPicPr>
+            <a:picLocks noChangeAspect="1"/>
+          </p:cNvPicPr>
+          <p:nvPr/>
+        </p:nvPicPr>
+        <p:blipFill>
+          <a:blip r:embed="rId4"/>
+          <a:stretch>
+            <a:fillRect/>
+          </a:stretch>
+        </p:blipFill>
+        <p:spPr>
+          <a:xfrm>
+            <a:off x="196936" y="1034106"/>
+            <a:ext cx="2075616" cy="1389898"/>
+          </a:xfrm>
+          <a:prstGeom prst="rect">
+            <a:avLst/>
+          </a:prstGeom>
+        </p:spPr>
+      </p:pic>
+    </p:spTree>
+    <p:extLst>
+      <p:ext uri="{BB962C8B-B14F-4D97-AF65-F5344CB8AC3E}">
+        <p14:creationId xmlns:p14="http://schemas.microsoft.com/office/powerpoint/2010/main" val="2407698190"/>
+      </p:ext>
+    </p:extLst>
+  </p:cSld>
+  <p:clrMapOvr>
+    <a:masterClrMapping/>
+  </p:clrMapOvr>
+  <p:transition>
+    <p:cut/>
+  </p:transition>
+</p:sld>
+</file>
+
+<file path=ppt/slides/slide7.xml><?xml version="1.0" encoding="utf-8"?>
+<p:sld xmlns:a="http://schemas.openxmlformats.org/drawingml/2006/main" xmlns:r="http://schemas.openxmlformats.org/officeDocument/2006/relationships" xmlns:p="http://schemas.openxmlformats.org/presentationml/2006/main" showMasterSp="0">
+  <p:cSld>
+    <p:spTree>
+      <p:nvGrpSpPr>
+        <p:cNvPr id="1" name=""/>
+        <p:cNvGrpSpPr/>
+        <p:nvPr/>
+      </p:nvGrpSpPr>
+      <p:grpSpPr>
+        <a:xfrm>
+          <a:off x="0" y="0"/>
+          <a:ext cx="0" cy="0"/>
+          <a:chOff x="0" y="0"/>
+          <a:chExt cx="0" cy="0"/>
+        </a:xfrm>
+      </p:grpSpPr>
+      <p:sp>
+        <p:nvSpPr>
+          <p:cNvPr id="10" name="Прямоугольник 9">
+            <a:extLst>
+              <a:ext uri="{FF2B5EF4-FFF2-40B4-BE49-F238E27FC236}">
+                <a16:creationId xmlns:a16="http://schemas.microsoft.com/office/drawing/2014/main" id="{9CA003DD-4372-9F6B-C451-E17FE391EA36}"/>
+              </a:ext>
+            </a:extLst>
+          </p:cNvPr>
+          <p:cNvSpPr/>
+          <p:nvPr/>
+        </p:nvSpPr>
+        <p:spPr>
+          <a:xfrm>
+            <a:off x="-20944" y="3295813"/>
+            <a:ext cx="4642023" cy="184666"/>
+          </a:xfrm>
+          <a:prstGeom prst="rect">
+            <a:avLst/>
+          </a:prstGeom>
+          <a:solidFill>
+            <a:schemeClr val="accent1">
+              <a:alpha val="20000"/>
+            </a:schemeClr>
+          </a:solidFill>
+          <a:ln>
+            <a:noFill/>
+          </a:ln>
+        </p:spPr>
+        <p:style>
+          <a:lnRef idx="2">
+            <a:schemeClr val="accent1">
+              <a:shade val="15000"/>
+            </a:schemeClr>
+          </a:lnRef>
+          <a:fillRef idx="1">
+            <a:schemeClr val="accent1"/>
+          </a:fillRef>
+          <a:effectRef idx="0">
+            <a:schemeClr val="accent1"/>
+          </a:effectRef>
+          <a:fontRef idx="minor">
+            <a:schemeClr val="lt1"/>
+          </a:fontRef>
+        </p:style>
+        <p:txBody>
+          <a:bodyPr rtlCol="0" anchor="ctr"/>
+          <a:lstStyle/>
+          <a:p>
+            <a:pPr algn="r"/>
+            <a:r>
+              <a:rPr lang="ru-RU" sz="800" b="1" dirty="0">
+                <a:solidFill>
+                  <a:schemeClr val="bg1">
+                    <a:lumMod val="50000"/>
+                  </a:schemeClr>
+                </a:solidFill>
+                <a:latin typeface="Times New Roman" panose="02020603050405020304" pitchFamily="18" charset="0"/>
+                <a:cs typeface="Times New Roman" panose="02020603050405020304" pitchFamily="18" charset="0"/>
+              </a:rPr>
+              <a:t>Разработка </a:t>
+            </a:r>
+            <a:r>
+              <a:rPr lang="ru-RU" sz="800" b="1" dirty="0" err="1">
+                <a:solidFill>
+                  <a:schemeClr val="bg1">
+                    <a:lumMod val="50000"/>
+                  </a:schemeClr>
+                </a:solidFill>
+                <a:latin typeface="Times New Roman" panose="02020603050405020304" pitchFamily="18" charset="0"/>
+                <a:cs typeface="Times New Roman" panose="02020603050405020304" pitchFamily="18" charset="0"/>
+              </a:rPr>
+              <a:t>web</a:t>
+            </a:r>
+            <a:r>
+              <a:rPr lang="ru-RU" sz="800" b="1" dirty="0">
+                <a:solidFill>
+                  <a:schemeClr val="bg1">
+                    <a:lumMod val="50000"/>
+                  </a:schemeClr>
+                </a:solidFill>
+                <a:latin typeface="Times New Roman" panose="02020603050405020304" pitchFamily="18" charset="0"/>
+                <a:cs typeface="Times New Roman" panose="02020603050405020304" pitchFamily="18" charset="0"/>
+              </a:rPr>
+              <a:t>-ориентированного ПО, реализующего автоматизированное построение</a:t>
+            </a:r>
+            <a:r>
+              <a:rPr lang="en-US" sz="800" b="1" dirty="0">
+                <a:solidFill>
+                  <a:schemeClr val="bg1">
+                    <a:lumMod val="50000"/>
+                  </a:schemeClr>
+                </a:solidFill>
+                <a:latin typeface="Times New Roman" panose="02020603050405020304" pitchFamily="18" charset="0"/>
+                <a:cs typeface="Times New Roman" panose="02020603050405020304" pitchFamily="18" charset="0"/>
+              </a:rPr>
+              <a:t> GUI</a:t>
+            </a:r>
+            <a:endParaRPr lang="ru-RU" sz="800" dirty="0">
+              <a:solidFill>
+                <a:schemeClr val="bg1">
+                  <a:lumMod val="50000"/>
+                </a:schemeClr>
+              </a:solidFill>
+            </a:endParaRPr>
+          </a:p>
+        </p:txBody>
+      </p:sp>
+      <p:sp>
+        <p:nvSpPr>
+          <p:cNvPr id="121" name="Номер слайда 8">
+            <a:extLst>
+              <a:ext uri="{FF2B5EF4-FFF2-40B4-BE49-F238E27FC236}">
+                <a16:creationId xmlns:a16="http://schemas.microsoft.com/office/drawing/2014/main" id="{53F84418-E4D6-E2A5-3E0F-A9A56B4FC5BE}"/>
+              </a:ext>
+            </a:extLst>
+          </p:cNvPr>
+          <p:cNvSpPr txBox="1">
+            <a:spLocks/>
+          </p:cNvSpPr>
+          <p:nvPr/>
+        </p:nvSpPr>
+        <p:spPr>
+          <a:xfrm>
+            <a:off x="-20944" y="3319545"/>
+            <a:ext cx="527293" cy="137203"/>
+          </a:xfrm>
+          <a:prstGeom prst="rect">
+            <a:avLst/>
+          </a:prstGeom>
+        </p:spPr>
+        <p:txBody>
+          <a:bodyPr lIns="0" tIns="0" rIns="0" bIns="0"/>
+          <a:lstStyle>
+            <a:defPPr>
+              <a:defRPr lang="ru-RU"/>
+            </a:defPPr>
+            <a:lvl1pPr marL="0" algn="l" defTabSz="914400" rtl="0" eaLnBrk="1" latinLnBrk="0" hangingPunct="1">
+              <a:defRPr sz="800" b="0" i="0" kern="1200">
+                <a:solidFill>
+                  <a:srgbClr val="00B050"/>
+                </a:solidFill>
+                <a:latin typeface="Times New Roman" panose="02020603050405020304" pitchFamily="18" charset="0"/>
+                <a:ea typeface="+mn-ea"/>
+                <a:cs typeface="Times New Roman" panose="02020603050405020304" pitchFamily="18" charset="0"/>
+              </a:defRPr>
+            </a:lvl1pPr>
+            <a:lvl2pPr marL="457200" algn="l" defTabSz="914400" rtl="0" eaLnBrk="1" latinLnBrk="0" hangingPunct="1">
+              <a:defRPr sz="1800" kern="1200">
+                <a:solidFill>
+                  <a:schemeClr val="tx1"/>
+                </a:solidFill>
+                <a:latin typeface="+mn-lt"/>
+                <a:ea typeface="+mn-ea"/>
+                <a:cs typeface="+mn-cs"/>
+              </a:defRPr>
+            </a:lvl2pPr>
+            <a:lvl3pPr marL="914400" algn="l" defTabSz="914400" rtl="0" eaLnBrk="1" latinLnBrk="0" hangingPunct="1">
+              <a:defRPr sz="1800" kern="1200">
+                <a:solidFill>
+                  <a:schemeClr val="tx1"/>
+                </a:solidFill>
+                <a:latin typeface="+mn-lt"/>
+                <a:ea typeface="+mn-ea"/>
+                <a:cs typeface="+mn-cs"/>
+              </a:defRPr>
+            </a:lvl3pPr>
+            <a:lvl4pPr marL="1371600" algn="l" defTabSz="914400" rtl="0" eaLnBrk="1" latinLnBrk="0" hangingPunct="1">
+              <a:defRPr sz="1800" kern="1200">
+                <a:solidFill>
+                  <a:schemeClr val="tx1"/>
+                </a:solidFill>
+                <a:latin typeface="+mn-lt"/>
+                <a:ea typeface="+mn-ea"/>
+                <a:cs typeface="+mn-cs"/>
+              </a:defRPr>
+            </a:lvl4pPr>
+            <a:lvl5pPr marL="1828800" algn="l" defTabSz="914400" rtl="0" eaLnBrk="1" latinLnBrk="0" hangingPunct="1">
+              <a:defRPr sz="1800" kern="1200">
+                <a:solidFill>
+                  <a:schemeClr val="tx1"/>
+                </a:solidFill>
+                <a:latin typeface="+mn-lt"/>
+                <a:ea typeface="+mn-ea"/>
+                <a:cs typeface="+mn-cs"/>
+              </a:defRPr>
+            </a:lvl5pPr>
+            <a:lvl6pPr marL="2286000" algn="l" defTabSz="914400" rtl="0" eaLnBrk="1" latinLnBrk="0" hangingPunct="1">
+              <a:defRPr sz="1800" kern="1200">
+                <a:solidFill>
+                  <a:schemeClr val="tx1"/>
+                </a:solidFill>
+                <a:latin typeface="+mn-lt"/>
+                <a:ea typeface="+mn-ea"/>
+                <a:cs typeface="+mn-cs"/>
+              </a:defRPr>
+            </a:lvl6pPr>
+            <a:lvl7pPr marL="2743200" algn="l" defTabSz="914400" rtl="0" eaLnBrk="1" latinLnBrk="0" hangingPunct="1">
+              <a:defRPr sz="1800" kern="1200">
+                <a:solidFill>
+                  <a:schemeClr val="tx1"/>
+                </a:solidFill>
+                <a:latin typeface="+mn-lt"/>
+                <a:ea typeface="+mn-ea"/>
+                <a:cs typeface="+mn-cs"/>
+              </a:defRPr>
+            </a:lvl7pPr>
+            <a:lvl8pPr marL="3200400" algn="l" defTabSz="914400" rtl="0" eaLnBrk="1" latinLnBrk="0" hangingPunct="1">
+              <a:defRPr sz="1800" kern="1200">
+                <a:solidFill>
+                  <a:schemeClr val="tx1"/>
+                </a:solidFill>
+                <a:latin typeface="+mn-lt"/>
+                <a:ea typeface="+mn-ea"/>
+                <a:cs typeface="+mn-cs"/>
+              </a:defRPr>
+            </a:lvl8pPr>
+            <a:lvl9pPr marL="3657600" algn="l" defTabSz="914400" rtl="0" eaLnBrk="1" latinLnBrk="0" hangingPunct="1">
+              <a:defRPr sz="1800" kern="1200">
+                <a:solidFill>
+                  <a:schemeClr val="tx1"/>
+                </a:solidFill>
+                <a:latin typeface="+mn-lt"/>
+                <a:ea typeface="+mn-ea"/>
+                <a:cs typeface="+mn-cs"/>
+              </a:defRPr>
+            </a:lvl9pPr>
+          </a:lstStyle>
+          <a:p>
+            <a:pPr marL="38100">
+              <a:spcBef>
+                <a:spcPts val="95"/>
+              </a:spcBef>
+            </a:pPr>
+            <a:fld id="{81D60167-4931-47E6-BA6A-407CBD079E47}" type="slidenum">
+              <a:rPr lang="ru-RU" spc="-5" smtClean="0">
+                <a:solidFill>
+                  <a:srgbClr val="0070C0"/>
+                </a:solidFill>
+              </a:rPr>
+              <a:pPr marL="38100">
+                <a:spcBef>
+                  <a:spcPts val="95"/>
+                </a:spcBef>
+              </a:pPr>
+              <a:t>7</a:t>
+            </a:fld>
+            <a:endParaRPr lang="ru-RU" spc="-5" dirty="0">
+              <a:solidFill>
+                <a:srgbClr val="0070C0"/>
+              </a:solidFill>
+            </a:endParaRPr>
+          </a:p>
+        </p:txBody>
+      </p:sp>
+      <p:sp>
+        <p:nvSpPr>
+          <p:cNvPr id="6" name="TextBox 5">
+            <a:extLst>
+              <a:ext uri="{FF2B5EF4-FFF2-40B4-BE49-F238E27FC236}">
+                <a16:creationId xmlns:a16="http://schemas.microsoft.com/office/drawing/2014/main" id="{A82E618F-93E9-3FFE-2139-C7EC37B333B9}"/>
+              </a:ext>
+            </a:extLst>
+          </p:cNvPr>
+          <p:cNvSpPr txBox="1"/>
+          <p:nvPr/>
+        </p:nvSpPr>
+        <p:spPr>
+          <a:xfrm>
+            <a:off x="0" y="-2933"/>
+            <a:ext cx="4621079" cy="215444"/>
+          </a:xfrm>
+          <a:prstGeom prst="rect">
+            <a:avLst/>
+          </a:prstGeom>
+          <a:solidFill>
+            <a:schemeClr val="accent1">
+              <a:alpha val="20000"/>
+            </a:schemeClr>
+          </a:solidFill>
+        </p:spPr>
+        <p:txBody>
+          <a:bodyPr wrap="square" rtlCol="0">
+            <a:spAutoFit/>
+          </a:bodyPr>
+          <a:lstStyle/>
+          <a:p>
+            <a:pPr algn="just"/>
+            <a:r>
+              <a:rPr lang="ru-RU" sz="800" dirty="0">
                 <a:solidFill>
                   <a:schemeClr val="bg1">
                     <a:lumMod val="75000"/>
@@ -13725,7 +15640,7 @@
                 <a:latin typeface="Times New Roman" panose="02020603050405020304" pitchFamily="18" charset="0"/>
                 <a:ea typeface="Calibri" panose="020F0502020204030204" pitchFamily="34" charset="0"/>
               </a:rPr>
-              <a:t>Рис. 2</a:t>
+              <a:t>Рис. 3</a:t>
             </a:r>
             <a:r>
               <a:rPr lang="en-US" sz="700" dirty="0">
@@ -13891,7 +15806,7 @@
 </p:sld>
 </file>
 
-<file path=ppt/slides/slide7.xml><?xml version="1.0" encoding="utf-8"?>
+<file path=ppt/slides/slide8.xml><?xml version="1.0" encoding="utf-8"?>
 <p:sld xmlns:a="http://schemas.openxmlformats.org/drawingml/2006/main" xmlns:r="http://schemas.openxmlformats.org/officeDocument/2006/relationships" xmlns:p="http://schemas.openxmlformats.org/presentationml/2006/main">
   <p:cSld>
     <p:spTree>
@@ -14153,7 +16068,7 @@
                   <a:spcPts val="95"/>
                 </a:spcBef>
               </a:pPr>
-              <a:t>7</a:t>
+              <a:t>8</a:t>
             </a:fld>
             <a:endParaRPr lang="ru-RU" spc="-5" dirty="0">
               <a:solidFill>
@@ -14546,7 +16461,7 @@
                 <a:latin typeface="Times New Roman" panose="02020603050405020304" pitchFamily="18" charset="0"/>
                 <a:cs typeface="Times New Roman" panose="02020603050405020304" pitchFamily="18" charset="0"/>
               </a:rPr>
-              <a:t>рис.3).</a:t>
+              <a:t>рис.4).</a:t>
             </a:r>
             <a:r>
               <a:rPr lang="en-US" sz="900" dirty="0">
@@ -14698,14 +16613,14 @@
                 <a:latin typeface="Times New Roman" panose="02020603050405020304" pitchFamily="18" charset="0"/>
                 <a:ea typeface="Calibri" panose="020F0502020204030204" pitchFamily="34" charset="0"/>
               </a:rPr>
-              <a:t>Рис. </a:t>
+              <a:t>Рис. 4</a:t>
             </a:r>
             <a:r>
               <a:rPr lang="en-US" sz="700" dirty="0">
                 <a:latin typeface="Times New Roman" panose="02020603050405020304" pitchFamily="18" charset="0"/>
                 <a:ea typeface="Calibri" panose="020F0502020204030204" pitchFamily="34" charset="0"/>
               </a:rPr>
-              <a:t>3.</a:t>
+              <a:t>.</a:t>
             </a:r>
             <a:r>
               <a:rPr lang="ru-RU" sz="700" dirty="0">
@@ -14778,7 +16693,7 @@
 </p:sld>
 </file>
 
-<file path=ppt/slides/slide8.xml><?xml version="1.0" encoding="utf-8"?>
+<file path=ppt/slides/slide9.xml><?xml version="1.0" encoding="utf-8"?>
 <p:sld xmlns:a="http://schemas.openxmlformats.org/drawingml/2006/main" xmlns:r="http://schemas.openxmlformats.org/officeDocument/2006/relationships" xmlns:p="http://schemas.openxmlformats.org/presentationml/2006/main" showMasterSp="0">
   <p:cSld>
     <p:spTree>
@@ -15040,7 +16955,7 @@
                   <a:spcPts val="95"/>
                 </a:spcBef>
               </a:pPr>
-              <a:t>8</a:t>
+              <a:t>9</a:t>
             </a:fld>
             <a:endParaRPr lang="ru-RU" spc="-5" dirty="0">
               <a:solidFill>
@@ -16017,1105 +17932,6 @@
     <p:extLst>
       <p:ext uri="{BB962C8B-B14F-4D97-AF65-F5344CB8AC3E}">
         <p14:creationId xmlns:p14="http://schemas.microsoft.com/office/powerpoint/2010/main" val="1836443309"/>
-      </p:ext>
-    </p:extLst>
-  </p:cSld>
-  <p:clrMapOvr>
-    <a:masterClrMapping/>
-  </p:clrMapOvr>
-  <p:transition>
-    <p:cut/>
-  </p:transition>
-</p:sld>
-</file>
-
-<file path=ppt/slides/slide9.xml><?xml version="1.0" encoding="utf-8"?>
-<p:sld xmlns:a="http://schemas.openxmlformats.org/drawingml/2006/main" xmlns:r="http://schemas.openxmlformats.org/officeDocument/2006/relationships" xmlns:p="http://schemas.openxmlformats.org/presentationml/2006/main">
-  <p:cSld>
-    <p:spTree>
-      <p:nvGrpSpPr>
-        <p:cNvPr id="1" name=""/>
-        <p:cNvGrpSpPr/>
-        <p:nvPr/>
-      </p:nvGrpSpPr>
-      <p:grpSpPr>
-        <a:xfrm>
-          <a:off x="0" y="0"/>
-          <a:ext cx="0" cy="0"/>
-          <a:chOff x="0" y="0"/>
-          <a:chExt cx="0" cy="0"/>
-        </a:xfrm>
-      </p:grpSpPr>
-      <p:pic>
-        <p:nvPicPr>
-          <p:cNvPr id="20" name="Рисунок 19">
-            <a:extLst>
-              <a:ext uri="{FF2B5EF4-FFF2-40B4-BE49-F238E27FC236}">
-                <a16:creationId xmlns:a16="http://schemas.microsoft.com/office/drawing/2014/main" id="{DB225B04-0012-C570-B0A0-CBEC9431A485}"/>
-              </a:ext>
-            </a:extLst>
-          </p:cNvPr>
-          <p:cNvPicPr>
-            <a:picLocks noChangeAspect="1"/>
-          </p:cNvPicPr>
-          <p:nvPr/>
-        </p:nvPicPr>
-        <p:blipFill>
-          <a:blip r:embed="rId3"/>
-          <a:stretch>
-            <a:fillRect/>
-          </a:stretch>
-        </p:blipFill>
-        <p:spPr>
-          <a:xfrm>
-            <a:off x="3030298" y="2347113"/>
-            <a:ext cx="1386746" cy="403720"/>
-          </a:xfrm>
-          <a:prstGeom prst="rect">
-            <a:avLst/>
-          </a:prstGeom>
-        </p:spPr>
-      </p:pic>
-      <p:sp>
-        <p:nvSpPr>
-          <p:cNvPr id="10" name="Прямоугольник 9">
-            <a:extLst>
-              <a:ext uri="{FF2B5EF4-FFF2-40B4-BE49-F238E27FC236}">
-                <a16:creationId xmlns:a16="http://schemas.microsoft.com/office/drawing/2014/main" id="{55EDAC1E-5709-C743-4E51-119E1839A191}"/>
-              </a:ext>
-            </a:extLst>
-          </p:cNvPr>
-          <p:cNvSpPr/>
-          <p:nvPr/>
-        </p:nvSpPr>
-        <p:spPr>
-          <a:xfrm>
-            <a:off x="-20944" y="3295813"/>
-            <a:ext cx="4642023" cy="184666"/>
-          </a:xfrm>
-          <a:prstGeom prst="rect">
-            <a:avLst/>
-          </a:prstGeom>
-          <a:solidFill>
-            <a:schemeClr val="accent1">
-              <a:alpha val="20000"/>
-            </a:schemeClr>
-          </a:solidFill>
-          <a:ln>
-            <a:noFill/>
-          </a:ln>
-        </p:spPr>
-        <p:style>
-          <a:lnRef idx="2">
-            <a:schemeClr val="accent1">
-              <a:shade val="15000"/>
-            </a:schemeClr>
-          </a:lnRef>
-          <a:fillRef idx="1">
-            <a:schemeClr val="accent1"/>
-          </a:fillRef>
-          <a:effectRef idx="0">
-            <a:schemeClr val="accent1"/>
-          </a:effectRef>
-          <a:fontRef idx="minor">
-            <a:schemeClr val="lt1"/>
-          </a:fontRef>
-        </p:style>
-        <p:txBody>
-          <a:bodyPr rtlCol="0" anchor="ctr"/>
-          <a:lstStyle/>
-          <a:p>
-            <a:pPr algn="r"/>
-            <a:r>
-              <a:rPr lang="ru-RU" sz="800" b="1" dirty="0">
-                <a:solidFill>
-                  <a:schemeClr val="bg1">
-                    <a:lumMod val="50000"/>
-                  </a:schemeClr>
-                </a:solidFill>
-                <a:latin typeface="Times New Roman" panose="02020603050405020304" pitchFamily="18" charset="0"/>
-                <a:cs typeface="Times New Roman" panose="02020603050405020304" pitchFamily="18" charset="0"/>
-              </a:rPr>
-              <a:t>Разработка </a:t>
-            </a:r>
-            <a:r>
-              <a:rPr lang="ru-RU" sz="800" b="1" dirty="0" err="1">
-                <a:solidFill>
-                  <a:schemeClr val="bg1">
-                    <a:lumMod val="50000"/>
-                  </a:schemeClr>
-                </a:solidFill>
-                <a:latin typeface="Times New Roman" panose="02020603050405020304" pitchFamily="18" charset="0"/>
-                <a:cs typeface="Times New Roman" panose="02020603050405020304" pitchFamily="18" charset="0"/>
-              </a:rPr>
-              <a:t>web</a:t>
-            </a:r>
-            <a:r>
-              <a:rPr lang="ru-RU" sz="800" b="1" dirty="0">
-                <a:solidFill>
-                  <a:schemeClr val="bg1">
-                    <a:lumMod val="50000"/>
-                  </a:schemeClr>
-                </a:solidFill>
-                <a:latin typeface="Times New Roman" panose="02020603050405020304" pitchFamily="18" charset="0"/>
-                <a:cs typeface="Times New Roman" panose="02020603050405020304" pitchFamily="18" charset="0"/>
-              </a:rPr>
-              <a:t>-ориентированного ПО, реализующего автоматизированное построение</a:t>
-            </a:r>
-            <a:r>
-              <a:rPr lang="en-US" sz="800" b="1" dirty="0">
-                <a:solidFill>
-                  <a:schemeClr val="bg1">
-                    <a:lumMod val="50000"/>
-                  </a:schemeClr>
-                </a:solidFill>
-                <a:latin typeface="Times New Roman" panose="02020603050405020304" pitchFamily="18" charset="0"/>
-                <a:cs typeface="Times New Roman" panose="02020603050405020304" pitchFamily="18" charset="0"/>
-              </a:rPr>
-              <a:t> GUI</a:t>
-            </a:r>
-            <a:endParaRPr lang="ru-RU" sz="800" dirty="0">
-              <a:solidFill>
-                <a:schemeClr val="bg1">
-                  <a:lumMod val="50000"/>
-                </a:schemeClr>
-              </a:solidFill>
-            </a:endParaRPr>
-          </a:p>
-        </p:txBody>
-      </p:sp>
-      <p:sp>
-        <p:nvSpPr>
-          <p:cNvPr id="121" name="Номер слайда 8">
-            <a:extLst>
-              <a:ext uri="{FF2B5EF4-FFF2-40B4-BE49-F238E27FC236}">
-                <a16:creationId xmlns:a16="http://schemas.microsoft.com/office/drawing/2014/main" id="{53F84418-E4D6-E2A5-3E0F-A9A56B4FC5BE}"/>
-              </a:ext>
-            </a:extLst>
-          </p:cNvPr>
-          <p:cNvSpPr txBox="1">
-            <a:spLocks/>
-          </p:cNvSpPr>
-          <p:nvPr/>
-        </p:nvSpPr>
-        <p:spPr>
-          <a:xfrm>
-            <a:off x="-20944" y="3319545"/>
-            <a:ext cx="527293" cy="137203"/>
-          </a:xfrm>
-          <a:prstGeom prst="rect">
-            <a:avLst/>
-          </a:prstGeom>
-        </p:spPr>
-        <p:txBody>
-          <a:bodyPr lIns="0" tIns="0" rIns="0" bIns="0"/>
-          <a:lstStyle>
-            <a:defPPr>
-              <a:defRPr lang="ru-RU"/>
-            </a:defPPr>
-            <a:lvl1pPr marL="0" algn="l" defTabSz="914400" rtl="0" eaLnBrk="1" latinLnBrk="0" hangingPunct="1">
-              <a:defRPr sz="800" b="0" i="0" kern="1200">
-                <a:solidFill>
-                  <a:srgbClr val="00B050"/>
-                </a:solidFill>
-                <a:latin typeface="Times New Roman" panose="02020603050405020304" pitchFamily="18" charset="0"/>
-                <a:ea typeface="+mn-ea"/>
-                <a:cs typeface="Times New Roman" panose="02020603050405020304" pitchFamily="18" charset="0"/>
-              </a:defRPr>
-            </a:lvl1pPr>
-            <a:lvl2pPr marL="457200" algn="l" defTabSz="914400" rtl="0" eaLnBrk="1" latinLnBrk="0" hangingPunct="1">
-              <a:defRPr sz="1800" kern="1200">
-                <a:solidFill>
-                  <a:schemeClr val="tx1"/>
-                </a:solidFill>
-                <a:latin typeface="+mn-lt"/>
-                <a:ea typeface="+mn-ea"/>
-                <a:cs typeface="+mn-cs"/>
-              </a:defRPr>
-            </a:lvl2pPr>
-            <a:lvl3pPr marL="914400" algn="l" defTabSz="914400" rtl="0" eaLnBrk="1" latinLnBrk="0" hangingPunct="1">
-              <a:defRPr sz="1800" kern="1200">
-                <a:solidFill>
-                  <a:schemeClr val="tx1"/>
-                </a:solidFill>
-                <a:latin typeface="+mn-lt"/>
-                <a:ea typeface="+mn-ea"/>
-                <a:cs typeface="+mn-cs"/>
-              </a:defRPr>
-            </a:lvl3pPr>
-            <a:lvl4pPr marL="1371600" algn="l" defTabSz="914400" rtl="0" eaLnBrk="1" latinLnBrk="0" hangingPunct="1">
-              <a:defRPr sz="1800" kern="1200">
-                <a:solidFill>
-                  <a:schemeClr val="tx1"/>
-                </a:solidFill>
-                <a:latin typeface="+mn-lt"/>
-                <a:ea typeface="+mn-ea"/>
-                <a:cs typeface="+mn-cs"/>
-              </a:defRPr>
-            </a:lvl4pPr>
-            <a:lvl5pPr marL="1828800" algn="l" defTabSz="914400" rtl="0" eaLnBrk="1" latinLnBrk="0" hangingPunct="1">
-              <a:defRPr sz="1800" kern="1200">
-                <a:solidFill>
-                  <a:schemeClr val="tx1"/>
-                </a:solidFill>
-                <a:latin typeface="+mn-lt"/>
-                <a:ea typeface="+mn-ea"/>
-                <a:cs typeface="+mn-cs"/>
-              </a:defRPr>
-            </a:lvl5pPr>
-            <a:lvl6pPr marL="2286000" algn="l" defTabSz="914400" rtl="0" eaLnBrk="1" latinLnBrk="0" hangingPunct="1">
-              <a:defRPr sz="1800" kern="1200">
-                <a:solidFill>
-                  <a:schemeClr val="tx1"/>
-                </a:solidFill>
-                <a:latin typeface="+mn-lt"/>
-                <a:ea typeface="+mn-ea"/>
-                <a:cs typeface="+mn-cs"/>
-              </a:defRPr>
-            </a:lvl6pPr>
-            <a:lvl7pPr marL="2743200" algn="l" defTabSz="914400" rtl="0" eaLnBrk="1" latinLnBrk="0" hangingPunct="1">
-              <a:defRPr sz="1800" kern="1200">
-                <a:solidFill>
-                  <a:schemeClr val="tx1"/>
-                </a:solidFill>
-                <a:latin typeface="+mn-lt"/>
-                <a:ea typeface="+mn-ea"/>
-                <a:cs typeface="+mn-cs"/>
-              </a:defRPr>
-            </a:lvl7pPr>
-            <a:lvl8pPr marL="3200400" algn="l" defTabSz="914400" rtl="0" eaLnBrk="1" latinLnBrk="0" hangingPunct="1">
-              <a:defRPr sz="1800" kern="1200">
-                <a:solidFill>
-                  <a:schemeClr val="tx1"/>
-                </a:solidFill>
-                <a:latin typeface="+mn-lt"/>
-                <a:ea typeface="+mn-ea"/>
-                <a:cs typeface="+mn-cs"/>
-              </a:defRPr>
-            </a:lvl8pPr>
-            <a:lvl9pPr marL="3657600" algn="l" defTabSz="914400" rtl="0" eaLnBrk="1" latinLnBrk="0" hangingPunct="1">
-              <a:defRPr sz="1800" kern="1200">
-                <a:solidFill>
-                  <a:schemeClr val="tx1"/>
-                </a:solidFill>
-                <a:latin typeface="+mn-lt"/>
-                <a:ea typeface="+mn-ea"/>
-                <a:cs typeface="+mn-cs"/>
-              </a:defRPr>
-            </a:lvl9pPr>
-          </a:lstStyle>
-          <a:p>
-            <a:pPr marL="38100">
-              <a:spcBef>
-                <a:spcPts val="95"/>
-              </a:spcBef>
-            </a:pPr>
-            <a:fld id="{81D60167-4931-47E6-BA6A-407CBD079E47}" type="slidenum">
-              <a:rPr lang="ru-RU" spc="-5" smtClean="0">
-                <a:solidFill>
-                  <a:srgbClr val="0070C0"/>
-                </a:solidFill>
-              </a:rPr>
-              <a:pPr marL="38100">
-                <a:spcBef>
-                  <a:spcPts val="95"/>
-                </a:spcBef>
-              </a:pPr>
-              <a:t>9</a:t>
-            </a:fld>
-            <a:endParaRPr lang="ru-RU" spc="-5" dirty="0">
-              <a:solidFill>
-                <a:srgbClr val="0070C0"/>
-              </a:solidFill>
-            </a:endParaRPr>
-          </a:p>
-        </p:txBody>
-      </p:sp>
-      <p:sp>
-        <p:nvSpPr>
-          <p:cNvPr id="6" name="TextBox 5">
-            <a:extLst>
-              <a:ext uri="{FF2B5EF4-FFF2-40B4-BE49-F238E27FC236}">
-                <a16:creationId xmlns:a16="http://schemas.microsoft.com/office/drawing/2014/main" id="{A82E618F-93E9-3FFE-2139-C7EC37B333B9}"/>
-              </a:ext>
-            </a:extLst>
-          </p:cNvPr>
-          <p:cNvSpPr txBox="1"/>
-          <p:nvPr/>
-        </p:nvSpPr>
-        <p:spPr>
-          <a:xfrm>
-            <a:off x="0" y="-2933"/>
-            <a:ext cx="4621079" cy="215444"/>
-          </a:xfrm>
-          <a:prstGeom prst="rect">
-            <a:avLst/>
-          </a:prstGeom>
-          <a:solidFill>
-            <a:schemeClr val="accent1">
-              <a:alpha val="20000"/>
-            </a:schemeClr>
-          </a:solidFill>
-        </p:spPr>
-        <p:txBody>
-          <a:bodyPr wrap="square" rtlCol="0">
-            <a:spAutoFit/>
-          </a:bodyPr>
-          <a:lstStyle/>
-          <a:p>
-            <a:pPr algn="just"/>
-            <a:r>
-              <a:rPr lang="ru-RU" sz="800" dirty="0">
-                <a:solidFill>
-                  <a:schemeClr val="bg1">
-                    <a:lumMod val="75000"/>
-                  </a:schemeClr>
-                </a:solidFill>
-                <a:latin typeface="Times New Roman" panose="02020603050405020304" pitchFamily="18" charset="0"/>
-                <a:cs typeface="Times New Roman" panose="02020603050405020304" pitchFamily="18" charset="0"/>
-              </a:rPr>
-              <a:t>Введение</a:t>
-            </a:r>
-            <a:r>
-              <a:rPr lang="ru-RU" sz="800" dirty="0">
-                <a:latin typeface="Times New Roman" panose="02020603050405020304" pitchFamily="18" charset="0"/>
-                <a:cs typeface="Times New Roman" panose="02020603050405020304" pitchFamily="18" charset="0"/>
-              </a:rPr>
-              <a:t> </a:t>
-            </a:r>
-            <a:r>
-              <a:rPr lang="en-US" sz="800" dirty="0">
-                <a:solidFill>
-                  <a:schemeClr val="bg1">
-                    <a:lumMod val="75000"/>
-                  </a:schemeClr>
-                </a:solidFill>
-                <a:latin typeface="Times New Roman" panose="02020603050405020304" pitchFamily="18" charset="0"/>
-                <a:cs typeface="Times New Roman" panose="02020603050405020304" pitchFamily="18" charset="0"/>
-              </a:rPr>
-              <a:t>| </a:t>
-            </a:r>
-            <a:r>
-              <a:rPr lang="ru-RU" sz="800" dirty="0">
-                <a:solidFill>
-                  <a:schemeClr val="bg1">
-                    <a:lumMod val="75000"/>
-                  </a:schemeClr>
-                </a:solidFill>
-                <a:latin typeface="Times New Roman" panose="02020603050405020304" pitchFamily="18" charset="0"/>
-                <a:cs typeface="Times New Roman" panose="02020603050405020304" pitchFamily="18" charset="0"/>
-              </a:rPr>
-              <a:t>Постановка задачи</a:t>
-            </a:r>
-            <a:r>
-              <a:rPr lang="en-US" sz="800" dirty="0">
-                <a:solidFill>
-                  <a:schemeClr val="bg1">
-                    <a:lumMod val="75000"/>
-                  </a:schemeClr>
-                </a:solidFill>
-                <a:latin typeface="Times New Roman" panose="02020603050405020304" pitchFamily="18" charset="0"/>
-                <a:cs typeface="Times New Roman" panose="02020603050405020304" pitchFamily="18" charset="0"/>
-              </a:rPr>
-              <a:t> | </a:t>
-            </a:r>
-            <a:r>
-              <a:rPr lang="ru-RU" sz="800" dirty="0">
-                <a:latin typeface="Times New Roman" panose="02020603050405020304" pitchFamily="18" charset="0"/>
-                <a:cs typeface="Times New Roman" panose="02020603050405020304" pitchFamily="18" charset="0"/>
-              </a:rPr>
-              <a:t>Программная реализация </a:t>
-            </a:r>
-            <a:r>
-              <a:rPr lang="en-US" sz="800" dirty="0">
-                <a:solidFill>
-                  <a:schemeClr val="bg1">
-                    <a:lumMod val="75000"/>
-                  </a:schemeClr>
-                </a:solidFill>
-                <a:latin typeface="Times New Roman" panose="02020603050405020304" pitchFamily="18" charset="0"/>
-                <a:cs typeface="Times New Roman" panose="02020603050405020304" pitchFamily="18" charset="0"/>
-              </a:rPr>
-              <a:t>|</a:t>
-            </a:r>
-            <a:r>
-              <a:rPr lang="ru-RU" sz="800" dirty="0">
-                <a:solidFill>
-                  <a:schemeClr val="bg1">
-                    <a:lumMod val="75000"/>
-                  </a:schemeClr>
-                </a:solidFill>
-                <a:latin typeface="Times New Roman" panose="02020603050405020304" pitchFamily="18" charset="0"/>
-                <a:cs typeface="Times New Roman" panose="02020603050405020304" pitchFamily="18" charset="0"/>
-              </a:rPr>
-              <a:t> Тестирование</a:t>
-            </a:r>
-            <a:r>
-              <a:rPr lang="en-US" sz="800" dirty="0">
-                <a:solidFill>
-                  <a:schemeClr val="bg1">
-                    <a:lumMod val="75000"/>
-                  </a:schemeClr>
-                </a:solidFill>
-                <a:latin typeface="Times New Roman" panose="02020603050405020304" pitchFamily="18" charset="0"/>
-                <a:cs typeface="Times New Roman" panose="02020603050405020304" pitchFamily="18" charset="0"/>
-              </a:rPr>
-              <a:t> |</a:t>
-            </a:r>
-            <a:r>
-              <a:rPr lang="ru-RU" sz="800" dirty="0">
-                <a:solidFill>
-                  <a:schemeClr val="bg1">
-                    <a:lumMod val="75000"/>
-                  </a:schemeClr>
-                </a:solidFill>
-                <a:latin typeface="Times New Roman" panose="02020603050405020304" pitchFamily="18" charset="0"/>
-                <a:cs typeface="Times New Roman" panose="02020603050405020304" pitchFamily="18" charset="0"/>
-              </a:rPr>
-              <a:t> Заключение</a:t>
-            </a:r>
-          </a:p>
-        </p:txBody>
-      </p:sp>
-      <p:cxnSp>
-        <p:nvCxnSpPr>
-          <p:cNvPr id="8" name="Прямая соединительная линия 7">
-            <a:extLst>
-              <a:ext uri="{FF2B5EF4-FFF2-40B4-BE49-F238E27FC236}">
-                <a16:creationId xmlns:a16="http://schemas.microsoft.com/office/drawing/2014/main" id="{9340E07A-1BB8-B06B-21A9-F756DAB4CBD0}"/>
-              </a:ext>
-            </a:extLst>
-          </p:cNvPr>
-          <p:cNvCxnSpPr>
-            <a:cxnSpLocks/>
-          </p:cNvCxnSpPr>
-          <p:nvPr/>
-        </p:nvCxnSpPr>
-        <p:spPr>
-          <a:xfrm>
-            <a:off x="196936" y="511175"/>
-            <a:ext cx="4216227" cy="0"/>
-          </a:xfrm>
-          <a:prstGeom prst="line">
-            <a:avLst/>
-          </a:prstGeom>
-          <a:ln>
-            <a:solidFill>
-              <a:srgbClr val="0070C0"/>
-            </a:solidFill>
-          </a:ln>
-        </p:spPr>
-        <p:style>
-          <a:lnRef idx="1">
-            <a:schemeClr val="accent1"/>
-          </a:lnRef>
-          <a:fillRef idx="0">
-            <a:schemeClr val="accent1"/>
-          </a:fillRef>
-          <a:effectRef idx="0">
-            <a:schemeClr val="accent1"/>
-          </a:effectRef>
-          <a:fontRef idx="minor">
-            <a:schemeClr val="tx1"/>
-          </a:fontRef>
-        </p:style>
-      </p:cxnSp>
-      <p:sp>
-        <p:nvSpPr>
-          <p:cNvPr id="11" name="TextBox 10">
-            <a:extLst>
-              <a:ext uri="{FF2B5EF4-FFF2-40B4-BE49-F238E27FC236}">
-                <a16:creationId xmlns:a16="http://schemas.microsoft.com/office/drawing/2014/main" id="{83E62AD0-4065-8716-0696-260FE2498485}"/>
-              </a:ext>
-            </a:extLst>
-          </p:cNvPr>
-          <p:cNvSpPr txBox="1"/>
-          <p:nvPr/>
-        </p:nvSpPr>
-        <p:spPr>
-          <a:xfrm>
-            <a:off x="196936" y="2408608"/>
-            <a:ext cx="2641514" cy="338554"/>
-          </a:xfrm>
-          <a:prstGeom prst="rect">
-            <a:avLst/>
-          </a:prstGeom>
-          <a:ln w="9525"/>
-        </p:spPr>
-        <p:style>
-          <a:lnRef idx="2">
-            <a:schemeClr val="dk1"/>
-          </a:lnRef>
-          <a:fillRef idx="1">
-            <a:schemeClr val="lt1"/>
-          </a:fillRef>
-          <a:effectRef idx="0">
-            <a:schemeClr val="dk1"/>
-          </a:effectRef>
-          <a:fontRef idx="minor">
-            <a:schemeClr val="dk1"/>
-          </a:fontRef>
-        </p:style>
-        <p:txBody>
-          <a:bodyPr wrap="square">
-            <a:spAutoFit/>
-          </a:bodyPr>
-          <a:lstStyle/>
-          <a:p>
-            <a:pPr algn="just"/>
-            <a:r>
-              <a:rPr lang="en-US" sz="800" dirty="0">
-                <a:solidFill>
-                  <a:schemeClr val="tx1"/>
-                </a:solidFill>
-                <a:latin typeface="Consolas" panose="020B0609020204030204" pitchFamily="49" charset="0"/>
-                <a:cs typeface="Courier New" panose="02070309020205020404" pitchFamily="49" charset="0"/>
-              </a:rPr>
-              <a:t>&lt;p&gt;&lt;b&gt;</a:t>
-            </a:r>
-            <a:r>
-              <a:rPr lang="ru-RU" sz="800" dirty="0">
-                <a:solidFill>
-                  <a:schemeClr val="accent1"/>
-                </a:solidFill>
-                <a:latin typeface="Consolas" panose="020B0609020204030204" pitchFamily="49" charset="0"/>
-                <a:cs typeface="Courier New" panose="02070309020205020404" pitchFamily="49" charset="0"/>
-              </a:rPr>
-              <a:t>Параметр </a:t>
-            </a:r>
-            <a:r>
-              <a:rPr lang="en-US" sz="800" dirty="0">
-                <a:solidFill>
-                  <a:schemeClr val="accent1"/>
-                </a:solidFill>
-                <a:latin typeface="Consolas" panose="020B0609020204030204" pitchFamily="49" charset="0"/>
-                <a:cs typeface="Courier New" panose="02070309020205020404" pitchFamily="49" charset="0"/>
-              </a:rPr>
-              <a:t>X</a:t>
-            </a:r>
-            <a:r>
-              <a:rPr lang="en-US" sz="800" dirty="0">
-                <a:solidFill>
-                  <a:schemeClr val="tx1"/>
-                </a:solidFill>
-                <a:latin typeface="Consolas" panose="020B0609020204030204" pitchFamily="49" charset="0"/>
-                <a:cs typeface="Courier New" panose="02070309020205020404" pitchFamily="49" charset="0"/>
-              </a:rPr>
-              <a:t>&lt;/b&gt;&lt;</a:t>
-            </a:r>
-            <a:r>
-              <a:rPr lang="en-US" sz="800" dirty="0" err="1">
-                <a:solidFill>
-                  <a:schemeClr val="tx1"/>
-                </a:solidFill>
-                <a:latin typeface="Consolas" panose="020B0609020204030204" pitchFamily="49" charset="0"/>
-                <a:cs typeface="Courier New" panose="02070309020205020404" pitchFamily="49" charset="0"/>
-              </a:rPr>
-              <a:t>br</a:t>
-            </a:r>
-            <a:r>
-              <a:rPr lang="en-US" sz="800" dirty="0">
-                <a:solidFill>
-                  <a:schemeClr val="tx1"/>
-                </a:solidFill>
-                <a:latin typeface="Consolas" panose="020B0609020204030204" pitchFamily="49" charset="0"/>
-                <a:cs typeface="Courier New" panose="02070309020205020404" pitchFamily="49" charset="0"/>
-              </a:rPr>
-              <a:t>&gt;</a:t>
-            </a:r>
-          </a:p>
-          <a:p>
-            <a:r>
-              <a:rPr lang="en-US" sz="800" dirty="0">
-                <a:solidFill>
-                  <a:schemeClr val="tx1"/>
-                </a:solidFill>
-                <a:latin typeface="Consolas" panose="020B0609020204030204" pitchFamily="49" charset="0"/>
-                <a:cs typeface="Courier New" panose="02070309020205020404" pitchFamily="49" charset="0"/>
-              </a:rPr>
-              <a:t>&lt;input type="text" name="</a:t>
-            </a:r>
-            <a:r>
-              <a:rPr lang="en-US" sz="800" dirty="0">
-                <a:solidFill>
-                  <a:schemeClr val="accent1"/>
-                </a:solidFill>
-                <a:latin typeface="Consolas" panose="020B0609020204030204" pitchFamily="49" charset="0"/>
-                <a:cs typeface="Courier New" panose="02070309020205020404" pitchFamily="49" charset="0"/>
-              </a:rPr>
-              <a:t>x</a:t>
-            </a:r>
-            <a:r>
-              <a:rPr lang="en-US" sz="800" dirty="0">
-                <a:solidFill>
-                  <a:schemeClr val="tx1"/>
-                </a:solidFill>
-                <a:latin typeface="Consolas" panose="020B0609020204030204" pitchFamily="49" charset="0"/>
-                <a:cs typeface="Courier New" panose="02070309020205020404" pitchFamily="49" charset="0"/>
-              </a:rPr>
-              <a:t>"</a:t>
-            </a:r>
-            <a:r>
-              <a:rPr lang="ru-RU" sz="800" dirty="0">
-                <a:solidFill>
-                  <a:schemeClr val="tx1"/>
-                </a:solidFill>
-                <a:latin typeface="Consolas" panose="020B0609020204030204" pitchFamily="49" charset="0"/>
-                <a:cs typeface="Courier New" panose="02070309020205020404" pitchFamily="49" charset="0"/>
-              </a:rPr>
-              <a:t> </a:t>
-            </a:r>
-            <a:r>
-              <a:rPr lang="en-US" sz="800" dirty="0">
-                <a:solidFill>
-                  <a:schemeClr val="tx1"/>
-                </a:solidFill>
-                <a:latin typeface="Consolas" panose="020B0609020204030204" pitchFamily="49" charset="0"/>
-                <a:cs typeface="Courier New" panose="02070309020205020404" pitchFamily="49" charset="0"/>
-              </a:rPr>
-              <a:t>value="</a:t>
-            </a:r>
-            <a:r>
-              <a:rPr lang="en-US" sz="800" dirty="0">
-                <a:solidFill>
-                  <a:schemeClr val="accent1"/>
-                </a:solidFill>
-                <a:latin typeface="Consolas" panose="020B0609020204030204" pitchFamily="49" charset="0"/>
-                <a:cs typeface="Courier New" panose="02070309020205020404" pitchFamily="49" charset="0"/>
-              </a:rPr>
-              <a:t>25</a:t>
-            </a:r>
-            <a:r>
-              <a:rPr lang="en-US" sz="800" dirty="0">
-                <a:solidFill>
-                  <a:schemeClr val="tx1"/>
-                </a:solidFill>
-                <a:latin typeface="Consolas" panose="020B0609020204030204" pitchFamily="49" charset="0"/>
-                <a:cs typeface="Courier New" panose="02070309020205020404" pitchFamily="49" charset="0"/>
-              </a:rPr>
-              <a:t>"&gt;&lt;/p&gt;</a:t>
-            </a:r>
-          </a:p>
-        </p:txBody>
-      </p:sp>
-      <p:sp>
-        <p:nvSpPr>
-          <p:cNvPr id="16" name="TextBox 15">
-            <a:extLst>
-              <a:ext uri="{FF2B5EF4-FFF2-40B4-BE49-F238E27FC236}">
-                <a16:creationId xmlns:a16="http://schemas.microsoft.com/office/drawing/2014/main" id="{8B1B0506-F3AE-8567-DCC3-278298CAB316}"/>
-              </a:ext>
-            </a:extLst>
-          </p:cNvPr>
-          <p:cNvSpPr txBox="1"/>
-          <p:nvPr/>
-        </p:nvSpPr>
-        <p:spPr>
-          <a:xfrm>
-            <a:off x="196936" y="513636"/>
-            <a:ext cx="4216226" cy="923330"/>
-          </a:xfrm>
-          <a:prstGeom prst="rect">
-            <a:avLst/>
-          </a:prstGeom>
-          <a:noFill/>
-        </p:spPr>
-        <p:txBody>
-          <a:bodyPr wrap="square">
-            <a:spAutoFit/>
-          </a:bodyPr>
-          <a:lstStyle/>
-          <a:p>
-            <a:pPr algn="just"/>
-            <a:r>
-              <a:rPr lang="ru-RU" sz="900" dirty="0">
-                <a:latin typeface="Times New Roman" panose="02020603050405020304" pitchFamily="18" charset="0"/>
-                <a:cs typeface="Times New Roman" panose="02020603050405020304" pitchFamily="18" charset="0"/>
-              </a:rPr>
-              <a:t>В зависимости от того, какая строка распознана, вызывается соответствующая функция, генерирующая HTML-код элемента интерфейса.</a:t>
-            </a:r>
-          </a:p>
-          <a:p>
-            <a:pPr algn="just"/>
-            <a:endParaRPr lang="ru-RU" sz="900" dirty="0">
-              <a:latin typeface="Times New Roman" panose="02020603050405020304" pitchFamily="18" charset="0"/>
-              <a:cs typeface="Times New Roman" panose="02020603050405020304" pitchFamily="18" charset="0"/>
-            </a:endParaRPr>
-          </a:p>
-          <a:p>
-            <a:pPr algn="just"/>
-            <a:r>
-              <a:rPr lang="ru-RU" sz="900" dirty="0">
-                <a:latin typeface="Times New Roman" panose="02020603050405020304" pitchFamily="18" charset="0"/>
-                <a:cs typeface="Times New Roman" panose="02020603050405020304" pitchFamily="18" charset="0"/>
-              </a:rPr>
-              <a:t>На основе выделенных </a:t>
-            </a:r>
-            <a:r>
-              <a:rPr lang="ru-RU" sz="900" dirty="0">
-                <a:solidFill>
-                  <a:schemeClr val="accent1"/>
-                </a:solidFill>
-                <a:latin typeface="Times New Roman" panose="02020603050405020304" pitchFamily="18" charset="0"/>
-                <a:cs typeface="Times New Roman" panose="02020603050405020304" pitchFamily="18" charset="0"/>
-              </a:rPr>
-              <a:t>синим</a:t>
-            </a:r>
-            <a:r>
-              <a:rPr lang="ru-RU" sz="900" dirty="0">
-                <a:latin typeface="Times New Roman" panose="02020603050405020304" pitchFamily="18" charset="0"/>
-                <a:cs typeface="Times New Roman" panose="02020603050405020304" pitchFamily="18" charset="0"/>
-              </a:rPr>
-              <a:t> цветом данных из представленного </a:t>
-            </a:r>
-            <a:r>
-              <a:rPr lang="ru-RU" sz="900" dirty="0" err="1">
-                <a:latin typeface="Times New Roman" panose="02020603050405020304" pitchFamily="18" charset="0"/>
-                <a:cs typeface="Times New Roman" panose="02020603050405020304" pitchFamily="18" charset="0"/>
-              </a:rPr>
-              <a:t>aINI</a:t>
-            </a:r>
-            <a:r>
-              <a:rPr lang="ru-RU" sz="900" dirty="0">
-                <a:latin typeface="Times New Roman" panose="02020603050405020304" pitchFamily="18" charset="0"/>
-                <a:cs typeface="Times New Roman" panose="02020603050405020304" pitchFamily="18" charset="0"/>
-              </a:rPr>
-              <a:t>-кода (листинг 2) будет записан HTML-код элемента поля ввода (листинг 3), а на рисунке 4 представлено это поле ввода на странице.  </a:t>
-            </a:r>
-          </a:p>
-        </p:txBody>
-      </p:sp>
-      <p:sp>
-        <p:nvSpPr>
-          <p:cNvPr id="19" name="TextBox 18">
-            <a:extLst>
-              <a:ext uri="{FF2B5EF4-FFF2-40B4-BE49-F238E27FC236}">
-                <a16:creationId xmlns:a16="http://schemas.microsoft.com/office/drawing/2014/main" id="{5AA035EE-9173-92B7-CE60-9094CABE10F6}"/>
-              </a:ext>
-            </a:extLst>
-          </p:cNvPr>
-          <p:cNvSpPr txBox="1"/>
-          <p:nvPr/>
-        </p:nvSpPr>
-        <p:spPr>
-          <a:xfrm>
-            <a:off x="196936" y="2744953"/>
-            <a:ext cx="2641514" cy="200055"/>
-          </a:xfrm>
-          <a:prstGeom prst="rect">
-            <a:avLst/>
-          </a:prstGeom>
-          <a:noFill/>
-        </p:spPr>
-        <p:txBody>
-          <a:bodyPr wrap="square">
-            <a:spAutoFit/>
-          </a:bodyPr>
-          <a:lstStyle/>
-          <a:p>
-            <a:pPr algn="just"/>
-            <a:r>
-              <a:rPr lang="ru-RU" sz="700" dirty="0">
-                <a:latin typeface="Times New Roman" panose="02020603050405020304" pitchFamily="18" charset="0"/>
-                <a:ea typeface="Calibri" panose="020F0502020204030204" pitchFamily="34" charset="0"/>
-              </a:rPr>
-              <a:t>Листинг 3. Сгенерированный </a:t>
-            </a:r>
-            <a:r>
-              <a:rPr lang="en-US" sz="700" dirty="0">
-                <a:latin typeface="Times New Roman" panose="02020603050405020304" pitchFamily="18" charset="0"/>
-                <a:ea typeface="Calibri" panose="020F0502020204030204" pitchFamily="34" charset="0"/>
-              </a:rPr>
-              <a:t>HTML-</a:t>
-            </a:r>
-            <a:r>
-              <a:rPr lang="ru-RU" sz="700" dirty="0">
-                <a:latin typeface="Times New Roman" panose="02020603050405020304" pitchFamily="18" charset="0"/>
-                <a:ea typeface="Calibri" panose="020F0502020204030204" pitchFamily="34" charset="0"/>
-              </a:rPr>
-              <a:t>код элемента интерфейса  </a:t>
-            </a:r>
-            <a:endParaRPr lang="ru-RU" sz="700" dirty="0"/>
-          </a:p>
-        </p:txBody>
-      </p:sp>
-      <p:sp>
-        <p:nvSpPr>
-          <p:cNvPr id="21" name="TextBox 20">
-            <a:extLst>
-              <a:ext uri="{FF2B5EF4-FFF2-40B4-BE49-F238E27FC236}">
-                <a16:creationId xmlns:a16="http://schemas.microsoft.com/office/drawing/2014/main" id="{B874B816-3142-1B56-2269-48ADE80FF78D}"/>
-              </a:ext>
-            </a:extLst>
-          </p:cNvPr>
-          <p:cNvSpPr txBox="1"/>
-          <p:nvPr/>
-        </p:nvSpPr>
-        <p:spPr>
-          <a:xfrm>
-            <a:off x="3030298" y="2744953"/>
-            <a:ext cx="1386746" cy="307777"/>
-          </a:xfrm>
-          <a:prstGeom prst="rect">
-            <a:avLst/>
-          </a:prstGeom>
-          <a:noFill/>
-        </p:spPr>
-        <p:txBody>
-          <a:bodyPr wrap="square">
-            <a:spAutoFit/>
-          </a:bodyPr>
-          <a:lstStyle/>
-          <a:p>
-            <a:pPr algn="ctr"/>
-            <a:r>
-              <a:rPr lang="ru-RU" sz="700" dirty="0">
-                <a:latin typeface="Times New Roman" panose="02020603050405020304" pitchFamily="18" charset="0"/>
-                <a:ea typeface="Calibri" panose="020F0502020204030204" pitchFamily="34" charset="0"/>
-              </a:rPr>
-              <a:t>Рис. 4</a:t>
-            </a:r>
-            <a:r>
-              <a:rPr lang="en-US" sz="700" dirty="0">
-                <a:latin typeface="Times New Roman" panose="02020603050405020304" pitchFamily="18" charset="0"/>
-                <a:ea typeface="Calibri" panose="020F0502020204030204" pitchFamily="34" charset="0"/>
-              </a:rPr>
-              <a:t>. </a:t>
-            </a:r>
-            <a:r>
-              <a:rPr lang="ru-RU" sz="700" dirty="0">
-                <a:latin typeface="Times New Roman" panose="02020603050405020304" pitchFamily="18" charset="0"/>
-                <a:ea typeface="Calibri" panose="020F0502020204030204" pitchFamily="34" charset="0"/>
-              </a:rPr>
-              <a:t>Пример сгенерированного поля ввода</a:t>
-            </a:r>
-            <a:endParaRPr lang="ru-RU" sz="700" dirty="0"/>
-          </a:p>
-        </p:txBody>
-      </p:sp>
-      <p:sp>
-        <p:nvSpPr>
-          <p:cNvPr id="22" name="TextBox 21">
-            <a:extLst>
-              <a:ext uri="{FF2B5EF4-FFF2-40B4-BE49-F238E27FC236}">
-                <a16:creationId xmlns:a16="http://schemas.microsoft.com/office/drawing/2014/main" id="{9DA2649C-DD0C-C545-7D05-EC80C3D8C898}"/>
-              </a:ext>
-            </a:extLst>
-          </p:cNvPr>
-          <p:cNvSpPr txBox="1"/>
-          <p:nvPr/>
-        </p:nvSpPr>
-        <p:spPr>
-          <a:xfrm>
-            <a:off x="196936" y="1769276"/>
-            <a:ext cx="1488918" cy="307777"/>
-          </a:xfrm>
-          <a:prstGeom prst="rect">
-            <a:avLst/>
-          </a:prstGeom>
-          <a:noFill/>
-        </p:spPr>
-        <p:txBody>
-          <a:bodyPr wrap="square">
-            <a:spAutoFit/>
-          </a:bodyPr>
-          <a:lstStyle/>
-          <a:p>
-            <a:pPr algn="just"/>
-            <a:r>
-              <a:rPr lang="ru-RU" sz="700" dirty="0">
-                <a:latin typeface="Times New Roman" panose="02020603050405020304" pitchFamily="18" charset="0"/>
-                <a:ea typeface="Calibri" panose="020F0502020204030204" pitchFamily="34" charset="0"/>
-              </a:rPr>
-              <a:t>Листинг 2. Пример описания поля ввода в формате </a:t>
-            </a:r>
-            <a:r>
-              <a:rPr lang="en-US" sz="700" dirty="0" err="1">
-                <a:latin typeface="Times New Roman" panose="02020603050405020304" pitchFamily="18" charset="0"/>
-                <a:ea typeface="Calibri" panose="020F0502020204030204" pitchFamily="34" charset="0"/>
-              </a:rPr>
-              <a:t>aINI</a:t>
-            </a:r>
-            <a:endParaRPr lang="ru-RU" sz="700" dirty="0"/>
-          </a:p>
-        </p:txBody>
-      </p:sp>
-      <p:sp>
-        <p:nvSpPr>
-          <p:cNvPr id="23" name="TextBox 22">
-            <a:extLst>
-              <a:ext uri="{FF2B5EF4-FFF2-40B4-BE49-F238E27FC236}">
-                <a16:creationId xmlns:a16="http://schemas.microsoft.com/office/drawing/2014/main" id="{F8D5A86F-38E8-EA1D-E87B-D386D42C7A54}"/>
-              </a:ext>
-            </a:extLst>
-          </p:cNvPr>
-          <p:cNvSpPr txBox="1"/>
-          <p:nvPr/>
-        </p:nvSpPr>
-        <p:spPr>
-          <a:xfrm>
-            <a:off x="196936" y="1541549"/>
-            <a:ext cx="1488918" cy="230832"/>
-          </a:xfrm>
-          <a:prstGeom prst="rect">
-            <a:avLst/>
-          </a:prstGeom>
-          <a:ln w="9525"/>
-        </p:spPr>
-        <p:style>
-          <a:lnRef idx="2">
-            <a:schemeClr val="dk1"/>
-          </a:lnRef>
-          <a:fillRef idx="1">
-            <a:schemeClr val="lt1"/>
-          </a:fillRef>
-          <a:effectRef idx="0">
-            <a:schemeClr val="dk1"/>
-          </a:effectRef>
-          <a:fontRef idx="minor">
-            <a:schemeClr val="dk1"/>
-          </a:fontRef>
-        </p:style>
-        <p:txBody>
-          <a:bodyPr wrap="square">
-            <a:spAutoFit/>
-          </a:bodyPr>
-          <a:lstStyle/>
-          <a:p>
-            <a:pPr algn="ctr"/>
-            <a:r>
-              <a:rPr lang="en-US" sz="900" dirty="0">
-                <a:solidFill>
-                  <a:schemeClr val="accent1"/>
-                </a:solidFill>
-                <a:latin typeface="Consolas" panose="020B0609020204030204" pitchFamily="49" charset="0"/>
-                <a:cs typeface="Courier New" panose="02070309020205020404" pitchFamily="49" charset="0"/>
-              </a:rPr>
-              <a:t>x</a:t>
-            </a:r>
-            <a:r>
-              <a:rPr lang="en-US" sz="900" dirty="0">
-                <a:solidFill>
-                  <a:schemeClr val="tx1"/>
-                </a:solidFill>
-                <a:latin typeface="Consolas" panose="020B0609020204030204" pitchFamily="49" charset="0"/>
-                <a:cs typeface="Courier New" panose="02070309020205020404" pitchFamily="49" charset="0"/>
-              </a:rPr>
-              <a:t>=</a:t>
-            </a:r>
-            <a:r>
-              <a:rPr lang="en-US" sz="900" dirty="0">
-                <a:solidFill>
-                  <a:schemeClr val="accent1"/>
-                </a:solidFill>
-                <a:latin typeface="Consolas" panose="020B0609020204030204" pitchFamily="49" charset="0"/>
-                <a:cs typeface="Courier New" panose="02070309020205020404" pitchFamily="49" charset="0"/>
-              </a:rPr>
-              <a:t>12</a:t>
-            </a:r>
-            <a:r>
-              <a:rPr lang="en-US" sz="900" dirty="0">
-                <a:latin typeface="Consolas" panose="020B0609020204030204" pitchFamily="49" charset="0"/>
-                <a:cs typeface="Courier New" panose="02070309020205020404" pitchFamily="49" charset="0"/>
-              </a:rPr>
-              <a:t>//</a:t>
-            </a:r>
-            <a:r>
-              <a:rPr lang="ru-RU" sz="900" dirty="0">
-                <a:solidFill>
-                  <a:schemeClr val="accent1"/>
-                </a:solidFill>
-                <a:latin typeface="Consolas" panose="020B0609020204030204" pitchFamily="49" charset="0"/>
-                <a:cs typeface="Courier New" panose="02070309020205020404" pitchFamily="49" charset="0"/>
-              </a:rPr>
-              <a:t>Параметр </a:t>
-            </a:r>
-            <a:r>
-              <a:rPr lang="en-US" sz="900" dirty="0">
-                <a:solidFill>
-                  <a:schemeClr val="accent1"/>
-                </a:solidFill>
-                <a:latin typeface="Consolas" panose="020B0609020204030204" pitchFamily="49" charset="0"/>
-                <a:cs typeface="Courier New" panose="02070309020205020404" pitchFamily="49" charset="0"/>
-              </a:rPr>
-              <a:t>X</a:t>
-            </a:r>
-          </a:p>
-        </p:txBody>
-      </p:sp>
-      <p:sp>
-        <p:nvSpPr>
-          <p:cNvPr id="24" name="object 2">
-            <a:extLst>
-              <a:ext uri="{FF2B5EF4-FFF2-40B4-BE49-F238E27FC236}">
-                <a16:creationId xmlns:a16="http://schemas.microsoft.com/office/drawing/2014/main" id="{107DCECB-3BE5-3F16-68C0-C3B269054EF8}"/>
-              </a:ext>
-            </a:extLst>
-          </p:cNvPr>
-          <p:cNvSpPr txBox="1">
-            <a:spLocks/>
-          </p:cNvSpPr>
-          <p:nvPr/>
-        </p:nvSpPr>
-        <p:spPr>
-          <a:xfrm>
-            <a:off x="196936" y="236243"/>
-            <a:ext cx="4216226" cy="196208"/>
-          </a:xfrm>
-          <a:prstGeom prst="rect">
-            <a:avLst/>
-          </a:prstGeom>
-        </p:spPr>
-        <p:txBody>
-          <a:bodyPr vert="horz" wrap="square" lIns="0" tIns="11430" rIns="0" bIns="0" rtlCol="0">
-            <a:spAutoFit/>
-          </a:bodyPr>
-          <a:lstStyle>
-            <a:lvl1pPr>
-              <a:defRPr sz="1100" b="0" i="0">
-                <a:solidFill>
-                  <a:schemeClr val="tx1"/>
-                </a:solidFill>
-                <a:latin typeface="Tahoma"/>
-                <a:ea typeface="+mj-ea"/>
-                <a:cs typeface="Tahoma"/>
-              </a:defRPr>
-            </a:lvl1pPr>
-          </a:lstStyle>
-          <a:p>
-            <a:pPr marL="12700">
-              <a:spcBef>
-                <a:spcPts val="90"/>
-              </a:spcBef>
-            </a:pPr>
-            <a:r>
-              <a:rPr lang="ru-RU" sz="1200" spc="-40" dirty="0">
-                <a:latin typeface="Times New Roman" panose="02020603050405020304" pitchFamily="18" charset="0"/>
-                <a:cs typeface="Times New Roman" panose="02020603050405020304" pitchFamily="18" charset="0"/>
-              </a:rPr>
-              <a:t>Особенности генерации GUI на основе </a:t>
-            </a:r>
-            <a:r>
-              <a:rPr lang="ru-RU" sz="1200" spc="-40" dirty="0" err="1">
-                <a:latin typeface="Times New Roman" panose="02020603050405020304" pitchFamily="18" charset="0"/>
-                <a:cs typeface="Times New Roman" panose="02020603050405020304" pitchFamily="18" charset="0"/>
-              </a:rPr>
-              <a:t>aINI</a:t>
-            </a:r>
-            <a:r>
-              <a:rPr lang="ru-RU" sz="1200" spc="-40" dirty="0">
-                <a:latin typeface="Times New Roman" panose="02020603050405020304" pitchFamily="18" charset="0"/>
-                <a:cs typeface="Times New Roman" panose="02020603050405020304" pitchFamily="18" charset="0"/>
-              </a:rPr>
-              <a:t> </a:t>
-            </a:r>
-          </a:p>
-        </p:txBody>
-      </p:sp>
-    </p:spTree>
-    <p:extLst>
-      <p:ext uri="{BB962C8B-B14F-4D97-AF65-F5344CB8AC3E}">
-        <p14:creationId xmlns:p14="http://schemas.microsoft.com/office/powerpoint/2010/main" val="1259577742"/>
       </p:ext>
     </p:extLst>
   </p:cSld>
